--- a/basics/fig/slide.pptx
+++ b/basics/fig/slide.pptx
@@ -5,7 +5,7 @@
     <p:sldMasterId id="2147483663" r:id="rId1"/>
   </p:sldMasterIdLst>
   <p:notesMasterIdLst>
-    <p:notesMasterId r:id="rId17"/>
+    <p:notesMasterId r:id="rId32"/>
   </p:notesMasterIdLst>
   <p:sldIdLst>
     <p:sldId id="256" r:id="rId2"/>
@@ -22,7 +22,22 @@
     <p:sldId id="336" r:id="rId13"/>
     <p:sldId id="337" r:id="rId14"/>
     <p:sldId id="338" r:id="rId15"/>
-    <p:sldId id="326" r:id="rId16"/>
+    <p:sldId id="339" r:id="rId16"/>
+    <p:sldId id="340" r:id="rId17"/>
+    <p:sldId id="344" r:id="rId18"/>
+    <p:sldId id="341" r:id="rId19"/>
+    <p:sldId id="342" r:id="rId20"/>
+    <p:sldId id="343" r:id="rId21"/>
+    <p:sldId id="345" r:id="rId22"/>
+    <p:sldId id="346" r:id="rId23"/>
+    <p:sldId id="347" r:id="rId24"/>
+    <p:sldId id="348" r:id="rId25"/>
+    <p:sldId id="349" r:id="rId26"/>
+    <p:sldId id="350" r:id="rId27"/>
+    <p:sldId id="351" r:id="rId28"/>
+    <p:sldId id="352" r:id="rId29"/>
+    <p:sldId id="353" r:id="rId30"/>
+    <p:sldId id="354" r:id="rId31"/>
   </p:sldIdLst>
   <p:sldSz cx="9144000" cy="6858000" type="screen4x3"/>
   <p:notesSz cx="6858000" cy="9144000"/>
@@ -221,7 +236,7 @@
           </a:lstStyle>
           <a:p>
             <a:fld id="{6B8D1B20-A248-FB47-8240-73C0C5F47C9D}" type="datetimeFigureOut">
-              <a:t>2021/9/28</a:t>
+              <a:t>2021/9/29</a:t>
             </a:fld>
             <a:endParaRPr kumimoji="1" lang="ja-JP" altLang="en-US"/>
           </a:p>
@@ -2902,6 +2917,369 @@
           </a:p>
         </p:txBody>
       </p:sp>
+      <p:sp>
+        <p:nvSpPr>
+          <p:cNvPr id="5" name="テキスト ボックス 4">
+            <a:extLst>
+              <a:ext uri="{FF2B5EF4-FFF2-40B4-BE49-F238E27FC236}">
+                <a16:creationId xmlns:a16="http://schemas.microsoft.com/office/drawing/2014/main" id="{71D4B429-C4C6-4C0D-B727-B9377C746DD9}"/>
+              </a:ext>
+            </a:extLst>
+          </p:cNvPr>
+          <p:cNvSpPr txBox="1"/>
+          <p:nvPr/>
+        </p:nvSpPr>
+        <p:spPr>
+          <a:xfrm>
+            <a:off x="251520" y="1556792"/>
+            <a:ext cx="7491153" cy="1569660"/>
+          </a:xfrm>
+          <a:prstGeom prst="rect">
+            <a:avLst/>
+          </a:prstGeom>
+          <a:noFill/>
+          <a:ln>
+            <a:solidFill>
+              <a:schemeClr val="tx1"/>
+            </a:solidFill>
+          </a:ln>
+        </p:spPr>
+        <p:txBody>
+          <a:bodyPr wrap="none" rtlCol="0">
+            <a:spAutoFit/>
+          </a:bodyPr>
+          <a:lstStyle/>
+          <a:p>
+            <a:r>
+              <a:rPr kumimoji="1" lang="en-US" altLang="ja-JP" sz="2400" dirty="0">
+                <a:latin typeface="Consolas" panose="020B0609020204030204" pitchFamily="49" charset="0"/>
+              </a:rPr>
+              <a:t>$ git commit</a:t>
+            </a:r>
+          </a:p>
+          <a:p>
+            <a:r>
+              <a:rPr kumimoji="1" lang="en-US" altLang="ja-JP" sz="2400" dirty="0">
+                <a:latin typeface="Consolas" panose="020B0609020204030204" pitchFamily="49" charset="0"/>
+              </a:rPr>
+              <a:t>[main (</a:t>
+            </a:r>
+            <a:r>
+              <a:rPr kumimoji="1" lang="en-US" altLang="ja-JP" sz="2400" dirty="0">
+                <a:solidFill>
+                  <a:srgbClr val="011893"/>
+                </a:solidFill>
+                <a:latin typeface="Consolas" panose="020B0609020204030204" pitchFamily="49" charset="0"/>
+              </a:rPr>
+              <a:t>root-commit</a:t>
+            </a:r>
+            <a:r>
+              <a:rPr kumimoji="1" lang="en-US" altLang="ja-JP" sz="2400" dirty="0">
+                <a:latin typeface="Consolas" panose="020B0609020204030204" pitchFamily="49" charset="0"/>
+              </a:rPr>
+              <a:t>) </a:t>
+            </a:r>
+            <a:r>
+              <a:rPr kumimoji="1" lang="en-US" altLang="ja-JP" sz="2400" dirty="0">
+                <a:solidFill>
+                  <a:srgbClr val="FF0000"/>
+                </a:solidFill>
+                <a:latin typeface="Consolas" panose="020B0609020204030204" pitchFamily="49" charset="0"/>
+              </a:rPr>
+              <a:t>9d8aab0</a:t>
+            </a:r>
+            <a:r>
+              <a:rPr kumimoji="1" lang="en-US" altLang="ja-JP" sz="2400" dirty="0">
+                <a:latin typeface="Consolas" panose="020B0609020204030204" pitchFamily="49" charset="0"/>
+              </a:rPr>
+              <a:t>] initial commit</a:t>
+            </a:r>
+          </a:p>
+          <a:p>
+            <a:r>
+              <a:rPr kumimoji="1" lang="en-US" altLang="ja-JP" sz="2400" dirty="0">
+                <a:latin typeface="Consolas" panose="020B0609020204030204" pitchFamily="49" charset="0"/>
+              </a:rPr>
+              <a:t> 1 file changed, 1 insertion(+)</a:t>
+            </a:r>
+          </a:p>
+          <a:p>
+            <a:r>
+              <a:rPr kumimoji="1" lang="en-US" altLang="ja-JP" sz="2400" dirty="0">
+                <a:latin typeface="Consolas" panose="020B0609020204030204" pitchFamily="49" charset="0"/>
+              </a:rPr>
+              <a:t> create mode 100644 README.md</a:t>
+            </a:r>
+            <a:endParaRPr kumimoji="1" lang="ja-JP" altLang="en-US" sz="2400" dirty="0">
+              <a:latin typeface="Consolas" panose="020B0609020204030204" pitchFamily="49" charset="0"/>
+            </a:endParaRPr>
+          </a:p>
+        </p:txBody>
+      </p:sp>
+      <p:sp>
+        <p:nvSpPr>
+          <p:cNvPr id="6" name="テキスト ボックス 5">
+            <a:extLst>
+              <a:ext uri="{FF2B5EF4-FFF2-40B4-BE49-F238E27FC236}">
+                <a16:creationId xmlns:a16="http://schemas.microsoft.com/office/drawing/2014/main" id="{D0A71161-328E-48CA-AEAB-C95123A3F9AB}"/>
+              </a:ext>
+            </a:extLst>
+          </p:cNvPr>
+          <p:cNvSpPr txBox="1"/>
+          <p:nvPr/>
+        </p:nvSpPr>
+        <p:spPr>
+          <a:xfrm>
+            <a:off x="179512" y="1052736"/>
+            <a:ext cx="6596678" cy="400110"/>
+          </a:xfrm>
+          <a:prstGeom prst="rect">
+            <a:avLst/>
+          </a:prstGeom>
+          <a:noFill/>
+        </p:spPr>
+        <p:txBody>
+          <a:bodyPr wrap="none" rtlCol="0">
+            <a:spAutoFit/>
+          </a:bodyPr>
+          <a:lstStyle/>
+          <a:p>
+            <a:r>
+              <a:rPr kumimoji="1" lang="ja-JP" altLang="en-US" sz="2000" dirty="0"/>
+              <a:t>コミット終了後、以下のようなメッセージが表示される</a:t>
+            </a:r>
+          </a:p>
+        </p:txBody>
+      </p:sp>
+      <p:sp>
+        <p:nvSpPr>
+          <p:cNvPr id="7" name="テキスト ボックス 6">
+            <a:extLst>
+              <a:ext uri="{FF2B5EF4-FFF2-40B4-BE49-F238E27FC236}">
+                <a16:creationId xmlns:a16="http://schemas.microsoft.com/office/drawing/2014/main" id="{DD52E222-54B7-4DA4-971A-924103FF87AC}"/>
+              </a:ext>
+            </a:extLst>
+          </p:cNvPr>
+          <p:cNvSpPr txBox="1"/>
+          <p:nvPr/>
+        </p:nvSpPr>
+        <p:spPr>
+          <a:xfrm>
+            <a:off x="611560" y="3429000"/>
+            <a:ext cx="7646645" cy="830997"/>
+          </a:xfrm>
+          <a:prstGeom prst="rect">
+            <a:avLst/>
+          </a:prstGeom>
+          <a:noFill/>
+        </p:spPr>
+        <p:txBody>
+          <a:bodyPr wrap="none" rtlCol="0">
+            <a:spAutoFit/>
+          </a:bodyPr>
+          <a:lstStyle/>
+          <a:p>
+            <a:pPr marL="342900" indent="-342900">
+              <a:buFont typeface="Arial" panose="020B0604020202020204" pitchFamily="34" charset="0"/>
+              <a:buChar char="•"/>
+            </a:pPr>
+            <a:r>
+              <a:rPr kumimoji="1" lang="en-US" altLang="ja-JP" sz="2400" dirty="0"/>
+              <a:t>main</a:t>
+            </a:r>
+            <a:r>
+              <a:rPr kumimoji="1" lang="ja-JP" altLang="en-US" sz="2400" dirty="0"/>
+              <a:t>ブランチの最初のコミットである</a:t>
+            </a:r>
+            <a:r>
+              <a:rPr kumimoji="1" lang="en-US" altLang="ja-JP" sz="2400" dirty="0"/>
+              <a:t>(</a:t>
+            </a:r>
+            <a:r>
+              <a:rPr kumimoji="1" lang="en-US" altLang="ja-JP" sz="2400" dirty="0">
+                <a:solidFill>
+                  <a:srgbClr val="011893"/>
+                </a:solidFill>
+              </a:rPr>
+              <a:t>root-commit</a:t>
+            </a:r>
+            <a:r>
+              <a:rPr kumimoji="1" lang="en-US" altLang="ja-JP" sz="2400" dirty="0"/>
+              <a:t>)</a:t>
+            </a:r>
+          </a:p>
+          <a:p>
+            <a:pPr marL="342900" indent="-342900">
+              <a:buFont typeface="Arial" panose="020B0604020202020204" pitchFamily="34" charset="0"/>
+              <a:buChar char="•"/>
+            </a:pPr>
+            <a:r>
+              <a:rPr lang="ja-JP" altLang="en-US" sz="2400" dirty="0"/>
+              <a:t>コミットハッシュ</a:t>
+            </a:r>
+            <a:r>
+              <a:rPr kumimoji="1" lang="ja-JP" altLang="en-US" sz="2400" dirty="0"/>
+              <a:t>の先頭</a:t>
+            </a:r>
+            <a:r>
+              <a:rPr kumimoji="1" lang="en-US" altLang="ja-JP" sz="2400" dirty="0"/>
+              <a:t>7</a:t>
+            </a:r>
+            <a:r>
+              <a:rPr kumimoji="1" lang="ja-JP" altLang="en-US" sz="2400" dirty="0"/>
+              <a:t>桁が</a:t>
+            </a:r>
+            <a:r>
+              <a:rPr kumimoji="1" lang="en-US" altLang="ja-JP" sz="2400" dirty="0">
+                <a:solidFill>
+                  <a:srgbClr val="FF0000"/>
+                </a:solidFill>
+                <a:latin typeface="Consolas" panose="020B0609020204030204" pitchFamily="49" charset="0"/>
+              </a:rPr>
+              <a:t>9d8aab0</a:t>
+            </a:r>
+            <a:r>
+              <a:rPr kumimoji="1" lang="ja-JP" altLang="en-US" sz="2400" dirty="0">
+                <a:latin typeface="Consolas" panose="020B0609020204030204" pitchFamily="49" charset="0"/>
+              </a:rPr>
+              <a:t>である</a:t>
+            </a:r>
+            <a:endParaRPr kumimoji="1" lang="ja-JP" altLang="en-US" sz="2400" dirty="0"/>
+          </a:p>
+        </p:txBody>
+      </p:sp>
+      <p:sp>
+        <p:nvSpPr>
+          <p:cNvPr id="8" name="テキスト ボックス 7">
+            <a:extLst>
+              <a:ext uri="{FF2B5EF4-FFF2-40B4-BE49-F238E27FC236}">
+                <a16:creationId xmlns:a16="http://schemas.microsoft.com/office/drawing/2014/main" id="{3BF1A2F5-B9BD-4A5F-A951-6AC7936D0DE3}"/>
+              </a:ext>
+            </a:extLst>
+          </p:cNvPr>
+          <p:cNvSpPr txBox="1"/>
+          <p:nvPr/>
+        </p:nvSpPr>
+        <p:spPr>
+          <a:xfrm>
+            <a:off x="251520" y="4437112"/>
+            <a:ext cx="3057247" cy="523220"/>
+          </a:xfrm>
+          <a:prstGeom prst="rect">
+            <a:avLst/>
+          </a:prstGeom>
+          <a:noFill/>
+        </p:spPr>
+        <p:txBody>
+          <a:bodyPr wrap="none" rtlCol="0">
+            <a:spAutoFit/>
+          </a:bodyPr>
+          <a:lstStyle/>
+          <a:p>
+            <a:r>
+              <a:rPr kumimoji="1" lang="ja-JP" altLang="en-US" sz="2800" dirty="0">
+                <a:solidFill>
+                  <a:srgbClr val="011893"/>
+                </a:solidFill>
+              </a:rPr>
+              <a:t>コミットハッシュ</a:t>
+            </a:r>
+          </a:p>
+        </p:txBody>
+      </p:sp>
+      <p:sp>
+        <p:nvSpPr>
+          <p:cNvPr id="9" name="テキスト ボックス 8">
+            <a:extLst>
+              <a:ext uri="{FF2B5EF4-FFF2-40B4-BE49-F238E27FC236}">
+                <a16:creationId xmlns:a16="http://schemas.microsoft.com/office/drawing/2014/main" id="{4647FD72-985B-4E7D-9385-69AD8218A517}"/>
+              </a:ext>
+            </a:extLst>
+          </p:cNvPr>
+          <p:cNvSpPr txBox="1"/>
+          <p:nvPr/>
+        </p:nvSpPr>
+        <p:spPr>
+          <a:xfrm>
+            <a:off x="611560" y="5013176"/>
+            <a:ext cx="5455340" cy="1200329"/>
+          </a:xfrm>
+          <a:prstGeom prst="rect">
+            <a:avLst/>
+          </a:prstGeom>
+          <a:noFill/>
+        </p:spPr>
+        <p:txBody>
+          <a:bodyPr wrap="none" rtlCol="0">
+            <a:spAutoFit/>
+          </a:bodyPr>
+          <a:lstStyle/>
+          <a:p>
+            <a:pPr marL="342900" indent="-342900">
+              <a:buFont typeface="Arial" panose="020B0604020202020204" pitchFamily="34" charset="0"/>
+              <a:buChar char="•"/>
+            </a:pPr>
+            <a:r>
+              <a:rPr kumimoji="1" lang="ja-JP" altLang="en-US" sz="2400" dirty="0"/>
+              <a:t>コミットに付与された一意な識別子</a:t>
+            </a:r>
+            <a:endParaRPr kumimoji="1" lang="en-US" altLang="ja-JP" sz="2400" dirty="0"/>
+          </a:p>
+          <a:p>
+            <a:pPr marL="342900" indent="-342900">
+              <a:buFont typeface="Arial" panose="020B0604020202020204" pitchFamily="34" charset="0"/>
+              <a:buChar char="•"/>
+            </a:pPr>
+            <a:r>
+              <a:rPr lang="ja-JP" altLang="en-US" sz="2400" dirty="0"/>
+              <a:t>実体は</a:t>
+            </a:r>
+            <a:r>
+              <a:rPr lang="en-US" altLang="ja-JP" sz="2400" dirty="0"/>
+              <a:t>SHA-1</a:t>
+            </a:r>
+            <a:r>
+              <a:rPr lang="ja-JP" altLang="en-US" sz="2400" dirty="0"/>
+              <a:t>ハッシュ</a:t>
+            </a:r>
+            <a:r>
+              <a:rPr lang="en-US" altLang="ja-JP" sz="2400" dirty="0"/>
+              <a:t>(40</a:t>
+            </a:r>
+            <a:r>
+              <a:rPr lang="ja-JP" altLang="en-US" sz="2400" dirty="0"/>
+              <a:t>桁</a:t>
+            </a:r>
+            <a:r>
+              <a:rPr lang="en-US" altLang="ja-JP" sz="2400" dirty="0"/>
+              <a:t>)</a:t>
+            </a:r>
+          </a:p>
+          <a:p>
+            <a:pPr marL="342900" indent="-342900">
+              <a:buFont typeface="Arial" panose="020B0604020202020204" pitchFamily="34" charset="0"/>
+              <a:buChar char="•"/>
+            </a:pPr>
+            <a:r>
+              <a:rPr kumimoji="1" lang="ja-JP" altLang="en-US" sz="2400" dirty="0"/>
+              <a:t>詳細は「</a:t>
+            </a:r>
+            <a:r>
+              <a:rPr kumimoji="1" lang="en-US" altLang="ja-JP" sz="2400" dirty="0"/>
+              <a:t>Git</a:t>
+            </a:r>
+            <a:r>
+              <a:rPr kumimoji="1" lang="ja-JP" altLang="en-US" sz="2400" dirty="0"/>
+              <a:t>の仕組み」</a:t>
+            </a:r>
+            <a:r>
+              <a:rPr lang="ja-JP" altLang="en-US" sz="2400" dirty="0"/>
+              <a:t>にて</a:t>
+            </a:r>
+            <a:endParaRPr kumimoji="1" lang="ja-JP" altLang="en-US" sz="2400" dirty="0"/>
+          </a:p>
+        </p:txBody>
+      </p:sp>
     </p:spTree>
     <p:extLst>
       <p:ext uri="{BB962C8B-B14F-4D97-AF65-F5344CB8AC3E}">
@@ -2937,7 +3315,7 @@
           <p:cNvPr id="2" name="テキスト プレースホルダー 1">
             <a:extLst>
               <a:ext uri="{FF2B5EF4-FFF2-40B4-BE49-F238E27FC236}">
-                <a16:creationId xmlns:a16="http://schemas.microsoft.com/office/drawing/2014/main" id="{22BAB1D1-77B1-4FD7-92A3-0D7FF032B8E6}"/>
+                <a16:creationId xmlns:a16="http://schemas.microsoft.com/office/drawing/2014/main" id="{2A9B0627-8C37-4E88-898D-DF9EBEAD019C}"/>
               </a:ext>
             </a:extLst>
           </p:cNvPr>
@@ -2954,10 +3332,10 @@
           <a:lstStyle/>
           <a:p>
             <a:r>
-              <a:rPr lang="ja-JP" altLang="en-US" dirty="0"/>
-              <a:t>まとめ</a:t>
-            </a:r>
-            <a:endParaRPr kumimoji="1" lang="ja-JP" altLang="en-US" dirty="0"/>
+              <a:rPr kumimoji="1" lang="ja-JP" altLang="en-US" dirty="0"/>
+              <a:t>履歴の表示</a:t>
+            </a:r>
+            <a:endParaRPr kumimoji="1" lang="en-US" altLang="ja-JP" dirty="0"/>
           </a:p>
         </p:txBody>
       </p:sp>
@@ -2966,7 +3344,7 @@
           <p:cNvPr id="3" name="テキスト ボックス 2">
             <a:extLst>
               <a:ext uri="{FF2B5EF4-FFF2-40B4-BE49-F238E27FC236}">
-                <a16:creationId xmlns:a16="http://schemas.microsoft.com/office/drawing/2014/main" id="{0B1DECF6-CC41-451B-B6DD-74C039DB47FF}"/>
+                <a16:creationId xmlns:a16="http://schemas.microsoft.com/office/drawing/2014/main" id="{2DB56613-2EA7-45CE-BD6E-B90BDA5EBF60}"/>
               </a:ext>
             </a:extLst>
           </p:cNvPr>
@@ -2975,8 +3353,8 @@
         </p:nvSpPr>
         <p:spPr>
           <a:xfrm>
-            <a:off x="611560" y="1988840"/>
-            <a:ext cx="8392041" cy="1631216"/>
+            <a:off x="179512" y="1052736"/>
+            <a:ext cx="6546985" cy="461665"/>
           </a:xfrm>
           <a:prstGeom prst="rect">
             <a:avLst/>
@@ -2990,55 +3368,196 @@
           <a:lstStyle/>
           <a:p>
             <a:r>
-              <a:rPr kumimoji="1" lang="ja-JP" altLang="en-US" sz="2000" dirty="0"/>
-              <a:t>インタフェースにはコマンドラインとグラフィカルなものがある</a:t>
-            </a:r>
-            <a:endParaRPr kumimoji="1" lang="en-US" altLang="ja-JP" sz="2000" dirty="0"/>
-          </a:p>
-          <a:p>
+              <a:rPr kumimoji="1" lang="ja-JP" altLang="en-US" sz="2400" dirty="0"/>
+              <a:t>歴史が作られたので</a:t>
+            </a:r>
+            <a:r>
+              <a:rPr lang="en-US" altLang="ja-JP" sz="2400" dirty="0"/>
+              <a:t>git log</a:t>
+            </a:r>
+            <a:r>
+              <a:rPr lang="ja-JP" altLang="en-US" sz="2400" dirty="0"/>
+              <a:t>で履歴が参照できる</a:t>
+            </a:r>
+            <a:endParaRPr kumimoji="1" lang="ja-JP" altLang="en-US" sz="2400" dirty="0"/>
+          </a:p>
+        </p:txBody>
+      </p:sp>
+      <p:sp>
+        <p:nvSpPr>
+          <p:cNvPr id="5" name="テキスト ボックス 4">
+            <a:extLst>
+              <a:ext uri="{FF2B5EF4-FFF2-40B4-BE49-F238E27FC236}">
+                <a16:creationId xmlns:a16="http://schemas.microsoft.com/office/drawing/2014/main" id="{DD0B7B27-1E1F-4B0E-9CC6-9FEDBCB300DF}"/>
+              </a:ext>
+            </a:extLst>
+          </p:cNvPr>
+          <p:cNvSpPr txBox="1"/>
+          <p:nvPr/>
+        </p:nvSpPr>
+        <p:spPr>
+          <a:xfrm>
+            <a:off x="467544" y="1844824"/>
+            <a:ext cx="8280920" cy="1754326"/>
+          </a:xfrm>
+          <a:prstGeom prst="rect">
+            <a:avLst/>
+          </a:prstGeom>
+          <a:noFill/>
+          <a:ln>
+            <a:solidFill>
+              <a:schemeClr val="tx1"/>
+            </a:solidFill>
+          </a:ln>
+        </p:spPr>
+        <p:txBody>
+          <a:bodyPr wrap="square">
+            <a:spAutoFit/>
+          </a:bodyPr>
+          <a:lstStyle/>
+          <a:p>
+            <a:r>
+              <a:rPr lang="ja-JP" altLang="en-US" dirty="0">
+                <a:latin typeface="Consolas" panose="020B0609020204030204" pitchFamily="49" charset="0"/>
+              </a:rPr>
+              <a:t>$ git log</a:t>
+            </a:r>
+          </a:p>
+          <a:p>
+            <a:r>
+              <a:rPr lang="ja-JP" altLang="en-US" dirty="0">
+                <a:latin typeface="Consolas" panose="020B0609020204030204" pitchFamily="49" charset="0"/>
+              </a:rPr>
+              <a:t>commit 9d8aab06e0a1f1b152546db086fe7737a02526e1 (HEAD -&gt; main)</a:t>
+            </a:r>
+          </a:p>
+          <a:p>
+            <a:r>
+              <a:rPr lang="ja-JP" altLang="en-US" dirty="0">
+                <a:latin typeface="Consolas" panose="020B0609020204030204" pitchFamily="49" charset="0"/>
+              </a:rPr>
+              <a:t>Author: H. Watanabe &lt;hwatanabe@example.com&gt;</a:t>
+            </a:r>
+          </a:p>
+          <a:p>
+            <a:r>
+              <a:rPr lang="ja-JP" altLang="en-US" dirty="0">
+                <a:latin typeface="Consolas" panose="020B0609020204030204" pitchFamily="49" charset="0"/>
+              </a:rPr>
+              <a:t>Date:   Thu Sep 16 17:15:41 2021 +0900</a:t>
+            </a:r>
+          </a:p>
+          <a:p>
+            <a:endParaRPr lang="ja-JP" altLang="en-US" dirty="0">
+              <a:latin typeface="Consolas" panose="020B0609020204030204" pitchFamily="49" charset="0"/>
+            </a:endParaRPr>
+          </a:p>
+          <a:p>
+            <a:r>
+              <a:rPr lang="ja-JP" altLang="en-US" dirty="0">
+                <a:latin typeface="Consolas" panose="020B0609020204030204" pitchFamily="49" charset="0"/>
+              </a:rPr>
+              <a:t>    initial commit</a:t>
+            </a:r>
+          </a:p>
+        </p:txBody>
+      </p:sp>
+      <p:sp>
+        <p:nvSpPr>
+          <p:cNvPr id="10" name="テキスト ボックス 9">
+            <a:extLst>
+              <a:ext uri="{FF2B5EF4-FFF2-40B4-BE49-F238E27FC236}">
+                <a16:creationId xmlns:a16="http://schemas.microsoft.com/office/drawing/2014/main" id="{DF87263A-2C64-45DD-82F3-0C87F19B7674}"/>
+              </a:ext>
+            </a:extLst>
+          </p:cNvPr>
+          <p:cNvSpPr txBox="1"/>
+          <p:nvPr/>
+        </p:nvSpPr>
+        <p:spPr>
+          <a:xfrm>
+            <a:off x="395536" y="4365104"/>
+            <a:ext cx="8136904" cy="1938992"/>
+          </a:xfrm>
+          <a:prstGeom prst="rect">
+            <a:avLst/>
+          </a:prstGeom>
+          <a:noFill/>
+        </p:spPr>
+        <p:txBody>
+          <a:bodyPr wrap="square">
+            <a:spAutoFit/>
+          </a:bodyPr>
+          <a:lstStyle/>
+          <a:p>
+            <a:pPr marL="285750" indent="-285750">
+              <a:buFont typeface="Arial" panose="020B0604020202020204" pitchFamily="34" charset="0"/>
+              <a:buChar char="•"/>
+            </a:pPr>
             <a:r>
               <a:rPr lang="ja-JP" altLang="en-US" sz="2000" dirty="0"/>
-              <a:t>本講義では</a:t>
-            </a:r>
-            <a:r>
-              <a:rPr lang="en-US" altLang="ja-JP" sz="2000" dirty="0"/>
-              <a:t>Git</a:t>
-            </a:r>
+              <a:t>9d8aab0というコミットハッシュのコミット</a:t>
+            </a:r>
+            <a:endParaRPr lang="en-US" altLang="ja-JP" sz="2000" dirty="0"/>
+          </a:p>
+          <a:p>
+            <a:pPr marL="285750" indent="-285750">
+              <a:buFont typeface="Arial" panose="020B0604020202020204" pitchFamily="34" charset="0"/>
+              <a:buChar char="•"/>
+            </a:pPr>
             <a:r>
               <a:rPr lang="ja-JP" altLang="en-US" sz="2000" dirty="0"/>
-              <a:t>を主にコマンドラインで使う</a:t>
-            </a:r>
-            <a:endParaRPr lang="en-US" altLang="ja-JP" sz="2000" dirty="0"/>
-          </a:p>
-          <a:p>
-            <a:r>
-              <a:rPr kumimoji="1" lang="ja-JP" altLang="en-US" sz="2000" dirty="0"/>
-              <a:t>コマンドラインインタフェースでは、プロンプトにコマンドを入力する</a:t>
-            </a:r>
-            <a:endParaRPr kumimoji="1" lang="en-US" altLang="ja-JP" sz="2000" dirty="0"/>
-          </a:p>
-          <a:p>
-            <a:r>
-              <a:rPr kumimoji="1" lang="ja-JP" altLang="en-US" sz="2000" dirty="0"/>
-              <a:t>コマンドには引数やオプションを与える</a:t>
-            </a:r>
-            <a:endParaRPr kumimoji="1" lang="en-US" altLang="ja-JP" sz="2000" dirty="0"/>
-          </a:p>
-          <a:p>
+              <a:t>mainブランチがそのコミットを指している</a:t>
+            </a:r>
+          </a:p>
+          <a:p>
+            <a:pPr marL="285750" indent="-285750">
+              <a:buFont typeface="Arial" panose="020B0604020202020204" pitchFamily="34" charset="0"/>
+              <a:buChar char="•"/>
+            </a:pPr>
             <a:r>
               <a:rPr lang="ja-JP" altLang="en-US" sz="2000" dirty="0"/>
-              <a:t>エラーメッセージを読む</a:t>
-            </a:r>
-            <a:endParaRPr kumimoji="1" lang="ja-JP" altLang="en-US" sz="2000" dirty="0"/>
-          </a:p>
-        </p:txBody>
-      </p:sp>
-      <p:sp>
-        <p:nvSpPr>
-          <p:cNvPr id="4" name="テキスト ボックス 3">
-            <a:extLst>
-              <a:ext uri="{FF2B5EF4-FFF2-40B4-BE49-F238E27FC236}">
-                <a16:creationId xmlns:a16="http://schemas.microsoft.com/office/drawing/2014/main" id="{2149F2D1-1E42-449B-BF41-799B1712FD3F}"/>
+              <a:t>カレントブランチはmainブランチ (HEAD -&gt; main)</a:t>
+            </a:r>
+          </a:p>
+          <a:p>
+            <a:pPr marL="285750" indent="-285750">
+              <a:buFont typeface="Arial" panose="020B0604020202020204" pitchFamily="34" charset="0"/>
+              <a:buChar char="•"/>
+            </a:pPr>
+            <a:r>
+              <a:rPr lang="ja-JP" altLang="en-US" sz="2000" dirty="0"/>
+              <a:t>著者とメールアドレスはH. Watanabe &lt;hwatanabe@example.com&gt;</a:t>
+            </a:r>
+          </a:p>
+          <a:p>
+            <a:pPr marL="285750" indent="-285750">
+              <a:buFont typeface="Arial" panose="020B0604020202020204" pitchFamily="34" charset="0"/>
+              <a:buChar char="•"/>
+            </a:pPr>
+            <a:r>
+              <a:rPr lang="ja-JP" altLang="en-US" sz="2000" dirty="0"/>
+              <a:t>コミットされた日付が2021年9月16日</a:t>
+            </a:r>
+          </a:p>
+          <a:p>
+            <a:pPr marL="285750" indent="-285750">
+              <a:buFont typeface="Arial" panose="020B0604020202020204" pitchFamily="34" charset="0"/>
+              <a:buChar char="•"/>
+            </a:pPr>
+            <a:r>
+              <a:rPr lang="ja-JP" altLang="en-US" sz="2000" dirty="0"/>
+              <a:t>コミットメッセージがinitial commit</a:t>
+            </a:r>
+          </a:p>
+        </p:txBody>
+      </p:sp>
+      <p:sp>
+        <p:nvSpPr>
+          <p:cNvPr id="11" name="テキスト ボックス 10">
+            <a:extLst>
+              <a:ext uri="{FF2B5EF4-FFF2-40B4-BE49-F238E27FC236}">
+                <a16:creationId xmlns:a16="http://schemas.microsoft.com/office/drawing/2014/main" id="{BAFFCAD2-43A3-481A-B156-79AC82C6143F}"/>
               </a:ext>
             </a:extLst>
           </p:cNvPr>
@@ -3047,8 +3566,8 @@
         </p:nvSpPr>
         <p:spPr>
           <a:xfrm>
-            <a:off x="251520" y="1340768"/>
-            <a:ext cx="3570208" cy="461665"/>
+            <a:off x="107504" y="3789040"/>
+            <a:ext cx="3877985" cy="461665"/>
           </a:xfrm>
           <a:prstGeom prst="rect">
             <a:avLst/>
@@ -3062,27 +3581,125 @@
           <a:lstStyle/>
           <a:p>
             <a:r>
-              <a:rPr lang="ja-JP" altLang="en-US" sz="2400" dirty="0">
-                <a:solidFill>
-                  <a:srgbClr val="011893"/>
-                </a:solidFill>
-              </a:rPr>
-              <a:t>インタフェースについて</a:t>
-            </a:r>
-            <a:endParaRPr kumimoji="1" lang="ja-JP" altLang="en-US" sz="2400" dirty="0">
-              <a:solidFill>
-                <a:srgbClr val="011893"/>
-              </a:solidFill>
+              <a:rPr kumimoji="1" lang="ja-JP" altLang="en-US" sz="2400" dirty="0"/>
+              <a:t>以下のような情報がわかる</a:t>
+            </a:r>
+          </a:p>
+        </p:txBody>
+      </p:sp>
+    </p:spTree>
+    <p:extLst>
+      <p:ext uri="{BB962C8B-B14F-4D97-AF65-F5344CB8AC3E}">
+        <p14:creationId xmlns:p14="http://schemas.microsoft.com/office/powerpoint/2010/main" val="3405916377"/>
+      </p:ext>
+    </p:extLst>
+  </p:cSld>
+  <p:clrMapOvr>
+    <a:masterClrMapping/>
+  </p:clrMapOvr>
+</p:sld>
+</file>
+
+<file path=ppt/slides/slide16.xml><?xml version="1.0" encoding="utf-8"?>
+<p:sld xmlns:a="http://schemas.openxmlformats.org/drawingml/2006/main" xmlns:r="http://schemas.openxmlformats.org/officeDocument/2006/relationships" xmlns:p="http://schemas.openxmlformats.org/presentationml/2006/main">
+  <p:cSld>
+    <p:spTree>
+      <p:nvGrpSpPr>
+        <p:cNvPr id="1" name=""/>
+        <p:cNvGrpSpPr/>
+        <p:nvPr/>
+      </p:nvGrpSpPr>
+      <p:grpSpPr>
+        <a:xfrm>
+          <a:off x="0" y="0"/>
+          <a:ext cx="0" cy="0"/>
+          <a:chOff x="0" y="0"/>
+          <a:chExt cx="0" cy="0"/>
+        </a:xfrm>
+      </p:grpSpPr>
+      <p:sp>
+        <p:nvSpPr>
+          <p:cNvPr id="2" name="テキスト プレースホルダー 1">
+            <a:extLst>
+              <a:ext uri="{FF2B5EF4-FFF2-40B4-BE49-F238E27FC236}">
+                <a16:creationId xmlns:a16="http://schemas.microsoft.com/office/drawing/2014/main" id="{2C324172-CB47-49B4-A229-85ED8725554E}"/>
+              </a:ext>
+            </a:extLst>
+          </p:cNvPr>
+          <p:cNvSpPr>
+            <a:spLocks noGrp="1"/>
+          </p:cNvSpPr>
+          <p:nvPr>
+            <p:ph type="body" sz="quarter" idx="10"/>
+          </p:nvPr>
+        </p:nvSpPr>
+        <p:spPr/>
+        <p:txBody>
+          <a:bodyPr/>
+          <a:lstStyle/>
+          <a:p>
+            <a:r>
+              <a:rPr lang="ja-JP" altLang="en-US" dirty="0"/>
+              <a:t>ファイルを</a:t>
+            </a:r>
+            <a:r>
+              <a:rPr kumimoji="1" lang="ja-JP" altLang="en-US" dirty="0"/>
+              <a:t>修正</a:t>
+            </a:r>
+          </a:p>
+        </p:txBody>
+      </p:sp>
+      <p:sp>
+        <p:nvSpPr>
+          <p:cNvPr id="3" name="テキスト ボックス 2">
+            <a:extLst>
+              <a:ext uri="{FF2B5EF4-FFF2-40B4-BE49-F238E27FC236}">
+                <a16:creationId xmlns:a16="http://schemas.microsoft.com/office/drawing/2014/main" id="{4460BFA6-68C8-475E-81C7-B8B4BE8CFD98}"/>
+              </a:ext>
+            </a:extLst>
+          </p:cNvPr>
+          <p:cNvSpPr txBox="1"/>
+          <p:nvPr/>
+        </p:nvSpPr>
+        <p:spPr>
+          <a:xfrm>
+            <a:off x="1835696" y="2204864"/>
+            <a:ext cx="1584176" cy="461665"/>
+          </a:xfrm>
+          <a:prstGeom prst="rect">
+            <a:avLst/>
+          </a:prstGeom>
+          <a:noFill/>
+          <a:ln>
+            <a:solidFill>
+              <a:schemeClr val="tx1"/>
+            </a:solidFill>
+          </a:ln>
+        </p:spPr>
+        <p:txBody>
+          <a:bodyPr wrap="square">
+            <a:spAutoFit/>
+          </a:bodyPr>
+          <a:lstStyle/>
+          <a:p>
+            <a:r>
+              <a:rPr lang="en-US" altLang="ja-JP" sz="2400" dirty="0">
+                <a:latin typeface="Consolas" panose="020B0609020204030204" pitchFamily="49" charset="0"/>
+              </a:rPr>
+              <a:t>Hello</a:t>
+            </a:r>
+            <a:endParaRPr lang="ja-JP" altLang="en-US" sz="2400" dirty="0">
+              <a:latin typeface="Consolas" panose="020B0609020204030204" pitchFamily="49" charset="0"/>
             </a:endParaRPr>
           </a:p>
         </p:txBody>
       </p:sp>
       <p:sp>
         <p:nvSpPr>
-          <p:cNvPr id="5" name="テキスト ボックス 4">
-            <a:extLst>
-              <a:ext uri="{FF2B5EF4-FFF2-40B4-BE49-F238E27FC236}">
-                <a16:creationId xmlns:a16="http://schemas.microsoft.com/office/drawing/2014/main" id="{724FDAC2-0E63-44B7-AEF2-8BC99411A3D8}"/>
+          <p:cNvPr id="4" name="テキスト ボックス 3">
+            <a:extLst>
+              <a:ext uri="{FF2B5EF4-FFF2-40B4-BE49-F238E27FC236}">
+                <a16:creationId xmlns:a16="http://schemas.microsoft.com/office/drawing/2014/main" id="{F3EEB034-FF7B-45DF-9A2B-86FE59819634}"/>
               </a:ext>
             </a:extLst>
           </p:cNvPr>
@@ -3091,8 +3708,8 @@
         </p:nvSpPr>
         <p:spPr>
           <a:xfrm>
-            <a:off x="395536" y="4005064"/>
-            <a:ext cx="709681" cy="461665"/>
+            <a:off x="323528" y="1052736"/>
+            <a:ext cx="6320961" cy="461665"/>
           </a:xfrm>
           <a:prstGeom prst="rect">
             <a:avLst/>
@@ -3106,27 +3723,760 @@
           <a:lstStyle/>
           <a:p>
             <a:r>
+              <a:rPr kumimoji="1" lang="ja-JP" altLang="en-US" sz="2400" dirty="0"/>
+              <a:t>エディタで</a:t>
+            </a:r>
+            <a:r>
+              <a:rPr kumimoji="1" lang="en-US" altLang="ja-JP" sz="2400" dirty="0"/>
+              <a:t>test.txt</a:t>
+            </a:r>
+            <a:r>
+              <a:rPr lang="ja-JP" altLang="en-US" sz="2400" dirty="0"/>
+              <a:t>に、以下のような行を追加</a:t>
+            </a:r>
+            <a:endParaRPr kumimoji="1" lang="ja-JP" altLang="en-US" sz="2400" dirty="0"/>
+          </a:p>
+        </p:txBody>
+      </p:sp>
+      <p:sp>
+        <p:nvSpPr>
+          <p:cNvPr id="5" name="テキスト ボックス 4">
+            <a:extLst>
+              <a:ext uri="{FF2B5EF4-FFF2-40B4-BE49-F238E27FC236}">
+                <a16:creationId xmlns:a16="http://schemas.microsoft.com/office/drawing/2014/main" id="{0A239322-29EA-42F9-A93D-75A64C76FE86}"/>
+              </a:ext>
+            </a:extLst>
+          </p:cNvPr>
+          <p:cNvSpPr txBox="1"/>
+          <p:nvPr/>
+        </p:nvSpPr>
+        <p:spPr>
+          <a:xfrm>
+            <a:off x="4644008" y="2060848"/>
+            <a:ext cx="1584176" cy="830997"/>
+          </a:xfrm>
+          <a:prstGeom prst="rect">
+            <a:avLst/>
+          </a:prstGeom>
+          <a:noFill/>
+          <a:ln>
+            <a:solidFill>
+              <a:schemeClr val="tx1"/>
+            </a:solidFill>
+          </a:ln>
+        </p:spPr>
+        <p:txBody>
+          <a:bodyPr wrap="square">
+            <a:spAutoFit/>
+          </a:bodyPr>
+          <a:lstStyle/>
+          <a:p>
+            <a:r>
               <a:rPr lang="en-US" altLang="ja-JP" sz="2400" dirty="0">
+                <a:latin typeface="Consolas" panose="020B0609020204030204" pitchFamily="49" charset="0"/>
+              </a:rPr>
+              <a:t>Hello</a:t>
+            </a:r>
+          </a:p>
+          <a:p>
+            <a:r>
+              <a:rPr lang="en-US" altLang="ja-JP" sz="2400" dirty="0">
+                <a:latin typeface="Consolas" panose="020B0609020204030204" pitchFamily="49" charset="0"/>
+              </a:rPr>
+              <a:t>Update</a:t>
+            </a:r>
+            <a:endParaRPr lang="ja-JP" altLang="en-US" sz="2400" dirty="0">
+              <a:latin typeface="Consolas" panose="020B0609020204030204" pitchFamily="49" charset="0"/>
+            </a:endParaRPr>
+          </a:p>
+        </p:txBody>
+      </p:sp>
+      <p:sp>
+        <p:nvSpPr>
+          <p:cNvPr id="6" name="矢印: 右 5">
+            <a:extLst>
+              <a:ext uri="{FF2B5EF4-FFF2-40B4-BE49-F238E27FC236}">
+                <a16:creationId xmlns:a16="http://schemas.microsoft.com/office/drawing/2014/main" id="{B5DF463C-A915-4EFA-9E35-5BDF704F93A1}"/>
+              </a:ext>
+            </a:extLst>
+          </p:cNvPr>
+          <p:cNvSpPr/>
+          <p:nvPr/>
+        </p:nvSpPr>
+        <p:spPr>
+          <a:xfrm>
+            <a:off x="3779912" y="2204864"/>
+            <a:ext cx="576064" cy="432048"/>
+          </a:xfrm>
+          <a:prstGeom prst="rightArrow">
+            <a:avLst/>
+          </a:prstGeom>
+          <a:solidFill>
+            <a:srgbClr val="FF0000"/>
+          </a:solidFill>
+          <a:ln>
+            <a:solidFill>
+              <a:schemeClr val="tx1"/>
+            </a:solidFill>
+          </a:ln>
+        </p:spPr>
+        <p:style>
+          <a:lnRef idx="2">
+            <a:schemeClr val="accent1">
+              <a:shade val="50000"/>
+            </a:schemeClr>
+          </a:lnRef>
+          <a:fillRef idx="1">
+            <a:schemeClr val="accent1"/>
+          </a:fillRef>
+          <a:effectRef idx="0">
+            <a:schemeClr val="accent1"/>
+          </a:effectRef>
+          <a:fontRef idx="minor">
+            <a:schemeClr val="lt1"/>
+          </a:fontRef>
+        </p:style>
+        <p:txBody>
+          <a:bodyPr rtlCol="0" anchor="ctr"/>
+          <a:lstStyle/>
+          <a:p>
+            <a:pPr algn="ctr"/>
+            <a:endParaRPr kumimoji="1" lang="ja-JP" altLang="en-US"/>
+          </a:p>
+        </p:txBody>
+      </p:sp>
+      <p:cxnSp>
+        <p:nvCxnSpPr>
+          <p:cNvPr id="13" name="直線コネクタ 12">
+            <a:extLst>
+              <a:ext uri="{FF2B5EF4-FFF2-40B4-BE49-F238E27FC236}">
+                <a16:creationId xmlns:a16="http://schemas.microsoft.com/office/drawing/2014/main" id="{31E5985C-4AC9-4390-A289-1F4FADA94AB6}"/>
+              </a:ext>
+            </a:extLst>
+          </p:cNvPr>
+          <p:cNvCxnSpPr/>
+          <p:nvPr/>
+        </p:nvCxnSpPr>
+        <p:spPr>
+          <a:xfrm>
+            <a:off x="3347864" y="4365104"/>
+            <a:ext cx="0" cy="1656184"/>
+          </a:xfrm>
+          <a:prstGeom prst="line">
+            <a:avLst/>
+          </a:prstGeom>
+          <a:ln>
+            <a:solidFill>
+              <a:schemeClr val="tx1"/>
+            </a:solidFill>
+            <a:headEnd type="none" w="med" len="med"/>
+            <a:tailEnd type="none" w="med" len="med"/>
+          </a:ln>
+        </p:spPr>
+        <p:style>
+          <a:lnRef idx="1">
+            <a:schemeClr val="accent1"/>
+          </a:lnRef>
+          <a:fillRef idx="0">
+            <a:schemeClr val="accent1"/>
+          </a:fillRef>
+          <a:effectRef idx="0">
+            <a:schemeClr val="accent1"/>
+          </a:effectRef>
+          <a:fontRef idx="minor">
+            <a:schemeClr val="tx1"/>
+          </a:fontRef>
+        </p:style>
+      </p:cxnSp>
+      <p:cxnSp>
+        <p:nvCxnSpPr>
+          <p:cNvPr id="14" name="直線コネクタ 13">
+            <a:extLst>
+              <a:ext uri="{FF2B5EF4-FFF2-40B4-BE49-F238E27FC236}">
+                <a16:creationId xmlns:a16="http://schemas.microsoft.com/office/drawing/2014/main" id="{7AE64A3E-95E0-4955-B3BA-F5AEAAA6D1DB}"/>
+              </a:ext>
+            </a:extLst>
+          </p:cNvPr>
+          <p:cNvCxnSpPr/>
+          <p:nvPr/>
+        </p:nvCxnSpPr>
+        <p:spPr>
+          <a:xfrm>
+            <a:off x="5292080" y="4365104"/>
+            <a:ext cx="0" cy="1656184"/>
+          </a:xfrm>
+          <a:prstGeom prst="line">
+            <a:avLst/>
+          </a:prstGeom>
+          <a:ln>
+            <a:solidFill>
+              <a:schemeClr val="tx1"/>
+            </a:solidFill>
+            <a:headEnd type="none" w="med" len="med"/>
+            <a:tailEnd type="none" w="med" len="med"/>
+          </a:ln>
+        </p:spPr>
+        <p:style>
+          <a:lnRef idx="1">
+            <a:schemeClr val="accent1"/>
+          </a:lnRef>
+          <a:fillRef idx="0">
+            <a:schemeClr val="accent1"/>
+          </a:fillRef>
+          <a:effectRef idx="0">
+            <a:schemeClr val="accent1"/>
+          </a:effectRef>
+          <a:fontRef idx="minor">
+            <a:schemeClr val="tx1"/>
+          </a:fontRef>
+        </p:style>
+      </p:cxnSp>
+      <p:pic>
+        <p:nvPicPr>
+          <p:cNvPr id="15" name="Picture 2" descr="フォルダのイラスト">
+            <a:extLst>
+              <a:ext uri="{FF2B5EF4-FFF2-40B4-BE49-F238E27FC236}">
+                <a16:creationId xmlns:a16="http://schemas.microsoft.com/office/drawing/2014/main" id="{85BB162D-C213-43AD-BA60-167199A0B87C}"/>
+              </a:ext>
+            </a:extLst>
+          </p:cNvPr>
+          <p:cNvPicPr>
+            <a:picLocks noChangeAspect="1" noChangeArrowheads="1"/>
+          </p:cNvPicPr>
+          <p:nvPr/>
+        </p:nvPicPr>
+        <p:blipFill>
+          <a:blip r:embed="rId2" cstate="print">
+            <a:extLst>
+              <a:ext uri="{28A0092B-C50C-407E-A947-70E740481C1C}">
+                <a14:useLocalDpi xmlns:a14="http://schemas.microsoft.com/office/drawing/2010/main" val="0"/>
+              </a:ext>
+            </a:extLst>
+          </a:blip>
+          <a:srcRect/>
+          <a:stretch>
+            <a:fillRect/>
+          </a:stretch>
+        </p:blipFill>
+        <p:spPr bwMode="auto">
+          <a:xfrm>
+            <a:off x="1835696" y="4653136"/>
+            <a:ext cx="702078" cy="587990"/>
+          </a:xfrm>
+          <a:prstGeom prst="rect">
+            <a:avLst/>
+          </a:prstGeom>
+          <a:noFill/>
+          <a:extLst>
+            <a:ext uri="{909E8E84-426E-40DD-AFC4-6F175D3DCCD1}">
+              <a14:hiddenFill xmlns:a14="http://schemas.microsoft.com/office/drawing/2010/main">
                 <a:solidFill>
-                  <a:srgbClr val="011893"/>
+                  <a:srgbClr val="FFFFFF"/>
                 </a:solidFill>
-              </a:rPr>
-              <a:t>Vim</a:t>
-            </a:r>
-            <a:endParaRPr kumimoji="1" lang="ja-JP" altLang="en-US" sz="2400" dirty="0">
+              </a14:hiddenFill>
+            </a:ext>
+          </a:extLst>
+        </p:spPr>
+      </p:pic>
+      <p:grpSp>
+        <p:nvGrpSpPr>
+          <p:cNvPr id="16" name="グループ化 15">
+            <a:extLst>
+              <a:ext uri="{FF2B5EF4-FFF2-40B4-BE49-F238E27FC236}">
+                <a16:creationId xmlns:a16="http://schemas.microsoft.com/office/drawing/2014/main" id="{B4773C51-E008-4B4E-9662-BCC343CE321A}"/>
+              </a:ext>
+            </a:extLst>
+          </p:cNvPr>
+          <p:cNvGrpSpPr/>
+          <p:nvPr/>
+        </p:nvGrpSpPr>
+        <p:grpSpPr>
+          <a:xfrm>
+            <a:off x="1979712" y="5445224"/>
+            <a:ext cx="432048" cy="540060"/>
+            <a:chOff x="3851920" y="1268760"/>
+            <a:chExt cx="2880320" cy="3600400"/>
+          </a:xfrm>
+          <a:solidFill>
+            <a:schemeClr val="accent1">
+              <a:lumMod val="20000"/>
+              <a:lumOff val="80000"/>
+            </a:schemeClr>
+          </a:solidFill>
+        </p:grpSpPr>
+        <p:sp>
+          <p:nvSpPr>
+            <p:cNvPr id="17" name="1 つの角を切り取った四角形 33">
+              <a:extLst>
+                <a:ext uri="{FF2B5EF4-FFF2-40B4-BE49-F238E27FC236}">
+                  <a16:creationId xmlns:a16="http://schemas.microsoft.com/office/drawing/2014/main" id="{DE11863B-2887-457E-98D7-5E1D1A98C1D5}"/>
+                </a:ext>
+              </a:extLst>
+            </p:cNvPr>
+            <p:cNvSpPr/>
+            <p:nvPr/>
+          </p:nvSpPr>
+          <p:spPr>
+            <a:xfrm>
+              <a:off x="3851920" y="1268760"/>
+              <a:ext cx="2880320" cy="3600400"/>
+            </a:xfrm>
+            <a:prstGeom prst="snip1Rect">
+              <a:avLst>
+                <a:gd name="adj" fmla="val 24949"/>
+              </a:avLst>
+            </a:prstGeom>
+            <a:grpFill/>
+            <a:ln>
               <a:solidFill>
-                <a:srgbClr val="011893"/>
+                <a:schemeClr val="tx1"/>
               </a:solidFill>
-            </a:endParaRPr>
-          </a:p>
-        </p:txBody>
-      </p:sp>
-      <p:sp>
-        <p:nvSpPr>
-          <p:cNvPr id="6" name="テキスト ボックス 5">
-            <a:extLst>
-              <a:ext uri="{FF2B5EF4-FFF2-40B4-BE49-F238E27FC236}">
-                <a16:creationId xmlns:a16="http://schemas.microsoft.com/office/drawing/2014/main" id="{2B889AFD-EFBD-48F2-A831-9C693E7EFE2F}"/>
+            </a:ln>
+          </p:spPr>
+          <p:style>
+            <a:lnRef idx="2">
+              <a:schemeClr val="accent1">
+                <a:shade val="50000"/>
+              </a:schemeClr>
+            </a:lnRef>
+            <a:fillRef idx="1">
+              <a:schemeClr val="accent1"/>
+            </a:fillRef>
+            <a:effectRef idx="0">
+              <a:schemeClr val="accent1"/>
+            </a:effectRef>
+            <a:fontRef idx="minor">
+              <a:schemeClr val="lt1"/>
+            </a:fontRef>
+          </p:style>
+          <p:txBody>
+            <a:bodyPr rtlCol="0" anchor="ctr"/>
+            <a:lstStyle/>
+            <a:p>
+              <a:pPr algn="ctr"/>
+              <a:endParaRPr kumimoji="1" lang="ja-JP" altLang="en-US"/>
+            </a:p>
+          </p:txBody>
+        </p:sp>
+        <p:sp>
+          <p:nvSpPr>
+            <p:cNvPr id="18" name="直角三角形 17">
+              <a:extLst>
+                <a:ext uri="{FF2B5EF4-FFF2-40B4-BE49-F238E27FC236}">
+                  <a16:creationId xmlns:a16="http://schemas.microsoft.com/office/drawing/2014/main" id="{35A3BD66-523B-4AB7-AB2B-D5BC8CFDF42F}"/>
+                </a:ext>
+              </a:extLst>
+            </p:cNvPr>
+            <p:cNvSpPr/>
+            <p:nvPr/>
+          </p:nvSpPr>
+          <p:spPr>
+            <a:xfrm>
+              <a:off x="6012160" y="1268760"/>
+              <a:ext cx="720080" cy="720080"/>
+            </a:xfrm>
+            <a:prstGeom prst="rtTriangle">
+              <a:avLst/>
+            </a:prstGeom>
+            <a:grpFill/>
+            <a:ln>
+              <a:solidFill>
+                <a:schemeClr val="tx1"/>
+              </a:solidFill>
+            </a:ln>
+          </p:spPr>
+          <p:style>
+            <a:lnRef idx="2">
+              <a:schemeClr val="accent1">
+                <a:shade val="50000"/>
+              </a:schemeClr>
+            </a:lnRef>
+            <a:fillRef idx="1">
+              <a:schemeClr val="accent1"/>
+            </a:fillRef>
+            <a:effectRef idx="0">
+              <a:schemeClr val="accent1"/>
+            </a:effectRef>
+            <a:fontRef idx="minor">
+              <a:schemeClr val="lt1"/>
+            </a:fontRef>
+          </p:style>
+          <p:txBody>
+            <a:bodyPr rtlCol="0" anchor="ctr"/>
+            <a:lstStyle/>
+            <a:p>
+              <a:pPr algn="ctr"/>
+              <a:endParaRPr kumimoji="1" lang="ja-JP" altLang="en-US"/>
+            </a:p>
+          </p:txBody>
+        </p:sp>
+      </p:grpSp>
+      <p:grpSp>
+        <p:nvGrpSpPr>
+          <p:cNvPr id="19" name="グループ化 18">
+            <a:extLst>
+              <a:ext uri="{FF2B5EF4-FFF2-40B4-BE49-F238E27FC236}">
+                <a16:creationId xmlns:a16="http://schemas.microsoft.com/office/drawing/2014/main" id="{904B261E-EE01-48FC-BFA4-211BD34B7692}"/>
+              </a:ext>
+            </a:extLst>
+          </p:cNvPr>
+          <p:cNvGrpSpPr/>
+          <p:nvPr/>
+        </p:nvGrpSpPr>
+        <p:grpSpPr>
+          <a:xfrm>
+            <a:off x="3995936" y="5445224"/>
+            <a:ext cx="432048" cy="540060"/>
+            <a:chOff x="3851920" y="1268760"/>
+            <a:chExt cx="2880320" cy="3600400"/>
+          </a:xfrm>
+        </p:grpSpPr>
+        <p:sp>
+          <p:nvSpPr>
+            <p:cNvPr id="20" name="1 つの角を切り取った四角形 47">
+              <a:extLst>
+                <a:ext uri="{FF2B5EF4-FFF2-40B4-BE49-F238E27FC236}">
+                  <a16:creationId xmlns:a16="http://schemas.microsoft.com/office/drawing/2014/main" id="{7ABC704C-4F79-4513-8CD3-18DE98D6479E}"/>
+                </a:ext>
+              </a:extLst>
+            </p:cNvPr>
+            <p:cNvSpPr/>
+            <p:nvPr/>
+          </p:nvSpPr>
+          <p:spPr>
+            <a:xfrm>
+              <a:off x="3851920" y="1268760"/>
+              <a:ext cx="2880320" cy="3600400"/>
+            </a:xfrm>
+            <a:prstGeom prst="snip1Rect">
+              <a:avLst>
+                <a:gd name="adj" fmla="val 24949"/>
+              </a:avLst>
+            </a:prstGeom>
+            <a:solidFill>
+              <a:schemeClr val="bg1"/>
+            </a:solidFill>
+            <a:ln>
+              <a:solidFill>
+                <a:schemeClr val="tx1"/>
+              </a:solidFill>
+            </a:ln>
+          </p:spPr>
+          <p:style>
+            <a:lnRef idx="2">
+              <a:schemeClr val="accent1">
+                <a:shade val="50000"/>
+              </a:schemeClr>
+            </a:lnRef>
+            <a:fillRef idx="1">
+              <a:schemeClr val="accent1"/>
+            </a:fillRef>
+            <a:effectRef idx="0">
+              <a:schemeClr val="accent1"/>
+            </a:effectRef>
+            <a:fontRef idx="minor">
+              <a:schemeClr val="lt1"/>
+            </a:fontRef>
+          </p:style>
+          <p:txBody>
+            <a:bodyPr rtlCol="0" anchor="ctr"/>
+            <a:lstStyle/>
+            <a:p>
+              <a:pPr algn="ctr"/>
+              <a:endParaRPr kumimoji="1" lang="ja-JP" altLang="en-US"/>
+            </a:p>
+          </p:txBody>
+        </p:sp>
+        <p:sp>
+          <p:nvSpPr>
+            <p:cNvPr id="21" name="直角三角形 20">
+              <a:extLst>
+                <a:ext uri="{FF2B5EF4-FFF2-40B4-BE49-F238E27FC236}">
+                  <a16:creationId xmlns:a16="http://schemas.microsoft.com/office/drawing/2014/main" id="{7BCA107E-0B67-4CD9-BCBE-7AD2B8377FA6}"/>
+                </a:ext>
+              </a:extLst>
+            </p:cNvPr>
+            <p:cNvSpPr/>
+            <p:nvPr/>
+          </p:nvSpPr>
+          <p:spPr>
+            <a:xfrm>
+              <a:off x="6012160" y="1268760"/>
+              <a:ext cx="720080" cy="720080"/>
+            </a:xfrm>
+            <a:prstGeom prst="rtTriangle">
+              <a:avLst/>
+            </a:prstGeom>
+            <a:solidFill>
+              <a:schemeClr val="bg1">
+                <a:lumMod val="85000"/>
+              </a:schemeClr>
+            </a:solidFill>
+            <a:ln>
+              <a:solidFill>
+                <a:schemeClr val="tx1"/>
+              </a:solidFill>
+            </a:ln>
+          </p:spPr>
+          <p:style>
+            <a:lnRef idx="2">
+              <a:schemeClr val="accent1">
+                <a:shade val="50000"/>
+              </a:schemeClr>
+            </a:lnRef>
+            <a:fillRef idx="1">
+              <a:schemeClr val="accent1"/>
+            </a:fillRef>
+            <a:effectRef idx="0">
+              <a:schemeClr val="accent1"/>
+            </a:effectRef>
+            <a:fontRef idx="minor">
+              <a:schemeClr val="lt1"/>
+            </a:fontRef>
+          </p:style>
+          <p:txBody>
+            <a:bodyPr rtlCol="0" anchor="ctr"/>
+            <a:lstStyle/>
+            <a:p>
+              <a:pPr algn="ctr"/>
+              <a:endParaRPr kumimoji="1" lang="ja-JP" altLang="en-US"/>
+            </a:p>
+          </p:txBody>
+        </p:sp>
+      </p:grpSp>
+      <p:pic>
+        <p:nvPicPr>
+          <p:cNvPr id="22" name="Picture 2" descr="フォルダのイラスト">
+            <a:extLst>
+              <a:ext uri="{FF2B5EF4-FFF2-40B4-BE49-F238E27FC236}">
+                <a16:creationId xmlns:a16="http://schemas.microsoft.com/office/drawing/2014/main" id="{3CD69552-7AB7-4E42-AC72-7066A79DB977}"/>
+              </a:ext>
+            </a:extLst>
+          </p:cNvPr>
+          <p:cNvPicPr>
+            <a:picLocks noChangeAspect="1" noChangeArrowheads="1"/>
+          </p:cNvPicPr>
+          <p:nvPr/>
+        </p:nvPicPr>
+        <p:blipFill>
+          <a:blip r:embed="rId2" cstate="print">
+            <a:extLst>
+              <a:ext uri="{28A0092B-C50C-407E-A947-70E740481C1C}">
+                <a14:useLocalDpi xmlns:a14="http://schemas.microsoft.com/office/drawing/2010/main" val="0"/>
+              </a:ext>
+            </a:extLst>
+          </a:blip>
+          <a:srcRect/>
+          <a:stretch>
+            <a:fillRect/>
+          </a:stretch>
+        </p:blipFill>
+        <p:spPr bwMode="auto">
+          <a:xfrm>
+            <a:off x="3851920" y="4653136"/>
+            <a:ext cx="702078" cy="587990"/>
+          </a:xfrm>
+          <a:prstGeom prst="rect">
+            <a:avLst/>
+          </a:prstGeom>
+          <a:noFill/>
+          <a:extLst>
+            <a:ext uri="{909E8E84-426E-40DD-AFC4-6F175D3DCCD1}">
+              <a14:hiddenFill xmlns:a14="http://schemas.microsoft.com/office/drawing/2010/main">
+                <a:solidFill>
+                  <a:srgbClr val="FFFFFF"/>
+                </a:solidFill>
+              </a14:hiddenFill>
+            </a:ext>
+          </a:extLst>
+        </p:spPr>
+      </p:pic>
+      <p:grpSp>
+        <p:nvGrpSpPr>
+          <p:cNvPr id="23" name="グループ化 22">
+            <a:extLst>
+              <a:ext uri="{FF2B5EF4-FFF2-40B4-BE49-F238E27FC236}">
+                <a16:creationId xmlns:a16="http://schemas.microsoft.com/office/drawing/2014/main" id="{4FFDA31E-E4E9-404F-89B8-C1466E72A674}"/>
+              </a:ext>
+            </a:extLst>
+          </p:cNvPr>
+          <p:cNvGrpSpPr/>
+          <p:nvPr/>
+        </p:nvGrpSpPr>
+        <p:grpSpPr>
+          <a:xfrm>
+            <a:off x="6041484" y="5445224"/>
+            <a:ext cx="432048" cy="540060"/>
+            <a:chOff x="3851920" y="1268760"/>
+            <a:chExt cx="2880320" cy="3600400"/>
+          </a:xfrm>
+        </p:grpSpPr>
+        <p:sp>
+          <p:nvSpPr>
+            <p:cNvPr id="24" name="1 つの角を切り取った四角形 47">
+              <a:extLst>
+                <a:ext uri="{FF2B5EF4-FFF2-40B4-BE49-F238E27FC236}">
+                  <a16:creationId xmlns:a16="http://schemas.microsoft.com/office/drawing/2014/main" id="{D630850D-B33B-4522-A11B-E0EE3EE80E82}"/>
+                </a:ext>
+              </a:extLst>
+            </p:cNvPr>
+            <p:cNvSpPr/>
+            <p:nvPr/>
+          </p:nvSpPr>
+          <p:spPr>
+            <a:xfrm>
+              <a:off x="3851920" y="1268760"/>
+              <a:ext cx="2880320" cy="3600400"/>
+            </a:xfrm>
+            <a:prstGeom prst="snip1Rect">
+              <a:avLst>
+                <a:gd name="adj" fmla="val 24949"/>
+              </a:avLst>
+            </a:prstGeom>
+            <a:solidFill>
+              <a:schemeClr val="bg1"/>
+            </a:solidFill>
+            <a:ln>
+              <a:solidFill>
+                <a:schemeClr val="tx1"/>
+              </a:solidFill>
+            </a:ln>
+          </p:spPr>
+          <p:style>
+            <a:lnRef idx="2">
+              <a:schemeClr val="accent1">
+                <a:shade val="50000"/>
+              </a:schemeClr>
+            </a:lnRef>
+            <a:fillRef idx="1">
+              <a:schemeClr val="accent1"/>
+            </a:fillRef>
+            <a:effectRef idx="0">
+              <a:schemeClr val="accent1"/>
+            </a:effectRef>
+            <a:fontRef idx="minor">
+              <a:schemeClr val="lt1"/>
+            </a:fontRef>
+          </p:style>
+          <p:txBody>
+            <a:bodyPr rtlCol="0" anchor="ctr"/>
+            <a:lstStyle/>
+            <a:p>
+              <a:pPr algn="ctr"/>
+              <a:endParaRPr kumimoji="1" lang="ja-JP" altLang="en-US"/>
+            </a:p>
+          </p:txBody>
+        </p:sp>
+        <p:sp>
+          <p:nvSpPr>
+            <p:cNvPr id="25" name="直角三角形 24">
+              <a:extLst>
+                <a:ext uri="{FF2B5EF4-FFF2-40B4-BE49-F238E27FC236}">
+                  <a16:creationId xmlns:a16="http://schemas.microsoft.com/office/drawing/2014/main" id="{EF281F51-DA12-4245-85BE-814794EC8621}"/>
+                </a:ext>
+              </a:extLst>
+            </p:cNvPr>
+            <p:cNvSpPr/>
+            <p:nvPr/>
+          </p:nvSpPr>
+          <p:spPr>
+            <a:xfrm>
+              <a:off x="6012160" y="1268760"/>
+              <a:ext cx="720080" cy="720080"/>
+            </a:xfrm>
+            <a:prstGeom prst="rtTriangle">
+              <a:avLst/>
+            </a:prstGeom>
+            <a:solidFill>
+              <a:schemeClr val="bg1">
+                <a:lumMod val="85000"/>
+              </a:schemeClr>
+            </a:solidFill>
+            <a:ln>
+              <a:solidFill>
+                <a:schemeClr val="tx1"/>
+              </a:solidFill>
+            </a:ln>
+          </p:spPr>
+          <p:style>
+            <a:lnRef idx="2">
+              <a:schemeClr val="accent1">
+                <a:shade val="50000"/>
+              </a:schemeClr>
+            </a:lnRef>
+            <a:fillRef idx="1">
+              <a:schemeClr val="accent1"/>
+            </a:fillRef>
+            <a:effectRef idx="0">
+              <a:schemeClr val="accent1"/>
+            </a:effectRef>
+            <a:fontRef idx="minor">
+              <a:schemeClr val="lt1"/>
+            </a:fontRef>
+          </p:style>
+          <p:txBody>
+            <a:bodyPr rtlCol="0" anchor="ctr"/>
+            <a:lstStyle/>
+            <a:p>
+              <a:pPr algn="ctr"/>
+              <a:endParaRPr kumimoji="1" lang="ja-JP" altLang="en-US"/>
+            </a:p>
+          </p:txBody>
+        </p:sp>
+      </p:grpSp>
+      <p:pic>
+        <p:nvPicPr>
+          <p:cNvPr id="26" name="Picture 2" descr="フォルダのイラスト">
+            <a:extLst>
+              <a:ext uri="{FF2B5EF4-FFF2-40B4-BE49-F238E27FC236}">
+                <a16:creationId xmlns:a16="http://schemas.microsoft.com/office/drawing/2014/main" id="{35C4B0AC-C2AF-41E0-ACED-7DB656E883C6}"/>
+              </a:ext>
+            </a:extLst>
+          </p:cNvPr>
+          <p:cNvPicPr>
+            <a:picLocks noChangeAspect="1" noChangeArrowheads="1"/>
+          </p:cNvPicPr>
+          <p:nvPr/>
+        </p:nvPicPr>
+        <p:blipFill>
+          <a:blip r:embed="rId2" cstate="print">
+            <a:extLst>
+              <a:ext uri="{28A0092B-C50C-407E-A947-70E740481C1C}">
+                <a14:useLocalDpi xmlns:a14="http://schemas.microsoft.com/office/drawing/2010/main" val="0"/>
+              </a:ext>
+            </a:extLst>
+          </a:blip>
+          <a:srcRect/>
+          <a:stretch>
+            <a:fillRect/>
+          </a:stretch>
+        </p:blipFill>
+        <p:spPr bwMode="auto">
+          <a:xfrm>
+            <a:off x="5897468" y="4653136"/>
+            <a:ext cx="702078" cy="587990"/>
+          </a:xfrm>
+          <a:prstGeom prst="rect">
+            <a:avLst/>
+          </a:prstGeom>
+          <a:noFill/>
+          <a:extLst>
+            <a:ext uri="{909E8E84-426E-40DD-AFC4-6F175D3DCCD1}">
+              <a14:hiddenFill xmlns:a14="http://schemas.microsoft.com/office/drawing/2010/main">
+                <a:solidFill>
+                  <a:srgbClr val="FFFFFF"/>
+                </a:solidFill>
+              </a14:hiddenFill>
+            </a:ext>
+          </a:extLst>
+        </p:spPr>
+      </p:pic>
+      <p:sp>
+        <p:nvSpPr>
+          <p:cNvPr id="27" name="テキスト ボックス 26">
+            <a:extLst>
+              <a:ext uri="{FF2B5EF4-FFF2-40B4-BE49-F238E27FC236}">
+                <a16:creationId xmlns:a16="http://schemas.microsoft.com/office/drawing/2014/main" id="{4584557D-B2A0-4A58-B4F9-5D3A77C0CEB2}"/>
               </a:ext>
             </a:extLst>
           </p:cNvPr>
@@ -3135,8 +4485,8 @@
         </p:nvSpPr>
         <p:spPr>
           <a:xfrm>
-            <a:off x="611560" y="4509120"/>
-            <a:ext cx="5053178" cy="1323439"/>
+            <a:off x="1187624" y="4221088"/>
+            <a:ext cx="2031325" cy="369332"/>
           </a:xfrm>
           <a:prstGeom prst="rect">
             <a:avLst/>
@@ -3150,66 +4500,3079 @@
           <a:lstStyle/>
           <a:p>
             <a:r>
-              <a:rPr lang="ja-JP" altLang="en-US" sz="2000" dirty="0"/>
-              <a:t>本講義では</a:t>
-            </a:r>
-            <a:r>
-              <a:rPr lang="en-US" altLang="ja-JP" sz="2000" dirty="0"/>
-              <a:t>Git</a:t>
-            </a:r>
-            <a:r>
-              <a:rPr lang="ja-JP" altLang="en-US" sz="2000" dirty="0"/>
-              <a:t>のエディタとして</a:t>
-            </a:r>
-            <a:r>
-              <a:rPr lang="en-US" altLang="ja-JP" sz="2000" dirty="0"/>
-              <a:t>Vim</a:t>
-            </a:r>
-            <a:r>
-              <a:rPr lang="ja-JP" altLang="en-US" sz="2000" dirty="0"/>
-              <a:t>を使う</a:t>
-            </a:r>
-            <a:endParaRPr lang="en-US" altLang="ja-JP" sz="2000" dirty="0"/>
-          </a:p>
-          <a:p>
-            <a:r>
-              <a:rPr lang="en-US" altLang="ja-JP" sz="2000" dirty="0"/>
-              <a:t>Vim</a:t>
-            </a:r>
-            <a:r>
-              <a:rPr lang="ja-JP" altLang="en-US" sz="2000" dirty="0"/>
-              <a:t>にはモードがある</a:t>
-            </a:r>
-            <a:endParaRPr lang="en-US" altLang="ja-JP" sz="2000" dirty="0"/>
-          </a:p>
-          <a:p>
-            <a:r>
-              <a:rPr lang="ja-JP" altLang="en-US" sz="2000" dirty="0"/>
-              <a:t>困ったらエスケープキー</a:t>
-            </a:r>
-            <a:endParaRPr lang="en-US" altLang="ja-JP" sz="2000" dirty="0"/>
-          </a:p>
-          <a:p>
-            <a:r>
-              <a:rPr lang="ja-JP" altLang="en-US" sz="2000" dirty="0"/>
-              <a:t>終了は「</a:t>
-            </a:r>
-            <a:r>
-              <a:rPr lang="en-US" altLang="ja-JP" sz="2000" dirty="0"/>
-              <a:t>ZZ</a:t>
-            </a:r>
-            <a:r>
-              <a:rPr lang="ja-JP" altLang="en-US" sz="2000" dirty="0"/>
-              <a:t>」</a:t>
-            </a:r>
-            <a:endParaRPr lang="en-US" altLang="ja-JP" sz="2000" dirty="0"/>
-          </a:p>
-        </p:txBody>
-      </p:sp>
+              <a:rPr kumimoji="1" lang="ja-JP" altLang="en-US" dirty="0"/>
+              <a:t>ワーキングツリー</a:t>
+            </a:r>
+          </a:p>
+        </p:txBody>
+      </p:sp>
+      <p:sp>
+        <p:nvSpPr>
+          <p:cNvPr id="28" name="テキスト ボックス 27">
+            <a:extLst>
+              <a:ext uri="{FF2B5EF4-FFF2-40B4-BE49-F238E27FC236}">
+                <a16:creationId xmlns:a16="http://schemas.microsoft.com/office/drawing/2014/main" id="{A74322D9-0749-476E-8E24-0EC30A3A98E0}"/>
+              </a:ext>
+            </a:extLst>
+          </p:cNvPr>
+          <p:cNvSpPr txBox="1"/>
+          <p:nvPr/>
+        </p:nvSpPr>
+        <p:spPr>
+          <a:xfrm>
+            <a:off x="3563888" y="4221088"/>
+            <a:ext cx="1569660" cy="369332"/>
+          </a:xfrm>
+          <a:prstGeom prst="rect">
+            <a:avLst/>
+          </a:prstGeom>
+          <a:noFill/>
+        </p:spPr>
+        <p:txBody>
+          <a:bodyPr wrap="none" rtlCol="0">
+            <a:spAutoFit/>
+          </a:bodyPr>
+          <a:lstStyle/>
+          <a:p>
+            <a:r>
+              <a:rPr kumimoji="1" lang="ja-JP" altLang="en-US" dirty="0"/>
+              <a:t>インデックス</a:t>
+            </a:r>
+          </a:p>
+        </p:txBody>
+      </p:sp>
+      <p:sp>
+        <p:nvSpPr>
+          <p:cNvPr id="29" name="テキスト ボックス 28">
+            <a:extLst>
+              <a:ext uri="{FF2B5EF4-FFF2-40B4-BE49-F238E27FC236}">
+                <a16:creationId xmlns:a16="http://schemas.microsoft.com/office/drawing/2014/main" id="{C14C4558-0211-4871-A4A5-4D781DED9919}"/>
+              </a:ext>
+            </a:extLst>
+          </p:cNvPr>
+          <p:cNvSpPr txBox="1"/>
+          <p:nvPr/>
+        </p:nvSpPr>
+        <p:spPr>
+          <a:xfrm>
+            <a:off x="5609436" y="4221088"/>
+            <a:ext cx="1338828" cy="369332"/>
+          </a:xfrm>
+          <a:prstGeom prst="rect">
+            <a:avLst/>
+          </a:prstGeom>
+          <a:noFill/>
+        </p:spPr>
+        <p:txBody>
+          <a:bodyPr wrap="none" rtlCol="0">
+            <a:spAutoFit/>
+          </a:bodyPr>
+          <a:lstStyle/>
+          <a:p>
+            <a:r>
+              <a:rPr kumimoji="1" lang="ja-JP" altLang="en-US" dirty="0"/>
+              <a:t>リポジトリ</a:t>
+            </a:r>
+          </a:p>
+        </p:txBody>
+      </p:sp>
+      <p:cxnSp>
+        <p:nvCxnSpPr>
+          <p:cNvPr id="30" name="直線コネクタ 29">
+            <a:extLst>
+              <a:ext uri="{FF2B5EF4-FFF2-40B4-BE49-F238E27FC236}">
+                <a16:creationId xmlns:a16="http://schemas.microsoft.com/office/drawing/2014/main" id="{77634BEA-EEE8-4DD5-8015-B8E5841B83FB}"/>
+              </a:ext>
+            </a:extLst>
+          </p:cNvPr>
+          <p:cNvCxnSpPr/>
+          <p:nvPr/>
+        </p:nvCxnSpPr>
+        <p:spPr>
+          <a:xfrm>
+            <a:off x="6257508" y="5229200"/>
+            <a:ext cx="0" cy="216024"/>
+          </a:xfrm>
+          <a:prstGeom prst="line">
+            <a:avLst/>
+          </a:prstGeom>
+          <a:ln>
+            <a:solidFill>
+              <a:schemeClr val="tx1"/>
+            </a:solidFill>
+            <a:headEnd type="none" w="med" len="med"/>
+            <a:tailEnd type="none" w="med" len="med"/>
+          </a:ln>
+        </p:spPr>
+        <p:style>
+          <a:lnRef idx="1">
+            <a:schemeClr val="accent1"/>
+          </a:lnRef>
+          <a:fillRef idx="0">
+            <a:schemeClr val="accent1"/>
+          </a:fillRef>
+          <a:effectRef idx="0">
+            <a:schemeClr val="accent1"/>
+          </a:effectRef>
+          <a:fontRef idx="minor">
+            <a:schemeClr val="tx1"/>
+          </a:fontRef>
+        </p:style>
+      </p:cxnSp>
+      <p:cxnSp>
+        <p:nvCxnSpPr>
+          <p:cNvPr id="31" name="直線コネクタ 30">
+            <a:extLst>
+              <a:ext uri="{FF2B5EF4-FFF2-40B4-BE49-F238E27FC236}">
+                <a16:creationId xmlns:a16="http://schemas.microsoft.com/office/drawing/2014/main" id="{4A6CD145-B86A-4233-8FF3-A09CEF15E1BC}"/>
+              </a:ext>
+            </a:extLst>
+          </p:cNvPr>
+          <p:cNvCxnSpPr/>
+          <p:nvPr/>
+        </p:nvCxnSpPr>
+        <p:spPr>
+          <a:xfrm>
+            <a:off x="4211960" y="5229200"/>
+            <a:ext cx="0" cy="216024"/>
+          </a:xfrm>
+          <a:prstGeom prst="line">
+            <a:avLst/>
+          </a:prstGeom>
+          <a:ln>
+            <a:solidFill>
+              <a:schemeClr val="tx1"/>
+            </a:solidFill>
+            <a:headEnd type="none" w="med" len="med"/>
+            <a:tailEnd type="none" w="med" len="med"/>
+          </a:ln>
+        </p:spPr>
+        <p:style>
+          <a:lnRef idx="1">
+            <a:schemeClr val="accent1"/>
+          </a:lnRef>
+          <a:fillRef idx="0">
+            <a:schemeClr val="accent1"/>
+          </a:fillRef>
+          <a:effectRef idx="0">
+            <a:schemeClr val="accent1"/>
+          </a:effectRef>
+          <a:fontRef idx="minor">
+            <a:schemeClr val="tx1"/>
+          </a:fontRef>
+        </p:style>
+      </p:cxnSp>
+      <p:cxnSp>
+        <p:nvCxnSpPr>
+          <p:cNvPr id="32" name="直線コネクタ 31">
+            <a:extLst>
+              <a:ext uri="{FF2B5EF4-FFF2-40B4-BE49-F238E27FC236}">
+                <a16:creationId xmlns:a16="http://schemas.microsoft.com/office/drawing/2014/main" id="{35E20895-811D-40B1-8E0C-AD76D4D9BA86}"/>
+              </a:ext>
+            </a:extLst>
+          </p:cNvPr>
+          <p:cNvCxnSpPr/>
+          <p:nvPr/>
+        </p:nvCxnSpPr>
+        <p:spPr>
+          <a:xfrm>
+            <a:off x="2195736" y="5229200"/>
+            <a:ext cx="0" cy="216024"/>
+          </a:xfrm>
+          <a:prstGeom prst="line">
+            <a:avLst/>
+          </a:prstGeom>
+          <a:ln>
+            <a:solidFill>
+              <a:schemeClr val="tx1"/>
+            </a:solidFill>
+            <a:headEnd type="none" w="med" len="med"/>
+            <a:tailEnd type="none" w="med" len="med"/>
+          </a:ln>
+        </p:spPr>
+        <p:style>
+          <a:lnRef idx="1">
+            <a:schemeClr val="accent1"/>
+          </a:lnRef>
+          <a:fillRef idx="0">
+            <a:schemeClr val="accent1"/>
+          </a:fillRef>
+          <a:effectRef idx="0">
+            <a:schemeClr val="accent1"/>
+          </a:effectRef>
+          <a:fontRef idx="minor">
+            <a:schemeClr val="tx1"/>
+          </a:fontRef>
+        </p:style>
+      </p:cxnSp>
     </p:spTree>
     <p:extLst>
       <p:ext uri="{BB962C8B-B14F-4D97-AF65-F5344CB8AC3E}">
-        <p14:creationId xmlns:p14="http://schemas.microsoft.com/office/powerpoint/2010/main" val="1863805852"/>
+        <p14:creationId xmlns:p14="http://schemas.microsoft.com/office/powerpoint/2010/main" val="1839675157"/>
+      </p:ext>
+    </p:extLst>
+  </p:cSld>
+  <p:clrMapOvr>
+    <a:masterClrMapping/>
+  </p:clrMapOvr>
+</p:sld>
+</file>
+
+<file path=ppt/slides/slide17.xml><?xml version="1.0" encoding="utf-8"?>
+<p:sld xmlns:a="http://schemas.openxmlformats.org/drawingml/2006/main" xmlns:r="http://schemas.openxmlformats.org/officeDocument/2006/relationships" xmlns:p="http://schemas.openxmlformats.org/presentationml/2006/main">
+  <p:cSld>
+    <p:spTree>
+      <p:nvGrpSpPr>
+        <p:cNvPr id="1" name=""/>
+        <p:cNvGrpSpPr/>
+        <p:nvPr/>
+      </p:nvGrpSpPr>
+      <p:grpSpPr>
+        <a:xfrm>
+          <a:off x="0" y="0"/>
+          <a:ext cx="0" cy="0"/>
+          <a:chOff x="0" y="0"/>
+          <a:chExt cx="0" cy="0"/>
+        </a:xfrm>
+      </p:grpSpPr>
+      <p:sp>
+        <p:nvSpPr>
+          <p:cNvPr id="2" name="テキスト プレースホルダー 1">
+            <a:extLst>
+              <a:ext uri="{FF2B5EF4-FFF2-40B4-BE49-F238E27FC236}">
+                <a16:creationId xmlns:a16="http://schemas.microsoft.com/office/drawing/2014/main" id="{2AE60737-AE0C-409F-84A2-B9C0C6E50770}"/>
+              </a:ext>
+            </a:extLst>
+          </p:cNvPr>
+          <p:cNvSpPr>
+            <a:spLocks noGrp="1"/>
+          </p:cNvSpPr>
+          <p:nvPr>
+            <p:ph type="body" sz="quarter" idx="10"/>
+          </p:nvPr>
+        </p:nvSpPr>
+        <p:spPr/>
+        <p:txBody>
+          <a:bodyPr/>
+          <a:lstStyle/>
+          <a:p>
+            <a:r>
+              <a:rPr lang="ja-JP" altLang="en-US" dirty="0"/>
+              <a:t>状態の表示</a:t>
+            </a:r>
+            <a:endParaRPr kumimoji="1" lang="ja-JP" altLang="en-US" dirty="0"/>
+          </a:p>
+        </p:txBody>
+      </p:sp>
+      <p:sp>
+        <p:nvSpPr>
+          <p:cNvPr id="3" name="テキスト ボックス 2">
+            <a:extLst>
+              <a:ext uri="{FF2B5EF4-FFF2-40B4-BE49-F238E27FC236}">
+                <a16:creationId xmlns:a16="http://schemas.microsoft.com/office/drawing/2014/main" id="{A8435471-764F-41D3-AC40-F335C7BBAD88}"/>
+              </a:ext>
+            </a:extLst>
+          </p:cNvPr>
+          <p:cNvSpPr txBox="1"/>
+          <p:nvPr/>
+        </p:nvSpPr>
+        <p:spPr>
+          <a:xfrm>
+            <a:off x="251520" y="836712"/>
+            <a:ext cx="2954655" cy="461665"/>
+          </a:xfrm>
+          <a:prstGeom prst="rect">
+            <a:avLst/>
+          </a:prstGeom>
+          <a:noFill/>
+        </p:spPr>
+        <p:txBody>
+          <a:bodyPr wrap="none" rtlCol="0">
+            <a:spAutoFit/>
+          </a:bodyPr>
+          <a:lstStyle/>
+          <a:p>
+            <a:r>
+              <a:rPr kumimoji="1" lang="en-US" altLang="ja-JP" sz="2400" dirty="0"/>
+              <a:t>git status</a:t>
+            </a:r>
+            <a:r>
+              <a:rPr kumimoji="1" lang="ja-JP" altLang="en-US" sz="2400" dirty="0"/>
+              <a:t>で状態表示</a:t>
+            </a:r>
+          </a:p>
+        </p:txBody>
+      </p:sp>
+      <p:sp>
+        <p:nvSpPr>
+          <p:cNvPr id="4" name="テキスト ボックス 3">
+            <a:extLst>
+              <a:ext uri="{FF2B5EF4-FFF2-40B4-BE49-F238E27FC236}">
+                <a16:creationId xmlns:a16="http://schemas.microsoft.com/office/drawing/2014/main" id="{BF3947D6-E71E-4685-95AA-A036BFCFCDC7}"/>
+              </a:ext>
+            </a:extLst>
+          </p:cNvPr>
+          <p:cNvSpPr txBox="1"/>
+          <p:nvPr/>
+        </p:nvSpPr>
+        <p:spPr>
+          <a:xfrm>
+            <a:off x="251520" y="1340768"/>
+            <a:ext cx="8151590" cy="2062103"/>
+          </a:xfrm>
+          <a:prstGeom prst="rect">
+            <a:avLst/>
+          </a:prstGeom>
+          <a:noFill/>
+          <a:ln>
+            <a:solidFill>
+              <a:schemeClr val="tx1"/>
+            </a:solidFill>
+          </a:ln>
+        </p:spPr>
+        <p:txBody>
+          <a:bodyPr wrap="none" rtlCol="0">
+            <a:spAutoFit/>
+          </a:bodyPr>
+          <a:lstStyle/>
+          <a:p>
+            <a:r>
+              <a:rPr kumimoji="1" lang="en-US" altLang="ja-JP" sz="1600" dirty="0">
+                <a:latin typeface="Consolas" panose="020B0609020204030204" pitchFamily="49" charset="0"/>
+              </a:rPr>
+              <a:t>$ git status</a:t>
+            </a:r>
+          </a:p>
+          <a:p>
+            <a:r>
+              <a:rPr kumimoji="1" lang="en-US" altLang="ja-JP" sz="1600" dirty="0">
+                <a:latin typeface="Consolas" panose="020B0609020204030204" pitchFamily="49" charset="0"/>
+              </a:rPr>
+              <a:t>On branch main</a:t>
+            </a:r>
+          </a:p>
+          <a:p>
+            <a:r>
+              <a:rPr kumimoji="1" lang="en-US" altLang="ja-JP" sz="1600" dirty="0">
+                <a:latin typeface="Consolas" panose="020B0609020204030204" pitchFamily="49" charset="0"/>
+              </a:rPr>
+              <a:t>Changes not staged for commit:</a:t>
+            </a:r>
+          </a:p>
+          <a:p>
+            <a:r>
+              <a:rPr kumimoji="1" lang="en-US" altLang="ja-JP" sz="1600" dirty="0">
+                <a:latin typeface="Consolas" panose="020B0609020204030204" pitchFamily="49" charset="0"/>
+              </a:rPr>
+              <a:t>  (use "git add &lt;file&gt;..." to update what will be committed)</a:t>
+            </a:r>
+          </a:p>
+          <a:p>
+            <a:r>
+              <a:rPr kumimoji="1" lang="en-US" altLang="ja-JP" sz="1600" dirty="0">
+                <a:latin typeface="Consolas" panose="020B0609020204030204" pitchFamily="49" charset="0"/>
+              </a:rPr>
+              <a:t>  (use "git restore &lt;file&gt;..." to discard changes in working directory)</a:t>
+            </a:r>
+          </a:p>
+          <a:p>
+            <a:r>
+              <a:rPr kumimoji="1" lang="en-US" altLang="ja-JP" sz="1600" dirty="0">
+                <a:latin typeface="Consolas" panose="020B0609020204030204" pitchFamily="49" charset="0"/>
+              </a:rPr>
+              <a:t>        modified:   README.md</a:t>
+            </a:r>
+          </a:p>
+          <a:p>
+            <a:endParaRPr kumimoji="1" lang="en-US" altLang="ja-JP" sz="1600" dirty="0">
+              <a:latin typeface="Consolas" panose="020B0609020204030204" pitchFamily="49" charset="0"/>
+            </a:endParaRPr>
+          </a:p>
+          <a:p>
+            <a:r>
+              <a:rPr kumimoji="1" lang="en-US" altLang="ja-JP" sz="1600" dirty="0">
+                <a:latin typeface="Consolas" panose="020B0609020204030204" pitchFamily="49" charset="0"/>
+              </a:rPr>
+              <a:t>no changes added to commit (use "git add" and/or "git commit -a")</a:t>
+            </a:r>
+            <a:endParaRPr kumimoji="1" lang="ja-JP" altLang="en-US" sz="1600" dirty="0">
+              <a:latin typeface="Consolas" panose="020B0609020204030204" pitchFamily="49" charset="0"/>
+            </a:endParaRPr>
+          </a:p>
+        </p:txBody>
+      </p:sp>
+      <p:sp>
+        <p:nvSpPr>
+          <p:cNvPr id="5" name="テキスト ボックス 4">
+            <a:extLst>
+              <a:ext uri="{FF2B5EF4-FFF2-40B4-BE49-F238E27FC236}">
+                <a16:creationId xmlns:a16="http://schemas.microsoft.com/office/drawing/2014/main" id="{AF0D1074-2838-4A81-8250-72028892ED5F}"/>
+              </a:ext>
+            </a:extLst>
+          </p:cNvPr>
+          <p:cNvSpPr txBox="1"/>
+          <p:nvPr/>
+        </p:nvSpPr>
+        <p:spPr>
+          <a:xfrm>
+            <a:off x="251520" y="3573016"/>
+            <a:ext cx="8680067" cy="1200329"/>
+          </a:xfrm>
+          <a:prstGeom prst="rect">
+            <a:avLst/>
+          </a:prstGeom>
+          <a:noFill/>
+        </p:spPr>
+        <p:txBody>
+          <a:bodyPr wrap="square">
+            <a:spAutoFit/>
+          </a:bodyPr>
+          <a:lstStyle/>
+          <a:p>
+            <a:pPr marL="285750" indent="-285750">
+              <a:buFont typeface="Arial" panose="020B0604020202020204" pitchFamily="34" charset="0"/>
+              <a:buChar char="•"/>
+            </a:pPr>
+            <a:r>
+              <a:rPr lang="ja-JP" altLang="en-US" dirty="0"/>
+              <a:t>カレントブランチがmainであり(On branch main)</a:t>
+            </a:r>
+          </a:p>
+          <a:p>
+            <a:pPr marL="285750" indent="-285750">
+              <a:buFont typeface="Arial" panose="020B0604020202020204" pitchFamily="34" charset="0"/>
+              <a:buChar char="•"/>
+            </a:pPr>
+            <a:r>
+              <a:rPr lang="ja-JP" altLang="en-US" dirty="0"/>
+              <a:t>ステージされていない変更があり(Changes not staged for commit)</a:t>
+            </a:r>
+          </a:p>
+          <a:p>
+            <a:pPr marL="285750" indent="-285750">
+              <a:buFont typeface="Arial" panose="020B0604020202020204" pitchFamily="34" charset="0"/>
+              <a:buChar char="•"/>
+            </a:pPr>
+            <a:r>
+              <a:rPr lang="ja-JP" altLang="en-US" dirty="0"/>
+              <a:t>その変更とは、README.mdが修正されたものである (modified: README.md)</a:t>
+            </a:r>
+            <a:endParaRPr lang="en-US" altLang="ja-JP" dirty="0"/>
+          </a:p>
+          <a:p>
+            <a:pPr marL="285750" indent="-285750">
+              <a:buFont typeface="Arial" panose="020B0604020202020204" pitchFamily="34" charset="0"/>
+              <a:buChar char="•"/>
+            </a:pPr>
+            <a:r>
+              <a:rPr lang="ja-JP" altLang="en-US" dirty="0"/>
+              <a:t>コミットしたければ</a:t>
+            </a:r>
+            <a:r>
+              <a:rPr lang="en-US" altLang="ja-JP" dirty="0"/>
+              <a:t>git add</a:t>
+            </a:r>
+            <a:r>
+              <a:rPr lang="ja-JP" altLang="en-US" dirty="0"/>
+              <a:t>か</a:t>
+            </a:r>
+            <a:r>
+              <a:rPr lang="en-US" altLang="ja-JP" dirty="0"/>
+              <a:t>git commit –a</a:t>
+            </a:r>
+            <a:r>
+              <a:rPr lang="ja-JP" altLang="en-US" dirty="0"/>
+              <a:t>を使え</a:t>
+            </a:r>
+          </a:p>
+        </p:txBody>
+      </p:sp>
+      <p:sp>
+        <p:nvSpPr>
+          <p:cNvPr id="7" name="テキスト ボックス 6">
+            <a:extLst>
+              <a:ext uri="{FF2B5EF4-FFF2-40B4-BE49-F238E27FC236}">
+                <a16:creationId xmlns:a16="http://schemas.microsoft.com/office/drawing/2014/main" id="{FDA90B3A-E011-44FE-AA45-EA1E1D3F0C76}"/>
+              </a:ext>
+            </a:extLst>
+          </p:cNvPr>
+          <p:cNvSpPr txBox="1"/>
+          <p:nvPr/>
+        </p:nvSpPr>
+        <p:spPr>
+          <a:xfrm>
+            <a:off x="251520" y="4869160"/>
+            <a:ext cx="2646878" cy="461665"/>
+          </a:xfrm>
+          <a:prstGeom prst="rect">
+            <a:avLst/>
+          </a:prstGeom>
+          <a:noFill/>
+        </p:spPr>
+        <p:txBody>
+          <a:bodyPr wrap="none" rtlCol="0">
+            <a:spAutoFit/>
+          </a:bodyPr>
+          <a:lstStyle/>
+          <a:p>
+            <a:r>
+              <a:rPr kumimoji="1" lang="ja-JP" altLang="en-US" sz="2400" dirty="0"/>
+              <a:t>状態表示の簡略版</a:t>
+            </a:r>
+          </a:p>
+        </p:txBody>
+      </p:sp>
+      <p:sp>
+        <p:nvSpPr>
+          <p:cNvPr id="8" name="テキスト ボックス 7">
+            <a:extLst>
+              <a:ext uri="{FF2B5EF4-FFF2-40B4-BE49-F238E27FC236}">
+                <a16:creationId xmlns:a16="http://schemas.microsoft.com/office/drawing/2014/main" id="{EFEE9326-48E9-4C22-BC07-806DF51A8238}"/>
+              </a:ext>
+            </a:extLst>
+          </p:cNvPr>
+          <p:cNvSpPr txBox="1"/>
+          <p:nvPr/>
+        </p:nvSpPr>
+        <p:spPr>
+          <a:xfrm>
+            <a:off x="827584" y="5445224"/>
+            <a:ext cx="4572000" cy="646331"/>
+          </a:xfrm>
+          <a:prstGeom prst="rect">
+            <a:avLst/>
+          </a:prstGeom>
+          <a:noFill/>
+          <a:ln>
+            <a:solidFill>
+              <a:schemeClr val="tx1"/>
+            </a:solidFill>
+          </a:ln>
+        </p:spPr>
+        <p:txBody>
+          <a:bodyPr wrap="square">
+            <a:spAutoFit/>
+          </a:bodyPr>
+          <a:lstStyle/>
+          <a:p>
+            <a:r>
+              <a:rPr lang="ja-JP" altLang="en-US" dirty="0">
+                <a:latin typeface="Consolas" panose="020B0609020204030204" pitchFamily="49" charset="0"/>
+              </a:rPr>
+              <a:t>$ git status -s</a:t>
+            </a:r>
+          </a:p>
+          <a:p>
+            <a:r>
+              <a:rPr lang="ja-JP" altLang="en-US" dirty="0">
+                <a:latin typeface="Consolas" panose="020B0609020204030204" pitchFamily="49" charset="0"/>
+              </a:rPr>
+              <a:t> </a:t>
+            </a:r>
+            <a:r>
+              <a:rPr lang="ja-JP" altLang="en-US" dirty="0">
+                <a:solidFill>
+                  <a:srgbClr val="FF0000"/>
+                </a:solidFill>
+                <a:latin typeface="Consolas" panose="020B0609020204030204" pitchFamily="49" charset="0"/>
+              </a:rPr>
+              <a:t>M</a:t>
+            </a:r>
+            <a:r>
+              <a:rPr lang="ja-JP" altLang="en-US" dirty="0">
+                <a:latin typeface="Consolas" panose="020B0609020204030204" pitchFamily="49" charset="0"/>
+              </a:rPr>
+              <a:t> README.md</a:t>
+            </a:r>
+          </a:p>
+        </p:txBody>
+      </p:sp>
+      <p:sp>
+        <p:nvSpPr>
+          <p:cNvPr id="9" name="テキスト ボックス 8">
+            <a:extLst>
+              <a:ext uri="{FF2B5EF4-FFF2-40B4-BE49-F238E27FC236}">
+                <a16:creationId xmlns:a16="http://schemas.microsoft.com/office/drawing/2014/main" id="{4E521284-AF2C-438F-A6D8-C6822668DAB0}"/>
+              </a:ext>
+            </a:extLst>
+          </p:cNvPr>
+          <p:cNvSpPr txBox="1"/>
+          <p:nvPr/>
+        </p:nvSpPr>
+        <p:spPr>
+          <a:xfrm>
+            <a:off x="1187624" y="6237312"/>
+            <a:ext cx="5032147" cy="369332"/>
+          </a:xfrm>
+          <a:prstGeom prst="rect">
+            <a:avLst/>
+          </a:prstGeom>
+          <a:noFill/>
+        </p:spPr>
+        <p:txBody>
+          <a:bodyPr wrap="none" rtlCol="0">
+            <a:spAutoFit/>
+          </a:bodyPr>
+          <a:lstStyle/>
+          <a:p>
+            <a:r>
+              <a:rPr kumimoji="1" lang="ja-JP" altLang="en-US" dirty="0"/>
+              <a:t>ワーキングツリーとインデックスに差異がある</a:t>
+            </a:r>
+          </a:p>
+        </p:txBody>
+      </p:sp>
+    </p:spTree>
+    <p:extLst>
+      <p:ext uri="{BB962C8B-B14F-4D97-AF65-F5344CB8AC3E}">
+        <p14:creationId xmlns:p14="http://schemas.microsoft.com/office/powerpoint/2010/main" val="3429146132"/>
+      </p:ext>
+    </p:extLst>
+  </p:cSld>
+  <p:clrMapOvr>
+    <a:masterClrMapping/>
+  </p:clrMapOvr>
+</p:sld>
+</file>
+
+<file path=ppt/slides/slide18.xml><?xml version="1.0" encoding="utf-8"?>
+<p:sld xmlns:a="http://schemas.openxmlformats.org/drawingml/2006/main" xmlns:r="http://schemas.openxmlformats.org/officeDocument/2006/relationships" xmlns:p="http://schemas.openxmlformats.org/presentationml/2006/main">
+  <p:cSld>
+    <p:spTree>
+      <p:nvGrpSpPr>
+        <p:cNvPr id="1" name=""/>
+        <p:cNvGrpSpPr/>
+        <p:nvPr/>
+      </p:nvGrpSpPr>
+      <p:grpSpPr>
+        <a:xfrm>
+          <a:off x="0" y="0"/>
+          <a:ext cx="0" cy="0"/>
+          <a:chOff x="0" y="0"/>
+          <a:chExt cx="0" cy="0"/>
+        </a:xfrm>
+      </p:grpSpPr>
+      <p:sp>
+        <p:nvSpPr>
+          <p:cNvPr id="2" name="テキスト プレースホルダー 1">
+            <a:extLst>
+              <a:ext uri="{FF2B5EF4-FFF2-40B4-BE49-F238E27FC236}">
+                <a16:creationId xmlns:a16="http://schemas.microsoft.com/office/drawing/2014/main" id="{C6CD565B-97AB-4B85-8FA9-5E4058600F76}"/>
+              </a:ext>
+            </a:extLst>
+          </p:cNvPr>
+          <p:cNvSpPr>
+            <a:spLocks noGrp="1"/>
+          </p:cNvSpPr>
+          <p:nvPr>
+            <p:ph type="body" sz="quarter" idx="10"/>
+          </p:nvPr>
+        </p:nvSpPr>
+        <p:spPr/>
+        <p:txBody>
+          <a:bodyPr/>
+          <a:lstStyle/>
+          <a:p>
+            <a:r>
+              <a:rPr lang="ja-JP" altLang="en-US" dirty="0"/>
+              <a:t>差分表示</a:t>
+            </a:r>
+            <a:endParaRPr kumimoji="1" lang="ja-JP" altLang="en-US" dirty="0"/>
+          </a:p>
+        </p:txBody>
+      </p:sp>
+      <p:sp>
+        <p:nvSpPr>
+          <p:cNvPr id="4" name="テキスト ボックス 3">
+            <a:extLst>
+              <a:ext uri="{FF2B5EF4-FFF2-40B4-BE49-F238E27FC236}">
+                <a16:creationId xmlns:a16="http://schemas.microsoft.com/office/drawing/2014/main" id="{2F626CE9-877A-4CF6-8540-597F7EFDB00E}"/>
+              </a:ext>
+            </a:extLst>
+          </p:cNvPr>
+          <p:cNvSpPr txBox="1"/>
+          <p:nvPr/>
+        </p:nvSpPr>
+        <p:spPr>
+          <a:xfrm>
+            <a:off x="467544" y="1340768"/>
+            <a:ext cx="7416824" cy="2308324"/>
+          </a:xfrm>
+          <a:prstGeom prst="rect">
+            <a:avLst/>
+          </a:prstGeom>
+          <a:noFill/>
+          <a:ln>
+            <a:solidFill>
+              <a:schemeClr val="tx1"/>
+            </a:solidFill>
+          </a:ln>
+        </p:spPr>
+        <p:txBody>
+          <a:bodyPr wrap="square">
+            <a:spAutoFit/>
+          </a:bodyPr>
+          <a:lstStyle/>
+          <a:p>
+            <a:r>
+              <a:rPr lang="ja-JP" altLang="en-US" dirty="0">
+                <a:latin typeface="Consolas" panose="020B0609020204030204" pitchFamily="49" charset="0"/>
+              </a:rPr>
+              <a:t>$ git diff</a:t>
+            </a:r>
+          </a:p>
+          <a:p>
+            <a:r>
+              <a:rPr lang="ja-JP" altLang="en-US" dirty="0">
+                <a:latin typeface="Consolas" panose="020B0609020204030204" pitchFamily="49" charset="0"/>
+              </a:rPr>
+              <a:t>diff --git a/README.md b/README.md</a:t>
+            </a:r>
+          </a:p>
+          <a:p>
+            <a:r>
+              <a:rPr lang="ja-JP" altLang="en-US" dirty="0">
+                <a:latin typeface="Consolas" panose="020B0609020204030204" pitchFamily="49" charset="0"/>
+              </a:rPr>
+              <a:t>index e965047..9c99d1a 100644</a:t>
+            </a:r>
+          </a:p>
+          <a:p>
+            <a:r>
+              <a:rPr lang="ja-JP" altLang="en-US" dirty="0">
+                <a:latin typeface="Consolas" panose="020B0609020204030204" pitchFamily="49" charset="0"/>
+              </a:rPr>
+              <a:t>--- a/README.md</a:t>
+            </a:r>
+          </a:p>
+          <a:p>
+            <a:r>
+              <a:rPr lang="ja-JP" altLang="en-US" dirty="0">
+                <a:latin typeface="Consolas" panose="020B0609020204030204" pitchFamily="49" charset="0"/>
+              </a:rPr>
+              <a:t>+++ b/README.md</a:t>
+            </a:r>
+          </a:p>
+          <a:p>
+            <a:r>
+              <a:rPr lang="ja-JP" altLang="en-US" dirty="0">
+                <a:latin typeface="Consolas" panose="020B0609020204030204" pitchFamily="49" charset="0"/>
+              </a:rPr>
+              <a:t>@@ -1 +1,2 @@</a:t>
+            </a:r>
+          </a:p>
+          <a:p>
+            <a:r>
+              <a:rPr lang="ja-JP" altLang="en-US" dirty="0">
+                <a:latin typeface="Consolas" panose="020B0609020204030204" pitchFamily="49" charset="0"/>
+              </a:rPr>
+              <a:t> Hello</a:t>
+            </a:r>
+          </a:p>
+          <a:p>
+            <a:r>
+              <a:rPr lang="ja-JP" altLang="en-US" dirty="0">
+                <a:latin typeface="Consolas" panose="020B0609020204030204" pitchFamily="49" charset="0"/>
+              </a:rPr>
+              <a:t>+Update</a:t>
+            </a:r>
+          </a:p>
+        </p:txBody>
+      </p:sp>
+      <p:sp>
+        <p:nvSpPr>
+          <p:cNvPr id="6" name="テキスト ボックス 5">
+            <a:extLst>
+              <a:ext uri="{FF2B5EF4-FFF2-40B4-BE49-F238E27FC236}">
+                <a16:creationId xmlns:a16="http://schemas.microsoft.com/office/drawing/2014/main" id="{36350692-BE6D-4886-8699-9F1253A2C99C}"/>
+              </a:ext>
+            </a:extLst>
+          </p:cNvPr>
+          <p:cNvSpPr txBox="1"/>
+          <p:nvPr/>
+        </p:nvSpPr>
+        <p:spPr>
+          <a:xfrm>
+            <a:off x="755576" y="3789040"/>
+            <a:ext cx="7128792" cy="923330"/>
+          </a:xfrm>
+          <a:prstGeom prst="rect">
+            <a:avLst/>
+          </a:prstGeom>
+          <a:noFill/>
+        </p:spPr>
+        <p:txBody>
+          <a:bodyPr wrap="square">
+            <a:spAutoFit/>
+          </a:bodyPr>
+          <a:lstStyle/>
+          <a:p>
+            <a:pPr marL="285750" indent="-285750">
+              <a:buFont typeface="Arial" panose="020B0604020202020204" pitchFamily="34" charset="0"/>
+              <a:buChar char="•"/>
+            </a:pPr>
+            <a:r>
+              <a:rPr lang="ja-JP" altLang="en-US" dirty="0"/>
+              <a:t>ワーキングツリーとインデックスを比較したら</a:t>
+            </a:r>
+            <a:endParaRPr lang="en-US" altLang="ja-JP" dirty="0"/>
+          </a:p>
+          <a:p>
+            <a:pPr marL="285750" indent="-285750">
+              <a:buFont typeface="Arial" panose="020B0604020202020204" pitchFamily="34" charset="0"/>
+              <a:buChar char="•"/>
+            </a:pPr>
+            <a:r>
+              <a:rPr lang="ja-JP" altLang="en-US" dirty="0"/>
+              <a:t>README.mdに変更があり</a:t>
+            </a:r>
+            <a:endParaRPr lang="en-US" altLang="ja-JP" dirty="0"/>
+          </a:p>
+          <a:p>
+            <a:pPr marL="285750" indent="-285750">
+              <a:buFont typeface="Arial" panose="020B0604020202020204" pitchFamily="34" charset="0"/>
+              <a:buChar char="•"/>
+            </a:pPr>
+            <a:r>
+              <a:rPr lang="ja-JP" altLang="en-US" dirty="0"/>
+              <a:t>ワーキングツリーには「Update」という行が追加されている</a:t>
+            </a:r>
+          </a:p>
+        </p:txBody>
+      </p:sp>
+      <p:sp>
+        <p:nvSpPr>
+          <p:cNvPr id="7" name="テキスト ボックス 6">
+            <a:extLst>
+              <a:ext uri="{FF2B5EF4-FFF2-40B4-BE49-F238E27FC236}">
+                <a16:creationId xmlns:a16="http://schemas.microsoft.com/office/drawing/2014/main" id="{523F5B26-0EBB-40BD-9588-E1EADA9CBC2F}"/>
+              </a:ext>
+            </a:extLst>
+          </p:cNvPr>
+          <p:cNvSpPr txBox="1"/>
+          <p:nvPr/>
+        </p:nvSpPr>
+        <p:spPr>
+          <a:xfrm>
+            <a:off x="395536" y="908720"/>
+            <a:ext cx="2873544" cy="369332"/>
+          </a:xfrm>
+          <a:prstGeom prst="rect">
+            <a:avLst/>
+          </a:prstGeom>
+          <a:noFill/>
+        </p:spPr>
+        <p:txBody>
+          <a:bodyPr wrap="none" rtlCol="0">
+            <a:spAutoFit/>
+          </a:bodyPr>
+          <a:lstStyle/>
+          <a:p>
+            <a:r>
+              <a:rPr kumimoji="1" lang="en-US" altLang="ja-JP" dirty="0"/>
+              <a:t>git diff</a:t>
+            </a:r>
+            <a:r>
+              <a:rPr kumimoji="1" lang="ja-JP" altLang="en-US" dirty="0"/>
+              <a:t>で差分を表示できる</a:t>
+            </a:r>
+          </a:p>
+        </p:txBody>
+      </p:sp>
+      <p:cxnSp>
+        <p:nvCxnSpPr>
+          <p:cNvPr id="36" name="直線コネクタ 35">
+            <a:extLst>
+              <a:ext uri="{FF2B5EF4-FFF2-40B4-BE49-F238E27FC236}">
+                <a16:creationId xmlns:a16="http://schemas.microsoft.com/office/drawing/2014/main" id="{659BF747-9E25-4ACA-9DF3-73BD235BE030}"/>
+              </a:ext>
+            </a:extLst>
+          </p:cNvPr>
+          <p:cNvCxnSpPr/>
+          <p:nvPr/>
+        </p:nvCxnSpPr>
+        <p:spPr>
+          <a:xfrm>
+            <a:off x="2699792" y="5085184"/>
+            <a:ext cx="0" cy="1656184"/>
+          </a:xfrm>
+          <a:prstGeom prst="line">
+            <a:avLst/>
+          </a:prstGeom>
+          <a:ln>
+            <a:solidFill>
+              <a:schemeClr val="tx1"/>
+            </a:solidFill>
+            <a:headEnd type="none" w="med" len="med"/>
+            <a:tailEnd type="none" w="med" len="med"/>
+          </a:ln>
+        </p:spPr>
+        <p:style>
+          <a:lnRef idx="1">
+            <a:schemeClr val="accent1"/>
+          </a:lnRef>
+          <a:fillRef idx="0">
+            <a:schemeClr val="accent1"/>
+          </a:fillRef>
+          <a:effectRef idx="0">
+            <a:schemeClr val="accent1"/>
+          </a:effectRef>
+          <a:fontRef idx="minor">
+            <a:schemeClr val="tx1"/>
+          </a:fontRef>
+        </p:style>
+      </p:cxnSp>
+      <p:cxnSp>
+        <p:nvCxnSpPr>
+          <p:cNvPr id="37" name="直線コネクタ 36">
+            <a:extLst>
+              <a:ext uri="{FF2B5EF4-FFF2-40B4-BE49-F238E27FC236}">
+                <a16:creationId xmlns:a16="http://schemas.microsoft.com/office/drawing/2014/main" id="{19F9B724-3B4F-48BD-9E39-247EA4E4951E}"/>
+              </a:ext>
+            </a:extLst>
+          </p:cNvPr>
+          <p:cNvCxnSpPr/>
+          <p:nvPr/>
+        </p:nvCxnSpPr>
+        <p:spPr>
+          <a:xfrm>
+            <a:off x="4644008" y="5085184"/>
+            <a:ext cx="0" cy="1656184"/>
+          </a:xfrm>
+          <a:prstGeom prst="line">
+            <a:avLst/>
+          </a:prstGeom>
+          <a:ln>
+            <a:solidFill>
+              <a:schemeClr val="tx1"/>
+            </a:solidFill>
+            <a:headEnd type="none" w="med" len="med"/>
+            <a:tailEnd type="none" w="med" len="med"/>
+          </a:ln>
+        </p:spPr>
+        <p:style>
+          <a:lnRef idx="1">
+            <a:schemeClr val="accent1"/>
+          </a:lnRef>
+          <a:fillRef idx="0">
+            <a:schemeClr val="accent1"/>
+          </a:fillRef>
+          <a:effectRef idx="0">
+            <a:schemeClr val="accent1"/>
+          </a:effectRef>
+          <a:fontRef idx="minor">
+            <a:schemeClr val="tx1"/>
+          </a:fontRef>
+        </p:style>
+      </p:cxnSp>
+      <p:pic>
+        <p:nvPicPr>
+          <p:cNvPr id="38" name="Picture 2" descr="フォルダのイラスト">
+            <a:extLst>
+              <a:ext uri="{FF2B5EF4-FFF2-40B4-BE49-F238E27FC236}">
+                <a16:creationId xmlns:a16="http://schemas.microsoft.com/office/drawing/2014/main" id="{DF524C2B-D976-4609-95D1-0E566BFD3D42}"/>
+              </a:ext>
+            </a:extLst>
+          </p:cNvPr>
+          <p:cNvPicPr>
+            <a:picLocks noChangeAspect="1" noChangeArrowheads="1"/>
+          </p:cNvPicPr>
+          <p:nvPr/>
+        </p:nvPicPr>
+        <p:blipFill>
+          <a:blip r:embed="rId2" cstate="print">
+            <a:extLst>
+              <a:ext uri="{28A0092B-C50C-407E-A947-70E740481C1C}">
+                <a14:useLocalDpi xmlns:a14="http://schemas.microsoft.com/office/drawing/2010/main" val="0"/>
+              </a:ext>
+            </a:extLst>
+          </a:blip>
+          <a:srcRect/>
+          <a:stretch>
+            <a:fillRect/>
+          </a:stretch>
+        </p:blipFill>
+        <p:spPr bwMode="auto">
+          <a:xfrm>
+            <a:off x="1187624" y="5373216"/>
+            <a:ext cx="702078" cy="587990"/>
+          </a:xfrm>
+          <a:prstGeom prst="rect">
+            <a:avLst/>
+          </a:prstGeom>
+          <a:noFill/>
+          <a:extLst>
+            <a:ext uri="{909E8E84-426E-40DD-AFC4-6F175D3DCCD1}">
+              <a14:hiddenFill xmlns:a14="http://schemas.microsoft.com/office/drawing/2010/main">
+                <a:solidFill>
+                  <a:srgbClr val="FFFFFF"/>
+                </a:solidFill>
+              </a14:hiddenFill>
+            </a:ext>
+          </a:extLst>
+        </p:spPr>
+      </p:pic>
+      <p:grpSp>
+        <p:nvGrpSpPr>
+          <p:cNvPr id="40" name="グループ化 39">
+            <a:extLst>
+              <a:ext uri="{FF2B5EF4-FFF2-40B4-BE49-F238E27FC236}">
+                <a16:creationId xmlns:a16="http://schemas.microsoft.com/office/drawing/2014/main" id="{A240DA82-24CE-4077-BE2C-268D8C8D8989}"/>
+              </a:ext>
+            </a:extLst>
+          </p:cNvPr>
+          <p:cNvGrpSpPr/>
+          <p:nvPr/>
+        </p:nvGrpSpPr>
+        <p:grpSpPr>
+          <a:xfrm>
+            <a:off x="1331640" y="6165304"/>
+            <a:ext cx="432048" cy="540060"/>
+            <a:chOff x="3851920" y="1268760"/>
+            <a:chExt cx="2880320" cy="3600400"/>
+          </a:xfrm>
+          <a:solidFill>
+            <a:schemeClr val="accent1">
+              <a:lumMod val="20000"/>
+              <a:lumOff val="80000"/>
+            </a:schemeClr>
+          </a:solidFill>
+        </p:grpSpPr>
+        <p:sp>
+          <p:nvSpPr>
+            <p:cNvPr id="41" name="1 つの角を切り取った四角形 33">
+              <a:extLst>
+                <a:ext uri="{FF2B5EF4-FFF2-40B4-BE49-F238E27FC236}">
+                  <a16:creationId xmlns:a16="http://schemas.microsoft.com/office/drawing/2014/main" id="{CCF52D17-3C8C-4E1C-BB77-C555D8C26B91}"/>
+                </a:ext>
+              </a:extLst>
+            </p:cNvPr>
+            <p:cNvSpPr/>
+            <p:nvPr/>
+          </p:nvSpPr>
+          <p:spPr>
+            <a:xfrm>
+              <a:off x="3851920" y="1268760"/>
+              <a:ext cx="2880320" cy="3600400"/>
+            </a:xfrm>
+            <a:prstGeom prst="snip1Rect">
+              <a:avLst>
+                <a:gd name="adj" fmla="val 24949"/>
+              </a:avLst>
+            </a:prstGeom>
+            <a:grpFill/>
+            <a:ln>
+              <a:solidFill>
+                <a:schemeClr val="tx1"/>
+              </a:solidFill>
+            </a:ln>
+          </p:spPr>
+          <p:style>
+            <a:lnRef idx="2">
+              <a:schemeClr val="accent1">
+                <a:shade val="50000"/>
+              </a:schemeClr>
+            </a:lnRef>
+            <a:fillRef idx="1">
+              <a:schemeClr val="accent1"/>
+            </a:fillRef>
+            <a:effectRef idx="0">
+              <a:schemeClr val="accent1"/>
+            </a:effectRef>
+            <a:fontRef idx="minor">
+              <a:schemeClr val="lt1"/>
+            </a:fontRef>
+          </p:style>
+          <p:txBody>
+            <a:bodyPr rtlCol="0" anchor="ctr"/>
+            <a:lstStyle/>
+            <a:p>
+              <a:pPr algn="ctr"/>
+              <a:endParaRPr kumimoji="1" lang="ja-JP" altLang="en-US"/>
+            </a:p>
+          </p:txBody>
+        </p:sp>
+        <p:sp>
+          <p:nvSpPr>
+            <p:cNvPr id="42" name="直角三角形 41">
+              <a:extLst>
+                <a:ext uri="{FF2B5EF4-FFF2-40B4-BE49-F238E27FC236}">
+                  <a16:creationId xmlns:a16="http://schemas.microsoft.com/office/drawing/2014/main" id="{184E29AA-50F8-4250-8CE8-DA8DC414F0D6}"/>
+                </a:ext>
+              </a:extLst>
+            </p:cNvPr>
+            <p:cNvSpPr/>
+            <p:nvPr/>
+          </p:nvSpPr>
+          <p:spPr>
+            <a:xfrm>
+              <a:off x="6012160" y="1268760"/>
+              <a:ext cx="720080" cy="720080"/>
+            </a:xfrm>
+            <a:prstGeom prst="rtTriangle">
+              <a:avLst/>
+            </a:prstGeom>
+            <a:grpFill/>
+            <a:ln>
+              <a:solidFill>
+                <a:schemeClr val="tx1"/>
+              </a:solidFill>
+            </a:ln>
+          </p:spPr>
+          <p:style>
+            <a:lnRef idx="2">
+              <a:schemeClr val="accent1">
+                <a:shade val="50000"/>
+              </a:schemeClr>
+            </a:lnRef>
+            <a:fillRef idx="1">
+              <a:schemeClr val="accent1"/>
+            </a:fillRef>
+            <a:effectRef idx="0">
+              <a:schemeClr val="accent1"/>
+            </a:effectRef>
+            <a:fontRef idx="minor">
+              <a:schemeClr val="lt1"/>
+            </a:fontRef>
+          </p:style>
+          <p:txBody>
+            <a:bodyPr rtlCol="0" anchor="ctr"/>
+            <a:lstStyle/>
+            <a:p>
+              <a:pPr algn="ctr"/>
+              <a:endParaRPr kumimoji="1" lang="ja-JP" altLang="en-US"/>
+            </a:p>
+          </p:txBody>
+        </p:sp>
+      </p:grpSp>
+      <p:grpSp>
+        <p:nvGrpSpPr>
+          <p:cNvPr id="43" name="グループ化 42">
+            <a:extLst>
+              <a:ext uri="{FF2B5EF4-FFF2-40B4-BE49-F238E27FC236}">
+                <a16:creationId xmlns:a16="http://schemas.microsoft.com/office/drawing/2014/main" id="{D9ADD70F-8FAD-4CD5-A372-BD92887A1FC8}"/>
+              </a:ext>
+            </a:extLst>
+          </p:cNvPr>
+          <p:cNvGrpSpPr/>
+          <p:nvPr/>
+        </p:nvGrpSpPr>
+        <p:grpSpPr>
+          <a:xfrm>
+            <a:off x="3347864" y="6165304"/>
+            <a:ext cx="432048" cy="540060"/>
+            <a:chOff x="3851920" y="1268760"/>
+            <a:chExt cx="2880320" cy="3600400"/>
+          </a:xfrm>
+        </p:grpSpPr>
+        <p:sp>
+          <p:nvSpPr>
+            <p:cNvPr id="44" name="1 つの角を切り取った四角形 47">
+              <a:extLst>
+                <a:ext uri="{FF2B5EF4-FFF2-40B4-BE49-F238E27FC236}">
+                  <a16:creationId xmlns:a16="http://schemas.microsoft.com/office/drawing/2014/main" id="{0D841DD2-A5AB-4249-9AA9-8A3D2E321E4B}"/>
+                </a:ext>
+              </a:extLst>
+            </p:cNvPr>
+            <p:cNvSpPr/>
+            <p:nvPr/>
+          </p:nvSpPr>
+          <p:spPr>
+            <a:xfrm>
+              <a:off x="3851920" y="1268760"/>
+              <a:ext cx="2880320" cy="3600400"/>
+            </a:xfrm>
+            <a:prstGeom prst="snip1Rect">
+              <a:avLst>
+                <a:gd name="adj" fmla="val 24949"/>
+              </a:avLst>
+            </a:prstGeom>
+            <a:solidFill>
+              <a:schemeClr val="bg1"/>
+            </a:solidFill>
+            <a:ln>
+              <a:solidFill>
+                <a:schemeClr val="tx1"/>
+              </a:solidFill>
+            </a:ln>
+          </p:spPr>
+          <p:style>
+            <a:lnRef idx="2">
+              <a:schemeClr val="accent1">
+                <a:shade val="50000"/>
+              </a:schemeClr>
+            </a:lnRef>
+            <a:fillRef idx="1">
+              <a:schemeClr val="accent1"/>
+            </a:fillRef>
+            <a:effectRef idx="0">
+              <a:schemeClr val="accent1"/>
+            </a:effectRef>
+            <a:fontRef idx="minor">
+              <a:schemeClr val="lt1"/>
+            </a:fontRef>
+          </p:style>
+          <p:txBody>
+            <a:bodyPr rtlCol="0" anchor="ctr"/>
+            <a:lstStyle/>
+            <a:p>
+              <a:pPr algn="ctr"/>
+              <a:endParaRPr kumimoji="1" lang="ja-JP" altLang="en-US"/>
+            </a:p>
+          </p:txBody>
+        </p:sp>
+        <p:sp>
+          <p:nvSpPr>
+            <p:cNvPr id="45" name="直角三角形 44">
+              <a:extLst>
+                <a:ext uri="{FF2B5EF4-FFF2-40B4-BE49-F238E27FC236}">
+                  <a16:creationId xmlns:a16="http://schemas.microsoft.com/office/drawing/2014/main" id="{97C01D81-4A53-48A3-8326-D8FA087B321B}"/>
+                </a:ext>
+              </a:extLst>
+            </p:cNvPr>
+            <p:cNvSpPr/>
+            <p:nvPr/>
+          </p:nvSpPr>
+          <p:spPr>
+            <a:xfrm>
+              <a:off x="6012160" y="1268760"/>
+              <a:ext cx="720080" cy="720080"/>
+            </a:xfrm>
+            <a:prstGeom prst="rtTriangle">
+              <a:avLst/>
+            </a:prstGeom>
+            <a:solidFill>
+              <a:schemeClr val="bg1">
+                <a:lumMod val="85000"/>
+              </a:schemeClr>
+            </a:solidFill>
+            <a:ln>
+              <a:solidFill>
+                <a:schemeClr val="tx1"/>
+              </a:solidFill>
+            </a:ln>
+          </p:spPr>
+          <p:style>
+            <a:lnRef idx="2">
+              <a:schemeClr val="accent1">
+                <a:shade val="50000"/>
+              </a:schemeClr>
+            </a:lnRef>
+            <a:fillRef idx="1">
+              <a:schemeClr val="accent1"/>
+            </a:fillRef>
+            <a:effectRef idx="0">
+              <a:schemeClr val="accent1"/>
+            </a:effectRef>
+            <a:fontRef idx="minor">
+              <a:schemeClr val="lt1"/>
+            </a:fontRef>
+          </p:style>
+          <p:txBody>
+            <a:bodyPr rtlCol="0" anchor="ctr"/>
+            <a:lstStyle/>
+            <a:p>
+              <a:pPr algn="ctr"/>
+              <a:endParaRPr kumimoji="1" lang="ja-JP" altLang="en-US"/>
+            </a:p>
+          </p:txBody>
+        </p:sp>
+      </p:grpSp>
+      <p:pic>
+        <p:nvPicPr>
+          <p:cNvPr id="46" name="Picture 2" descr="フォルダのイラスト">
+            <a:extLst>
+              <a:ext uri="{FF2B5EF4-FFF2-40B4-BE49-F238E27FC236}">
+                <a16:creationId xmlns:a16="http://schemas.microsoft.com/office/drawing/2014/main" id="{C61F0F13-FE7D-489D-B4DF-115907C9A974}"/>
+              </a:ext>
+            </a:extLst>
+          </p:cNvPr>
+          <p:cNvPicPr>
+            <a:picLocks noChangeAspect="1" noChangeArrowheads="1"/>
+          </p:cNvPicPr>
+          <p:nvPr/>
+        </p:nvPicPr>
+        <p:blipFill>
+          <a:blip r:embed="rId2" cstate="print">
+            <a:extLst>
+              <a:ext uri="{28A0092B-C50C-407E-A947-70E740481C1C}">
+                <a14:useLocalDpi xmlns:a14="http://schemas.microsoft.com/office/drawing/2010/main" val="0"/>
+              </a:ext>
+            </a:extLst>
+          </a:blip>
+          <a:srcRect/>
+          <a:stretch>
+            <a:fillRect/>
+          </a:stretch>
+        </p:blipFill>
+        <p:spPr bwMode="auto">
+          <a:xfrm>
+            <a:off x="3203848" y="5373216"/>
+            <a:ext cx="702078" cy="587990"/>
+          </a:xfrm>
+          <a:prstGeom prst="rect">
+            <a:avLst/>
+          </a:prstGeom>
+          <a:noFill/>
+          <a:extLst>
+            <a:ext uri="{909E8E84-426E-40DD-AFC4-6F175D3DCCD1}">
+              <a14:hiddenFill xmlns:a14="http://schemas.microsoft.com/office/drawing/2010/main">
+                <a:solidFill>
+                  <a:srgbClr val="FFFFFF"/>
+                </a:solidFill>
+              </a14:hiddenFill>
+            </a:ext>
+          </a:extLst>
+        </p:spPr>
+      </p:pic>
+      <p:grpSp>
+        <p:nvGrpSpPr>
+          <p:cNvPr id="47" name="グループ化 46">
+            <a:extLst>
+              <a:ext uri="{FF2B5EF4-FFF2-40B4-BE49-F238E27FC236}">
+                <a16:creationId xmlns:a16="http://schemas.microsoft.com/office/drawing/2014/main" id="{80345715-602A-4131-9594-500956650A1D}"/>
+              </a:ext>
+            </a:extLst>
+          </p:cNvPr>
+          <p:cNvGrpSpPr/>
+          <p:nvPr/>
+        </p:nvGrpSpPr>
+        <p:grpSpPr>
+          <a:xfrm>
+            <a:off x="5393412" y="6165304"/>
+            <a:ext cx="432048" cy="540060"/>
+            <a:chOff x="3851920" y="1268760"/>
+            <a:chExt cx="2880320" cy="3600400"/>
+          </a:xfrm>
+        </p:grpSpPr>
+        <p:sp>
+          <p:nvSpPr>
+            <p:cNvPr id="48" name="1 つの角を切り取った四角形 47">
+              <a:extLst>
+                <a:ext uri="{FF2B5EF4-FFF2-40B4-BE49-F238E27FC236}">
+                  <a16:creationId xmlns:a16="http://schemas.microsoft.com/office/drawing/2014/main" id="{B714D5E9-8712-41FF-9756-587365B624C4}"/>
+                </a:ext>
+              </a:extLst>
+            </p:cNvPr>
+            <p:cNvSpPr/>
+            <p:nvPr/>
+          </p:nvSpPr>
+          <p:spPr>
+            <a:xfrm>
+              <a:off x="3851920" y="1268760"/>
+              <a:ext cx="2880320" cy="3600400"/>
+            </a:xfrm>
+            <a:prstGeom prst="snip1Rect">
+              <a:avLst>
+                <a:gd name="adj" fmla="val 24949"/>
+              </a:avLst>
+            </a:prstGeom>
+            <a:solidFill>
+              <a:schemeClr val="bg1"/>
+            </a:solidFill>
+            <a:ln>
+              <a:solidFill>
+                <a:schemeClr val="tx1"/>
+              </a:solidFill>
+            </a:ln>
+          </p:spPr>
+          <p:style>
+            <a:lnRef idx="2">
+              <a:schemeClr val="accent1">
+                <a:shade val="50000"/>
+              </a:schemeClr>
+            </a:lnRef>
+            <a:fillRef idx="1">
+              <a:schemeClr val="accent1"/>
+            </a:fillRef>
+            <a:effectRef idx="0">
+              <a:schemeClr val="accent1"/>
+            </a:effectRef>
+            <a:fontRef idx="minor">
+              <a:schemeClr val="lt1"/>
+            </a:fontRef>
+          </p:style>
+          <p:txBody>
+            <a:bodyPr rtlCol="0" anchor="ctr"/>
+            <a:lstStyle/>
+            <a:p>
+              <a:pPr algn="ctr"/>
+              <a:endParaRPr kumimoji="1" lang="ja-JP" altLang="en-US"/>
+            </a:p>
+          </p:txBody>
+        </p:sp>
+        <p:sp>
+          <p:nvSpPr>
+            <p:cNvPr id="49" name="直角三角形 48">
+              <a:extLst>
+                <a:ext uri="{FF2B5EF4-FFF2-40B4-BE49-F238E27FC236}">
+                  <a16:creationId xmlns:a16="http://schemas.microsoft.com/office/drawing/2014/main" id="{21B412AA-F08A-4270-92F8-B57BCC48B61A}"/>
+                </a:ext>
+              </a:extLst>
+            </p:cNvPr>
+            <p:cNvSpPr/>
+            <p:nvPr/>
+          </p:nvSpPr>
+          <p:spPr>
+            <a:xfrm>
+              <a:off x="6012160" y="1268760"/>
+              <a:ext cx="720080" cy="720080"/>
+            </a:xfrm>
+            <a:prstGeom prst="rtTriangle">
+              <a:avLst/>
+            </a:prstGeom>
+            <a:solidFill>
+              <a:schemeClr val="bg1">
+                <a:lumMod val="85000"/>
+              </a:schemeClr>
+            </a:solidFill>
+            <a:ln>
+              <a:solidFill>
+                <a:schemeClr val="tx1"/>
+              </a:solidFill>
+            </a:ln>
+          </p:spPr>
+          <p:style>
+            <a:lnRef idx="2">
+              <a:schemeClr val="accent1">
+                <a:shade val="50000"/>
+              </a:schemeClr>
+            </a:lnRef>
+            <a:fillRef idx="1">
+              <a:schemeClr val="accent1"/>
+            </a:fillRef>
+            <a:effectRef idx="0">
+              <a:schemeClr val="accent1"/>
+            </a:effectRef>
+            <a:fontRef idx="minor">
+              <a:schemeClr val="lt1"/>
+            </a:fontRef>
+          </p:style>
+          <p:txBody>
+            <a:bodyPr rtlCol="0" anchor="ctr"/>
+            <a:lstStyle/>
+            <a:p>
+              <a:pPr algn="ctr"/>
+              <a:endParaRPr kumimoji="1" lang="ja-JP" altLang="en-US"/>
+            </a:p>
+          </p:txBody>
+        </p:sp>
+      </p:grpSp>
+      <p:pic>
+        <p:nvPicPr>
+          <p:cNvPr id="50" name="Picture 2" descr="フォルダのイラスト">
+            <a:extLst>
+              <a:ext uri="{FF2B5EF4-FFF2-40B4-BE49-F238E27FC236}">
+                <a16:creationId xmlns:a16="http://schemas.microsoft.com/office/drawing/2014/main" id="{1ED57578-04A0-4621-81AA-A40173C374EA}"/>
+              </a:ext>
+            </a:extLst>
+          </p:cNvPr>
+          <p:cNvPicPr>
+            <a:picLocks noChangeAspect="1" noChangeArrowheads="1"/>
+          </p:cNvPicPr>
+          <p:nvPr/>
+        </p:nvPicPr>
+        <p:blipFill>
+          <a:blip r:embed="rId2" cstate="print">
+            <a:extLst>
+              <a:ext uri="{28A0092B-C50C-407E-A947-70E740481C1C}">
+                <a14:useLocalDpi xmlns:a14="http://schemas.microsoft.com/office/drawing/2010/main" val="0"/>
+              </a:ext>
+            </a:extLst>
+          </a:blip>
+          <a:srcRect/>
+          <a:stretch>
+            <a:fillRect/>
+          </a:stretch>
+        </p:blipFill>
+        <p:spPr bwMode="auto">
+          <a:xfrm>
+            <a:off x="5249396" y="5373216"/>
+            <a:ext cx="702078" cy="587990"/>
+          </a:xfrm>
+          <a:prstGeom prst="rect">
+            <a:avLst/>
+          </a:prstGeom>
+          <a:noFill/>
+          <a:extLst>
+            <a:ext uri="{909E8E84-426E-40DD-AFC4-6F175D3DCCD1}">
+              <a14:hiddenFill xmlns:a14="http://schemas.microsoft.com/office/drawing/2010/main">
+                <a:solidFill>
+                  <a:srgbClr val="FFFFFF"/>
+                </a:solidFill>
+              </a14:hiddenFill>
+            </a:ext>
+          </a:extLst>
+        </p:spPr>
+      </p:pic>
+      <p:sp>
+        <p:nvSpPr>
+          <p:cNvPr id="51" name="テキスト ボックス 50">
+            <a:extLst>
+              <a:ext uri="{FF2B5EF4-FFF2-40B4-BE49-F238E27FC236}">
+                <a16:creationId xmlns:a16="http://schemas.microsoft.com/office/drawing/2014/main" id="{21BB1354-5AA8-4EBE-9A1A-E041CFCD69AA}"/>
+              </a:ext>
+            </a:extLst>
+          </p:cNvPr>
+          <p:cNvSpPr txBox="1"/>
+          <p:nvPr/>
+        </p:nvSpPr>
+        <p:spPr>
+          <a:xfrm>
+            <a:off x="539552" y="4941168"/>
+            <a:ext cx="2031325" cy="369332"/>
+          </a:xfrm>
+          <a:prstGeom prst="rect">
+            <a:avLst/>
+          </a:prstGeom>
+          <a:noFill/>
+        </p:spPr>
+        <p:txBody>
+          <a:bodyPr wrap="none" rtlCol="0">
+            <a:spAutoFit/>
+          </a:bodyPr>
+          <a:lstStyle/>
+          <a:p>
+            <a:r>
+              <a:rPr kumimoji="1" lang="ja-JP" altLang="en-US" dirty="0"/>
+              <a:t>ワーキングツリー</a:t>
+            </a:r>
+          </a:p>
+        </p:txBody>
+      </p:sp>
+      <p:sp>
+        <p:nvSpPr>
+          <p:cNvPr id="54" name="テキスト ボックス 53">
+            <a:extLst>
+              <a:ext uri="{FF2B5EF4-FFF2-40B4-BE49-F238E27FC236}">
+                <a16:creationId xmlns:a16="http://schemas.microsoft.com/office/drawing/2014/main" id="{D0D7528A-6F8C-4517-B76E-0FF82E5A917C}"/>
+              </a:ext>
+            </a:extLst>
+          </p:cNvPr>
+          <p:cNvSpPr txBox="1"/>
+          <p:nvPr/>
+        </p:nvSpPr>
+        <p:spPr>
+          <a:xfrm>
+            <a:off x="2915816" y="4941168"/>
+            <a:ext cx="1569660" cy="369332"/>
+          </a:xfrm>
+          <a:prstGeom prst="rect">
+            <a:avLst/>
+          </a:prstGeom>
+          <a:noFill/>
+        </p:spPr>
+        <p:txBody>
+          <a:bodyPr wrap="none" rtlCol="0">
+            <a:spAutoFit/>
+          </a:bodyPr>
+          <a:lstStyle/>
+          <a:p>
+            <a:r>
+              <a:rPr kumimoji="1" lang="ja-JP" altLang="en-US" dirty="0"/>
+              <a:t>インデックス</a:t>
+            </a:r>
+          </a:p>
+        </p:txBody>
+      </p:sp>
+      <p:sp>
+        <p:nvSpPr>
+          <p:cNvPr id="55" name="テキスト ボックス 54">
+            <a:extLst>
+              <a:ext uri="{FF2B5EF4-FFF2-40B4-BE49-F238E27FC236}">
+                <a16:creationId xmlns:a16="http://schemas.microsoft.com/office/drawing/2014/main" id="{18F88E57-7A15-46C4-AD7F-B46ED9CA7738}"/>
+              </a:ext>
+            </a:extLst>
+          </p:cNvPr>
+          <p:cNvSpPr txBox="1"/>
+          <p:nvPr/>
+        </p:nvSpPr>
+        <p:spPr>
+          <a:xfrm>
+            <a:off x="4961364" y="4941168"/>
+            <a:ext cx="1338828" cy="369332"/>
+          </a:xfrm>
+          <a:prstGeom prst="rect">
+            <a:avLst/>
+          </a:prstGeom>
+          <a:noFill/>
+        </p:spPr>
+        <p:txBody>
+          <a:bodyPr wrap="none" rtlCol="0">
+            <a:spAutoFit/>
+          </a:bodyPr>
+          <a:lstStyle/>
+          <a:p>
+            <a:r>
+              <a:rPr kumimoji="1" lang="ja-JP" altLang="en-US" dirty="0"/>
+              <a:t>リポジトリ</a:t>
+            </a:r>
+          </a:p>
+        </p:txBody>
+      </p:sp>
+      <p:cxnSp>
+        <p:nvCxnSpPr>
+          <p:cNvPr id="57" name="直線コネクタ 56">
+            <a:extLst>
+              <a:ext uri="{FF2B5EF4-FFF2-40B4-BE49-F238E27FC236}">
+                <a16:creationId xmlns:a16="http://schemas.microsoft.com/office/drawing/2014/main" id="{20E0A52B-B3A9-4BA9-85D2-E367B13ED303}"/>
+              </a:ext>
+            </a:extLst>
+          </p:cNvPr>
+          <p:cNvCxnSpPr/>
+          <p:nvPr/>
+        </p:nvCxnSpPr>
+        <p:spPr>
+          <a:xfrm>
+            <a:off x="5609436" y="5949280"/>
+            <a:ext cx="0" cy="216024"/>
+          </a:xfrm>
+          <a:prstGeom prst="line">
+            <a:avLst/>
+          </a:prstGeom>
+          <a:ln>
+            <a:solidFill>
+              <a:schemeClr val="tx1"/>
+            </a:solidFill>
+            <a:headEnd type="none" w="med" len="med"/>
+            <a:tailEnd type="none" w="med" len="med"/>
+          </a:ln>
+        </p:spPr>
+        <p:style>
+          <a:lnRef idx="1">
+            <a:schemeClr val="accent1"/>
+          </a:lnRef>
+          <a:fillRef idx="0">
+            <a:schemeClr val="accent1"/>
+          </a:fillRef>
+          <a:effectRef idx="0">
+            <a:schemeClr val="accent1"/>
+          </a:effectRef>
+          <a:fontRef idx="minor">
+            <a:schemeClr val="tx1"/>
+          </a:fontRef>
+        </p:style>
+      </p:cxnSp>
+      <p:cxnSp>
+        <p:nvCxnSpPr>
+          <p:cNvPr id="58" name="直線コネクタ 57">
+            <a:extLst>
+              <a:ext uri="{FF2B5EF4-FFF2-40B4-BE49-F238E27FC236}">
+                <a16:creationId xmlns:a16="http://schemas.microsoft.com/office/drawing/2014/main" id="{16A5EE25-BA52-4238-9CFA-10067F490C55}"/>
+              </a:ext>
+            </a:extLst>
+          </p:cNvPr>
+          <p:cNvCxnSpPr/>
+          <p:nvPr/>
+        </p:nvCxnSpPr>
+        <p:spPr>
+          <a:xfrm>
+            <a:off x="3563888" y="5949280"/>
+            <a:ext cx="0" cy="216024"/>
+          </a:xfrm>
+          <a:prstGeom prst="line">
+            <a:avLst/>
+          </a:prstGeom>
+          <a:ln>
+            <a:solidFill>
+              <a:schemeClr val="tx1"/>
+            </a:solidFill>
+            <a:headEnd type="none" w="med" len="med"/>
+            <a:tailEnd type="none" w="med" len="med"/>
+          </a:ln>
+        </p:spPr>
+        <p:style>
+          <a:lnRef idx="1">
+            <a:schemeClr val="accent1"/>
+          </a:lnRef>
+          <a:fillRef idx="0">
+            <a:schemeClr val="accent1"/>
+          </a:fillRef>
+          <a:effectRef idx="0">
+            <a:schemeClr val="accent1"/>
+          </a:effectRef>
+          <a:fontRef idx="minor">
+            <a:schemeClr val="tx1"/>
+          </a:fontRef>
+        </p:style>
+      </p:cxnSp>
+      <p:cxnSp>
+        <p:nvCxnSpPr>
+          <p:cNvPr id="59" name="直線コネクタ 58">
+            <a:extLst>
+              <a:ext uri="{FF2B5EF4-FFF2-40B4-BE49-F238E27FC236}">
+                <a16:creationId xmlns:a16="http://schemas.microsoft.com/office/drawing/2014/main" id="{CA60777E-C126-4919-87D4-0934381503F9}"/>
+              </a:ext>
+            </a:extLst>
+          </p:cNvPr>
+          <p:cNvCxnSpPr/>
+          <p:nvPr/>
+        </p:nvCxnSpPr>
+        <p:spPr>
+          <a:xfrm>
+            <a:off x="1547664" y="5949280"/>
+            <a:ext cx="0" cy="216024"/>
+          </a:xfrm>
+          <a:prstGeom prst="line">
+            <a:avLst/>
+          </a:prstGeom>
+          <a:ln>
+            <a:solidFill>
+              <a:schemeClr val="tx1"/>
+            </a:solidFill>
+            <a:headEnd type="none" w="med" len="med"/>
+            <a:tailEnd type="none" w="med" len="med"/>
+          </a:ln>
+        </p:spPr>
+        <p:style>
+          <a:lnRef idx="1">
+            <a:schemeClr val="accent1"/>
+          </a:lnRef>
+          <a:fillRef idx="0">
+            <a:schemeClr val="accent1"/>
+          </a:fillRef>
+          <a:effectRef idx="0">
+            <a:schemeClr val="accent1"/>
+          </a:effectRef>
+          <a:fontRef idx="minor">
+            <a:schemeClr val="tx1"/>
+          </a:fontRef>
+        </p:style>
+      </p:cxnSp>
+      <p:sp>
+        <p:nvSpPr>
+          <p:cNvPr id="60" name="矢印: 左右 59">
+            <a:extLst>
+              <a:ext uri="{FF2B5EF4-FFF2-40B4-BE49-F238E27FC236}">
+                <a16:creationId xmlns:a16="http://schemas.microsoft.com/office/drawing/2014/main" id="{84412165-6648-4C20-AACC-7E0DFE18A933}"/>
+              </a:ext>
+            </a:extLst>
+          </p:cNvPr>
+          <p:cNvSpPr/>
+          <p:nvPr/>
+        </p:nvSpPr>
+        <p:spPr>
+          <a:xfrm>
+            <a:off x="2123728" y="6309320"/>
+            <a:ext cx="1080120" cy="288032"/>
+          </a:xfrm>
+          <a:prstGeom prst="leftRightArrow">
+            <a:avLst/>
+          </a:prstGeom>
+          <a:solidFill>
+            <a:srgbClr val="FF0000"/>
+          </a:solidFill>
+          <a:ln>
+            <a:solidFill>
+              <a:schemeClr val="tx1"/>
+            </a:solidFill>
+          </a:ln>
+        </p:spPr>
+        <p:style>
+          <a:lnRef idx="2">
+            <a:schemeClr val="accent1">
+              <a:shade val="50000"/>
+            </a:schemeClr>
+          </a:lnRef>
+          <a:fillRef idx="1">
+            <a:schemeClr val="accent1"/>
+          </a:fillRef>
+          <a:effectRef idx="0">
+            <a:schemeClr val="accent1"/>
+          </a:effectRef>
+          <a:fontRef idx="minor">
+            <a:schemeClr val="lt1"/>
+          </a:fontRef>
+        </p:style>
+        <p:txBody>
+          <a:bodyPr rtlCol="0" anchor="ctr"/>
+          <a:lstStyle/>
+          <a:p>
+            <a:pPr algn="ctr"/>
+            <a:endParaRPr kumimoji="1" lang="ja-JP" altLang="en-US"/>
+          </a:p>
+        </p:txBody>
+      </p:sp>
+    </p:spTree>
+    <p:extLst>
+      <p:ext uri="{BB962C8B-B14F-4D97-AF65-F5344CB8AC3E}">
+        <p14:creationId xmlns:p14="http://schemas.microsoft.com/office/powerpoint/2010/main" val="730908829"/>
+      </p:ext>
+    </p:extLst>
+  </p:cSld>
+  <p:clrMapOvr>
+    <a:masterClrMapping/>
+  </p:clrMapOvr>
+</p:sld>
+</file>
+
+<file path=ppt/slides/slide19.xml><?xml version="1.0" encoding="utf-8"?>
+<p:sld xmlns:a="http://schemas.openxmlformats.org/drawingml/2006/main" xmlns:r="http://schemas.openxmlformats.org/officeDocument/2006/relationships" xmlns:p="http://schemas.openxmlformats.org/presentationml/2006/main">
+  <p:cSld>
+    <p:spTree>
+      <p:nvGrpSpPr>
+        <p:cNvPr id="1" name=""/>
+        <p:cNvGrpSpPr/>
+        <p:nvPr/>
+      </p:nvGrpSpPr>
+      <p:grpSpPr>
+        <a:xfrm>
+          <a:off x="0" y="0"/>
+          <a:ext cx="0" cy="0"/>
+          <a:chOff x="0" y="0"/>
+          <a:chExt cx="0" cy="0"/>
+        </a:xfrm>
+      </p:grpSpPr>
+      <p:sp>
+        <p:nvSpPr>
+          <p:cNvPr id="2" name="テキスト プレースホルダー 1">
+            <a:extLst>
+              <a:ext uri="{FF2B5EF4-FFF2-40B4-BE49-F238E27FC236}">
+                <a16:creationId xmlns:a16="http://schemas.microsoft.com/office/drawing/2014/main" id="{A404E4D4-70E7-4529-8DB9-5F625ED56165}"/>
+              </a:ext>
+            </a:extLst>
+          </p:cNvPr>
+          <p:cNvSpPr>
+            <a:spLocks noGrp="1"/>
+          </p:cNvSpPr>
+          <p:nvPr>
+            <p:ph type="body" sz="quarter" idx="10"/>
+          </p:nvPr>
+        </p:nvSpPr>
+        <p:spPr/>
+        <p:txBody>
+          <a:bodyPr/>
+          <a:lstStyle/>
+          <a:p>
+            <a:r>
+              <a:rPr lang="ja-JP" altLang="en-US" dirty="0"/>
+              <a:t>ステージング</a:t>
+            </a:r>
+            <a:endParaRPr kumimoji="1" lang="ja-JP" altLang="en-US" dirty="0"/>
+          </a:p>
+        </p:txBody>
+      </p:sp>
+      <p:sp>
+        <p:nvSpPr>
+          <p:cNvPr id="3" name="テキスト ボックス 2">
+            <a:extLst>
+              <a:ext uri="{FF2B5EF4-FFF2-40B4-BE49-F238E27FC236}">
+                <a16:creationId xmlns:a16="http://schemas.microsoft.com/office/drawing/2014/main" id="{FBF79C7C-2628-40FC-96F0-52527BC306E5}"/>
+              </a:ext>
+            </a:extLst>
+          </p:cNvPr>
+          <p:cNvSpPr txBox="1"/>
+          <p:nvPr/>
+        </p:nvSpPr>
+        <p:spPr>
+          <a:xfrm>
+            <a:off x="899592" y="1628800"/>
+            <a:ext cx="4490332" cy="2585323"/>
+          </a:xfrm>
+          <a:prstGeom prst="rect">
+            <a:avLst/>
+          </a:prstGeom>
+          <a:noFill/>
+          <a:ln>
+            <a:solidFill>
+              <a:schemeClr val="tx1"/>
+            </a:solidFill>
+          </a:ln>
+        </p:spPr>
+        <p:txBody>
+          <a:bodyPr wrap="none" rtlCol="0">
+            <a:spAutoFit/>
+          </a:bodyPr>
+          <a:lstStyle/>
+          <a:p>
+            <a:r>
+              <a:rPr kumimoji="1" lang="en-US" altLang="ja-JP" dirty="0">
+                <a:latin typeface="Consolas" panose="020B0609020204030204" pitchFamily="49" charset="0"/>
+              </a:rPr>
+              <a:t>$ git add README.md</a:t>
+            </a:r>
+          </a:p>
+          <a:p>
+            <a:r>
+              <a:rPr lang="en-US" altLang="ja-JP" dirty="0">
+                <a:latin typeface="Consolas" panose="020B0609020204030204" pitchFamily="49" charset="0"/>
+              </a:rPr>
+              <a:t>$ git diff –cached</a:t>
+            </a:r>
+          </a:p>
+          <a:p>
+            <a:r>
+              <a:rPr kumimoji="1" lang="en-US" altLang="ja-JP" dirty="0">
+                <a:latin typeface="Consolas" panose="020B0609020204030204" pitchFamily="49" charset="0"/>
+              </a:rPr>
+              <a:t>diff --git a/README.md b/README.md</a:t>
+            </a:r>
+          </a:p>
+          <a:p>
+            <a:r>
+              <a:rPr kumimoji="1" lang="en-US" altLang="ja-JP" dirty="0">
+                <a:latin typeface="Consolas" panose="020B0609020204030204" pitchFamily="49" charset="0"/>
+              </a:rPr>
+              <a:t>index e965047..9c99d1a 100644</a:t>
+            </a:r>
+          </a:p>
+          <a:p>
+            <a:r>
+              <a:rPr kumimoji="1" lang="en-US" altLang="ja-JP" dirty="0">
+                <a:latin typeface="Consolas" panose="020B0609020204030204" pitchFamily="49" charset="0"/>
+              </a:rPr>
+              <a:t>--- a/README.md</a:t>
+            </a:r>
+          </a:p>
+          <a:p>
+            <a:r>
+              <a:rPr kumimoji="1" lang="en-US" altLang="ja-JP" dirty="0">
+                <a:latin typeface="Consolas" panose="020B0609020204030204" pitchFamily="49" charset="0"/>
+              </a:rPr>
+              <a:t>+++ b/README.md</a:t>
+            </a:r>
+          </a:p>
+          <a:p>
+            <a:r>
+              <a:rPr kumimoji="1" lang="en-US" altLang="ja-JP" dirty="0">
+                <a:latin typeface="Consolas" panose="020B0609020204030204" pitchFamily="49" charset="0"/>
+              </a:rPr>
+              <a:t>@@ -1 +1,2 @@</a:t>
+            </a:r>
+          </a:p>
+          <a:p>
+            <a:r>
+              <a:rPr kumimoji="1" lang="en-US" altLang="ja-JP" dirty="0">
+                <a:latin typeface="Consolas" panose="020B0609020204030204" pitchFamily="49" charset="0"/>
+              </a:rPr>
+              <a:t> Hello</a:t>
+            </a:r>
+          </a:p>
+          <a:p>
+            <a:r>
+              <a:rPr kumimoji="1" lang="en-US" altLang="ja-JP" dirty="0">
+                <a:latin typeface="Consolas" panose="020B0609020204030204" pitchFamily="49" charset="0"/>
+              </a:rPr>
+              <a:t>+Update</a:t>
+            </a:r>
+            <a:endParaRPr kumimoji="1" lang="ja-JP" altLang="en-US" dirty="0">
+              <a:latin typeface="Consolas" panose="020B0609020204030204" pitchFamily="49" charset="0"/>
+            </a:endParaRPr>
+          </a:p>
+        </p:txBody>
+      </p:sp>
+      <p:sp>
+        <p:nvSpPr>
+          <p:cNvPr id="4" name="テキスト ボックス 3">
+            <a:extLst>
+              <a:ext uri="{FF2B5EF4-FFF2-40B4-BE49-F238E27FC236}">
+                <a16:creationId xmlns:a16="http://schemas.microsoft.com/office/drawing/2014/main" id="{CCD46AA1-AF75-4544-9360-EA9B518C054F}"/>
+              </a:ext>
+            </a:extLst>
+          </p:cNvPr>
+          <p:cNvSpPr txBox="1"/>
+          <p:nvPr/>
+        </p:nvSpPr>
+        <p:spPr>
+          <a:xfrm>
+            <a:off x="395536" y="1052736"/>
+            <a:ext cx="5416868" cy="461665"/>
+          </a:xfrm>
+          <a:prstGeom prst="rect">
+            <a:avLst/>
+          </a:prstGeom>
+          <a:noFill/>
+        </p:spPr>
+        <p:txBody>
+          <a:bodyPr wrap="none" rtlCol="0">
+            <a:spAutoFit/>
+          </a:bodyPr>
+          <a:lstStyle/>
+          <a:p>
+            <a:r>
+              <a:rPr lang="ja-JP" altLang="en-US" sz="2400" dirty="0"/>
+              <a:t>インデックスに登録してから差分表示</a:t>
+            </a:r>
+            <a:endParaRPr kumimoji="1" lang="ja-JP" altLang="en-US" sz="2400" dirty="0"/>
+          </a:p>
+        </p:txBody>
+      </p:sp>
+      <p:cxnSp>
+        <p:nvCxnSpPr>
+          <p:cNvPr id="5" name="直線コネクタ 4">
+            <a:extLst>
+              <a:ext uri="{FF2B5EF4-FFF2-40B4-BE49-F238E27FC236}">
+                <a16:creationId xmlns:a16="http://schemas.microsoft.com/office/drawing/2014/main" id="{BE2E764D-2B58-47C3-A043-082D2163068E}"/>
+              </a:ext>
+            </a:extLst>
+          </p:cNvPr>
+          <p:cNvCxnSpPr/>
+          <p:nvPr/>
+        </p:nvCxnSpPr>
+        <p:spPr>
+          <a:xfrm>
+            <a:off x="2987824" y="4653136"/>
+            <a:ext cx="0" cy="1656184"/>
+          </a:xfrm>
+          <a:prstGeom prst="line">
+            <a:avLst/>
+          </a:prstGeom>
+          <a:ln>
+            <a:solidFill>
+              <a:schemeClr val="tx1"/>
+            </a:solidFill>
+            <a:headEnd type="none" w="med" len="med"/>
+            <a:tailEnd type="none" w="med" len="med"/>
+          </a:ln>
+        </p:spPr>
+        <p:style>
+          <a:lnRef idx="1">
+            <a:schemeClr val="accent1"/>
+          </a:lnRef>
+          <a:fillRef idx="0">
+            <a:schemeClr val="accent1"/>
+          </a:fillRef>
+          <a:effectRef idx="0">
+            <a:schemeClr val="accent1"/>
+          </a:effectRef>
+          <a:fontRef idx="minor">
+            <a:schemeClr val="tx1"/>
+          </a:fontRef>
+        </p:style>
+      </p:cxnSp>
+      <p:cxnSp>
+        <p:nvCxnSpPr>
+          <p:cNvPr id="6" name="直線コネクタ 5">
+            <a:extLst>
+              <a:ext uri="{FF2B5EF4-FFF2-40B4-BE49-F238E27FC236}">
+                <a16:creationId xmlns:a16="http://schemas.microsoft.com/office/drawing/2014/main" id="{8584CA45-EE04-4AA1-A77C-594A5CCB8A63}"/>
+              </a:ext>
+            </a:extLst>
+          </p:cNvPr>
+          <p:cNvCxnSpPr/>
+          <p:nvPr/>
+        </p:nvCxnSpPr>
+        <p:spPr>
+          <a:xfrm>
+            <a:off x="4932040" y="4653136"/>
+            <a:ext cx="0" cy="1656184"/>
+          </a:xfrm>
+          <a:prstGeom prst="line">
+            <a:avLst/>
+          </a:prstGeom>
+          <a:ln>
+            <a:solidFill>
+              <a:schemeClr val="tx1"/>
+            </a:solidFill>
+            <a:headEnd type="none" w="med" len="med"/>
+            <a:tailEnd type="none" w="med" len="med"/>
+          </a:ln>
+        </p:spPr>
+        <p:style>
+          <a:lnRef idx="1">
+            <a:schemeClr val="accent1"/>
+          </a:lnRef>
+          <a:fillRef idx="0">
+            <a:schemeClr val="accent1"/>
+          </a:fillRef>
+          <a:effectRef idx="0">
+            <a:schemeClr val="accent1"/>
+          </a:effectRef>
+          <a:fontRef idx="minor">
+            <a:schemeClr val="tx1"/>
+          </a:fontRef>
+        </p:style>
+      </p:cxnSp>
+      <p:pic>
+        <p:nvPicPr>
+          <p:cNvPr id="7" name="Picture 2" descr="フォルダのイラスト">
+            <a:extLst>
+              <a:ext uri="{FF2B5EF4-FFF2-40B4-BE49-F238E27FC236}">
+                <a16:creationId xmlns:a16="http://schemas.microsoft.com/office/drawing/2014/main" id="{A8CBD790-4A4C-48FD-B46B-24230B47A87E}"/>
+              </a:ext>
+            </a:extLst>
+          </p:cNvPr>
+          <p:cNvPicPr>
+            <a:picLocks noChangeAspect="1" noChangeArrowheads="1"/>
+          </p:cNvPicPr>
+          <p:nvPr/>
+        </p:nvPicPr>
+        <p:blipFill>
+          <a:blip r:embed="rId2" cstate="print">
+            <a:extLst>
+              <a:ext uri="{28A0092B-C50C-407E-A947-70E740481C1C}">
+                <a14:useLocalDpi xmlns:a14="http://schemas.microsoft.com/office/drawing/2010/main" val="0"/>
+              </a:ext>
+            </a:extLst>
+          </a:blip>
+          <a:srcRect/>
+          <a:stretch>
+            <a:fillRect/>
+          </a:stretch>
+        </p:blipFill>
+        <p:spPr bwMode="auto">
+          <a:xfrm>
+            <a:off x="1475656" y="4941168"/>
+            <a:ext cx="702078" cy="587990"/>
+          </a:xfrm>
+          <a:prstGeom prst="rect">
+            <a:avLst/>
+          </a:prstGeom>
+          <a:noFill/>
+          <a:extLst>
+            <a:ext uri="{909E8E84-426E-40DD-AFC4-6F175D3DCCD1}">
+              <a14:hiddenFill xmlns:a14="http://schemas.microsoft.com/office/drawing/2010/main">
+                <a:solidFill>
+                  <a:srgbClr val="FFFFFF"/>
+                </a:solidFill>
+              </a14:hiddenFill>
+            </a:ext>
+          </a:extLst>
+        </p:spPr>
+      </p:pic>
+      <p:grpSp>
+        <p:nvGrpSpPr>
+          <p:cNvPr id="8" name="グループ化 7">
+            <a:extLst>
+              <a:ext uri="{FF2B5EF4-FFF2-40B4-BE49-F238E27FC236}">
+                <a16:creationId xmlns:a16="http://schemas.microsoft.com/office/drawing/2014/main" id="{55CBFDE6-9273-4621-9401-F93AC4C0C8EC}"/>
+              </a:ext>
+            </a:extLst>
+          </p:cNvPr>
+          <p:cNvGrpSpPr/>
+          <p:nvPr/>
+        </p:nvGrpSpPr>
+        <p:grpSpPr>
+          <a:xfrm>
+            <a:off x="1619672" y="5733256"/>
+            <a:ext cx="432048" cy="540060"/>
+            <a:chOff x="3851920" y="1268760"/>
+            <a:chExt cx="2880320" cy="3600400"/>
+          </a:xfrm>
+          <a:solidFill>
+            <a:schemeClr val="accent1">
+              <a:lumMod val="20000"/>
+              <a:lumOff val="80000"/>
+            </a:schemeClr>
+          </a:solidFill>
+        </p:grpSpPr>
+        <p:sp>
+          <p:nvSpPr>
+            <p:cNvPr id="9" name="1 つの角を切り取った四角形 33">
+              <a:extLst>
+                <a:ext uri="{FF2B5EF4-FFF2-40B4-BE49-F238E27FC236}">
+                  <a16:creationId xmlns:a16="http://schemas.microsoft.com/office/drawing/2014/main" id="{5E2E3C97-B897-4587-9362-FF1808EE8D32}"/>
+                </a:ext>
+              </a:extLst>
+            </p:cNvPr>
+            <p:cNvSpPr/>
+            <p:nvPr/>
+          </p:nvSpPr>
+          <p:spPr>
+            <a:xfrm>
+              <a:off x="3851920" y="1268760"/>
+              <a:ext cx="2880320" cy="3600400"/>
+            </a:xfrm>
+            <a:prstGeom prst="snip1Rect">
+              <a:avLst>
+                <a:gd name="adj" fmla="val 24949"/>
+              </a:avLst>
+            </a:prstGeom>
+            <a:grpFill/>
+            <a:ln>
+              <a:solidFill>
+                <a:schemeClr val="tx1"/>
+              </a:solidFill>
+            </a:ln>
+          </p:spPr>
+          <p:style>
+            <a:lnRef idx="2">
+              <a:schemeClr val="accent1">
+                <a:shade val="50000"/>
+              </a:schemeClr>
+            </a:lnRef>
+            <a:fillRef idx="1">
+              <a:schemeClr val="accent1"/>
+            </a:fillRef>
+            <a:effectRef idx="0">
+              <a:schemeClr val="accent1"/>
+            </a:effectRef>
+            <a:fontRef idx="minor">
+              <a:schemeClr val="lt1"/>
+            </a:fontRef>
+          </p:style>
+          <p:txBody>
+            <a:bodyPr rtlCol="0" anchor="ctr"/>
+            <a:lstStyle/>
+            <a:p>
+              <a:pPr algn="ctr"/>
+              <a:endParaRPr kumimoji="1" lang="ja-JP" altLang="en-US"/>
+            </a:p>
+          </p:txBody>
+        </p:sp>
+        <p:sp>
+          <p:nvSpPr>
+            <p:cNvPr id="10" name="直角三角形 9">
+              <a:extLst>
+                <a:ext uri="{FF2B5EF4-FFF2-40B4-BE49-F238E27FC236}">
+                  <a16:creationId xmlns:a16="http://schemas.microsoft.com/office/drawing/2014/main" id="{28968813-7A8C-47AD-AC2B-A87BFA98967C}"/>
+                </a:ext>
+              </a:extLst>
+            </p:cNvPr>
+            <p:cNvSpPr/>
+            <p:nvPr/>
+          </p:nvSpPr>
+          <p:spPr>
+            <a:xfrm>
+              <a:off x="6012160" y="1268760"/>
+              <a:ext cx="720080" cy="720080"/>
+            </a:xfrm>
+            <a:prstGeom prst="rtTriangle">
+              <a:avLst/>
+            </a:prstGeom>
+            <a:grpFill/>
+            <a:ln>
+              <a:solidFill>
+                <a:schemeClr val="tx1"/>
+              </a:solidFill>
+            </a:ln>
+          </p:spPr>
+          <p:style>
+            <a:lnRef idx="2">
+              <a:schemeClr val="accent1">
+                <a:shade val="50000"/>
+              </a:schemeClr>
+            </a:lnRef>
+            <a:fillRef idx="1">
+              <a:schemeClr val="accent1"/>
+            </a:fillRef>
+            <a:effectRef idx="0">
+              <a:schemeClr val="accent1"/>
+            </a:effectRef>
+            <a:fontRef idx="minor">
+              <a:schemeClr val="lt1"/>
+            </a:fontRef>
+          </p:style>
+          <p:txBody>
+            <a:bodyPr rtlCol="0" anchor="ctr"/>
+            <a:lstStyle/>
+            <a:p>
+              <a:pPr algn="ctr"/>
+              <a:endParaRPr kumimoji="1" lang="ja-JP" altLang="en-US"/>
+            </a:p>
+          </p:txBody>
+        </p:sp>
+      </p:grpSp>
+      <p:pic>
+        <p:nvPicPr>
+          <p:cNvPr id="14" name="Picture 2" descr="フォルダのイラスト">
+            <a:extLst>
+              <a:ext uri="{FF2B5EF4-FFF2-40B4-BE49-F238E27FC236}">
+                <a16:creationId xmlns:a16="http://schemas.microsoft.com/office/drawing/2014/main" id="{CADFC26C-5061-4CA8-9494-488930898882}"/>
+              </a:ext>
+            </a:extLst>
+          </p:cNvPr>
+          <p:cNvPicPr>
+            <a:picLocks noChangeAspect="1" noChangeArrowheads="1"/>
+          </p:cNvPicPr>
+          <p:nvPr/>
+        </p:nvPicPr>
+        <p:blipFill>
+          <a:blip r:embed="rId2" cstate="print">
+            <a:extLst>
+              <a:ext uri="{28A0092B-C50C-407E-A947-70E740481C1C}">
+                <a14:useLocalDpi xmlns:a14="http://schemas.microsoft.com/office/drawing/2010/main" val="0"/>
+              </a:ext>
+            </a:extLst>
+          </a:blip>
+          <a:srcRect/>
+          <a:stretch>
+            <a:fillRect/>
+          </a:stretch>
+        </p:blipFill>
+        <p:spPr bwMode="auto">
+          <a:xfrm>
+            <a:off x="3491880" y="4941168"/>
+            <a:ext cx="702078" cy="587990"/>
+          </a:xfrm>
+          <a:prstGeom prst="rect">
+            <a:avLst/>
+          </a:prstGeom>
+          <a:noFill/>
+          <a:extLst>
+            <a:ext uri="{909E8E84-426E-40DD-AFC4-6F175D3DCCD1}">
+              <a14:hiddenFill xmlns:a14="http://schemas.microsoft.com/office/drawing/2010/main">
+                <a:solidFill>
+                  <a:srgbClr val="FFFFFF"/>
+                </a:solidFill>
+              </a14:hiddenFill>
+            </a:ext>
+          </a:extLst>
+        </p:spPr>
+      </p:pic>
+      <p:grpSp>
+        <p:nvGrpSpPr>
+          <p:cNvPr id="15" name="グループ化 14">
+            <a:extLst>
+              <a:ext uri="{FF2B5EF4-FFF2-40B4-BE49-F238E27FC236}">
+                <a16:creationId xmlns:a16="http://schemas.microsoft.com/office/drawing/2014/main" id="{DDE25D22-A269-4EAE-ACAD-080B65073275}"/>
+              </a:ext>
+            </a:extLst>
+          </p:cNvPr>
+          <p:cNvGrpSpPr/>
+          <p:nvPr/>
+        </p:nvGrpSpPr>
+        <p:grpSpPr>
+          <a:xfrm>
+            <a:off x="5681444" y="5733256"/>
+            <a:ext cx="432048" cy="540060"/>
+            <a:chOff x="3851920" y="1268760"/>
+            <a:chExt cx="2880320" cy="3600400"/>
+          </a:xfrm>
+        </p:grpSpPr>
+        <p:sp>
+          <p:nvSpPr>
+            <p:cNvPr id="16" name="1 つの角を切り取った四角形 47">
+              <a:extLst>
+                <a:ext uri="{FF2B5EF4-FFF2-40B4-BE49-F238E27FC236}">
+                  <a16:creationId xmlns:a16="http://schemas.microsoft.com/office/drawing/2014/main" id="{CBAFB6EA-C024-4EA8-AD2A-D5911BDE0924}"/>
+                </a:ext>
+              </a:extLst>
+            </p:cNvPr>
+            <p:cNvSpPr/>
+            <p:nvPr/>
+          </p:nvSpPr>
+          <p:spPr>
+            <a:xfrm>
+              <a:off x="3851920" y="1268760"/>
+              <a:ext cx="2880320" cy="3600400"/>
+            </a:xfrm>
+            <a:prstGeom prst="snip1Rect">
+              <a:avLst>
+                <a:gd name="adj" fmla="val 24949"/>
+              </a:avLst>
+            </a:prstGeom>
+            <a:solidFill>
+              <a:schemeClr val="bg1"/>
+            </a:solidFill>
+            <a:ln>
+              <a:solidFill>
+                <a:schemeClr val="tx1"/>
+              </a:solidFill>
+            </a:ln>
+          </p:spPr>
+          <p:style>
+            <a:lnRef idx="2">
+              <a:schemeClr val="accent1">
+                <a:shade val="50000"/>
+              </a:schemeClr>
+            </a:lnRef>
+            <a:fillRef idx="1">
+              <a:schemeClr val="accent1"/>
+            </a:fillRef>
+            <a:effectRef idx="0">
+              <a:schemeClr val="accent1"/>
+            </a:effectRef>
+            <a:fontRef idx="minor">
+              <a:schemeClr val="lt1"/>
+            </a:fontRef>
+          </p:style>
+          <p:txBody>
+            <a:bodyPr rtlCol="0" anchor="ctr"/>
+            <a:lstStyle/>
+            <a:p>
+              <a:pPr algn="ctr"/>
+              <a:endParaRPr kumimoji="1" lang="ja-JP" altLang="en-US"/>
+            </a:p>
+          </p:txBody>
+        </p:sp>
+        <p:sp>
+          <p:nvSpPr>
+            <p:cNvPr id="17" name="直角三角形 16">
+              <a:extLst>
+                <a:ext uri="{FF2B5EF4-FFF2-40B4-BE49-F238E27FC236}">
+                  <a16:creationId xmlns:a16="http://schemas.microsoft.com/office/drawing/2014/main" id="{219CAD44-2F95-4C42-86DB-0556314783C1}"/>
+                </a:ext>
+              </a:extLst>
+            </p:cNvPr>
+            <p:cNvSpPr/>
+            <p:nvPr/>
+          </p:nvSpPr>
+          <p:spPr>
+            <a:xfrm>
+              <a:off x="6012160" y="1268760"/>
+              <a:ext cx="720080" cy="720080"/>
+            </a:xfrm>
+            <a:prstGeom prst="rtTriangle">
+              <a:avLst/>
+            </a:prstGeom>
+            <a:solidFill>
+              <a:schemeClr val="bg1">
+                <a:lumMod val="85000"/>
+              </a:schemeClr>
+            </a:solidFill>
+            <a:ln>
+              <a:solidFill>
+                <a:schemeClr val="tx1"/>
+              </a:solidFill>
+            </a:ln>
+          </p:spPr>
+          <p:style>
+            <a:lnRef idx="2">
+              <a:schemeClr val="accent1">
+                <a:shade val="50000"/>
+              </a:schemeClr>
+            </a:lnRef>
+            <a:fillRef idx="1">
+              <a:schemeClr val="accent1"/>
+            </a:fillRef>
+            <a:effectRef idx="0">
+              <a:schemeClr val="accent1"/>
+            </a:effectRef>
+            <a:fontRef idx="minor">
+              <a:schemeClr val="lt1"/>
+            </a:fontRef>
+          </p:style>
+          <p:txBody>
+            <a:bodyPr rtlCol="0" anchor="ctr"/>
+            <a:lstStyle/>
+            <a:p>
+              <a:pPr algn="ctr"/>
+              <a:endParaRPr kumimoji="1" lang="ja-JP" altLang="en-US"/>
+            </a:p>
+          </p:txBody>
+        </p:sp>
+      </p:grpSp>
+      <p:pic>
+        <p:nvPicPr>
+          <p:cNvPr id="18" name="Picture 2" descr="フォルダのイラスト">
+            <a:extLst>
+              <a:ext uri="{FF2B5EF4-FFF2-40B4-BE49-F238E27FC236}">
+                <a16:creationId xmlns:a16="http://schemas.microsoft.com/office/drawing/2014/main" id="{0B6F8434-CA0A-45B1-A291-331BFD88C122}"/>
+              </a:ext>
+            </a:extLst>
+          </p:cNvPr>
+          <p:cNvPicPr>
+            <a:picLocks noChangeAspect="1" noChangeArrowheads="1"/>
+          </p:cNvPicPr>
+          <p:nvPr/>
+        </p:nvPicPr>
+        <p:blipFill>
+          <a:blip r:embed="rId2" cstate="print">
+            <a:extLst>
+              <a:ext uri="{28A0092B-C50C-407E-A947-70E740481C1C}">
+                <a14:useLocalDpi xmlns:a14="http://schemas.microsoft.com/office/drawing/2010/main" val="0"/>
+              </a:ext>
+            </a:extLst>
+          </a:blip>
+          <a:srcRect/>
+          <a:stretch>
+            <a:fillRect/>
+          </a:stretch>
+        </p:blipFill>
+        <p:spPr bwMode="auto">
+          <a:xfrm>
+            <a:off x="5537428" y="4941168"/>
+            <a:ext cx="702078" cy="587990"/>
+          </a:xfrm>
+          <a:prstGeom prst="rect">
+            <a:avLst/>
+          </a:prstGeom>
+          <a:noFill/>
+          <a:extLst>
+            <a:ext uri="{909E8E84-426E-40DD-AFC4-6F175D3DCCD1}">
+              <a14:hiddenFill xmlns:a14="http://schemas.microsoft.com/office/drawing/2010/main">
+                <a:solidFill>
+                  <a:srgbClr val="FFFFFF"/>
+                </a:solidFill>
+              </a14:hiddenFill>
+            </a:ext>
+          </a:extLst>
+        </p:spPr>
+      </p:pic>
+      <p:sp>
+        <p:nvSpPr>
+          <p:cNvPr id="19" name="テキスト ボックス 18">
+            <a:extLst>
+              <a:ext uri="{FF2B5EF4-FFF2-40B4-BE49-F238E27FC236}">
+                <a16:creationId xmlns:a16="http://schemas.microsoft.com/office/drawing/2014/main" id="{80A69E3F-6401-4C6A-BCB2-C0DFE02B7581}"/>
+              </a:ext>
+            </a:extLst>
+          </p:cNvPr>
+          <p:cNvSpPr txBox="1"/>
+          <p:nvPr/>
+        </p:nvSpPr>
+        <p:spPr>
+          <a:xfrm>
+            <a:off x="827584" y="4509120"/>
+            <a:ext cx="2031325" cy="369332"/>
+          </a:xfrm>
+          <a:prstGeom prst="rect">
+            <a:avLst/>
+          </a:prstGeom>
+          <a:noFill/>
+        </p:spPr>
+        <p:txBody>
+          <a:bodyPr wrap="none" rtlCol="0">
+            <a:spAutoFit/>
+          </a:bodyPr>
+          <a:lstStyle/>
+          <a:p>
+            <a:r>
+              <a:rPr kumimoji="1" lang="ja-JP" altLang="en-US" dirty="0"/>
+              <a:t>ワーキングツリー</a:t>
+            </a:r>
+          </a:p>
+        </p:txBody>
+      </p:sp>
+      <p:sp>
+        <p:nvSpPr>
+          <p:cNvPr id="20" name="テキスト ボックス 19">
+            <a:extLst>
+              <a:ext uri="{FF2B5EF4-FFF2-40B4-BE49-F238E27FC236}">
+                <a16:creationId xmlns:a16="http://schemas.microsoft.com/office/drawing/2014/main" id="{A687F039-4AEB-4542-9832-DBDA44DF1158}"/>
+              </a:ext>
+            </a:extLst>
+          </p:cNvPr>
+          <p:cNvSpPr txBox="1"/>
+          <p:nvPr/>
+        </p:nvSpPr>
+        <p:spPr>
+          <a:xfrm>
+            <a:off x="3203848" y="4509120"/>
+            <a:ext cx="1569660" cy="369332"/>
+          </a:xfrm>
+          <a:prstGeom prst="rect">
+            <a:avLst/>
+          </a:prstGeom>
+          <a:noFill/>
+        </p:spPr>
+        <p:txBody>
+          <a:bodyPr wrap="none" rtlCol="0">
+            <a:spAutoFit/>
+          </a:bodyPr>
+          <a:lstStyle/>
+          <a:p>
+            <a:r>
+              <a:rPr kumimoji="1" lang="ja-JP" altLang="en-US" dirty="0"/>
+              <a:t>インデックス</a:t>
+            </a:r>
+          </a:p>
+        </p:txBody>
+      </p:sp>
+      <p:sp>
+        <p:nvSpPr>
+          <p:cNvPr id="21" name="テキスト ボックス 20">
+            <a:extLst>
+              <a:ext uri="{FF2B5EF4-FFF2-40B4-BE49-F238E27FC236}">
+                <a16:creationId xmlns:a16="http://schemas.microsoft.com/office/drawing/2014/main" id="{D4CC8E42-2FC9-4918-B873-EF2097FB9385}"/>
+              </a:ext>
+            </a:extLst>
+          </p:cNvPr>
+          <p:cNvSpPr txBox="1"/>
+          <p:nvPr/>
+        </p:nvSpPr>
+        <p:spPr>
+          <a:xfrm>
+            <a:off x="5249396" y="4509120"/>
+            <a:ext cx="1338828" cy="369332"/>
+          </a:xfrm>
+          <a:prstGeom prst="rect">
+            <a:avLst/>
+          </a:prstGeom>
+          <a:noFill/>
+        </p:spPr>
+        <p:txBody>
+          <a:bodyPr wrap="none" rtlCol="0">
+            <a:spAutoFit/>
+          </a:bodyPr>
+          <a:lstStyle/>
+          <a:p>
+            <a:r>
+              <a:rPr kumimoji="1" lang="ja-JP" altLang="en-US" dirty="0"/>
+              <a:t>リポジトリ</a:t>
+            </a:r>
+          </a:p>
+        </p:txBody>
+      </p:sp>
+      <p:cxnSp>
+        <p:nvCxnSpPr>
+          <p:cNvPr id="22" name="直線コネクタ 21">
+            <a:extLst>
+              <a:ext uri="{FF2B5EF4-FFF2-40B4-BE49-F238E27FC236}">
+                <a16:creationId xmlns:a16="http://schemas.microsoft.com/office/drawing/2014/main" id="{EEE282F9-F985-484A-A10D-DFDF396D8D0A}"/>
+              </a:ext>
+            </a:extLst>
+          </p:cNvPr>
+          <p:cNvCxnSpPr/>
+          <p:nvPr/>
+        </p:nvCxnSpPr>
+        <p:spPr>
+          <a:xfrm>
+            <a:off x="5897468" y="5517232"/>
+            <a:ext cx="0" cy="216024"/>
+          </a:xfrm>
+          <a:prstGeom prst="line">
+            <a:avLst/>
+          </a:prstGeom>
+          <a:ln>
+            <a:solidFill>
+              <a:schemeClr val="tx1"/>
+            </a:solidFill>
+            <a:headEnd type="none" w="med" len="med"/>
+            <a:tailEnd type="none" w="med" len="med"/>
+          </a:ln>
+        </p:spPr>
+        <p:style>
+          <a:lnRef idx="1">
+            <a:schemeClr val="accent1"/>
+          </a:lnRef>
+          <a:fillRef idx="0">
+            <a:schemeClr val="accent1"/>
+          </a:fillRef>
+          <a:effectRef idx="0">
+            <a:schemeClr val="accent1"/>
+          </a:effectRef>
+          <a:fontRef idx="minor">
+            <a:schemeClr val="tx1"/>
+          </a:fontRef>
+        </p:style>
+      </p:cxnSp>
+      <p:cxnSp>
+        <p:nvCxnSpPr>
+          <p:cNvPr id="23" name="直線コネクタ 22">
+            <a:extLst>
+              <a:ext uri="{FF2B5EF4-FFF2-40B4-BE49-F238E27FC236}">
+                <a16:creationId xmlns:a16="http://schemas.microsoft.com/office/drawing/2014/main" id="{2DEC55E1-E702-4C8E-BE2B-FDA293D5AE18}"/>
+              </a:ext>
+            </a:extLst>
+          </p:cNvPr>
+          <p:cNvCxnSpPr/>
+          <p:nvPr/>
+        </p:nvCxnSpPr>
+        <p:spPr>
+          <a:xfrm>
+            <a:off x="3851920" y="5517232"/>
+            <a:ext cx="0" cy="216024"/>
+          </a:xfrm>
+          <a:prstGeom prst="line">
+            <a:avLst/>
+          </a:prstGeom>
+          <a:ln>
+            <a:solidFill>
+              <a:schemeClr val="tx1"/>
+            </a:solidFill>
+            <a:headEnd type="none" w="med" len="med"/>
+            <a:tailEnd type="none" w="med" len="med"/>
+          </a:ln>
+        </p:spPr>
+        <p:style>
+          <a:lnRef idx="1">
+            <a:schemeClr val="accent1"/>
+          </a:lnRef>
+          <a:fillRef idx="0">
+            <a:schemeClr val="accent1"/>
+          </a:fillRef>
+          <a:effectRef idx="0">
+            <a:schemeClr val="accent1"/>
+          </a:effectRef>
+          <a:fontRef idx="minor">
+            <a:schemeClr val="tx1"/>
+          </a:fontRef>
+        </p:style>
+      </p:cxnSp>
+      <p:cxnSp>
+        <p:nvCxnSpPr>
+          <p:cNvPr id="24" name="直線コネクタ 23">
+            <a:extLst>
+              <a:ext uri="{FF2B5EF4-FFF2-40B4-BE49-F238E27FC236}">
+                <a16:creationId xmlns:a16="http://schemas.microsoft.com/office/drawing/2014/main" id="{877C2F73-19CC-4292-8D2B-69F765E61B3F}"/>
+              </a:ext>
+            </a:extLst>
+          </p:cNvPr>
+          <p:cNvCxnSpPr/>
+          <p:nvPr/>
+        </p:nvCxnSpPr>
+        <p:spPr>
+          <a:xfrm>
+            <a:off x="1835696" y="5517232"/>
+            <a:ext cx="0" cy="216024"/>
+          </a:xfrm>
+          <a:prstGeom prst="line">
+            <a:avLst/>
+          </a:prstGeom>
+          <a:ln>
+            <a:solidFill>
+              <a:schemeClr val="tx1"/>
+            </a:solidFill>
+            <a:headEnd type="none" w="med" len="med"/>
+            <a:tailEnd type="none" w="med" len="med"/>
+          </a:ln>
+        </p:spPr>
+        <p:style>
+          <a:lnRef idx="1">
+            <a:schemeClr val="accent1"/>
+          </a:lnRef>
+          <a:fillRef idx="0">
+            <a:schemeClr val="accent1"/>
+          </a:fillRef>
+          <a:effectRef idx="0">
+            <a:schemeClr val="accent1"/>
+          </a:effectRef>
+          <a:fontRef idx="minor">
+            <a:schemeClr val="tx1"/>
+          </a:fontRef>
+        </p:style>
+      </p:cxnSp>
+      <p:sp>
+        <p:nvSpPr>
+          <p:cNvPr id="25" name="矢印: 左右 24">
+            <a:extLst>
+              <a:ext uri="{FF2B5EF4-FFF2-40B4-BE49-F238E27FC236}">
+                <a16:creationId xmlns:a16="http://schemas.microsoft.com/office/drawing/2014/main" id="{09F5A544-7EFC-45D9-89E0-A255055D9441}"/>
+              </a:ext>
+            </a:extLst>
+          </p:cNvPr>
+          <p:cNvSpPr/>
+          <p:nvPr/>
+        </p:nvSpPr>
+        <p:spPr>
+          <a:xfrm>
+            <a:off x="4355976" y="5805264"/>
+            <a:ext cx="1080120" cy="288032"/>
+          </a:xfrm>
+          <a:prstGeom prst="leftRightArrow">
+            <a:avLst/>
+          </a:prstGeom>
+          <a:solidFill>
+            <a:srgbClr val="FF0000"/>
+          </a:solidFill>
+          <a:ln>
+            <a:solidFill>
+              <a:schemeClr val="tx1"/>
+            </a:solidFill>
+          </a:ln>
+        </p:spPr>
+        <p:style>
+          <a:lnRef idx="2">
+            <a:schemeClr val="accent1">
+              <a:shade val="50000"/>
+            </a:schemeClr>
+          </a:lnRef>
+          <a:fillRef idx="1">
+            <a:schemeClr val="accent1"/>
+          </a:fillRef>
+          <a:effectRef idx="0">
+            <a:schemeClr val="accent1"/>
+          </a:effectRef>
+          <a:fontRef idx="minor">
+            <a:schemeClr val="lt1"/>
+          </a:fontRef>
+        </p:style>
+        <p:txBody>
+          <a:bodyPr rtlCol="0" anchor="ctr"/>
+          <a:lstStyle/>
+          <a:p>
+            <a:pPr algn="ctr"/>
+            <a:endParaRPr kumimoji="1" lang="ja-JP" altLang="en-US"/>
+          </a:p>
+        </p:txBody>
+      </p:sp>
+      <p:grpSp>
+        <p:nvGrpSpPr>
+          <p:cNvPr id="26" name="グループ化 25">
+            <a:extLst>
+              <a:ext uri="{FF2B5EF4-FFF2-40B4-BE49-F238E27FC236}">
+                <a16:creationId xmlns:a16="http://schemas.microsoft.com/office/drawing/2014/main" id="{49F27E2F-5775-4BF7-8804-ED138747A29C}"/>
+              </a:ext>
+            </a:extLst>
+          </p:cNvPr>
+          <p:cNvGrpSpPr/>
+          <p:nvPr/>
+        </p:nvGrpSpPr>
+        <p:grpSpPr>
+          <a:xfrm>
+            <a:off x="3635896" y="5733256"/>
+            <a:ext cx="432048" cy="540060"/>
+            <a:chOff x="3851920" y="1268760"/>
+            <a:chExt cx="2880320" cy="3600400"/>
+          </a:xfrm>
+          <a:solidFill>
+            <a:schemeClr val="accent1">
+              <a:lumMod val="20000"/>
+              <a:lumOff val="80000"/>
+            </a:schemeClr>
+          </a:solidFill>
+        </p:grpSpPr>
+        <p:sp>
+          <p:nvSpPr>
+            <p:cNvPr id="27" name="1 つの角を切り取った四角形 33">
+              <a:extLst>
+                <a:ext uri="{FF2B5EF4-FFF2-40B4-BE49-F238E27FC236}">
+                  <a16:creationId xmlns:a16="http://schemas.microsoft.com/office/drawing/2014/main" id="{839E1A19-52F9-41B5-BFA0-BA7FB65F0D17}"/>
+                </a:ext>
+              </a:extLst>
+            </p:cNvPr>
+            <p:cNvSpPr/>
+            <p:nvPr/>
+          </p:nvSpPr>
+          <p:spPr>
+            <a:xfrm>
+              <a:off x="3851920" y="1268760"/>
+              <a:ext cx="2880320" cy="3600400"/>
+            </a:xfrm>
+            <a:prstGeom prst="snip1Rect">
+              <a:avLst>
+                <a:gd name="adj" fmla="val 24949"/>
+              </a:avLst>
+            </a:prstGeom>
+            <a:grpFill/>
+            <a:ln>
+              <a:solidFill>
+                <a:schemeClr val="tx1"/>
+              </a:solidFill>
+            </a:ln>
+          </p:spPr>
+          <p:style>
+            <a:lnRef idx="2">
+              <a:schemeClr val="accent1">
+                <a:shade val="50000"/>
+              </a:schemeClr>
+            </a:lnRef>
+            <a:fillRef idx="1">
+              <a:schemeClr val="accent1"/>
+            </a:fillRef>
+            <a:effectRef idx="0">
+              <a:schemeClr val="accent1"/>
+            </a:effectRef>
+            <a:fontRef idx="minor">
+              <a:schemeClr val="lt1"/>
+            </a:fontRef>
+          </p:style>
+          <p:txBody>
+            <a:bodyPr rtlCol="0" anchor="ctr"/>
+            <a:lstStyle/>
+            <a:p>
+              <a:pPr algn="ctr"/>
+              <a:endParaRPr kumimoji="1" lang="ja-JP" altLang="en-US"/>
+            </a:p>
+          </p:txBody>
+        </p:sp>
+        <p:sp>
+          <p:nvSpPr>
+            <p:cNvPr id="28" name="直角三角形 27">
+              <a:extLst>
+                <a:ext uri="{FF2B5EF4-FFF2-40B4-BE49-F238E27FC236}">
+                  <a16:creationId xmlns:a16="http://schemas.microsoft.com/office/drawing/2014/main" id="{9EDEC354-37B4-4759-93EA-13E819E20C48}"/>
+                </a:ext>
+              </a:extLst>
+            </p:cNvPr>
+            <p:cNvSpPr/>
+            <p:nvPr/>
+          </p:nvSpPr>
+          <p:spPr>
+            <a:xfrm>
+              <a:off x="6012160" y="1268760"/>
+              <a:ext cx="720080" cy="720080"/>
+            </a:xfrm>
+            <a:prstGeom prst="rtTriangle">
+              <a:avLst/>
+            </a:prstGeom>
+            <a:grpFill/>
+            <a:ln>
+              <a:solidFill>
+                <a:schemeClr val="tx1"/>
+              </a:solidFill>
+            </a:ln>
+          </p:spPr>
+          <p:style>
+            <a:lnRef idx="2">
+              <a:schemeClr val="accent1">
+                <a:shade val="50000"/>
+              </a:schemeClr>
+            </a:lnRef>
+            <a:fillRef idx="1">
+              <a:schemeClr val="accent1"/>
+            </a:fillRef>
+            <a:effectRef idx="0">
+              <a:schemeClr val="accent1"/>
+            </a:effectRef>
+            <a:fontRef idx="minor">
+              <a:schemeClr val="lt1"/>
+            </a:fontRef>
+          </p:style>
+          <p:txBody>
+            <a:bodyPr rtlCol="0" anchor="ctr"/>
+            <a:lstStyle/>
+            <a:p>
+              <a:pPr algn="ctr"/>
+              <a:endParaRPr kumimoji="1" lang="ja-JP" altLang="en-US"/>
+            </a:p>
+          </p:txBody>
+        </p:sp>
+      </p:grpSp>
+      <p:sp>
+        <p:nvSpPr>
+          <p:cNvPr id="29" name="矢印: 右 28">
+            <a:extLst>
+              <a:ext uri="{FF2B5EF4-FFF2-40B4-BE49-F238E27FC236}">
+                <a16:creationId xmlns:a16="http://schemas.microsoft.com/office/drawing/2014/main" id="{31DF4F84-1B43-424E-B6DC-187FCA0326E3}"/>
+              </a:ext>
+            </a:extLst>
+          </p:cNvPr>
+          <p:cNvSpPr/>
+          <p:nvPr/>
+        </p:nvSpPr>
+        <p:spPr>
+          <a:xfrm>
+            <a:off x="2699792" y="5733256"/>
+            <a:ext cx="504056" cy="360040"/>
+          </a:xfrm>
+          <a:prstGeom prst="rightArrow">
+            <a:avLst/>
+          </a:prstGeom>
+          <a:solidFill>
+            <a:srgbClr val="FF0000"/>
+          </a:solidFill>
+          <a:ln>
+            <a:solidFill>
+              <a:schemeClr val="tx1"/>
+            </a:solidFill>
+          </a:ln>
+        </p:spPr>
+        <p:style>
+          <a:lnRef idx="2">
+            <a:schemeClr val="accent1">
+              <a:shade val="50000"/>
+            </a:schemeClr>
+          </a:lnRef>
+          <a:fillRef idx="1">
+            <a:schemeClr val="accent1"/>
+          </a:fillRef>
+          <a:effectRef idx="0">
+            <a:schemeClr val="accent1"/>
+          </a:effectRef>
+          <a:fontRef idx="minor">
+            <a:schemeClr val="lt1"/>
+          </a:fontRef>
+        </p:style>
+        <p:txBody>
+          <a:bodyPr rtlCol="0" anchor="ctr"/>
+          <a:lstStyle/>
+          <a:p>
+            <a:pPr algn="ctr"/>
+            <a:endParaRPr kumimoji="1" lang="ja-JP" altLang="en-US"/>
+          </a:p>
+        </p:txBody>
+      </p:sp>
+      <p:sp>
+        <p:nvSpPr>
+          <p:cNvPr id="30" name="テキスト ボックス 29">
+            <a:extLst>
+              <a:ext uri="{FF2B5EF4-FFF2-40B4-BE49-F238E27FC236}">
+                <a16:creationId xmlns:a16="http://schemas.microsoft.com/office/drawing/2014/main" id="{04F43DC4-B181-43E8-AF49-EC944C4B13E7}"/>
+              </a:ext>
+            </a:extLst>
+          </p:cNvPr>
+          <p:cNvSpPr txBox="1"/>
+          <p:nvPr/>
+        </p:nvSpPr>
+        <p:spPr>
+          <a:xfrm>
+            <a:off x="2411760" y="6309320"/>
+            <a:ext cx="1071127" cy="369332"/>
+          </a:xfrm>
+          <a:prstGeom prst="rect">
+            <a:avLst/>
+          </a:prstGeom>
+          <a:noFill/>
+        </p:spPr>
+        <p:txBody>
+          <a:bodyPr wrap="none" rtlCol="0">
+            <a:spAutoFit/>
+          </a:bodyPr>
+          <a:lstStyle/>
+          <a:p>
+            <a:r>
+              <a:rPr lang="en-US" altLang="ja-JP" dirty="0">
+                <a:latin typeface="Consolas" panose="020B0609020204030204" pitchFamily="49" charset="0"/>
+              </a:rPr>
+              <a:t>git</a:t>
+            </a:r>
+            <a:r>
+              <a:rPr lang="ja-JP" altLang="en-US" dirty="0">
+                <a:latin typeface="Consolas" panose="020B0609020204030204" pitchFamily="49" charset="0"/>
+              </a:rPr>
+              <a:t> </a:t>
+            </a:r>
+            <a:r>
+              <a:rPr lang="en-US" altLang="ja-JP" dirty="0">
+                <a:latin typeface="Consolas" panose="020B0609020204030204" pitchFamily="49" charset="0"/>
+              </a:rPr>
+              <a:t>add</a:t>
+            </a:r>
+            <a:endParaRPr kumimoji="1" lang="ja-JP" altLang="en-US" dirty="0">
+              <a:latin typeface="Consolas" panose="020B0609020204030204" pitchFamily="49" charset="0"/>
+            </a:endParaRPr>
+          </a:p>
+        </p:txBody>
+      </p:sp>
+      <p:sp>
+        <p:nvSpPr>
+          <p:cNvPr id="31" name="テキスト ボックス 30">
+            <a:extLst>
+              <a:ext uri="{FF2B5EF4-FFF2-40B4-BE49-F238E27FC236}">
+                <a16:creationId xmlns:a16="http://schemas.microsoft.com/office/drawing/2014/main" id="{24D02BB4-B213-4AB6-80C1-488A29A8CF1D}"/>
+              </a:ext>
+            </a:extLst>
+          </p:cNvPr>
+          <p:cNvSpPr txBox="1"/>
+          <p:nvPr/>
+        </p:nvSpPr>
+        <p:spPr>
+          <a:xfrm>
+            <a:off x="4139952" y="6309320"/>
+            <a:ext cx="2337499" cy="369332"/>
+          </a:xfrm>
+          <a:prstGeom prst="rect">
+            <a:avLst/>
+          </a:prstGeom>
+          <a:noFill/>
+        </p:spPr>
+        <p:txBody>
+          <a:bodyPr wrap="none" rtlCol="0">
+            <a:spAutoFit/>
+          </a:bodyPr>
+          <a:lstStyle/>
+          <a:p>
+            <a:r>
+              <a:rPr lang="en-US" altLang="ja-JP" dirty="0">
+                <a:latin typeface="Consolas" panose="020B0609020204030204" pitchFamily="49" charset="0"/>
+              </a:rPr>
+              <a:t>git</a:t>
+            </a:r>
+            <a:r>
+              <a:rPr lang="ja-JP" altLang="en-US" dirty="0">
+                <a:latin typeface="Consolas" panose="020B0609020204030204" pitchFamily="49" charset="0"/>
+              </a:rPr>
+              <a:t> </a:t>
+            </a:r>
+            <a:r>
+              <a:rPr lang="en-US" altLang="ja-JP" dirty="0">
+                <a:latin typeface="Consolas" panose="020B0609020204030204" pitchFamily="49" charset="0"/>
+              </a:rPr>
+              <a:t>diff --cached</a:t>
+            </a:r>
+            <a:endParaRPr kumimoji="1" lang="ja-JP" altLang="en-US" dirty="0">
+              <a:latin typeface="Consolas" panose="020B0609020204030204" pitchFamily="49" charset="0"/>
+            </a:endParaRPr>
+          </a:p>
+        </p:txBody>
+      </p:sp>
+    </p:spTree>
+    <p:extLst>
+      <p:ext uri="{BB962C8B-B14F-4D97-AF65-F5344CB8AC3E}">
+        <p14:creationId xmlns:p14="http://schemas.microsoft.com/office/powerpoint/2010/main" val="3566869509"/>
       </p:ext>
     </p:extLst>
   </p:cSld>
@@ -3312,10 +7675,18 @@
           </a:p>
           <a:p>
             <a:r>
-              <a:rPr lang="ja-JP" altLang="en-US" sz="3200"/>
+              <a:rPr lang="ja-JP" altLang="en-US" sz="3200" dirty="0">
+                <a:solidFill>
+                  <a:srgbClr val="FF0000"/>
+                </a:solidFill>
+              </a:rPr>
               <a:t>メッセージの読み方を覚える</a:t>
             </a:r>
-            <a:endParaRPr lang="en-US" altLang="ja-JP" sz="3200" dirty="0"/>
+            <a:endParaRPr lang="en-US" altLang="ja-JP" sz="3200" dirty="0">
+              <a:solidFill>
+                <a:srgbClr val="FF0000"/>
+              </a:solidFill>
+            </a:endParaRPr>
           </a:p>
         </p:txBody>
       </p:sp>
@@ -3323,6 +7694,4299 @@
     <p:extLst>
       <p:ext uri="{BB962C8B-B14F-4D97-AF65-F5344CB8AC3E}">
         <p14:creationId xmlns:p14="http://schemas.microsoft.com/office/powerpoint/2010/main" val="3652201495"/>
+      </p:ext>
+    </p:extLst>
+  </p:cSld>
+  <p:clrMapOvr>
+    <a:masterClrMapping/>
+  </p:clrMapOvr>
+</p:sld>
+</file>
+
+<file path=ppt/slides/slide20.xml><?xml version="1.0" encoding="utf-8"?>
+<p:sld xmlns:a="http://schemas.openxmlformats.org/drawingml/2006/main" xmlns:r="http://schemas.openxmlformats.org/officeDocument/2006/relationships" xmlns:p="http://schemas.openxmlformats.org/presentationml/2006/main">
+  <p:cSld>
+    <p:spTree>
+      <p:nvGrpSpPr>
+        <p:cNvPr id="1" name=""/>
+        <p:cNvGrpSpPr/>
+        <p:nvPr/>
+      </p:nvGrpSpPr>
+      <p:grpSpPr>
+        <a:xfrm>
+          <a:off x="0" y="0"/>
+          <a:ext cx="0" cy="0"/>
+          <a:chOff x="0" y="0"/>
+          <a:chExt cx="0" cy="0"/>
+        </a:xfrm>
+      </p:grpSpPr>
+      <p:sp>
+        <p:nvSpPr>
+          <p:cNvPr id="2" name="テキスト プレースホルダー 1">
+            <a:extLst>
+              <a:ext uri="{FF2B5EF4-FFF2-40B4-BE49-F238E27FC236}">
+                <a16:creationId xmlns:a16="http://schemas.microsoft.com/office/drawing/2014/main" id="{FAAD0AA0-7DFD-49B8-82AF-2F7483C86059}"/>
+              </a:ext>
+            </a:extLst>
+          </p:cNvPr>
+          <p:cNvSpPr>
+            <a:spLocks noGrp="1"/>
+          </p:cNvSpPr>
+          <p:nvPr>
+            <p:ph type="body" sz="quarter" idx="10"/>
+          </p:nvPr>
+        </p:nvSpPr>
+        <p:spPr/>
+        <p:txBody>
+          <a:bodyPr/>
+          <a:lstStyle/>
+          <a:p>
+            <a:r>
+              <a:rPr kumimoji="1" lang="ja-JP" altLang="en-US" dirty="0"/>
+              <a:t>状態表示</a:t>
+            </a:r>
+          </a:p>
+        </p:txBody>
+      </p:sp>
+      <p:sp>
+        <p:nvSpPr>
+          <p:cNvPr id="4" name="テキスト ボックス 3">
+            <a:extLst>
+              <a:ext uri="{FF2B5EF4-FFF2-40B4-BE49-F238E27FC236}">
+                <a16:creationId xmlns:a16="http://schemas.microsoft.com/office/drawing/2014/main" id="{2F5BD707-C1A5-4D94-A4F8-71A0F15FA9C7}"/>
+              </a:ext>
+            </a:extLst>
+          </p:cNvPr>
+          <p:cNvSpPr txBox="1"/>
+          <p:nvPr/>
+        </p:nvSpPr>
+        <p:spPr>
+          <a:xfrm>
+            <a:off x="539552" y="1772816"/>
+            <a:ext cx="5904656" cy="1477328"/>
+          </a:xfrm>
+          <a:prstGeom prst="rect">
+            <a:avLst/>
+          </a:prstGeom>
+          <a:noFill/>
+          <a:ln>
+            <a:solidFill>
+              <a:schemeClr val="tx1"/>
+            </a:solidFill>
+          </a:ln>
+        </p:spPr>
+        <p:txBody>
+          <a:bodyPr wrap="square">
+            <a:spAutoFit/>
+          </a:bodyPr>
+          <a:lstStyle/>
+          <a:p>
+            <a:r>
+              <a:rPr lang="ja-JP" altLang="en-US" dirty="0"/>
+              <a:t>$ git status</a:t>
+            </a:r>
+          </a:p>
+          <a:p>
+            <a:r>
+              <a:rPr lang="ja-JP" altLang="en-US" dirty="0"/>
+              <a:t>On branch main</a:t>
+            </a:r>
+          </a:p>
+          <a:p>
+            <a:r>
+              <a:rPr lang="ja-JP" altLang="en-US" dirty="0"/>
+              <a:t>Changes to be committed:</a:t>
+            </a:r>
+          </a:p>
+          <a:p>
+            <a:r>
+              <a:rPr lang="ja-JP" altLang="en-US" dirty="0"/>
+              <a:t>  (use "git restore --staged &lt;file&gt;..." to unstage)</a:t>
+            </a:r>
+          </a:p>
+          <a:p>
+            <a:r>
+              <a:rPr lang="ja-JP" altLang="en-US" dirty="0"/>
+              <a:t>        modified:   README.md</a:t>
+            </a:r>
+          </a:p>
+        </p:txBody>
+      </p:sp>
+      <p:sp>
+        <p:nvSpPr>
+          <p:cNvPr id="5" name="テキスト ボックス 4">
+            <a:extLst>
+              <a:ext uri="{FF2B5EF4-FFF2-40B4-BE49-F238E27FC236}">
+                <a16:creationId xmlns:a16="http://schemas.microsoft.com/office/drawing/2014/main" id="{13DA7CED-A0AA-4D37-820D-BDC31C2F3710}"/>
+              </a:ext>
+            </a:extLst>
+          </p:cNvPr>
+          <p:cNvSpPr txBox="1"/>
+          <p:nvPr/>
+        </p:nvSpPr>
+        <p:spPr>
+          <a:xfrm>
+            <a:off x="395536" y="1124744"/>
+            <a:ext cx="2339102" cy="461665"/>
+          </a:xfrm>
+          <a:prstGeom prst="rect">
+            <a:avLst/>
+          </a:prstGeom>
+          <a:noFill/>
+        </p:spPr>
+        <p:txBody>
+          <a:bodyPr wrap="none" rtlCol="0">
+            <a:spAutoFit/>
+          </a:bodyPr>
+          <a:lstStyle/>
+          <a:p>
+            <a:r>
+              <a:rPr lang="ja-JP" altLang="en-US" sz="2400" dirty="0"/>
+              <a:t>状態を表示する</a:t>
+            </a:r>
+            <a:endParaRPr kumimoji="1" lang="ja-JP" altLang="en-US" sz="2400" dirty="0"/>
+          </a:p>
+        </p:txBody>
+      </p:sp>
+      <p:sp>
+        <p:nvSpPr>
+          <p:cNvPr id="7" name="テキスト ボックス 6">
+            <a:extLst>
+              <a:ext uri="{FF2B5EF4-FFF2-40B4-BE49-F238E27FC236}">
+                <a16:creationId xmlns:a16="http://schemas.microsoft.com/office/drawing/2014/main" id="{978093A4-1CD2-4A96-8749-7E5FF1C23B19}"/>
+              </a:ext>
+            </a:extLst>
+          </p:cNvPr>
+          <p:cNvSpPr txBox="1"/>
+          <p:nvPr/>
+        </p:nvSpPr>
+        <p:spPr>
+          <a:xfrm>
+            <a:off x="611560" y="3429000"/>
+            <a:ext cx="8352928" cy="1200329"/>
+          </a:xfrm>
+          <a:prstGeom prst="rect">
+            <a:avLst/>
+          </a:prstGeom>
+          <a:noFill/>
+        </p:spPr>
+        <p:txBody>
+          <a:bodyPr wrap="square">
+            <a:spAutoFit/>
+          </a:bodyPr>
+          <a:lstStyle/>
+          <a:p>
+            <a:pPr marL="285750" indent="-285750">
+              <a:buFont typeface="Arial" panose="020B0604020202020204" pitchFamily="34" charset="0"/>
+              <a:buChar char="•"/>
+            </a:pPr>
+            <a:r>
+              <a:rPr lang="ja-JP" altLang="en-US" sz="2400" dirty="0">
+                <a:solidFill>
+                  <a:srgbClr val="24292F"/>
+                </a:solidFill>
+                <a:latin typeface="-apple-system"/>
+              </a:rPr>
+              <a:t>「</a:t>
+            </a:r>
+            <a:r>
+              <a:rPr lang="en-US" altLang="ja-JP" sz="2400" b="0" i="0" dirty="0">
+                <a:solidFill>
+                  <a:srgbClr val="24292F"/>
+                </a:solidFill>
+                <a:effectLst/>
+                <a:latin typeface="-apple-system"/>
+              </a:rPr>
+              <a:t>Changes not staged for commit:</a:t>
+            </a:r>
+            <a:r>
+              <a:rPr lang="ja-JP" altLang="en-US" sz="2400" b="0" i="0" dirty="0">
+                <a:solidFill>
+                  <a:srgbClr val="24292F"/>
+                </a:solidFill>
+                <a:effectLst/>
+                <a:latin typeface="-apple-system"/>
+              </a:rPr>
+              <a:t>」→「</a:t>
+            </a:r>
+            <a:r>
+              <a:rPr lang="en-US" altLang="ja-JP" sz="2400" b="0" i="0" dirty="0">
+                <a:solidFill>
+                  <a:srgbClr val="24292F"/>
+                </a:solidFill>
+                <a:effectLst/>
+                <a:latin typeface="-apple-system"/>
+              </a:rPr>
+              <a:t>Changes to be committed:</a:t>
+            </a:r>
+            <a:r>
+              <a:rPr lang="ja-JP" altLang="en-US" sz="2400" b="0" i="0" dirty="0">
+                <a:solidFill>
+                  <a:srgbClr val="24292F"/>
+                </a:solidFill>
+                <a:effectLst/>
+                <a:latin typeface="-apple-system"/>
+              </a:rPr>
+              <a:t>」</a:t>
+            </a:r>
+            <a:endParaRPr lang="en-US" altLang="ja-JP" sz="2400" b="0" i="0" dirty="0">
+              <a:solidFill>
+                <a:srgbClr val="24292F"/>
+              </a:solidFill>
+              <a:effectLst/>
+              <a:latin typeface="-apple-system"/>
+            </a:endParaRPr>
+          </a:p>
+          <a:p>
+            <a:pPr marL="285750" indent="-285750">
+              <a:buFont typeface="Arial" panose="020B0604020202020204" pitchFamily="34" charset="0"/>
+              <a:buChar char="•"/>
+            </a:pPr>
+            <a:r>
+              <a:rPr lang="ja-JP" altLang="en-US" sz="2400" dirty="0"/>
+              <a:t>ステージングを取り消すなら</a:t>
+            </a:r>
+            <a:r>
+              <a:rPr lang="en-US" altLang="ja-JP" sz="2400" dirty="0"/>
+              <a:t>git restore –staged </a:t>
+            </a:r>
+            <a:r>
+              <a:rPr lang="ja-JP" altLang="en-US" sz="2400" dirty="0"/>
+              <a:t>しろ</a:t>
+            </a:r>
+            <a:endParaRPr lang="en-US" altLang="ja-JP" sz="2400" dirty="0"/>
+          </a:p>
+        </p:txBody>
+      </p:sp>
+      <p:sp>
+        <p:nvSpPr>
+          <p:cNvPr id="10" name="テキスト ボックス 9">
+            <a:extLst>
+              <a:ext uri="{FF2B5EF4-FFF2-40B4-BE49-F238E27FC236}">
+                <a16:creationId xmlns:a16="http://schemas.microsoft.com/office/drawing/2014/main" id="{3A7E1324-EF3C-4538-B5E6-01D946AD3B74}"/>
+              </a:ext>
+            </a:extLst>
+          </p:cNvPr>
+          <p:cNvSpPr txBox="1"/>
+          <p:nvPr/>
+        </p:nvSpPr>
+        <p:spPr>
+          <a:xfrm>
+            <a:off x="1619672" y="4941168"/>
+            <a:ext cx="45719" cy="369332"/>
+          </a:xfrm>
+          <a:prstGeom prst="rect">
+            <a:avLst/>
+          </a:prstGeom>
+          <a:noFill/>
+        </p:spPr>
+        <p:txBody>
+          <a:bodyPr wrap="square" rtlCol="0">
+            <a:spAutoFit/>
+          </a:bodyPr>
+          <a:lstStyle/>
+          <a:p>
+            <a:endParaRPr kumimoji="1" lang="ja-JP" altLang="en-US" dirty="0"/>
+          </a:p>
+        </p:txBody>
+      </p:sp>
+      <p:sp>
+        <p:nvSpPr>
+          <p:cNvPr id="14" name="テキスト ボックス 13">
+            <a:extLst>
+              <a:ext uri="{FF2B5EF4-FFF2-40B4-BE49-F238E27FC236}">
+                <a16:creationId xmlns:a16="http://schemas.microsoft.com/office/drawing/2014/main" id="{171975D8-27B7-4ACE-BBF6-0347D67CAEF6}"/>
+              </a:ext>
+            </a:extLst>
+          </p:cNvPr>
+          <p:cNvSpPr txBox="1"/>
+          <p:nvPr/>
+        </p:nvSpPr>
+        <p:spPr>
+          <a:xfrm>
+            <a:off x="467544" y="4869160"/>
+            <a:ext cx="2646878" cy="461665"/>
+          </a:xfrm>
+          <a:prstGeom prst="rect">
+            <a:avLst/>
+          </a:prstGeom>
+          <a:noFill/>
+        </p:spPr>
+        <p:txBody>
+          <a:bodyPr wrap="none" rtlCol="0">
+            <a:spAutoFit/>
+          </a:bodyPr>
+          <a:lstStyle/>
+          <a:p>
+            <a:r>
+              <a:rPr lang="ja-JP" altLang="en-US" sz="2400" dirty="0"/>
+              <a:t>状態表示の簡略版</a:t>
+            </a:r>
+            <a:endParaRPr lang="en-US" altLang="ja-JP" sz="2400" dirty="0"/>
+          </a:p>
+        </p:txBody>
+      </p:sp>
+      <p:sp>
+        <p:nvSpPr>
+          <p:cNvPr id="15" name="テキスト ボックス 14">
+            <a:extLst>
+              <a:ext uri="{FF2B5EF4-FFF2-40B4-BE49-F238E27FC236}">
+                <a16:creationId xmlns:a16="http://schemas.microsoft.com/office/drawing/2014/main" id="{48D1A88C-8E34-4E21-AA44-89433A3977D4}"/>
+              </a:ext>
+            </a:extLst>
+          </p:cNvPr>
+          <p:cNvSpPr txBox="1"/>
+          <p:nvPr/>
+        </p:nvSpPr>
+        <p:spPr>
+          <a:xfrm>
+            <a:off x="755576" y="5445224"/>
+            <a:ext cx="2084225" cy="646331"/>
+          </a:xfrm>
+          <a:prstGeom prst="rect">
+            <a:avLst/>
+          </a:prstGeom>
+          <a:noFill/>
+          <a:ln>
+            <a:solidFill>
+              <a:schemeClr val="tx1"/>
+            </a:solidFill>
+          </a:ln>
+        </p:spPr>
+        <p:txBody>
+          <a:bodyPr wrap="none" rtlCol="0">
+            <a:spAutoFit/>
+          </a:bodyPr>
+          <a:lstStyle/>
+          <a:p>
+            <a:r>
+              <a:rPr kumimoji="1" lang="en-US" altLang="ja-JP" dirty="0">
+                <a:latin typeface="Consolas" panose="020B0609020204030204" pitchFamily="49" charset="0"/>
+              </a:rPr>
+              <a:t>$ git status -s</a:t>
+            </a:r>
+          </a:p>
+          <a:p>
+            <a:r>
+              <a:rPr kumimoji="1" lang="en-US" altLang="ja-JP" dirty="0">
+                <a:solidFill>
+                  <a:srgbClr val="00B050"/>
+                </a:solidFill>
+                <a:latin typeface="Consolas" panose="020B0609020204030204" pitchFamily="49" charset="0"/>
+              </a:rPr>
+              <a:t>M</a:t>
+            </a:r>
+            <a:r>
+              <a:rPr kumimoji="1" lang="en-US" altLang="ja-JP" dirty="0">
+                <a:latin typeface="Consolas" panose="020B0609020204030204" pitchFamily="49" charset="0"/>
+              </a:rPr>
+              <a:t>  README.md</a:t>
+            </a:r>
+            <a:endParaRPr kumimoji="1" lang="ja-JP" altLang="en-US" dirty="0">
+              <a:latin typeface="Consolas" panose="020B0609020204030204" pitchFamily="49" charset="0"/>
+            </a:endParaRPr>
+          </a:p>
+        </p:txBody>
+      </p:sp>
+      <p:sp>
+        <p:nvSpPr>
+          <p:cNvPr id="16" name="テキスト ボックス 15">
+            <a:extLst>
+              <a:ext uri="{FF2B5EF4-FFF2-40B4-BE49-F238E27FC236}">
+                <a16:creationId xmlns:a16="http://schemas.microsoft.com/office/drawing/2014/main" id="{82D65820-4F56-447E-BAAA-63673514718C}"/>
+              </a:ext>
+            </a:extLst>
+          </p:cNvPr>
+          <p:cNvSpPr txBox="1"/>
+          <p:nvPr/>
+        </p:nvSpPr>
+        <p:spPr>
+          <a:xfrm>
+            <a:off x="1187624" y="6237312"/>
+            <a:ext cx="4339650" cy="369332"/>
+          </a:xfrm>
+          <a:prstGeom prst="rect">
+            <a:avLst/>
+          </a:prstGeom>
+          <a:noFill/>
+        </p:spPr>
+        <p:txBody>
+          <a:bodyPr wrap="none" rtlCol="0">
+            <a:spAutoFit/>
+          </a:bodyPr>
+          <a:lstStyle/>
+          <a:p>
+            <a:r>
+              <a:rPr kumimoji="1" lang="ja-JP" altLang="en-US" dirty="0"/>
+              <a:t>インデックス</a:t>
+            </a:r>
+            <a:r>
+              <a:rPr lang="ja-JP" altLang="en-US" dirty="0"/>
+              <a:t>とリポジトリ</a:t>
+            </a:r>
+            <a:r>
+              <a:rPr kumimoji="1" lang="ja-JP" altLang="en-US" dirty="0"/>
+              <a:t>に差異がある</a:t>
+            </a:r>
+          </a:p>
+        </p:txBody>
+      </p:sp>
+    </p:spTree>
+    <p:extLst>
+      <p:ext uri="{BB962C8B-B14F-4D97-AF65-F5344CB8AC3E}">
+        <p14:creationId xmlns:p14="http://schemas.microsoft.com/office/powerpoint/2010/main" val="1990992900"/>
+      </p:ext>
+    </p:extLst>
+  </p:cSld>
+  <p:clrMapOvr>
+    <a:masterClrMapping/>
+  </p:clrMapOvr>
+</p:sld>
+</file>
+
+<file path=ppt/slides/slide21.xml><?xml version="1.0" encoding="utf-8"?>
+<p:sld xmlns:a="http://schemas.openxmlformats.org/drawingml/2006/main" xmlns:r="http://schemas.openxmlformats.org/officeDocument/2006/relationships" xmlns:p="http://schemas.openxmlformats.org/presentationml/2006/main">
+  <p:cSld>
+    <p:spTree>
+      <p:nvGrpSpPr>
+        <p:cNvPr id="1" name=""/>
+        <p:cNvGrpSpPr/>
+        <p:nvPr/>
+      </p:nvGrpSpPr>
+      <p:grpSpPr>
+        <a:xfrm>
+          <a:off x="0" y="0"/>
+          <a:ext cx="0" cy="0"/>
+          <a:chOff x="0" y="0"/>
+          <a:chExt cx="0" cy="0"/>
+        </a:xfrm>
+      </p:grpSpPr>
+      <p:sp>
+        <p:nvSpPr>
+          <p:cNvPr id="2" name="テキスト プレースホルダー 1">
+            <a:extLst>
+              <a:ext uri="{FF2B5EF4-FFF2-40B4-BE49-F238E27FC236}">
+                <a16:creationId xmlns:a16="http://schemas.microsoft.com/office/drawing/2014/main" id="{00FDF596-0F9A-4524-B7C5-62CCA8E2506B}"/>
+              </a:ext>
+            </a:extLst>
+          </p:cNvPr>
+          <p:cNvSpPr>
+            <a:spLocks noGrp="1"/>
+          </p:cNvSpPr>
+          <p:nvPr>
+            <p:ph type="body" sz="quarter" idx="10"/>
+          </p:nvPr>
+        </p:nvSpPr>
+        <p:spPr/>
+        <p:txBody>
+          <a:bodyPr/>
+          <a:lstStyle/>
+          <a:p>
+            <a:r>
+              <a:rPr kumimoji="1" lang="ja-JP" altLang="en-US" dirty="0"/>
+              <a:t>修正をコミット</a:t>
+            </a:r>
+          </a:p>
+        </p:txBody>
+      </p:sp>
+      <p:sp>
+        <p:nvSpPr>
+          <p:cNvPr id="5" name="テキスト ボックス 4">
+            <a:extLst>
+              <a:ext uri="{FF2B5EF4-FFF2-40B4-BE49-F238E27FC236}">
+                <a16:creationId xmlns:a16="http://schemas.microsoft.com/office/drawing/2014/main" id="{FCB4724F-05E0-4AC0-BC86-EC07793DE958}"/>
+              </a:ext>
+            </a:extLst>
+          </p:cNvPr>
+          <p:cNvSpPr txBox="1"/>
+          <p:nvPr/>
+        </p:nvSpPr>
+        <p:spPr>
+          <a:xfrm>
+            <a:off x="899592" y="1628800"/>
+            <a:ext cx="4616970" cy="923330"/>
+          </a:xfrm>
+          <a:prstGeom prst="rect">
+            <a:avLst/>
+          </a:prstGeom>
+          <a:noFill/>
+          <a:ln>
+            <a:solidFill>
+              <a:schemeClr val="tx1"/>
+            </a:solidFill>
+          </a:ln>
+        </p:spPr>
+        <p:txBody>
+          <a:bodyPr wrap="none" rtlCol="0">
+            <a:spAutoFit/>
+          </a:bodyPr>
+          <a:lstStyle/>
+          <a:p>
+            <a:r>
+              <a:rPr kumimoji="1" lang="en-US" altLang="ja-JP" dirty="0">
+                <a:latin typeface="Consolas" panose="020B0609020204030204" pitchFamily="49" charset="0"/>
+              </a:rPr>
+              <a:t>$ git commit -m "updates README.md"</a:t>
+            </a:r>
+          </a:p>
+          <a:p>
+            <a:r>
+              <a:rPr kumimoji="1" lang="en-US" altLang="ja-JP" dirty="0">
+                <a:latin typeface="Consolas" panose="020B0609020204030204" pitchFamily="49" charset="0"/>
+              </a:rPr>
+              <a:t>[main </a:t>
+            </a:r>
+            <a:r>
+              <a:rPr kumimoji="1" lang="en-US" altLang="ja-JP" dirty="0">
+                <a:solidFill>
+                  <a:srgbClr val="FF0000"/>
+                </a:solidFill>
+                <a:latin typeface="Consolas" panose="020B0609020204030204" pitchFamily="49" charset="0"/>
+              </a:rPr>
+              <a:t>a736d82</a:t>
+            </a:r>
+            <a:r>
+              <a:rPr kumimoji="1" lang="en-US" altLang="ja-JP" dirty="0">
+                <a:latin typeface="Consolas" panose="020B0609020204030204" pitchFamily="49" charset="0"/>
+              </a:rPr>
+              <a:t>] updates README.md</a:t>
+            </a:r>
+          </a:p>
+          <a:p>
+            <a:r>
+              <a:rPr kumimoji="1" lang="en-US" altLang="ja-JP" dirty="0">
+                <a:latin typeface="Consolas" panose="020B0609020204030204" pitchFamily="49" charset="0"/>
+              </a:rPr>
+              <a:t> 1 file changed, 1 insertion(+)</a:t>
+            </a:r>
+          </a:p>
+        </p:txBody>
+      </p:sp>
+      <p:sp>
+        <p:nvSpPr>
+          <p:cNvPr id="6" name="テキスト ボックス 5">
+            <a:extLst>
+              <a:ext uri="{FF2B5EF4-FFF2-40B4-BE49-F238E27FC236}">
+                <a16:creationId xmlns:a16="http://schemas.microsoft.com/office/drawing/2014/main" id="{B365819C-F9B5-4793-BFA8-B5CB3C0B6BAF}"/>
+              </a:ext>
+            </a:extLst>
+          </p:cNvPr>
+          <p:cNvSpPr txBox="1"/>
+          <p:nvPr/>
+        </p:nvSpPr>
+        <p:spPr>
+          <a:xfrm>
+            <a:off x="395536" y="1124744"/>
+            <a:ext cx="2262158" cy="369332"/>
+          </a:xfrm>
+          <a:prstGeom prst="rect">
+            <a:avLst/>
+          </a:prstGeom>
+          <a:noFill/>
+        </p:spPr>
+        <p:txBody>
+          <a:bodyPr wrap="none" rtlCol="0">
+            <a:spAutoFit/>
+          </a:bodyPr>
+          <a:lstStyle/>
+          <a:p>
+            <a:r>
+              <a:rPr lang="ja-JP" altLang="en-US" dirty="0"/>
+              <a:t>修正をコミットする</a:t>
+            </a:r>
+            <a:endParaRPr kumimoji="1" lang="ja-JP" altLang="en-US" dirty="0"/>
+          </a:p>
+        </p:txBody>
+      </p:sp>
+      <p:sp>
+        <p:nvSpPr>
+          <p:cNvPr id="8" name="テキスト ボックス 7">
+            <a:extLst>
+              <a:ext uri="{FF2B5EF4-FFF2-40B4-BE49-F238E27FC236}">
+                <a16:creationId xmlns:a16="http://schemas.microsoft.com/office/drawing/2014/main" id="{626EB246-B26B-492F-BF67-8159E4117D22}"/>
+              </a:ext>
+            </a:extLst>
+          </p:cNvPr>
+          <p:cNvSpPr txBox="1"/>
+          <p:nvPr/>
+        </p:nvSpPr>
+        <p:spPr>
+          <a:xfrm>
+            <a:off x="323528" y="2780928"/>
+            <a:ext cx="6391493" cy="369332"/>
+          </a:xfrm>
+          <a:prstGeom prst="rect">
+            <a:avLst/>
+          </a:prstGeom>
+          <a:noFill/>
+        </p:spPr>
+        <p:txBody>
+          <a:bodyPr wrap="none" rtlCol="0">
+            <a:spAutoFit/>
+          </a:bodyPr>
+          <a:lstStyle/>
+          <a:p>
+            <a:r>
+              <a:rPr kumimoji="1" lang="ja-JP" altLang="en-US" dirty="0"/>
+              <a:t>新たに</a:t>
+            </a:r>
+            <a:r>
+              <a:rPr kumimoji="1" lang="en-US" altLang="ja-JP" dirty="0">
+                <a:solidFill>
+                  <a:srgbClr val="FF0000"/>
+                </a:solidFill>
+              </a:rPr>
+              <a:t>a736d82</a:t>
+            </a:r>
+            <a:r>
+              <a:rPr kumimoji="1" lang="ja-JP" altLang="en-US" dirty="0"/>
+              <a:t>というコミットが作られ、歴史に追加された</a:t>
+            </a:r>
+          </a:p>
+        </p:txBody>
+      </p:sp>
+      <p:sp>
+        <p:nvSpPr>
+          <p:cNvPr id="11" name="楕円 4">
+            <a:extLst>
+              <a:ext uri="{FF2B5EF4-FFF2-40B4-BE49-F238E27FC236}">
+                <a16:creationId xmlns:a16="http://schemas.microsoft.com/office/drawing/2014/main" id="{4B500D93-E9BD-4223-89D6-A382CFFE50B3}"/>
+              </a:ext>
+            </a:extLst>
+          </p:cNvPr>
+          <p:cNvSpPr/>
+          <p:nvPr/>
+        </p:nvSpPr>
+        <p:spPr>
+          <a:xfrm>
+            <a:off x="2195736" y="4941168"/>
+            <a:ext cx="288032" cy="288032"/>
+          </a:xfrm>
+          <a:prstGeom prst="ellipse">
+            <a:avLst/>
+          </a:prstGeom>
+          <a:solidFill>
+            <a:srgbClr val="FF0000"/>
+          </a:solidFill>
+          <a:ln>
+            <a:solidFill>
+              <a:schemeClr val="tx1"/>
+            </a:solidFill>
+          </a:ln>
+        </p:spPr>
+        <p:style>
+          <a:lnRef idx="2">
+            <a:schemeClr val="accent1">
+              <a:shade val="50000"/>
+            </a:schemeClr>
+          </a:lnRef>
+          <a:fillRef idx="1">
+            <a:schemeClr val="accent1"/>
+          </a:fillRef>
+          <a:effectRef idx="0">
+            <a:schemeClr val="accent1"/>
+          </a:effectRef>
+          <a:fontRef idx="minor">
+            <a:schemeClr val="lt1"/>
+          </a:fontRef>
+        </p:style>
+        <p:txBody>
+          <a:bodyPr rtlCol="0" anchor="ctr"/>
+          <a:lstStyle/>
+          <a:p>
+            <a:pPr algn="ctr"/>
+            <a:endParaRPr kumimoji="1" lang="ja-JP" altLang="en-US"/>
+          </a:p>
+        </p:txBody>
+      </p:sp>
+      <p:sp>
+        <p:nvSpPr>
+          <p:cNvPr id="12" name="四角形: 1 つの角を切り取り 1 つの角を丸める 11">
+            <a:extLst>
+              <a:ext uri="{FF2B5EF4-FFF2-40B4-BE49-F238E27FC236}">
+                <a16:creationId xmlns:a16="http://schemas.microsoft.com/office/drawing/2014/main" id="{8E04A871-02A9-4C84-8896-FC2B2F2F5FF4}"/>
+              </a:ext>
+            </a:extLst>
+          </p:cNvPr>
+          <p:cNvSpPr/>
+          <p:nvPr/>
+        </p:nvSpPr>
+        <p:spPr>
+          <a:xfrm>
+            <a:off x="1763688" y="4242792"/>
+            <a:ext cx="1152128" cy="338336"/>
+          </a:xfrm>
+          <a:prstGeom prst="snipRoundRect">
+            <a:avLst>
+              <a:gd name="adj1" fmla="val 16667"/>
+              <a:gd name="adj2" fmla="val 35924"/>
+            </a:avLst>
+          </a:prstGeom>
+          <a:solidFill>
+            <a:schemeClr val="accent6">
+              <a:lumMod val="20000"/>
+              <a:lumOff val="80000"/>
+            </a:schemeClr>
+          </a:solidFill>
+          <a:ln>
+            <a:solidFill>
+              <a:schemeClr val="tx1"/>
+            </a:solidFill>
+          </a:ln>
+        </p:spPr>
+        <p:style>
+          <a:lnRef idx="2">
+            <a:schemeClr val="accent1">
+              <a:shade val="50000"/>
+            </a:schemeClr>
+          </a:lnRef>
+          <a:fillRef idx="1">
+            <a:schemeClr val="accent1"/>
+          </a:fillRef>
+          <a:effectRef idx="0">
+            <a:schemeClr val="accent1"/>
+          </a:effectRef>
+          <a:fontRef idx="minor">
+            <a:schemeClr val="lt1"/>
+          </a:fontRef>
+        </p:style>
+        <p:txBody>
+          <a:bodyPr rtlCol="0" anchor="ctr"/>
+          <a:lstStyle/>
+          <a:p>
+            <a:pPr algn="ctr"/>
+            <a:r>
+              <a:rPr kumimoji="1" lang="en-US" altLang="ja-JP">
+                <a:solidFill>
+                  <a:sysClr val="windowText" lastClr="000000"/>
+                </a:solidFill>
+                <a:latin typeface="Consolas" panose="020B0609020204030204" pitchFamily="49" charset="0"/>
+              </a:rPr>
+              <a:t>main</a:t>
+            </a:r>
+            <a:endParaRPr kumimoji="1" lang="ja-JP" altLang="en-US">
+              <a:solidFill>
+                <a:sysClr val="windowText" lastClr="000000"/>
+              </a:solidFill>
+              <a:latin typeface="Consolas" panose="020B0609020204030204" pitchFamily="49" charset="0"/>
+            </a:endParaRPr>
+          </a:p>
+        </p:txBody>
+      </p:sp>
+      <p:cxnSp>
+        <p:nvCxnSpPr>
+          <p:cNvPr id="13" name="直線矢印コネクタ 12">
+            <a:extLst>
+              <a:ext uri="{FF2B5EF4-FFF2-40B4-BE49-F238E27FC236}">
+                <a16:creationId xmlns:a16="http://schemas.microsoft.com/office/drawing/2014/main" id="{365E2369-6BAC-4999-89BD-4E006EA5A21A}"/>
+              </a:ext>
+            </a:extLst>
+          </p:cNvPr>
+          <p:cNvCxnSpPr>
+            <a:stCxn id="12" idx="1"/>
+            <a:endCxn id="11" idx="0"/>
+          </p:cNvCxnSpPr>
+          <p:nvPr/>
+        </p:nvCxnSpPr>
+        <p:spPr>
+          <a:xfrm>
+            <a:off x="2339752" y="4581128"/>
+            <a:ext cx="0" cy="360040"/>
+          </a:xfrm>
+          <a:prstGeom prst="straightConnector1">
+            <a:avLst/>
+          </a:prstGeom>
+          <a:ln w="12700">
+            <a:solidFill>
+              <a:schemeClr val="tx1"/>
+            </a:solidFill>
+            <a:tailEnd type="triangle"/>
+          </a:ln>
+        </p:spPr>
+        <p:style>
+          <a:lnRef idx="1">
+            <a:schemeClr val="accent1"/>
+          </a:lnRef>
+          <a:fillRef idx="0">
+            <a:schemeClr val="accent1"/>
+          </a:fillRef>
+          <a:effectRef idx="0">
+            <a:schemeClr val="accent1"/>
+          </a:effectRef>
+          <a:fontRef idx="minor">
+            <a:schemeClr val="tx1"/>
+          </a:fontRef>
+        </p:style>
+      </p:cxnSp>
+      <p:sp>
+        <p:nvSpPr>
+          <p:cNvPr id="15" name="楕円 4">
+            <a:extLst>
+              <a:ext uri="{FF2B5EF4-FFF2-40B4-BE49-F238E27FC236}">
+                <a16:creationId xmlns:a16="http://schemas.microsoft.com/office/drawing/2014/main" id="{6C2745C8-6B50-41A5-AB29-D20229D8A5CD}"/>
+              </a:ext>
+            </a:extLst>
+          </p:cNvPr>
+          <p:cNvSpPr/>
+          <p:nvPr/>
+        </p:nvSpPr>
+        <p:spPr>
+          <a:xfrm>
+            <a:off x="5580112" y="4941168"/>
+            <a:ext cx="288032" cy="288032"/>
+          </a:xfrm>
+          <a:prstGeom prst="ellipse">
+            <a:avLst/>
+          </a:prstGeom>
+          <a:solidFill>
+            <a:srgbClr val="FF0000"/>
+          </a:solidFill>
+          <a:ln>
+            <a:solidFill>
+              <a:schemeClr val="tx1"/>
+            </a:solidFill>
+          </a:ln>
+        </p:spPr>
+        <p:style>
+          <a:lnRef idx="2">
+            <a:schemeClr val="accent1">
+              <a:shade val="50000"/>
+            </a:schemeClr>
+          </a:lnRef>
+          <a:fillRef idx="1">
+            <a:schemeClr val="accent1"/>
+          </a:fillRef>
+          <a:effectRef idx="0">
+            <a:schemeClr val="accent1"/>
+          </a:effectRef>
+          <a:fontRef idx="minor">
+            <a:schemeClr val="lt1"/>
+          </a:fontRef>
+        </p:style>
+        <p:txBody>
+          <a:bodyPr rtlCol="0" anchor="ctr"/>
+          <a:lstStyle/>
+          <a:p>
+            <a:pPr algn="ctr"/>
+            <a:endParaRPr kumimoji="1" lang="ja-JP" altLang="en-US"/>
+          </a:p>
+        </p:txBody>
+      </p:sp>
+      <p:sp>
+        <p:nvSpPr>
+          <p:cNvPr id="16" name="四角形: 1 つの角を切り取り 1 つの角を丸める 15">
+            <a:extLst>
+              <a:ext uri="{FF2B5EF4-FFF2-40B4-BE49-F238E27FC236}">
+                <a16:creationId xmlns:a16="http://schemas.microsoft.com/office/drawing/2014/main" id="{D1A7ACBF-23AE-4A4D-A097-AF4CC518A4C5}"/>
+              </a:ext>
+            </a:extLst>
+          </p:cNvPr>
+          <p:cNvSpPr/>
+          <p:nvPr/>
+        </p:nvSpPr>
+        <p:spPr>
+          <a:xfrm>
+            <a:off x="5148064" y="4221088"/>
+            <a:ext cx="1152128" cy="338336"/>
+          </a:xfrm>
+          <a:prstGeom prst="snipRoundRect">
+            <a:avLst>
+              <a:gd name="adj1" fmla="val 16667"/>
+              <a:gd name="adj2" fmla="val 35924"/>
+            </a:avLst>
+          </a:prstGeom>
+          <a:solidFill>
+            <a:schemeClr val="accent6">
+              <a:lumMod val="20000"/>
+              <a:lumOff val="80000"/>
+            </a:schemeClr>
+          </a:solidFill>
+          <a:ln>
+            <a:solidFill>
+              <a:schemeClr val="tx1"/>
+            </a:solidFill>
+          </a:ln>
+        </p:spPr>
+        <p:style>
+          <a:lnRef idx="2">
+            <a:schemeClr val="accent1">
+              <a:shade val="50000"/>
+            </a:schemeClr>
+          </a:lnRef>
+          <a:fillRef idx="1">
+            <a:schemeClr val="accent1"/>
+          </a:fillRef>
+          <a:effectRef idx="0">
+            <a:schemeClr val="accent1"/>
+          </a:effectRef>
+          <a:fontRef idx="minor">
+            <a:schemeClr val="lt1"/>
+          </a:fontRef>
+        </p:style>
+        <p:txBody>
+          <a:bodyPr rtlCol="0" anchor="ctr"/>
+          <a:lstStyle/>
+          <a:p>
+            <a:pPr algn="ctr"/>
+            <a:r>
+              <a:rPr kumimoji="1" lang="en-US" altLang="ja-JP">
+                <a:solidFill>
+                  <a:sysClr val="windowText" lastClr="000000"/>
+                </a:solidFill>
+                <a:latin typeface="Consolas" panose="020B0609020204030204" pitchFamily="49" charset="0"/>
+              </a:rPr>
+              <a:t>main</a:t>
+            </a:r>
+            <a:endParaRPr kumimoji="1" lang="ja-JP" altLang="en-US">
+              <a:solidFill>
+                <a:sysClr val="windowText" lastClr="000000"/>
+              </a:solidFill>
+              <a:latin typeface="Consolas" panose="020B0609020204030204" pitchFamily="49" charset="0"/>
+            </a:endParaRPr>
+          </a:p>
+        </p:txBody>
+      </p:sp>
+      <p:cxnSp>
+        <p:nvCxnSpPr>
+          <p:cNvPr id="17" name="直線矢印コネクタ 16">
+            <a:extLst>
+              <a:ext uri="{FF2B5EF4-FFF2-40B4-BE49-F238E27FC236}">
+                <a16:creationId xmlns:a16="http://schemas.microsoft.com/office/drawing/2014/main" id="{677947A3-7769-4BE0-8331-118FA2B4FE85}"/>
+              </a:ext>
+            </a:extLst>
+          </p:cNvPr>
+          <p:cNvCxnSpPr>
+            <a:stCxn id="16" idx="1"/>
+            <a:endCxn id="15" idx="0"/>
+          </p:cNvCxnSpPr>
+          <p:nvPr/>
+        </p:nvCxnSpPr>
+        <p:spPr>
+          <a:xfrm>
+            <a:off x="5724128" y="4559424"/>
+            <a:ext cx="0" cy="381744"/>
+          </a:xfrm>
+          <a:prstGeom prst="straightConnector1">
+            <a:avLst/>
+          </a:prstGeom>
+          <a:ln w="12700">
+            <a:solidFill>
+              <a:schemeClr val="tx1"/>
+            </a:solidFill>
+            <a:tailEnd type="triangle"/>
+          </a:ln>
+        </p:spPr>
+        <p:style>
+          <a:lnRef idx="1">
+            <a:schemeClr val="accent1"/>
+          </a:lnRef>
+          <a:fillRef idx="0">
+            <a:schemeClr val="accent1"/>
+          </a:fillRef>
+          <a:effectRef idx="0">
+            <a:schemeClr val="accent1"/>
+          </a:effectRef>
+          <a:fontRef idx="minor">
+            <a:schemeClr val="tx1"/>
+          </a:fontRef>
+        </p:style>
+      </p:cxnSp>
+      <p:sp>
+        <p:nvSpPr>
+          <p:cNvPr id="18" name="楕円 4">
+            <a:extLst>
+              <a:ext uri="{FF2B5EF4-FFF2-40B4-BE49-F238E27FC236}">
+                <a16:creationId xmlns:a16="http://schemas.microsoft.com/office/drawing/2014/main" id="{445B4763-0306-4C40-9D42-3CCFC3BBCC43}"/>
+              </a:ext>
+            </a:extLst>
+          </p:cNvPr>
+          <p:cNvSpPr/>
+          <p:nvPr/>
+        </p:nvSpPr>
+        <p:spPr>
+          <a:xfrm>
+            <a:off x="4283968" y="4941168"/>
+            <a:ext cx="288032" cy="288032"/>
+          </a:xfrm>
+          <a:prstGeom prst="ellipse">
+            <a:avLst/>
+          </a:prstGeom>
+          <a:solidFill>
+            <a:srgbClr val="011893"/>
+          </a:solidFill>
+          <a:ln>
+            <a:solidFill>
+              <a:schemeClr val="tx1"/>
+            </a:solidFill>
+          </a:ln>
+        </p:spPr>
+        <p:style>
+          <a:lnRef idx="2">
+            <a:schemeClr val="accent1">
+              <a:shade val="50000"/>
+            </a:schemeClr>
+          </a:lnRef>
+          <a:fillRef idx="1">
+            <a:schemeClr val="accent1"/>
+          </a:fillRef>
+          <a:effectRef idx="0">
+            <a:schemeClr val="accent1"/>
+          </a:effectRef>
+          <a:fontRef idx="minor">
+            <a:schemeClr val="lt1"/>
+          </a:fontRef>
+        </p:style>
+        <p:txBody>
+          <a:bodyPr rtlCol="0" anchor="ctr"/>
+          <a:lstStyle/>
+          <a:p>
+            <a:pPr algn="ctr"/>
+            <a:endParaRPr kumimoji="1" lang="ja-JP" altLang="en-US"/>
+          </a:p>
+        </p:txBody>
+      </p:sp>
+      <p:cxnSp>
+        <p:nvCxnSpPr>
+          <p:cNvPr id="19" name="直線コネクタ 18">
+            <a:extLst>
+              <a:ext uri="{FF2B5EF4-FFF2-40B4-BE49-F238E27FC236}">
+                <a16:creationId xmlns:a16="http://schemas.microsoft.com/office/drawing/2014/main" id="{4E36344F-48B7-4BC7-A4C8-79A31B8FF907}"/>
+              </a:ext>
+            </a:extLst>
+          </p:cNvPr>
+          <p:cNvCxnSpPr>
+            <a:cxnSpLocks/>
+            <a:stCxn id="18" idx="6"/>
+            <a:endCxn id="15" idx="2"/>
+          </p:cNvCxnSpPr>
+          <p:nvPr/>
+        </p:nvCxnSpPr>
+        <p:spPr>
+          <a:xfrm>
+            <a:off x="4572000" y="5085184"/>
+            <a:ext cx="1008112" cy="0"/>
+          </a:xfrm>
+          <a:prstGeom prst="line">
+            <a:avLst/>
+          </a:prstGeom>
+          <a:ln w="57150">
+            <a:solidFill>
+              <a:schemeClr val="tx1"/>
+            </a:solidFill>
+            <a:headEnd type="none" w="med" len="med"/>
+            <a:tailEnd type="none" w="med" len="med"/>
+          </a:ln>
+        </p:spPr>
+        <p:style>
+          <a:lnRef idx="1">
+            <a:schemeClr val="accent1"/>
+          </a:lnRef>
+          <a:fillRef idx="0">
+            <a:schemeClr val="accent1"/>
+          </a:fillRef>
+          <a:effectRef idx="0">
+            <a:schemeClr val="accent1"/>
+          </a:effectRef>
+          <a:fontRef idx="minor">
+            <a:schemeClr val="tx1"/>
+          </a:fontRef>
+        </p:style>
+      </p:cxnSp>
+      <p:sp>
+        <p:nvSpPr>
+          <p:cNvPr id="20" name="矢印: 右 19">
+            <a:extLst>
+              <a:ext uri="{FF2B5EF4-FFF2-40B4-BE49-F238E27FC236}">
+                <a16:creationId xmlns:a16="http://schemas.microsoft.com/office/drawing/2014/main" id="{483D11CD-A512-4312-84B9-BB6CAC5D46AC}"/>
+              </a:ext>
+            </a:extLst>
+          </p:cNvPr>
+          <p:cNvSpPr/>
+          <p:nvPr/>
+        </p:nvSpPr>
+        <p:spPr>
+          <a:xfrm>
+            <a:off x="3419872" y="4509120"/>
+            <a:ext cx="360040" cy="412624"/>
+          </a:xfrm>
+          <a:prstGeom prst="rightArrow">
+            <a:avLst/>
+          </a:prstGeom>
+          <a:solidFill>
+            <a:srgbClr val="FF0000"/>
+          </a:solidFill>
+          <a:ln>
+            <a:solidFill>
+              <a:schemeClr val="tx1"/>
+            </a:solidFill>
+          </a:ln>
+        </p:spPr>
+        <p:style>
+          <a:lnRef idx="2">
+            <a:schemeClr val="accent1">
+              <a:shade val="50000"/>
+            </a:schemeClr>
+          </a:lnRef>
+          <a:fillRef idx="1">
+            <a:schemeClr val="accent1"/>
+          </a:fillRef>
+          <a:effectRef idx="0">
+            <a:schemeClr val="accent1"/>
+          </a:effectRef>
+          <a:fontRef idx="minor">
+            <a:schemeClr val="lt1"/>
+          </a:fontRef>
+        </p:style>
+        <p:txBody>
+          <a:bodyPr rtlCol="0" anchor="ctr"/>
+          <a:lstStyle/>
+          <a:p>
+            <a:pPr algn="ctr"/>
+            <a:endParaRPr kumimoji="1" lang="ja-JP" altLang="en-US"/>
+          </a:p>
+        </p:txBody>
+      </p:sp>
+      <p:sp>
+        <p:nvSpPr>
+          <p:cNvPr id="22" name="テキスト ボックス 21">
+            <a:extLst>
+              <a:ext uri="{FF2B5EF4-FFF2-40B4-BE49-F238E27FC236}">
+                <a16:creationId xmlns:a16="http://schemas.microsoft.com/office/drawing/2014/main" id="{08E61738-6F91-4CE3-BB91-B4EBA474D0B8}"/>
+              </a:ext>
+            </a:extLst>
+          </p:cNvPr>
+          <p:cNvSpPr txBox="1"/>
+          <p:nvPr/>
+        </p:nvSpPr>
+        <p:spPr>
+          <a:xfrm>
+            <a:off x="5220072" y="5373216"/>
+            <a:ext cx="1224136" cy="369332"/>
+          </a:xfrm>
+          <a:prstGeom prst="rect">
+            <a:avLst/>
+          </a:prstGeom>
+          <a:noFill/>
+        </p:spPr>
+        <p:txBody>
+          <a:bodyPr wrap="square">
+            <a:spAutoFit/>
+          </a:bodyPr>
+          <a:lstStyle/>
+          <a:p>
+            <a:r>
+              <a:rPr kumimoji="1" lang="en-US" altLang="ja-JP" dirty="0">
+                <a:solidFill>
+                  <a:srgbClr val="FF0000"/>
+                </a:solidFill>
+                <a:latin typeface="Consolas" panose="020B0609020204030204" pitchFamily="49" charset="0"/>
+              </a:rPr>
+              <a:t>a736d82</a:t>
+            </a:r>
+            <a:endParaRPr lang="ja-JP" altLang="en-US" dirty="0">
+              <a:latin typeface="Consolas" panose="020B0609020204030204" pitchFamily="49" charset="0"/>
+            </a:endParaRPr>
+          </a:p>
+        </p:txBody>
+      </p:sp>
+      <p:sp>
+        <p:nvSpPr>
+          <p:cNvPr id="25" name="テキスト ボックス 24">
+            <a:extLst>
+              <a:ext uri="{FF2B5EF4-FFF2-40B4-BE49-F238E27FC236}">
+                <a16:creationId xmlns:a16="http://schemas.microsoft.com/office/drawing/2014/main" id="{168AC0A1-ED37-435A-81D5-F65EEFBBF452}"/>
+              </a:ext>
+            </a:extLst>
+          </p:cNvPr>
+          <p:cNvSpPr txBox="1"/>
+          <p:nvPr/>
+        </p:nvSpPr>
+        <p:spPr>
+          <a:xfrm>
+            <a:off x="3851920" y="5373216"/>
+            <a:ext cx="1061864" cy="369332"/>
+          </a:xfrm>
+          <a:prstGeom prst="rect">
+            <a:avLst/>
+          </a:prstGeom>
+          <a:noFill/>
+        </p:spPr>
+        <p:txBody>
+          <a:bodyPr wrap="square">
+            <a:spAutoFit/>
+          </a:bodyPr>
+          <a:lstStyle/>
+          <a:p>
+            <a:r>
+              <a:rPr kumimoji="1" lang="en-US" altLang="ja-JP" sz="1800" dirty="0">
+                <a:latin typeface="Consolas" panose="020B0609020204030204" pitchFamily="49" charset="0"/>
+              </a:rPr>
+              <a:t>9d8aab0</a:t>
+            </a:r>
+            <a:endParaRPr lang="ja-JP" altLang="en-US" dirty="0"/>
+          </a:p>
+        </p:txBody>
+      </p:sp>
+      <p:sp>
+        <p:nvSpPr>
+          <p:cNvPr id="26" name="テキスト ボックス 25">
+            <a:extLst>
+              <a:ext uri="{FF2B5EF4-FFF2-40B4-BE49-F238E27FC236}">
+                <a16:creationId xmlns:a16="http://schemas.microsoft.com/office/drawing/2014/main" id="{385C3F72-3391-4837-95E5-FEE5E7E9B657}"/>
+              </a:ext>
+            </a:extLst>
+          </p:cNvPr>
+          <p:cNvSpPr txBox="1"/>
+          <p:nvPr/>
+        </p:nvSpPr>
+        <p:spPr>
+          <a:xfrm>
+            <a:off x="1763688" y="5363924"/>
+            <a:ext cx="1061864" cy="369332"/>
+          </a:xfrm>
+          <a:prstGeom prst="rect">
+            <a:avLst/>
+          </a:prstGeom>
+          <a:noFill/>
+        </p:spPr>
+        <p:txBody>
+          <a:bodyPr wrap="square">
+            <a:spAutoFit/>
+          </a:bodyPr>
+          <a:lstStyle/>
+          <a:p>
+            <a:r>
+              <a:rPr kumimoji="1" lang="en-US" altLang="ja-JP" sz="1800" dirty="0">
+                <a:latin typeface="Consolas" panose="020B0609020204030204" pitchFamily="49" charset="0"/>
+              </a:rPr>
+              <a:t>9d8aab0</a:t>
+            </a:r>
+            <a:endParaRPr lang="ja-JP" altLang="en-US" dirty="0"/>
+          </a:p>
+        </p:txBody>
+      </p:sp>
+    </p:spTree>
+    <p:extLst>
+      <p:ext uri="{BB962C8B-B14F-4D97-AF65-F5344CB8AC3E}">
+        <p14:creationId xmlns:p14="http://schemas.microsoft.com/office/powerpoint/2010/main" val="1179613164"/>
+      </p:ext>
+    </p:extLst>
+  </p:cSld>
+  <p:clrMapOvr>
+    <a:masterClrMapping/>
+  </p:clrMapOvr>
+</p:sld>
+</file>
+
+<file path=ppt/slides/slide22.xml><?xml version="1.0" encoding="utf-8"?>
+<p:sld xmlns:a="http://schemas.openxmlformats.org/drawingml/2006/main" xmlns:r="http://schemas.openxmlformats.org/officeDocument/2006/relationships" xmlns:p="http://schemas.openxmlformats.org/presentationml/2006/main">
+  <p:cSld>
+    <p:spTree>
+      <p:nvGrpSpPr>
+        <p:cNvPr id="1" name=""/>
+        <p:cNvGrpSpPr/>
+        <p:nvPr/>
+      </p:nvGrpSpPr>
+      <p:grpSpPr>
+        <a:xfrm>
+          <a:off x="0" y="0"/>
+          <a:ext cx="0" cy="0"/>
+          <a:chOff x="0" y="0"/>
+          <a:chExt cx="0" cy="0"/>
+        </a:xfrm>
+      </p:grpSpPr>
+      <p:sp>
+        <p:nvSpPr>
+          <p:cNvPr id="2" name="テキスト プレースホルダー 1">
+            <a:extLst>
+              <a:ext uri="{FF2B5EF4-FFF2-40B4-BE49-F238E27FC236}">
+                <a16:creationId xmlns:a16="http://schemas.microsoft.com/office/drawing/2014/main" id="{50FFBC69-DEA6-412D-BD2F-F65D8BFB56BB}"/>
+              </a:ext>
+            </a:extLst>
+          </p:cNvPr>
+          <p:cNvSpPr>
+            <a:spLocks noGrp="1"/>
+          </p:cNvSpPr>
+          <p:nvPr>
+            <p:ph type="body" sz="quarter" idx="10"/>
+          </p:nvPr>
+        </p:nvSpPr>
+        <p:spPr/>
+        <p:txBody>
+          <a:bodyPr/>
+          <a:lstStyle/>
+          <a:p>
+            <a:r>
+              <a:rPr kumimoji="1" lang="ja-JP" altLang="en-US" dirty="0"/>
+              <a:t>履歴の表示</a:t>
+            </a:r>
+          </a:p>
+        </p:txBody>
+      </p:sp>
+      <p:sp>
+        <p:nvSpPr>
+          <p:cNvPr id="4" name="テキスト ボックス 3">
+            <a:extLst>
+              <a:ext uri="{FF2B5EF4-FFF2-40B4-BE49-F238E27FC236}">
+                <a16:creationId xmlns:a16="http://schemas.microsoft.com/office/drawing/2014/main" id="{E9457719-3201-46A8-B7AF-C8B8B8D6CBFD}"/>
+              </a:ext>
+            </a:extLst>
+          </p:cNvPr>
+          <p:cNvSpPr txBox="1"/>
+          <p:nvPr/>
+        </p:nvSpPr>
+        <p:spPr>
+          <a:xfrm>
+            <a:off x="467544" y="1052736"/>
+            <a:ext cx="7974632" cy="3416320"/>
+          </a:xfrm>
+          <a:prstGeom prst="rect">
+            <a:avLst/>
+          </a:prstGeom>
+          <a:noFill/>
+          <a:ln>
+            <a:solidFill>
+              <a:schemeClr val="tx1"/>
+            </a:solidFill>
+          </a:ln>
+        </p:spPr>
+        <p:txBody>
+          <a:bodyPr wrap="square">
+            <a:spAutoFit/>
+          </a:bodyPr>
+          <a:lstStyle/>
+          <a:p>
+            <a:r>
+              <a:rPr lang="ja-JP" altLang="en-US" dirty="0">
+                <a:latin typeface="Consolas" panose="020B0609020204030204" pitchFamily="49" charset="0"/>
+              </a:rPr>
+              <a:t>$ git log</a:t>
+            </a:r>
+          </a:p>
+          <a:p>
+            <a:r>
+              <a:rPr lang="ja-JP" altLang="en-US" dirty="0">
+                <a:latin typeface="Consolas" panose="020B0609020204030204" pitchFamily="49" charset="0"/>
+              </a:rPr>
+              <a:t>commit a736d82251279f592a25e38503bb9130bac12481 (HEAD -&gt; main)</a:t>
+            </a:r>
+          </a:p>
+          <a:p>
+            <a:r>
+              <a:rPr lang="ja-JP" altLang="en-US" dirty="0">
+                <a:latin typeface="Consolas" panose="020B0609020204030204" pitchFamily="49" charset="0"/>
+              </a:rPr>
+              <a:t>Author: H. Watanabe &lt;kaityo@users.sourceforge.jp&gt;</a:t>
+            </a:r>
+          </a:p>
+          <a:p>
+            <a:r>
+              <a:rPr lang="ja-JP" altLang="en-US" dirty="0">
+                <a:latin typeface="Consolas" panose="020B0609020204030204" pitchFamily="49" charset="0"/>
+              </a:rPr>
+              <a:t>Date:   Thu Sep 16 19:13:34 2021 +0900</a:t>
+            </a:r>
+          </a:p>
+          <a:p>
+            <a:endParaRPr lang="ja-JP" altLang="en-US" dirty="0">
+              <a:latin typeface="Consolas" panose="020B0609020204030204" pitchFamily="49" charset="0"/>
+            </a:endParaRPr>
+          </a:p>
+          <a:p>
+            <a:r>
+              <a:rPr lang="ja-JP" altLang="en-US" dirty="0">
+                <a:latin typeface="Consolas" panose="020B0609020204030204" pitchFamily="49" charset="0"/>
+              </a:rPr>
+              <a:t>    updates README.md</a:t>
+            </a:r>
+          </a:p>
+          <a:p>
+            <a:endParaRPr lang="ja-JP" altLang="en-US" dirty="0">
+              <a:latin typeface="Consolas" panose="020B0609020204030204" pitchFamily="49" charset="0"/>
+            </a:endParaRPr>
+          </a:p>
+          <a:p>
+            <a:r>
+              <a:rPr lang="ja-JP" altLang="en-US" dirty="0">
+                <a:latin typeface="Consolas" panose="020B0609020204030204" pitchFamily="49" charset="0"/>
+              </a:rPr>
+              <a:t>commit 9d8aab06e0a1f1b152546db086fe7737a02526e1</a:t>
+            </a:r>
+          </a:p>
+          <a:p>
+            <a:r>
+              <a:rPr lang="ja-JP" altLang="en-US" dirty="0">
+                <a:latin typeface="Consolas" panose="020B0609020204030204" pitchFamily="49" charset="0"/>
+              </a:rPr>
+              <a:t>Author: H. Watanabe &lt;kaityo@users.sourceforge.jp&gt;</a:t>
+            </a:r>
+          </a:p>
+          <a:p>
+            <a:r>
+              <a:rPr lang="ja-JP" altLang="en-US" dirty="0">
+                <a:latin typeface="Consolas" panose="020B0609020204030204" pitchFamily="49" charset="0"/>
+              </a:rPr>
+              <a:t>Date:   Thu Sep 16 17:15:41 2021 +0900</a:t>
+            </a:r>
+          </a:p>
+          <a:p>
+            <a:endParaRPr lang="ja-JP" altLang="en-US" dirty="0">
+              <a:latin typeface="Consolas" panose="020B0609020204030204" pitchFamily="49" charset="0"/>
+            </a:endParaRPr>
+          </a:p>
+          <a:p>
+            <a:r>
+              <a:rPr lang="ja-JP" altLang="en-US" dirty="0">
+                <a:latin typeface="Consolas" panose="020B0609020204030204" pitchFamily="49" charset="0"/>
+              </a:rPr>
+              <a:t>    initial commit</a:t>
+            </a:r>
+          </a:p>
+        </p:txBody>
+      </p:sp>
+      <p:sp>
+        <p:nvSpPr>
+          <p:cNvPr id="6" name="テキスト ボックス 5">
+            <a:extLst>
+              <a:ext uri="{FF2B5EF4-FFF2-40B4-BE49-F238E27FC236}">
+                <a16:creationId xmlns:a16="http://schemas.microsoft.com/office/drawing/2014/main" id="{9B6FE5F6-2769-43A5-8E36-551097D3781C}"/>
+              </a:ext>
+            </a:extLst>
+          </p:cNvPr>
+          <p:cNvSpPr txBox="1"/>
+          <p:nvPr/>
+        </p:nvSpPr>
+        <p:spPr>
+          <a:xfrm>
+            <a:off x="323528" y="4653136"/>
+            <a:ext cx="1800493" cy="369332"/>
+          </a:xfrm>
+          <a:prstGeom prst="rect">
+            <a:avLst/>
+          </a:prstGeom>
+          <a:noFill/>
+        </p:spPr>
+        <p:txBody>
+          <a:bodyPr wrap="none" rtlCol="0">
+            <a:spAutoFit/>
+          </a:bodyPr>
+          <a:lstStyle/>
+          <a:p>
+            <a:r>
+              <a:rPr lang="ja-JP" altLang="en-US" dirty="0"/>
+              <a:t>履歴の一行表示</a:t>
+            </a:r>
+            <a:endParaRPr kumimoji="1" lang="ja-JP" altLang="en-US" dirty="0"/>
+          </a:p>
+        </p:txBody>
+      </p:sp>
+      <p:sp>
+        <p:nvSpPr>
+          <p:cNvPr id="8" name="テキスト ボックス 7">
+            <a:extLst>
+              <a:ext uri="{FF2B5EF4-FFF2-40B4-BE49-F238E27FC236}">
+                <a16:creationId xmlns:a16="http://schemas.microsoft.com/office/drawing/2014/main" id="{A13313A7-0222-4D41-8880-E0D6EAE8F0C9}"/>
+              </a:ext>
+            </a:extLst>
+          </p:cNvPr>
+          <p:cNvSpPr txBox="1"/>
+          <p:nvPr/>
+        </p:nvSpPr>
+        <p:spPr>
+          <a:xfrm>
+            <a:off x="467544" y="5085184"/>
+            <a:ext cx="6624736" cy="923330"/>
+          </a:xfrm>
+          <a:prstGeom prst="rect">
+            <a:avLst/>
+          </a:prstGeom>
+          <a:noFill/>
+          <a:ln>
+            <a:solidFill>
+              <a:schemeClr val="tx1"/>
+            </a:solidFill>
+          </a:ln>
+        </p:spPr>
+        <p:txBody>
+          <a:bodyPr wrap="square">
+            <a:spAutoFit/>
+          </a:bodyPr>
+          <a:lstStyle/>
+          <a:p>
+            <a:r>
+              <a:rPr lang="ja-JP" altLang="en-US" dirty="0">
+                <a:latin typeface="Consolas" panose="020B0609020204030204" pitchFamily="49" charset="0"/>
+              </a:rPr>
+              <a:t>$ git log --oneline</a:t>
+            </a:r>
+          </a:p>
+          <a:p>
+            <a:r>
+              <a:rPr lang="ja-JP" altLang="en-US" dirty="0">
+                <a:latin typeface="Consolas" panose="020B0609020204030204" pitchFamily="49" charset="0"/>
+              </a:rPr>
+              <a:t>a736d82 (HEAD -&gt; main) updates README.md</a:t>
+            </a:r>
+          </a:p>
+          <a:p>
+            <a:r>
+              <a:rPr lang="ja-JP" altLang="en-US" dirty="0">
+                <a:latin typeface="Consolas" panose="020B0609020204030204" pitchFamily="49" charset="0"/>
+              </a:rPr>
+              <a:t>9d8aab0 initial commit</a:t>
+            </a:r>
+          </a:p>
+        </p:txBody>
+      </p:sp>
+      <p:sp>
+        <p:nvSpPr>
+          <p:cNvPr id="9" name="テキスト ボックス 8">
+            <a:extLst>
+              <a:ext uri="{FF2B5EF4-FFF2-40B4-BE49-F238E27FC236}">
+                <a16:creationId xmlns:a16="http://schemas.microsoft.com/office/drawing/2014/main" id="{03E5D563-45F1-435D-B750-CFCA0D381342}"/>
+              </a:ext>
+            </a:extLst>
+          </p:cNvPr>
+          <p:cNvSpPr txBox="1"/>
+          <p:nvPr/>
+        </p:nvSpPr>
+        <p:spPr>
+          <a:xfrm>
+            <a:off x="2411760" y="6237312"/>
+            <a:ext cx="2954655" cy="369332"/>
+          </a:xfrm>
+          <a:prstGeom prst="rect">
+            <a:avLst/>
+          </a:prstGeom>
+          <a:noFill/>
+        </p:spPr>
+        <p:txBody>
+          <a:bodyPr wrap="none" rtlCol="0">
+            <a:spAutoFit/>
+          </a:bodyPr>
+          <a:lstStyle/>
+          <a:p>
+            <a:r>
+              <a:rPr kumimoji="1" lang="ja-JP" altLang="en-US"/>
+              <a:t>二つコミットができている</a:t>
+            </a:r>
+          </a:p>
+        </p:txBody>
+      </p:sp>
+    </p:spTree>
+    <p:extLst>
+      <p:ext uri="{BB962C8B-B14F-4D97-AF65-F5344CB8AC3E}">
+        <p14:creationId xmlns:p14="http://schemas.microsoft.com/office/powerpoint/2010/main" val="4106565618"/>
+      </p:ext>
+    </p:extLst>
+  </p:cSld>
+  <p:clrMapOvr>
+    <a:masterClrMapping/>
+  </p:clrMapOvr>
+</p:sld>
+</file>
+
+<file path=ppt/slides/slide23.xml><?xml version="1.0" encoding="utf-8"?>
+<p:sld xmlns:a="http://schemas.openxmlformats.org/drawingml/2006/main" xmlns:r="http://schemas.openxmlformats.org/officeDocument/2006/relationships" xmlns:p="http://schemas.openxmlformats.org/presentationml/2006/main">
+  <p:cSld>
+    <p:spTree>
+      <p:nvGrpSpPr>
+        <p:cNvPr id="1" name=""/>
+        <p:cNvGrpSpPr/>
+        <p:nvPr/>
+      </p:nvGrpSpPr>
+      <p:grpSpPr>
+        <a:xfrm>
+          <a:off x="0" y="0"/>
+          <a:ext cx="0" cy="0"/>
+          <a:chOff x="0" y="0"/>
+          <a:chExt cx="0" cy="0"/>
+        </a:xfrm>
+      </p:grpSpPr>
+      <p:sp>
+        <p:nvSpPr>
+          <p:cNvPr id="2" name="テキスト プレースホルダー 1">
+            <a:extLst>
+              <a:ext uri="{FF2B5EF4-FFF2-40B4-BE49-F238E27FC236}">
+                <a16:creationId xmlns:a16="http://schemas.microsoft.com/office/drawing/2014/main" id="{B50A1058-6FD6-40CB-A1E9-EE81FB250213}"/>
+              </a:ext>
+            </a:extLst>
+          </p:cNvPr>
+          <p:cNvSpPr>
+            <a:spLocks noGrp="1"/>
+          </p:cNvSpPr>
+          <p:nvPr>
+            <p:ph type="body" sz="quarter" idx="10"/>
+          </p:nvPr>
+        </p:nvSpPr>
+        <p:spPr/>
+        <p:txBody>
+          <a:bodyPr/>
+          <a:lstStyle/>
+          <a:p>
+            <a:r>
+              <a:rPr lang="ja-JP" altLang="en-US" dirty="0"/>
+              <a:t>ここまでのまとめ</a:t>
+            </a:r>
+            <a:endParaRPr kumimoji="1" lang="ja-JP" altLang="en-US" dirty="0"/>
+          </a:p>
+        </p:txBody>
+      </p:sp>
+      <p:sp>
+        <p:nvSpPr>
+          <p:cNvPr id="3" name="テキスト ボックス 2">
+            <a:extLst>
+              <a:ext uri="{FF2B5EF4-FFF2-40B4-BE49-F238E27FC236}">
+                <a16:creationId xmlns:a16="http://schemas.microsoft.com/office/drawing/2014/main" id="{C001F416-400C-4FCF-A8FE-AA22F0199387}"/>
+              </a:ext>
+            </a:extLst>
+          </p:cNvPr>
+          <p:cNvSpPr txBox="1"/>
+          <p:nvPr/>
+        </p:nvSpPr>
+        <p:spPr>
+          <a:xfrm>
+            <a:off x="179512" y="1196752"/>
+            <a:ext cx="8640960" cy="1323439"/>
+          </a:xfrm>
+          <a:prstGeom prst="rect">
+            <a:avLst/>
+          </a:prstGeom>
+          <a:noFill/>
+        </p:spPr>
+        <p:txBody>
+          <a:bodyPr wrap="square" rtlCol="0">
+            <a:spAutoFit/>
+          </a:bodyPr>
+          <a:lstStyle/>
+          <a:p>
+            <a:r>
+              <a:rPr lang="ja-JP" altLang="en-US" sz="2000" b="0" i="0" dirty="0">
+                <a:solidFill>
+                  <a:srgbClr val="24292F"/>
+                </a:solidFill>
+                <a:effectLst/>
+                <a:latin typeface="-apple-system"/>
+              </a:rPr>
+              <a:t>リポジトリを初期化し、ファイルをインデックスに登録し、最初のコミットをして、修正してさらにコミットをする、という一連の動作を確認した。</a:t>
+            </a:r>
+            <a:endParaRPr lang="en-US" altLang="ja-JP" sz="2000" b="0" i="0" dirty="0">
+              <a:solidFill>
+                <a:srgbClr val="24292F"/>
+              </a:solidFill>
+              <a:effectLst/>
+              <a:latin typeface="-apple-system"/>
+            </a:endParaRPr>
+          </a:p>
+          <a:p>
+            <a:endParaRPr lang="en-US" altLang="ja-JP" sz="2000" dirty="0">
+              <a:solidFill>
+                <a:srgbClr val="24292F"/>
+              </a:solidFill>
+              <a:latin typeface="-apple-system"/>
+            </a:endParaRPr>
+          </a:p>
+          <a:p>
+            <a:r>
+              <a:rPr lang="ja-JP" altLang="en-US" sz="2000" b="0" i="0" dirty="0">
+                <a:solidFill>
+                  <a:srgbClr val="24292F"/>
+                </a:solidFill>
+                <a:effectLst/>
+                <a:latin typeface="-apple-system"/>
+              </a:rPr>
+              <a:t>その過程で以下のコマンドを使った。</a:t>
+            </a:r>
+            <a:endParaRPr kumimoji="1" lang="ja-JP" altLang="en-US" sz="2000" dirty="0"/>
+          </a:p>
+        </p:txBody>
+      </p:sp>
+      <p:sp>
+        <p:nvSpPr>
+          <p:cNvPr id="6" name="テキスト ボックス 5">
+            <a:extLst>
+              <a:ext uri="{FF2B5EF4-FFF2-40B4-BE49-F238E27FC236}">
+                <a16:creationId xmlns:a16="http://schemas.microsoft.com/office/drawing/2014/main" id="{94C05780-F707-4B8F-B5B1-6D142D7B63F4}"/>
+              </a:ext>
+            </a:extLst>
+          </p:cNvPr>
+          <p:cNvSpPr txBox="1"/>
+          <p:nvPr/>
+        </p:nvSpPr>
+        <p:spPr>
+          <a:xfrm>
+            <a:off x="395536" y="3140968"/>
+            <a:ext cx="8136904" cy="1938992"/>
+          </a:xfrm>
+          <a:prstGeom prst="rect">
+            <a:avLst/>
+          </a:prstGeom>
+          <a:noFill/>
+        </p:spPr>
+        <p:txBody>
+          <a:bodyPr wrap="square">
+            <a:spAutoFit/>
+          </a:bodyPr>
+          <a:lstStyle/>
+          <a:p>
+            <a:pPr marL="285750" indent="-285750">
+              <a:buFont typeface="Arial" panose="020B0604020202020204" pitchFamily="34" charset="0"/>
+              <a:buChar char="•"/>
+            </a:pPr>
+            <a:r>
+              <a:rPr lang="ja-JP" altLang="en-US" sz="2000" dirty="0">
+                <a:solidFill>
+                  <a:srgbClr val="011893"/>
+                </a:solidFill>
+              </a:rPr>
+              <a:t>git init </a:t>
+            </a:r>
+            <a:r>
+              <a:rPr lang="ja-JP" altLang="en-US" sz="2000" dirty="0"/>
+              <a:t>リポジトリの初期化</a:t>
+            </a:r>
+          </a:p>
+          <a:p>
+            <a:pPr marL="285750" indent="-285750">
+              <a:buFont typeface="Arial" panose="020B0604020202020204" pitchFamily="34" charset="0"/>
+              <a:buChar char="•"/>
+            </a:pPr>
+            <a:r>
+              <a:rPr lang="ja-JP" altLang="en-US" sz="2000" dirty="0">
+                <a:solidFill>
+                  <a:srgbClr val="011893"/>
+                </a:solidFill>
+              </a:rPr>
+              <a:t>git add </a:t>
+            </a:r>
+            <a:r>
+              <a:rPr lang="ja-JP" altLang="en-US" sz="2000" dirty="0"/>
+              <a:t>インデックスへの登録</a:t>
+            </a:r>
+          </a:p>
+          <a:p>
+            <a:pPr marL="285750" indent="-285750">
+              <a:buFont typeface="Arial" panose="020B0604020202020204" pitchFamily="34" charset="0"/>
+              <a:buChar char="•"/>
+            </a:pPr>
+            <a:r>
+              <a:rPr lang="ja-JP" altLang="en-US" sz="2000" dirty="0">
+                <a:solidFill>
+                  <a:srgbClr val="011893"/>
+                </a:solidFill>
+              </a:rPr>
+              <a:t>git commit </a:t>
+            </a:r>
+            <a:r>
+              <a:rPr lang="ja-JP" altLang="en-US" sz="2000" dirty="0"/>
+              <a:t>インデックスにある状態をコミット</a:t>
+            </a:r>
+          </a:p>
+          <a:p>
+            <a:pPr marL="285750" indent="-285750">
+              <a:buFont typeface="Arial" panose="020B0604020202020204" pitchFamily="34" charset="0"/>
+              <a:buChar char="•"/>
+            </a:pPr>
+            <a:r>
+              <a:rPr lang="ja-JP" altLang="en-US" sz="2000" dirty="0">
+                <a:solidFill>
+                  <a:srgbClr val="011893"/>
+                </a:solidFill>
+              </a:rPr>
+              <a:t>git status </a:t>
+            </a:r>
+            <a:r>
+              <a:rPr lang="ja-JP" altLang="en-US" sz="2000" dirty="0"/>
+              <a:t>現在の状態を表示</a:t>
+            </a:r>
+          </a:p>
+          <a:p>
+            <a:pPr marL="285750" indent="-285750">
+              <a:buFont typeface="Arial" panose="020B0604020202020204" pitchFamily="34" charset="0"/>
+              <a:buChar char="•"/>
+            </a:pPr>
+            <a:r>
+              <a:rPr lang="ja-JP" altLang="en-US" sz="2000" dirty="0">
+                <a:solidFill>
+                  <a:srgbClr val="011893"/>
+                </a:solidFill>
+              </a:rPr>
+              <a:t>git diff </a:t>
+            </a:r>
+            <a:r>
+              <a:rPr lang="ja-JP" altLang="en-US" sz="2000" dirty="0"/>
+              <a:t>ワーキングツリー、インデックス、コミット間の差分を表示</a:t>
+            </a:r>
+          </a:p>
+          <a:p>
+            <a:pPr marL="285750" indent="-285750">
+              <a:buFont typeface="Arial" panose="020B0604020202020204" pitchFamily="34" charset="0"/>
+              <a:buChar char="•"/>
+            </a:pPr>
+            <a:r>
+              <a:rPr lang="ja-JP" altLang="en-US" sz="2000" dirty="0">
+                <a:solidFill>
+                  <a:srgbClr val="011893"/>
+                </a:solidFill>
+              </a:rPr>
+              <a:t>git log </a:t>
+            </a:r>
+            <a:r>
+              <a:rPr lang="ja-JP" altLang="en-US" sz="2000" dirty="0"/>
+              <a:t>歴史を表示</a:t>
+            </a:r>
+          </a:p>
+        </p:txBody>
+      </p:sp>
+      <p:sp>
+        <p:nvSpPr>
+          <p:cNvPr id="7" name="テキスト ボックス 6">
+            <a:extLst>
+              <a:ext uri="{FF2B5EF4-FFF2-40B4-BE49-F238E27FC236}">
+                <a16:creationId xmlns:a16="http://schemas.microsoft.com/office/drawing/2014/main" id="{C869F120-36B8-4682-8FBE-1D645433CB4A}"/>
+              </a:ext>
+            </a:extLst>
+          </p:cNvPr>
+          <p:cNvSpPr txBox="1"/>
+          <p:nvPr/>
+        </p:nvSpPr>
+        <p:spPr>
+          <a:xfrm>
+            <a:off x="827584" y="5733256"/>
+            <a:ext cx="6647974" cy="461665"/>
+          </a:xfrm>
+          <a:prstGeom prst="rect">
+            <a:avLst/>
+          </a:prstGeom>
+          <a:noFill/>
+        </p:spPr>
+        <p:txBody>
+          <a:bodyPr wrap="none" rtlCol="0">
+            <a:spAutoFit/>
+          </a:bodyPr>
+          <a:lstStyle/>
+          <a:p>
+            <a:r>
+              <a:rPr lang="ja-JP" altLang="en-US" sz="2400" dirty="0"/>
+              <a:t>以下、それぞれのコマンドの詳細について説明</a:t>
+            </a:r>
+            <a:endParaRPr kumimoji="1" lang="ja-JP" altLang="en-US" sz="2400" dirty="0"/>
+          </a:p>
+        </p:txBody>
+      </p:sp>
+    </p:spTree>
+    <p:extLst>
+      <p:ext uri="{BB962C8B-B14F-4D97-AF65-F5344CB8AC3E}">
+        <p14:creationId xmlns:p14="http://schemas.microsoft.com/office/powerpoint/2010/main" val="1417836094"/>
+      </p:ext>
+    </p:extLst>
+  </p:cSld>
+  <p:clrMapOvr>
+    <a:masterClrMapping/>
+  </p:clrMapOvr>
+</p:sld>
+</file>
+
+<file path=ppt/slides/slide24.xml><?xml version="1.0" encoding="utf-8"?>
+<p:sld xmlns:a="http://schemas.openxmlformats.org/drawingml/2006/main" xmlns:r="http://schemas.openxmlformats.org/officeDocument/2006/relationships" xmlns:p="http://schemas.openxmlformats.org/presentationml/2006/main">
+  <p:cSld>
+    <p:spTree>
+      <p:nvGrpSpPr>
+        <p:cNvPr id="1" name=""/>
+        <p:cNvGrpSpPr/>
+        <p:nvPr/>
+      </p:nvGrpSpPr>
+      <p:grpSpPr>
+        <a:xfrm>
+          <a:off x="0" y="0"/>
+          <a:ext cx="0" cy="0"/>
+          <a:chOff x="0" y="0"/>
+          <a:chExt cx="0" cy="0"/>
+        </a:xfrm>
+      </p:grpSpPr>
+      <p:sp>
+        <p:nvSpPr>
+          <p:cNvPr id="2" name="テキスト プレースホルダー 1">
+            <a:extLst>
+              <a:ext uri="{FF2B5EF4-FFF2-40B4-BE49-F238E27FC236}">
+                <a16:creationId xmlns:a16="http://schemas.microsoft.com/office/drawing/2014/main" id="{BA4F6892-0EC7-4A57-8815-AFD094192980}"/>
+              </a:ext>
+            </a:extLst>
+          </p:cNvPr>
+          <p:cNvSpPr>
+            <a:spLocks noGrp="1"/>
+          </p:cNvSpPr>
+          <p:nvPr>
+            <p:ph type="body" sz="quarter" idx="10"/>
+          </p:nvPr>
+        </p:nvSpPr>
+        <p:spPr/>
+        <p:txBody>
+          <a:bodyPr/>
+          <a:lstStyle/>
+          <a:p>
+            <a:r>
+              <a:rPr kumimoji="1" lang="en-US" altLang="ja-JP" dirty="0"/>
+              <a:t>git init</a:t>
+            </a:r>
+            <a:endParaRPr kumimoji="1" lang="ja-JP" altLang="en-US" dirty="0"/>
+          </a:p>
+        </p:txBody>
+      </p:sp>
+      <p:sp>
+        <p:nvSpPr>
+          <p:cNvPr id="3" name="テキスト ボックス 2">
+            <a:extLst>
+              <a:ext uri="{FF2B5EF4-FFF2-40B4-BE49-F238E27FC236}">
+                <a16:creationId xmlns:a16="http://schemas.microsoft.com/office/drawing/2014/main" id="{4B5E0E9A-CE39-4404-AFCE-03F20B014A2A}"/>
+              </a:ext>
+            </a:extLst>
+          </p:cNvPr>
+          <p:cNvSpPr txBox="1"/>
+          <p:nvPr/>
+        </p:nvSpPr>
+        <p:spPr>
+          <a:xfrm>
+            <a:off x="2051720" y="1124744"/>
+            <a:ext cx="4698722" cy="584775"/>
+          </a:xfrm>
+          <a:prstGeom prst="rect">
+            <a:avLst/>
+          </a:prstGeom>
+          <a:noFill/>
+        </p:spPr>
+        <p:txBody>
+          <a:bodyPr wrap="none" rtlCol="0">
+            <a:spAutoFit/>
+          </a:bodyPr>
+          <a:lstStyle/>
+          <a:p>
+            <a:r>
+              <a:rPr kumimoji="1" lang="ja-JP" altLang="en-US" sz="3200" dirty="0"/>
+              <a:t>リポジトリを初期化する</a:t>
+            </a:r>
+          </a:p>
+        </p:txBody>
+      </p:sp>
+      <p:sp>
+        <p:nvSpPr>
+          <p:cNvPr id="6" name="テキスト ボックス 5">
+            <a:extLst>
+              <a:ext uri="{FF2B5EF4-FFF2-40B4-BE49-F238E27FC236}">
+                <a16:creationId xmlns:a16="http://schemas.microsoft.com/office/drawing/2014/main" id="{070CEA52-071A-428F-9354-D87F0D8FBF76}"/>
+              </a:ext>
+            </a:extLst>
+          </p:cNvPr>
+          <p:cNvSpPr txBox="1"/>
+          <p:nvPr/>
+        </p:nvSpPr>
+        <p:spPr>
+          <a:xfrm>
+            <a:off x="395536" y="1988840"/>
+            <a:ext cx="2156360" cy="523220"/>
+          </a:xfrm>
+          <a:prstGeom prst="rect">
+            <a:avLst/>
+          </a:prstGeom>
+          <a:noFill/>
+          <a:ln>
+            <a:solidFill>
+              <a:schemeClr val="tx1"/>
+            </a:solidFill>
+          </a:ln>
+        </p:spPr>
+        <p:txBody>
+          <a:bodyPr wrap="none" rtlCol="0">
+            <a:spAutoFit/>
+          </a:bodyPr>
+          <a:lstStyle/>
+          <a:p>
+            <a:r>
+              <a:rPr lang="ja-JP" altLang="en-US" sz="2800" dirty="0">
+                <a:latin typeface="Consolas" panose="020B0609020204030204" pitchFamily="49" charset="0"/>
+              </a:rPr>
+              <a:t>$ git </a:t>
+            </a:r>
+            <a:r>
+              <a:rPr lang="en-US" altLang="ja-JP" sz="2800" dirty="0">
+                <a:latin typeface="Consolas" panose="020B0609020204030204" pitchFamily="49" charset="0"/>
+              </a:rPr>
+              <a:t>init</a:t>
+            </a:r>
+            <a:endParaRPr lang="ja-JP" altLang="en-US" sz="2800" dirty="0">
+              <a:latin typeface="Consolas" panose="020B0609020204030204" pitchFamily="49" charset="0"/>
+            </a:endParaRPr>
+          </a:p>
+        </p:txBody>
+      </p:sp>
+      <p:sp>
+        <p:nvSpPr>
+          <p:cNvPr id="7" name="テキスト ボックス 6">
+            <a:extLst>
+              <a:ext uri="{FF2B5EF4-FFF2-40B4-BE49-F238E27FC236}">
+                <a16:creationId xmlns:a16="http://schemas.microsoft.com/office/drawing/2014/main" id="{FDA8E775-75F8-4497-B0AC-4E3C064CA581}"/>
+              </a:ext>
+            </a:extLst>
+          </p:cNvPr>
+          <p:cNvSpPr txBox="1"/>
+          <p:nvPr/>
+        </p:nvSpPr>
+        <p:spPr>
+          <a:xfrm>
+            <a:off x="1475656" y="2636912"/>
+            <a:ext cx="6747360" cy="523220"/>
+          </a:xfrm>
+          <a:prstGeom prst="rect">
+            <a:avLst/>
+          </a:prstGeom>
+          <a:noFill/>
+        </p:spPr>
+        <p:txBody>
+          <a:bodyPr wrap="none" rtlCol="0">
+            <a:spAutoFit/>
+          </a:bodyPr>
+          <a:lstStyle/>
+          <a:p>
+            <a:r>
+              <a:rPr lang="ja-JP" altLang="en-US" sz="2800" dirty="0"/>
+              <a:t>カレントディレクトリを</a:t>
+            </a:r>
+            <a:r>
+              <a:rPr lang="en-US" altLang="ja-JP" sz="2800" dirty="0"/>
+              <a:t>Git</a:t>
+            </a:r>
+            <a:r>
+              <a:rPr lang="ja-JP" altLang="en-US" sz="2800" dirty="0"/>
+              <a:t>で初期化する</a:t>
+            </a:r>
+            <a:endParaRPr kumimoji="1" lang="ja-JP" altLang="en-US" sz="2800" dirty="0"/>
+          </a:p>
+        </p:txBody>
+      </p:sp>
+      <p:sp>
+        <p:nvSpPr>
+          <p:cNvPr id="8" name="テキスト ボックス 7">
+            <a:extLst>
+              <a:ext uri="{FF2B5EF4-FFF2-40B4-BE49-F238E27FC236}">
+                <a16:creationId xmlns:a16="http://schemas.microsoft.com/office/drawing/2014/main" id="{4F74D7F7-5D75-440E-B9AB-183486952A53}"/>
+              </a:ext>
+            </a:extLst>
+          </p:cNvPr>
+          <p:cNvSpPr txBox="1"/>
+          <p:nvPr/>
+        </p:nvSpPr>
+        <p:spPr>
+          <a:xfrm>
+            <a:off x="323528" y="3356992"/>
+            <a:ext cx="3733714" cy="523220"/>
+          </a:xfrm>
+          <a:prstGeom prst="rect">
+            <a:avLst/>
+          </a:prstGeom>
+          <a:noFill/>
+          <a:ln>
+            <a:solidFill>
+              <a:schemeClr val="tx1"/>
+            </a:solidFill>
+          </a:ln>
+        </p:spPr>
+        <p:txBody>
+          <a:bodyPr wrap="none" rtlCol="0">
+            <a:spAutoFit/>
+          </a:bodyPr>
+          <a:lstStyle/>
+          <a:p>
+            <a:r>
+              <a:rPr lang="ja-JP" altLang="en-US" sz="2800" dirty="0">
+                <a:latin typeface="Consolas" panose="020B0609020204030204" pitchFamily="49" charset="0"/>
+              </a:rPr>
+              <a:t>$ git </a:t>
+            </a:r>
+            <a:r>
+              <a:rPr lang="en-US" altLang="ja-JP" sz="2800" dirty="0">
+                <a:latin typeface="Consolas" panose="020B0609020204030204" pitchFamily="49" charset="0"/>
+              </a:rPr>
+              <a:t>init</a:t>
+            </a:r>
+            <a:r>
+              <a:rPr lang="ja-JP" altLang="en-US" sz="2800" dirty="0">
+                <a:latin typeface="Consolas" panose="020B0609020204030204" pitchFamily="49" charset="0"/>
+              </a:rPr>
+              <a:t> </a:t>
+            </a:r>
+            <a:r>
+              <a:rPr lang="en-US" altLang="ja-JP" sz="2800" dirty="0">
+                <a:latin typeface="Consolas" panose="020B0609020204030204" pitchFamily="49" charset="0"/>
+              </a:rPr>
+              <a:t>project</a:t>
+            </a:r>
+            <a:endParaRPr lang="ja-JP" altLang="en-US" sz="2800" dirty="0">
+              <a:latin typeface="Consolas" panose="020B0609020204030204" pitchFamily="49" charset="0"/>
+            </a:endParaRPr>
+          </a:p>
+        </p:txBody>
+      </p:sp>
+      <p:sp>
+        <p:nvSpPr>
+          <p:cNvPr id="9" name="テキスト ボックス 8">
+            <a:extLst>
+              <a:ext uri="{FF2B5EF4-FFF2-40B4-BE49-F238E27FC236}">
+                <a16:creationId xmlns:a16="http://schemas.microsoft.com/office/drawing/2014/main" id="{EC756B72-A6EE-434E-BB61-8867CD6B4C13}"/>
+              </a:ext>
+            </a:extLst>
+          </p:cNvPr>
+          <p:cNvSpPr txBox="1"/>
+          <p:nvPr/>
+        </p:nvSpPr>
+        <p:spPr>
+          <a:xfrm>
+            <a:off x="1475656" y="4005064"/>
+            <a:ext cx="7344816" cy="954107"/>
+          </a:xfrm>
+          <a:prstGeom prst="rect">
+            <a:avLst/>
+          </a:prstGeom>
+          <a:noFill/>
+        </p:spPr>
+        <p:txBody>
+          <a:bodyPr wrap="square" rtlCol="0">
+            <a:spAutoFit/>
+          </a:bodyPr>
+          <a:lstStyle/>
+          <a:p>
+            <a:r>
+              <a:rPr lang="en-US" altLang="ja-JP" sz="2800" dirty="0"/>
+              <a:t>project</a:t>
+            </a:r>
+            <a:r>
+              <a:rPr lang="ja-JP" altLang="en-US" sz="2800" dirty="0"/>
+              <a:t>というディレクトリを作成し、</a:t>
+            </a:r>
+            <a:r>
+              <a:rPr kumimoji="1" lang="en-US" altLang="ja-JP" sz="2800" dirty="0"/>
+              <a:t>Git</a:t>
+            </a:r>
+            <a:r>
+              <a:rPr kumimoji="1" lang="ja-JP" altLang="en-US" sz="2800" dirty="0"/>
+              <a:t>で初期化する</a:t>
+            </a:r>
+          </a:p>
+        </p:txBody>
+      </p:sp>
+      <p:sp>
+        <p:nvSpPr>
+          <p:cNvPr id="10" name="テキスト ボックス 9">
+            <a:extLst>
+              <a:ext uri="{FF2B5EF4-FFF2-40B4-BE49-F238E27FC236}">
+                <a16:creationId xmlns:a16="http://schemas.microsoft.com/office/drawing/2014/main" id="{8CEF96D7-D964-47D1-8828-0E7C3291A820}"/>
+              </a:ext>
+            </a:extLst>
+          </p:cNvPr>
+          <p:cNvSpPr txBox="1"/>
+          <p:nvPr/>
+        </p:nvSpPr>
+        <p:spPr>
+          <a:xfrm>
+            <a:off x="323528" y="5229200"/>
+            <a:ext cx="5902578" cy="523220"/>
+          </a:xfrm>
+          <a:prstGeom prst="rect">
+            <a:avLst/>
+          </a:prstGeom>
+          <a:noFill/>
+          <a:ln>
+            <a:solidFill>
+              <a:schemeClr val="tx1"/>
+            </a:solidFill>
+          </a:ln>
+        </p:spPr>
+        <p:txBody>
+          <a:bodyPr wrap="none" rtlCol="0">
+            <a:spAutoFit/>
+          </a:bodyPr>
+          <a:lstStyle/>
+          <a:p>
+            <a:r>
+              <a:rPr lang="ja-JP" altLang="en-US" sz="2800" dirty="0">
+                <a:latin typeface="Consolas" panose="020B0609020204030204" pitchFamily="49" charset="0"/>
+              </a:rPr>
+              <a:t>$ git </a:t>
+            </a:r>
+            <a:r>
+              <a:rPr lang="en-US" altLang="ja-JP" sz="2800" dirty="0">
+                <a:latin typeface="Consolas" panose="020B0609020204030204" pitchFamily="49" charset="0"/>
+              </a:rPr>
+              <a:t>init</a:t>
+            </a:r>
+            <a:r>
+              <a:rPr lang="ja-JP" altLang="en-US" sz="2800" dirty="0">
+                <a:latin typeface="Consolas" panose="020B0609020204030204" pitchFamily="49" charset="0"/>
+              </a:rPr>
+              <a:t> </a:t>
+            </a:r>
+            <a:r>
+              <a:rPr lang="en-US" altLang="ja-JP" sz="2800" dirty="0">
+                <a:latin typeface="Consolas" panose="020B0609020204030204" pitchFamily="49" charset="0"/>
+              </a:rPr>
+              <a:t>--bare </a:t>
+            </a:r>
+            <a:r>
+              <a:rPr lang="en-US" altLang="ja-JP" sz="2800" dirty="0" err="1">
+                <a:latin typeface="Consolas" panose="020B0609020204030204" pitchFamily="49" charset="0"/>
+              </a:rPr>
+              <a:t>project.git</a:t>
+            </a:r>
+            <a:endParaRPr lang="ja-JP" altLang="en-US" sz="2800" dirty="0">
+              <a:latin typeface="Consolas" panose="020B0609020204030204" pitchFamily="49" charset="0"/>
+            </a:endParaRPr>
+          </a:p>
+        </p:txBody>
+      </p:sp>
+      <p:sp>
+        <p:nvSpPr>
+          <p:cNvPr id="11" name="テキスト ボックス 10">
+            <a:extLst>
+              <a:ext uri="{FF2B5EF4-FFF2-40B4-BE49-F238E27FC236}">
+                <a16:creationId xmlns:a16="http://schemas.microsoft.com/office/drawing/2014/main" id="{817D51BA-5461-419C-B803-018D665D23D5}"/>
+              </a:ext>
+            </a:extLst>
+          </p:cNvPr>
+          <p:cNvSpPr txBox="1"/>
+          <p:nvPr/>
+        </p:nvSpPr>
+        <p:spPr>
+          <a:xfrm>
+            <a:off x="1475656" y="5877272"/>
+            <a:ext cx="6412333" cy="523220"/>
+          </a:xfrm>
+          <a:prstGeom prst="rect">
+            <a:avLst/>
+          </a:prstGeom>
+          <a:noFill/>
+        </p:spPr>
+        <p:txBody>
+          <a:bodyPr wrap="none" rtlCol="0">
+            <a:spAutoFit/>
+          </a:bodyPr>
+          <a:lstStyle/>
+          <a:p>
+            <a:r>
+              <a:rPr lang="en-US" altLang="ja-JP" sz="2800" dirty="0" err="1"/>
+              <a:t>project.git</a:t>
+            </a:r>
+            <a:r>
+              <a:rPr lang="ja-JP" altLang="en-US" sz="2800" dirty="0"/>
+              <a:t>というベアリポジトリを作る</a:t>
+            </a:r>
+            <a:endParaRPr kumimoji="1" lang="ja-JP" altLang="en-US" sz="2800" dirty="0"/>
+          </a:p>
+        </p:txBody>
+      </p:sp>
+    </p:spTree>
+    <p:extLst>
+      <p:ext uri="{BB962C8B-B14F-4D97-AF65-F5344CB8AC3E}">
+        <p14:creationId xmlns:p14="http://schemas.microsoft.com/office/powerpoint/2010/main" val="2357139873"/>
+      </p:ext>
+    </p:extLst>
+  </p:cSld>
+  <p:clrMapOvr>
+    <a:masterClrMapping/>
+  </p:clrMapOvr>
+</p:sld>
+</file>
+
+<file path=ppt/slides/slide25.xml><?xml version="1.0" encoding="utf-8"?>
+<p:sld xmlns:a="http://schemas.openxmlformats.org/drawingml/2006/main" xmlns:r="http://schemas.openxmlformats.org/officeDocument/2006/relationships" xmlns:p="http://schemas.openxmlformats.org/presentationml/2006/main">
+  <p:cSld>
+    <p:spTree>
+      <p:nvGrpSpPr>
+        <p:cNvPr id="1" name=""/>
+        <p:cNvGrpSpPr/>
+        <p:nvPr/>
+      </p:nvGrpSpPr>
+      <p:grpSpPr>
+        <a:xfrm>
+          <a:off x="0" y="0"/>
+          <a:ext cx="0" cy="0"/>
+          <a:chOff x="0" y="0"/>
+          <a:chExt cx="0" cy="0"/>
+        </a:xfrm>
+      </p:grpSpPr>
+      <p:sp>
+        <p:nvSpPr>
+          <p:cNvPr id="2" name="テキスト プレースホルダー 1">
+            <a:extLst>
+              <a:ext uri="{FF2B5EF4-FFF2-40B4-BE49-F238E27FC236}">
+                <a16:creationId xmlns:a16="http://schemas.microsoft.com/office/drawing/2014/main" id="{1BA09467-BEF1-491B-BA24-DA6BE67360B3}"/>
+              </a:ext>
+            </a:extLst>
+          </p:cNvPr>
+          <p:cNvSpPr>
+            <a:spLocks noGrp="1"/>
+          </p:cNvSpPr>
+          <p:nvPr>
+            <p:ph type="body" sz="quarter" idx="10"/>
+          </p:nvPr>
+        </p:nvSpPr>
+        <p:spPr/>
+        <p:txBody>
+          <a:bodyPr/>
+          <a:lstStyle/>
+          <a:p>
+            <a:r>
+              <a:rPr kumimoji="1" lang="en-US" altLang="ja-JP" dirty="0"/>
+              <a:t>git add</a:t>
+            </a:r>
+            <a:endParaRPr kumimoji="1" lang="ja-JP" altLang="en-US" dirty="0"/>
+          </a:p>
+        </p:txBody>
+      </p:sp>
+      <p:sp>
+        <p:nvSpPr>
+          <p:cNvPr id="3" name="テキスト ボックス 2">
+            <a:extLst>
+              <a:ext uri="{FF2B5EF4-FFF2-40B4-BE49-F238E27FC236}">
+                <a16:creationId xmlns:a16="http://schemas.microsoft.com/office/drawing/2014/main" id="{61ECE05D-5857-46BF-B6F7-639811CF4968}"/>
+              </a:ext>
+            </a:extLst>
+          </p:cNvPr>
+          <p:cNvSpPr txBox="1"/>
+          <p:nvPr/>
+        </p:nvSpPr>
+        <p:spPr>
+          <a:xfrm>
+            <a:off x="251520" y="1340768"/>
+            <a:ext cx="4855816" cy="523220"/>
+          </a:xfrm>
+          <a:prstGeom prst="rect">
+            <a:avLst/>
+          </a:prstGeom>
+          <a:noFill/>
+        </p:spPr>
+        <p:txBody>
+          <a:bodyPr wrap="none" rtlCol="0">
+            <a:spAutoFit/>
+          </a:bodyPr>
+          <a:lstStyle/>
+          <a:p>
+            <a:r>
+              <a:rPr kumimoji="1" lang="en-US" altLang="ja-JP" sz="2800" dirty="0"/>
+              <a:t>git add</a:t>
+            </a:r>
+            <a:r>
+              <a:rPr kumimoji="1" lang="ja-JP" altLang="en-US" sz="2800" dirty="0"/>
+              <a:t>には三つの役割がある</a:t>
+            </a:r>
+          </a:p>
+        </p:txBody>
+      </p:sp>
+      <p:sp>
+        <p:nvSpPr>
+          <p:cNvPr id="5" name="テキスト ボックス 4">
+            <a:extLst>
+              <a:ext uri="{FF2B5EF4-FFF2-40B4-BE49-F238E27FC236}">
+                <a16:creationId xmlns:a16="http://schemas.microsoft.com/office/drawing/2014/main" id="{6690319E-1307-41F0-B823-33E0A97C2BCA}"/>
+              </a:ext>
+            </a:extLst>
+          </p:cNvPr>
+          <p:cNvSpPr txBox="1"/>
+          <p:nvPr/>
+        </p:nvSpPr>
+        <p:spPr>
+          <a:xfrm>
+            <a:off x="467544" y="1988840"/>
+            <a:ext cx="8208912" cy="1200329"/>
+          </a:xfrm>
+          <a:prstGeom prst="rect">
+            <a:avLst/>
+          </a:prstGeom>
+          <a:noFill/>
+        </p:spPr>
+        <p:txBody>
+          <a:bodyPr wrap="square">
+            <a:spAutoFit/>
+          </a:bodyPr>
+          <a:lstStyle/>
+          <a:p>
+            <a:pPr marL="285750" indent="-285750">
+              <a:buFont typeface="Arial" panose="020B0604020202020204" pitchFamily="34" charset="0"/>
+              <a:buChar char="•"/>
+            </a:pPr>
+            <a:r>
+              <a:rPr lang="ja-JP" altLang="en-US" sz="2400" dirty="0"/>
+              <a:t>リポジトリの管理下にないファイルを管理下に置く</a:t>
+            </a:r>
+          </a:p>
+          <a:p>
+            <a:pPr marL="285750" indent="-285750">
+              <a:buFont typeface="Arial" panose="020B0604020202020204" pitchFamily="34" charset="0"/>
+              <a:buChar char="•"/>
+            </a:pPr>
+            <a:r>
+              <a:rPr lang="ja-JP" altLang="en-US" sz="2400" dirty="0"/>
+              <a:t>リポジトリの管理下にあるファイルをステージングする</a:t>
+            </a:r>
+          </a:p>
+          <a:p>
+            <a:pPr marL="285750" indent="-285750">
+              <a:buFont typeface="Arial" panose="020B0604020202020204" pitchFamily="34" charset="0"/>
+              <a:buChar char="•"/>
+            </a:pPr>
+            <a:r>
+              <a:rPr lang="ja-JP" altLang="en-US" sz="2400" dirty="0"/>
+              <a:t>Gitに衝突の解消について教える</a:t>
+            </a:r>
+          </a:p>
+        </p:txBody>
+      </p:sp>
+      <p:sp>
+        <p:nvSpPr>
+          <p:cNvPr id="6" name="テキスト ボックス 5">
+            <a:extLst>
+              <a:ext uri="{FF2B5EF4-FFF2-40B4-BE49-F238E27FC236}">
+                <a16:creationId xmlns:a16="http://schemas.microsoft.com/office/drawing/2014/main" id="{9BDDA3EA-B689-469A-B417-5944F6948AC6}"/>
+              </a:ext>
+            </a:extLst>
+          </p:cNvPr>
+          <p:cNvSpPr txBox="1"/>
+          <p:nvPr/>
+        </p:nvSpPr>
+        <p:spPr>
+          <a:xfrm>
+            <a:off x="323528" y="3501008"/>
+            <a:ext cx="5929828" cy="523220"/>
+          </a:xfrm>
+          <a:prstGeom prst="rect">
+            <a:avLst/>
+          </a:prstGeom>
+          <a:noFill/>
+        </p:spPr>
+        <p:txBody>
+          <a:bodyPr wrap="none" rtlCol="0">
+            <a:spAutoFit/>
+          </a:bodyPr>
+          <a:lstStyle/>
+          <a:p>
+            <a:r>
+              <a:rPr kumimoji="1" lang="ja-JP" altLang="en-US" sz="2800" dirty="0"/>
+              <a:t>これらは全て</a:t>
+            </a:r>
+            <a:r>
+              <a:rPr lang="ja-JP" altLang="en-US" sz="2800" dirty="0"/>
+              <a:t>以下の動作をしている</a:t>
+            </a:r>
+            <a:endParaRPr kumimoji="1" lang="ja-JP" altLang="en-US" sz="2800" dirty="0"/>
+          </a:p>
+        </p:txBody>
+      </p:sp>
+      <p:sp>
+        <p:nvSpPr>
+          <p:cNvPr id="8" name="テキスト ボックス 7">
+            <a:extLst>
+              <a:ext uri="{FF2B5EF4-FFF2-40B4-BE49-F238E27FC236}">
+                <a16:creationId xmlns:a16="http://schemas.microsoft.com/office/drawing/2014/main" id="{F5E66324-61DE-40BA-BAA3-91BC407031C0}"/>
+              </a:ext>
+            </a:extLst>
+          </p:cNvPr>
+          <p:cNvSpPr txBox="1"/>
+          <p:nvPr/>
+        </p:nvSpPr>
+        <p:spPr>
+          <a:xfrm>
+            <a:off x="467544" y="4221088"/>
+            <a:ext cx="7632848" cy="830997"/>
+          </a:xfrm>
+          <a:prstGeom prst="rect">
+            <a:avLst/>
+          </a:prstGeom>
+          <a:noFill/>
+        </p:spPr>
+        <p:txBody>
+          <a:bodyPr wrap="square">
+            <a:spAutoFit/>
+          </a:bodyPr>
+          <a:lstStyle/>
+          <a:p>
+            <a:pPr marL="285750" indent="-285750">
+              <a:buFont typeface="Arial" panose="020B0604020202020204" pitchFamily="34" charset="0"/>
+              <a:buChar char="•"/>
+            </a:pPr>
+            <a:r>
+              <a:rPr lang="ja-JP" altLang="en-US" sz="2400" dirty="0"/>
+              <a:t>ワーキングツリーにあるファイルをインデックスに登録する</a:t>
+            </a:r>
+          </a:p>
+        </p:txBody>
+      </p:sp>
+      <p:sp>
+        <p:nvSpPr>
+          <p:cNvPr id="9" name="テキスト ボックス 8">
+            <a:extLst>
+              <a:ext uri="{FF2B5EF4-FFF2-40B4-BE49-F238E27FC236}">
+                <a16:creationId xmlns:a16="http://schemas.microsoft.com/office/drawing/2014/main" id="{82DA4984-A547-4A36-9C12-CE8108C72342}"/>
+              </a:ext>
+            </a:extLst>
+          </p:cNvPr>
+          <p:cNvSpPr txBox="1"/>
+          <p:nvPr/>
+        </p:nvSpPr>
+        <p:spPr>
+          <a:xfrm>
+            <a:off x="179512" y="5373216"/>
+            <a:ext cx="8568952" cy="830997"/>
+          </a:xfrm>
+          <a:prstGeom prst="rect">
+            <a:avLst/>
+          </a:prstGeom>
+          <a:noFill/>
+        </p:spPr>
+        <p:txBody>
+          <a:bodyPr wrap="square" rtlCol="0">
+            <a:spAutoFit/>
+          </a:bodyPr>
+          <a:lstStyle/>
+          <a:p>
+            <a:r>
+              <a:rPr kumimoji="1" lang="ja-JP" altLang="en-US" sz="2400" dirty="0"/>
+              <a:t>「</a:t>
+            </a:r>
+            <a:r>
+              <a:rPr lang="ja-JP" altLang="en-US" sz="2400" dirty="0"/>
+              <a:t>コミットされたとき、インデックスに登録されたスナップショットが歴史に登録される」と覚えておく</a:t>
+            </a:r>
+            <a:endParaRPr kumimoji="1" lang="ja-JP" altLang="en-US" sz="2400" dirty="0"/>
+          </a:p>
+        </p:txBody>
+      </p:sp>
+    </p:spTree>
+    <p:extLst>
+      <p:ext uri="{BB962C8B-B14F-4D97-AF65-F5344CB8AC3E}">
+        <p14:creationId xmlns:p14="http://schemas.microsoft.com/office/powerpoint/2010/main" val="2464688563"/>
+      </p:ext>
+    </p:extLst>
+  </p:cSld>
+  <p:clrMapOvr>
+    <a:masterClrMapping/>
+  </p:clrMapOvr>
+</p:sld>
+</file>
+
+<file path=ppt/slides/slide26.xml><?xml version="1.0" encoding="utf-8"?>
+<p:sld xmlns:a="http://schemas.openxmlformats.org/drawingml/2006/main" xmlns:r="http://schemas.openxmlformats.org/officeDocument/2006/relationships" xmlns:p="http://schemas.openxmlformats.org/presentationml/2006/main">
+  <p:cSld>
+    <p:spTree>
+      <p:nvGrpSpPr>
+        <p:cNvPr id="1" name=""/>
+        <p:cNvGrpSpPr/>
+        <p:nvPr/>
+      </p:nvGrpSpPr>
+      <p:grpSpPr>
+        <a:xfrm>
+          <a:off x="0" y="0"/>
+          <a:ext cx="0" cy="0"/>
+          <a:chOff x="0" y="0"/>
+          <a:chExt cx="0" cy="0"/>
+        </a:xfrm>
+      </p:grpSpPr>
+      <p:sp>
+        <p:nvSpPr>
+          <p:cNvPr id="2" name="テキスト プレースホルダー 1">
+            <a:extLst>
+              <a:ext uri="{FF2B5EF4-FFF2-40B4-BE49-F238E27FC236}">
+                <a16:creationId xmlns:a16="http://schemas.microsoft.com/office/drawing/2014/main" id="{74C1376C-B1A6-4D69-84B5-236B60F64341}"/>
+              </a:ext>
+            </a:extLst>
+          </p:cNvPr>
+          <p:cNvSpPr>
+            <a:spLocks noGrp="1"/>
+          </p:cNvSpPr>
+          <p:nvPr>
+            <p:ph type="body" sz="quarter" idx="10"/>
+          </p:nvPr>
+        </p:nvSpPr>
+        <p:spPr/>
+        <p:txBody>
+          <a:bodyPr/>
+          <a:lstStyle/>
+          <a:p>
+            <a:r>
+              <a:rPr kumimoji="1" lang="en-US" altLang="ja-JP" dirty="0"/>
+              <a:t>git commit</a:t>
+            </a:r>
+            <a:endParaRPr kumimoji="1" lang="ja-JP" altLang="en-US" dirty="0"/>
+          </a:p>
+        </p:txBody>
+      </p:sp>
+      <p:sp>
+        <p:nvSpPr>
+          <p:cNvPr id="3" name="テキスト ボックス 2">
+            <a:extLst>
+              <a:ext uri="{FF2B5EF4-FFF2-40B4-BE49-F238E27FC236}">
+                <a16:creationId xmlns:a16="http://schemas.microsoft.com/office/drawing/2014/main" id="{4B7E68FA-0183-4573-AD86-0D220B690EDE}"/>
+              </a:ext>
+            </a:extLst>
+          </p:cNvPr>
+          <p:cNvSpPr txBox="1"/>
+          <p:nvPr/>
+        </p:nvSpPr>
+        <p:spPr>
+          <a:xfrm>
+            <a:off x="251520" y="1340768"/>
+            <a:ext cx="8494633" cy="461665"/>
+          </a:xfrm>
+          <a:prstGeom prst="rect">
+            <a:avLst/>
+          </a:prstGeom>
+          <a:noFill/>
+        </p:spPr>
+        <p:txBody>
+          <a:bodyPr wrap="none" rtlCol="0">
+            <a:spAutoFit/>
+          </a:bodyPr>
+          <a:lstStyle/>
+          <a:p>
+            <a:r>
+              <a:rPr kumimoji="1" lang="ja-JP" altLang="en-US" sz="2400" dirty="0"/>
+              <a:t>インデックスに登録されたスナップショットをコミットする</a:t>
+            </a:r>
+          </a:p>
+        </p:txBody>
+      </p:sp>
+      <p:sp>
+        <p:nvSpPr>
+          <p:cNvPr id="4" name="テキスト ボックス 3">
+            <a:extLst>
+              <a:ext uri="{FF2B5EF4-FFF2-40B4-BE49-F238E27FC236}">
+                <a16:creationId xmlns:a16="http://schemas.microsoft.com/office/drawing/2014/main" id="{8BF53493-DDDB-4254-9E04-7DACAC4D9641}"/>
+              </a:ext>
+            </a:extLst>
+          </p:cNvPr>
+          <p:cNvSpPr txBox="1"/>
+          <p:nvPr/>
+        </p:nvSpPr>
+        <p:spPr>
+          <a:xfrm>
+            <a:off x="251520" y="2204864"/>
+            <a:ext cx="6494085" cy="523220"/>
+          </a:xfrm>
+          <a:prstGeom prst="rect">
+            <a:avLst/>
+          </a:prstGeom>
+          <a:noFill/>
+          <a:ln>
+            <a:solidFill>
+              <a:schemeClr val="tx1"/>
+            </a:solidFill>
+          </a:ln>
+        </p:spPr>
+        <p:txBody>
+          <a:bodyPr wrap="none" rtlCol="0">
+            <a:spAutoFit/>
+          </a:bodyPr>
+          <a:lstStyle/>
+          <a:p>
+            <a:r>
+              <a:rPr lang="ja-JP" altLang="en-US" sz="2800" dirty="0">
+                <a:latin typeface="Consolas" panose="020B0609020204030204" pitchFamily="49" charset="0"/>
+              </a:rPr>
+              <a:t>$ git </a:t>
+            </a:r>
+            <a:r>
+              <a:rPr lang="en-US" altLang="ja-JP" sz="2800" dirty="0">
+                <a:latin typeface="Consolas" panose="020B0609020204030204" pitchFamily="49" charset="0"/>
+              </a:rPr>
+              <a:t>commit -m “commit message”</a:t>
+            </a:r>
+            <a:endParaRPr lang="ja-JP" altLang="en-US" sz="2800" dirty="0">
+              <a:latin typeface="Consolas" panose="020B0609020204030204" pitchFamily="49" charset="0"/>
+            </a:endParaRPr>
+          </a:p>
+        </p:txBody>
+      </p:sp>
+      <p:sp>
+        <p:nvSpPr>
+          <p:cNvPr id="5" name="テキスト ボックス 4">
+            <a:extLst>
+              <a:ext uri="{FF2B5EF4-FFF2-40B4-BE49-F238E27FC236}">
+                <a16:creationId xmlns:a16="http://schemas.microsoft.com/office/drawing/2014/main" id="{3A889CD5-C33A-4646-81BD-790F846EFD0D}"/>
+              </a:ext>
+            </a:extLst>
+          </p:cNvPr>
+          <p:cNvSpPr txBox="1"/>
+          <p:nvPr/>
+        </p:nvSpPr>
+        <p:spPr>
+          <a:xfrm>
+            <a:off x="1691680" y="2924944"/>
+            <a:ext cx="5724644" cy="461665"/>
+          </a:xfrm>
+          <a:prstGeom prst="rect">
+            <a:avLst/>
+          </a:prstGeom>
+          <a:noFill/>
+        </p:spPr>
+        <p:txBody>
+          <a:bodyPr wrap="none" rtlCol="0">
+            <a:spAutoFit/>
+          </a:bodyPr>
+          <a:lstStyle/>
+          <a:p>
+            <a:r>
+              <a:rPr lang="ja-JP" altLang="en-US" sz="2400" dirty="0"/>
+              <a:t>コミットメッセージを指定してコミット</a:t>
+            </a:r>
+            <a:endParaRPr kumimoji="1" lang="ja-JP" altLang="en-US" sz="2400" dirty="0"/>
+          </a:p>
+        </p:txBody>
+      </p:sp>
+      <p:sp>
+        <p:nvSpPr>
+          <p:cNvPr id="6" name="テキスト ボックス 5">
+            <a:extLst>
+              <a:ext uri="{FF2B5EF4-FFF2-40B4-BE49-F238E27FC236}">
+                <a16:creationId xmlns:a16="http://schemas.microsoft.com/office/drawing/2014/main" id="{F1926E29-3030-4EA4-9DAA-72906AC9067F}"/>
+              </a:ext>
+            </a:extLst>
+          </p:cNvPr>
+          <p:cNvSpPr txBox="1"/>
+          <p:nvPr/>
+        </p:nvSpPr>
+        <p:spPr>
+          <a:xfrm>
+            <a:off x="251520" y="3645024"/>
+            <a:ext cx="3142207" cy="523220"/>
+          </a:xfrm>
+          <a:prstGeom prst="rect">
+            <a:avLst/>
+          </a:prstGeom>
+          <a:noFill/>
+          <a:ln>
+            <a:solidFill>
+              <a:schemeClr val="tx1"/>
+            </a:solidFill>
+          </a:ln>
+        </p:spPr>
+        <p:txBody>
+          <a:bodyPr wrap="none" rtlCol="0">
+            <a:spAutoFit/>
+          </a:bodyPr>
+          <a:lstStyle/>
+          <a:p>
+            <a:r>
+              <a:rPr lang="ja-JP" altLang="en-US" sz="2800" dirty="0">
+                <a:latin typeface="Consolas" panose="020B0609020204030204" pitchFamily="49" charset="0"/>
+              </a:rPr>
+              <a:t>$ git </a:t>
+            </a:r>
+            <a:r>
+              <a:rPr lang="en-US" altLang="ja-JP" sz="2800" dirty="0">
+                <a:latin typeface="Consolas" panose="020B0609020204030204" pitchFamily="49" charset="0"/>
+              </a:rPr>
+              <a:t>commit -a</a:t>
+            </a:r>
+            <a:endParaRPr lang="ja-JP" altLang="en-US" sz="2800" dirty="0">
+              <a:latin typeface="Consolas" panose="020B0609020204030204" pitchFamily="49" charset="0"/>
+            </a:endParaRPr>
+          </a:p>
+        </p:txBody>
+      </p:sp>
+      <p:sp>
+        <p:nvSpPr>
+          <p:cNvPr id="7" name="テキスト ボックス 6">
+            <a:extLst>
+              <a:ext uri="{FF2B5EF4-FFF2-40B4-BE49-F238E27FC236}">
+                <a16:creationId xmlns:a16="http://schemas.microsoft.com/office/drawing/2014/main" id="{86C5FC42-7E85-4BDB-8B18-7D3DF04972FF}"/>
+              </a:ext>
+            </a:extLst>
+          </p:cNvPr>
+          <p:cNvSpPr txBox="1"/>
+          <p:nvPr/>
+        </p:nvSpPr>
+        <p:spPr>
+          <a:xfrm>
+            <a:off x="1691680" y="4293096"/>
+            <a:ext cx="6480720" cy="830997"/>
+          </a:xfrm>
+          <a:prstGeom prst="rect">
+            <a:avLst/>
+          </a:prstGeom>
+          <a:noFill/>
+        </p:spPr>
+        <p:txBody>
+          <a:bodyPr wrap="square" rtlCol="0">
+            <a:spAutoFit/>
+          </a:bodyPr>
+          <a:lstStyle/>
+          <a:p>
+            <a:r>
+              <a:rPr lang="en-US" altLang="ja-JP" sz="2400" dirty="0"/>
+              <a:t>Git</a:t>
+            </a:r>
+            <a:r>
+              <a:rPr lang="ja-JP" altLang="en-US" sz="2400" dirty="0"/>
+              <a:t>管理下にある修正されたファイルを自動でステージングしてコミット</a:t>
+            </a:r>
+            <a:endParaRPr kumimoji="1" lang="ja-JP" altLang="en-US" sz="2400" dirty="0"/>
+          </a:p>
+        </p:txBody>
+      </p:sp>
+      <p:sp>
+        <p:nvSpPr>
+          <p:cNvPr id="8" name="テキスト ボックス 7">
+            <a:extLst>
+              <a:ext uri="{FF2B5EF4-FFF2-40B4-BE49-F238E27FC236}">
+                <a16:creationId xmlns:a16="http://schemas.microsoft.com/office/drawing/2014/main" id="{79149DAF-62FA-4560-B366-585DCFF81278}"/>
+              </a:ext>
+            </a:extLst>
+          </p:cNvPr>
+          <p:cNvSpPr txBox="1"/>
+          <p:nvPr/>
+        </p:nvSpPr>
+        <p:spPr>
+          <a:xfrm>
+            <a:off x="251520" y="5301208"/>
+            <a:ext cx="6691255" cy="523220"/>
+          </a:xfrm>
+          <a:prstGeom prst="rect">
+            <a:avLst/>
+          </a:prstGeom>
+          <a:noFill/>
+          <a:ln>
+            <a:solidFill>
+              <a:schemeClr val="tx1"/>
+            </a:solidFill>
+          </a:ln>
+        </p:spPr>
+        <p:txBody>
+          <a:bodyPr wrap="none" rtlCol="0">
+            <a:spAutoFit/>
+          </a:bodyPr>
+          <a:lstStyle/>
+          <a:p>
+            <a:r>
+              <a:rPr lang="ja-JP" altLang="en-US" sz="2800" dirty="0">
+                <a:latin typeface="Consolas" panose="020B0609020204030204" pitchFamily="49" charset="0"/>
+              </a:rPr>
+              <a:t>$ git </a:t>
+            </a:r>
+            <a:r>
+              <a:rPr lang="en-US" altLang="ja-JP" sz="2800" dirty="0">
+                <a:latin typeface="Consolas" panose="020B0609020204030204" pitchFamily="49" charset="0"/>
+              </a:rPr>
+              <a:t>commit -am “commit message”</a:t>
+            </a:r>
+            <a:endParaRPr lang="ja-JP" altLang="en-US" sz="2800" dirty="0">
+              <a:latin typeface="Consolas" panose="020B0609020204030204" pitchFamily="49" charset="0"/>
+            </a:endParaRPr>
+          </a:p>
+        </p:txBody>
+      </p:sp>
+      <p:sp>
+        <p:nvSpPr>
+          <p:cNvPr id="9" name="テキスト ボックス 8">
+            <a:extLst>
+              <a:ext uri="{FF2B5EF4-FFF2-40B4-BE49-F238E27FC236}">
+                <a16:creationId xmlns:a16="http://schemas.microsoft.com/office/drawing/2014/main" id="{1E25F017-AB34-479E-B7C3-2214624E290C}"/>
+              </a:ext>
+            </a:extLst>
+          </p:cNvPr>
+          <p:cNvSpPr txBox="1"/>
+          <p:nvPr/>
+        </p:nvSpPr>
+        <p:spPr>
+          <a:xfrm>
+            <a:off x="1547664" y="5949280"/>
+            <a:ext cx="6480720" cy="461665"/>
+          </a:xfrm>
+          <a:prstGeom prst="rect">
+            <a:avLst/>
+          </a:prstGeom>
+          <a:noFill/>
+        </p:spPr>
+        <p:txBody>
+          <a:bodyPr wrap="square" rtlCol="0">
+            <a:spAutoFit/>
+          </a:bodyPr>
+          <a:lstStyle/>
+          <a:p>
+            <a:r>
+              <a:rPr kumimoji="1" lang="ja-JP" altLang="en-US" sz="2400" dirty="0"/>
+              <a:t>上記の合わせ技</a:t>
+            </a:r>
+          </a:p>
+        </p:txBody>
+      </p:sp>
+    </p:spTree>
+    <p:extLst>
+      <p:ext uri="{BB962C8B-B14F-4D97-AF65-F5344CB8AC3E}">
+        <p14:creationId xmlns:p14="http://schemas.microsoft.com/office/powerpoint/2010/main" val="996225949"/>
+      </p:ext>
+    </p:extLst>
+  </p:cSld>
+  <p:clrMapOvr>
+    <a:masterClrMapping/>
+  </p:clrMapOvr>
+</p:sld>
+</file>
+
+<file path=ppt/slides/slide27.xml><?xml version="1.0" encoding="utf-8"?>
+<p:sld xmlns:a="http://schemas.openxmlformats.org/drawingml/2006/main" xmlns:r="http://schemas.openxmlformats.org/officeDocument/2006/relationships" xmlns:p="http://schemas.openxmlformats.org/presentationml/2006/main">
+  <p:cSld>
+    <p:spTree>
+      <p:nvGrpSpPr>
+        <p:cNvPr id="1" name=""/>
+        <p:cNvGrpSpPr/>
+        <p:nvPr/>
+      </p:nvGrpSpPr>
+      <p:grpSpPr>
+        <a:xfrm>
+          <a:off x="0" y="0"/>
+          <a:ext cx="0" cy="0"/>
+          <a:chOff x="0" y="0"/>
+          <a:chExt cx="0" cy="0"/>
+        </a:xfrm>
+      </p:grpSpPr>
+      <p:sp>
+        <p:nvSpPr>
+          <p:cNvPr id="2" name="テキスト プレースホルダー 1">
+            <a:extLst>
+              <a:ext uri="{FF2B5EF4-FFF2-40B4-BE49-F238E27FC236}">
+                <a16:creationId xmlns:a16="http://schemas.microsoft.com/office/drawing/2014/main" id="{655DF056-FB0C-44AB-8AAF-72A4B954043A}"/>
+              </a:ext>
+            </a:extLst>
+          </p:cNvPr>
+          <p:cNvSpPr>
+            <a:spLocks noGrp="1"/>
+          </p:cNvSpPr>
+          <p:nvPr>
+            <p:ph type="body" sz="quarter" idx="10"/>
+          </p:nvPr>
+        </p:nvSpPr>
+        <p:spPr/>
+        <p:txBody>
+          <a:bodyPr/>
+          <a:lstStyle/>
+          <a:p>
+            <a:r>
+              <a:rPr kumimoji="1" lang="en-US" altLang="ja-JP" dirty="0"/>
+              <a:t>git diff</a:t>
+            </a:r>
+            <a:endParaRPr kumimoji="1" lang="ja-JP" altLang="en-US" dirty="0"/>
+          </a:p>
+        </p:txBody>
+      </p:sp>
+      <p:sp>
+        <p:nvSpPr>
+          <p:cNvPr id="3" name="テキスト ボックス 2">
+            <a:extLst>
+              <a:ext uri="{FF2B5EF4-FFF2-40B4-BE49-F238E27FC236}">
+                <a16:creationId xmlns:a16="http://schemas.microsoft.com/office/drawing/2014/main" id="{79363CEA-45E9-41F0-BD58-7A61491D931C}"/>
+              </a:ext>
+            </a:extLst>
+          </p:cNvPr>
+          <p:cNvSpPr txBox="1"/>
+          <p:nvPr/>
+        </p:nvSpPr>
+        <p:spPr>
+          <a:xfrm>
+            <a:off x="63989" y="1268760"/>
+            <a:ext cx="9110186" cy="461665"/>
+          </a:xfrm>
+          <a:prstGeom prst="rect">
+            <a:avLst/>
+          </a:prstGeom>
+          <a:noFill/>
+        </p:spPr>
+        <p:txBody>
+          <a:bodyPr wrap="none" rtlCol="0">
+            <a:spAutoFit/>
+          </a:bodyPr>
+          <a:lstStyle/>
+          <a:p>
+            <a:r>
+              <a:rPr lang="ja-JP" altLang="en-US" sz="2400" dirty="0"/>
+              <a:t>ワーキングツリーやインデックス、コミット間の差分を表示する</a:t>
+            </a:r>
+            <a:endParaRPr kumimoji="1" lang="ja-JP" altLang="en-US" sz="2400" dirty="0"/>
+          </a:p>
+        </p:txBody>
+      </p:sp>
+      <p:sp>
+        <p:nvSpPr>
+          <p:cNvPr id="4" name="テキスト ボックス 3">
+            <a:extLst>
+              <a:ext uri="{FF2B5EF4-FFF2-40B4-BE49-F238E27FC236}">
+                <a16:creationId xmlns:a16="http://schemas.microsoft.com/office/drawing/2014/main" id="{E85A9B2C-F97A-428F-AC2F-75EDA6600975}"/>
+              </a:ext>
+            </a:extLst>
+          </p:cNvPr>
+          <p:cNvSpPr txBox="1"/>
+          <p:nvPr/>
+        </p:nvSpPr>
+        <p:spPr>
+          <a:xfrm>
+            <a:off x="251520" y="1988840"/>
+            <a:ext cx="2156360" cy="523220"/>
+          </a:xfrm>
+          <a:prstGeom prst="rect">
+            <a:avLst/>
+          </a:prstGeom>
+          <a:noFill/>
+          <a:ln>
+            <a:solidFill>
+              <a:schemeClr val="tx1"/>
+            </a:solidFill>
+          </a:ln>
+        </p:spPr>
+        <p:txBody>
+          <a:bodyPr wrap="none" rtlCol="0">
+            <a:spAutoFit/>
+          </a:bodyPr>
+          <a:lstStyle/>
+          <a:p>
+            <a:r>
+              <a:rPr lang="ja-JP" altLang="en-US" sz="2800" dirty="0">
+                <a:latin typeface="Consolas" panose="020B0609020204030204" pitchFamily="49" charset="0"/>
+              </a:rPr>
+              <a:t>$ git </a:t>
+            </a:r>
+            <a:r>
+              <a:rPr lang="en-US" altLang="ja-JP" sz="2800" dirty="0">
+                <a:latin typeface="Consolas" panose="020B0609020204030204" pitchFamily="49" charset="0"/>
+              </a:rPr>
+              <a:t>diff</a:t>
+            </a:r>
+            <a:endParaRPr lang="ja-JP" altLang="en-US" sz="2800" dirty="0">
+              <a:latin typeface="Consolas" panose="020B0609020204030204" pitchFamily="49" charset="0"/>
+            </a:endParaRPr>
+          </a:p>
+        </p:txBody>
+      </p:sp>
+      <p:sp>
+        <p:nvSpPr>
+          <p:cNvPr id="5" name="テキスト ボックス 4">
+            <a:extLst>
+              <a:ext uri="{FF2B5EF4-FFF2-40B4-BE49-F238E27FC236}">
+                <a16:creationId xmlns:a16="http://schemas.microsoft.com/office/drawing/2014/main" id="{AB862A5B-F3FC-4096-9A1D-A986C893BED9}"/>
+              </a:ext>
+            </a:extLst>
+          </p:cNvPr>
+          <p:cNvSpPr txBox="1"/>
+          <p:nvPr/>
+        </p:nvSpPr>
+        <p:spPr>
+          <a:xfrm>
+            <a:off x="1259632" y="2852936"/>
+            <a:ext cx="6955750" cy="461665"/>
+          </a:xfrm>
+          <a:prstGeom prst="rect">
+            <a:avLst/>
+          </a:prstGeom>
+          <a:noFill/>
+        </p:spPr>
+        <p:txBody>
+          <a:bodyPr wrap="none" rtlCol="0">
+            <a:spAutoFit/>
+          </a:bodyPr>
+          <a:lstStyle/>
+          <a:p>
+            <a:r>
+              <a:rPr kumimoji="1" lang="ja-JP" altLang="en-US" sz="2400" dirty="0"/>
+              <a:t>ワーキングツリーとインデックス間の差分を表示</a:t>
+            </a:r>
+          </a:p>
+        </p:txBody>
+      </p:sp>
+      <p:sp>
+        <p:nvSpPr>
+          <p:cNvPr id="6" name="テキスト ボックス 5">
+            <a:extLst>
+              <a:ext uri="{FF2B5EF4-FFF2-40B4-BE49-F238E27FC236}">
+                <a16:creationId xmlns:a16="http://schemas.microsoft.com/office/drawing/2014/main" id="{B7AAADE9-4E66-4E8F-97A2-E9ADE298A1CF}"/>
+              </a:ext>
+            </a:extLst>
+          </p:cNvPr>
+          <p:cNvSpPr txBox="1"/>
+          <p:nvPr/>
+        </p:nvSpPr>
+        <p:spPr>
+          <a:xfrm>
+            <a:off x="251520" y="3573016"/>
+            <a:ext cx="3930884" cy="523220"/>
+          </a:xfrm>
+          <a:prstGeom prst="rect">
+            <a:avLst/>
+          </a:prstGeom>
+          <a:noFill/>
+          <a:ln>
+            <a:solidFill>
+              <a:schemeClr val="tx1"/>
+            </a:solidFill>
+          </a:ln>
+        </p:spPr>
+        <p:txBody>
+          <a:bodyPr wrap="none" rtlCol="0">
+            <a:spAutoFit/>
+          </a:bodyPr>
+          <a:lstStyle/>
+          <a:p>
+            <a:r>
+              <a:rPr lang="ja-JP" altLang="en-US" sz="2800" dirty="0">
+                <a:latin typeface="Consolas" panose="020B0609020204030204" pitchFamily="49" charset="0"/>
+              </a:rPr>
+              <a:t>$ git </a:t>
+            </a:r>
+            <a:r>
+              <a:rPr lang="en-US" altLang="ja-JP" sz="2800" dirty="0">
+                <a:latin typeface="Consolas" panose="020B0609020204030204" pitchFamily="49" charset="0"/>
+              </a:rPr>
+              <a:t>diff</a:t>
+            </a:r>
+            <a:r>
+              <a:rPr lang="ja-JP" altLang="en-US" sz="2800" dirty="0">
+                <a:latin typeface="Consolas" panose="020B0609020204030204" pitchFamily="49" charset="0"/>
+              </a:rPr>
+              <a:t> </a:t>
+            </a:r>
+            <a:r>
+              <a:rPr lang="en-US" altLang="ja-JP" sz="2800" dirty="0">
+                <a:latin typeface="Consolas" panose="020B0609020204030204" pitchFamily="49" charset="0"/>
+              </a:rPr>
+              <a:t>--cached</a:t>
+            </a:r>
+            <a:endParaRPr lang="ja-JP" altLang="en-US" sz="2800" dirty="0">
+              <a:latin typeface="Consolas" panose="020B0609020204030204" pitchFamily="49" charset="0"/>
+            </a:endParaRPr>
+          </a:p>
+        </p:txBody>
+      </p:sp>
+      <p:sp>
+        <p:nvSpPr>
+          <p:cNvPr id="7" name="テキスト ボックス 6">
+            <a:extLst>
+              <a:ext uri="{FF2B5EF4-FFF2-40B4-BE49-F238E27FC236}">
+                <a16:creationId xmlns:a16="http://schemas.microsoft.com/office/drawing/2014/main" id="{4BCFC2DC-79B3-4C41-A4BD-EA434DCD3349}"/>
+              </a:ext>
+            </a:extLst>
+          </p:cNvPr>
+          <p:cNvSpPr txBox="1"/>
+          <p:nvPr/>
+        </p:nvSpPr>
+        <p:spPr>
+          <a:xfrm>
+            <a:off x="1187624" y="4365104"/>
+            <a:ext cx="6032421" cy="461665"/>
+          </a:xfrm>
+          <a:prstGeom prst="rect">
+            <a:avLst/>
+          </a:prstGeom>
+          <a:noFill/>
+        </p:spPr>
+        <p:txBody>
+          <a:bodyPr wrap="none" rtlCol="0">
+            <a:spAutoFit/>
+          </a:bodyPr>
+          <a:lstStyle/>
+          <a:p>
+            <a:r>
+              <a:rPr kumimoji="1" lang="ja-JP" altLang="en-US" sz="2400" dirty="0"/>
+              <a:t>インデックスとリポジトリ間の差分を表示</a:t>
+            </a:r>
+          </a:p>
+        </p:txBody>
+      </p:sp>
+      <p:sp>
+        <p:nvSpPr>
+          <p:cNvPr id="8" name="テキスト ボックス 7">
+            <a:extLst>
+              <a:ext uri="{FF2B5EF4-FFF2-40B4-BE49-F238E27FC236}">
+                <a16:creationId xmlns:a16="http://schemas.microsoft.com/office/drawing/2014/main" id="{466DDD7C-FE8C-4BF3-8DE2-14501D9B055F}"/>
+              </a:ext>
+            </a:extLst>
+          </p:cNvPr>
+          <p:cNvSpPr txBox="1"/>
+          <p:nvPr/>
+        </p:nvSpPr>
+        <p:spPr>
+          <a:xfrm>
+            <a:off x="251520" y="5085184"/>
+            <a:ext cx="4325223" cy="523220"/>
+          </a:xfrm>
+          <a:prstGeom prst="rect">
+            <a:avLst/>
+          </a:prstGeom>
+          <a:noFill/>
+          <a:ln>
+            <a:solidFill>
+              <a:schemeClr val="tx1"/>
+            </a:solidFill>
+          </a:ln>
+        </p:spPr>
+        <p:txBody>
+          <a:bodyPr wrap="none" rtlCol="0">
+            <a:spAutoFit/>
+          </a:bodyPr>
+          <a:lstStyle/>
+          <a:p>
+            <a:r>
+              <a:rPr lang="ja-JP" altLang="en-US" sz="2800" dirty="0">
+                <a:latin typeface="Consolas" panose="020B0609020204030204" pitchFamily="49" charset="0"/>
+              </a:rPr>
+              <a:t>$ git </a:t>
+            </a:r>
+            <a:r>
+              <a:rPr lang="en-US" altLang="ja-JP" sz="2800" dirty="0">
+                <a:latin typeface="Consolas" panose="020B0609020204030204" pitchFamily="49" charset="0"/>
+              </a:rPr>
+              <a:t>diff</a:t>
+            </a:r>
+            <a:r>
+              <a:rPr lang="ja-JP" altLang="en-US" sz="2800" dirty="0">
+                <a:latin typeface="Consolas" panose="020B0609020204030204" pitchFamily="49" charset="0"/>
+              </a:rPr>
+              <a:t> </a:t>
+            </a:r>
+            <a:r>
+              <a:rPr lang="en-US" altLang="ja-JP" sz="2800" dirty="0" err="1">
+                <a:latin typeface="Consolas" panose="020B0609020204030204" pitchFamily="49" charset="0"/>
+              </a:rPr>
+              <a:t>branchname</a:t>
+            </a:r>
+            <a:endParaRPr lang="ja-JP" altLang="en-US" sz="2800" dirty="0">
+              <a:latin typeface="Consolas" panose="020B0609020204030204" pitchFamily="49" charset="0"/>
+            </a:endParaRPr>
+          </a:p>
+        </p:txBody>
+      </p:sp>
+      <p:sp>
+        <p:nvSpPr>
+          <p:cNvPr id="9" name="テキスト ボックス 8">
+            <a:extLst>
+              <a:ext uri="{FF2B5EF4-FFF2-40B4-BE49-F238E27FC236}">
+                <a16:creationId xmlns:a16="http://schemas.microsoft.com/office/drawing/2014/main" id="{4FC24FF5-DA65-44E4-8C47-EFC5A8618101}"/>
+              </a:ext>
+            </a:extLst>
+          </p:cNvPr>
+          <p:cNvSpPr txBox="1"/>
+          <p:nvPr/>
+        </p:nvSpPr>
+        <p:spPr>
+          <a:xfrm>
+            <a:off x="1187624" y="5805264"/>
+            <a:ext cx="7571303" cy="461665"/>
+          </a:xfrm>
+          <a:prstGeom prst="rect">
+            <a:avLst/>
+          </a:prstGeom>
+          <a:noFill/>
+        </p:spPr>
+        <p:txBody>
+          <a:bodyPr wrap="none" rtlCol="0">
+            <a:spAutoFit/>
+          </a:bodyPr>
+          <a:lstStyle/>
+          <a:p>
+            <a:r>
+              <a:rPr lang="ja-JP" altLang="en-US" sz="2400" dirty="0"/>
+              <a:t>カレントブランチと指定したブランチ間の差分を表示</a:t>
+            </a:r>
+            <a:endParaRPr kumimoji="1" lang="ja-JP" altLang="en-US" sz="2400" dirty="0"/>
+          </a:p>
+        </p:txBody>
+      </p:sp>
+    </p:spTree>
+    <p:extLst>
+      <p:ext uri="{BB962C8B-B14F-4D97-AF65-F5344CB8AC3E}">
+        <p14:creationId xmlns:p14="http://schemas.microsoft.com/office/powerpoint/2010/main" val="109427024"/>
+      </p:ext>
+    </p:extLst>
+  </p:cSld>
+  <p:clrMapOvr>
+    <a:masterClrMapping/>
+  </p:clrMapOvr>
+</p:sld>
+</file>
+
+<file path=ppt/slides/slide28.xml><?xml version="1.0" encoding="utf-8"?>
+<p:sld xmlns:a="http://schemas.openxmlformats.org/drawingml/2006/main" xmlns:r="http://schemas.openxmlformats.org/officeDocument/2006/relationships" xmlns:p="http://schemas.openxmlformats.org/presentationml/2006/main">
+  <p:cSld>
+    <p:spTree>
+      <p:nvGrpSpPr>
+        <p:cNvPr id="1" name=""/>
+        <p:cNvGrpSpPr/>
+        <p:nvPr/>
+      </p:nvGrpSpPr>
+      <p:grpSpPr>
+        <a:xfrm>
+          <a:off x="0" y="0"/>
+          <a:ext cx="0" cy="0"/>
+          <a:chOff x="0" y="0"/>
+          <a:chExt cx="0" cy="0"/>
+        </a:xfrm>
+      </p:grpSpPr>
+      <p:sp>
+        <p:nvSpPr>
+          <p:cNvPr id="2" name="テキスト プレースホルダー 1">
+            <a:extLst>
+              <a:ext uri="{FF2B5EF4-FFF2-40B4-BE49-F238E27FC236}">
+                <a16:creationId xmlns:a16="http://schemas.microsoft.com/office/drawing/2014/main" id="{87D3D696-D5E1-438F-B2B7-3EDF848B714D}"/>
+              </a:ext>
+            </a:extLst>
+          </p:cNvPr>
+          <p:cNvSpPr>
+            <a:spLocks noGrp="1"/>
+          </p:cNvSpPr>
+          <p:nvPr>
+            <p:ph type="body" sz="quarter" idx="10"/>
+          </p:nvPr>
+        </p:nvSpPr>
+        <p:spPr/>
+        <p:txBody>
+          <a:bodyPr/>
+          <a:lstStyle/>
+          <a:p>
+            <a:r>
+              <a:rPr kumimoji="1" lang="en-US" altLang="ja-JP" dirty="0"/>
+              <a:t>git config</a:t>
+            </a:r>
+            <a:endParaRPr kumimoji="1" lang="ja-JP" altLang="en-US" dirty="0"/>
+          </a:p>
+        </p:txBody>
+      </p:sp>
+      <p:sp>
+        <p:nvSpPr>
+          <p:cNvPr id="3" name="テキスト ボックス 2">
+            <a:extLst>
+              <a:ext uri="{FF2B5EF4-FFF2-40B4-BE49-F238E27FC236}">
+                <a16:creationId xmlns:a16="http://schemas.microsoft.com/office/drawing/2014/main" id="{7FC8BBB7-A358-4660-AC8D-5100C8B0A8D3}"/>
+              </a:ext>
+            </a:extLst>
+          </p:cNvPr>
+          <p:cNvSpPr txBox="1"/>
+          <p:nvPr/>
+        </p:nvSpPr>
+        <p:spPr>
+          <a:xfrm>
+            <a:off x="2555776" y="1196752"/>
+            <a:ext cx="4402167" cy="584775"/>
+          </a:xfrm>
+          <a:prstGeom prst="rect">
+            <a:avLst/>
+          </a:prstGeom>
+          <a:noFill/>
+        </p:spPr>
+        <p:txBody>
+          <a:bodyPr wrap="none" rtlCol="0">
+            <a:spAutoFit/>
+          </a:bodyPr>
+          <a:lstStyle/>
+          <a:p>
+            <a:r>
+              <a:rPr lang="en-US" altLang="ja-JP" sz="3200" dirty="0"/>
+              <a:t>Git</a:t>
+            </a:r>
+            <a:r>
+              <a:rPr lang="ja-JP" altLang="en-US" sz="3200" dirty="0"/>
+              <a:t>の様々な設定を行う</a:t>
+            </a:r>
+            <a:endParaRPr kumimoji="1" lang="ja-JP" altLang="en-US" sz="3200" dirty="0"/>
+          </a:p>
+        </p:txBody>
+      </p:sp>
+      <p:sp>
+        <p:nvSpPr>
+          <p:cNvPr id="4" name="テキスト ボックス 3">
+            <a:extLst>
+              <a:ext uri="{FF2B5EF4-FFF2-40B4-BE49-F238E27FC236}">
+                <a16:creationId xmlns:a16="http://schemas.microsoft.com/office/drawing/2014/main" id="{F7145A7B-28EB-4B14-A996-078DD9058AEB}"/>
+              </a:ext>
+            </a:extLst>
+          </p:cNvPr>
+          <p:cNvSpPr txBox="1"/>
+          <p:nvPr/>
+        </p:nvSpPr>
+        <p:spPr>
+          <a:xfrm>
+            <a:off x="179512" y="1772816"/>
+            <a:ext cx="2339102" cy="461665"/>
+          </a:xfrm>
+          <a:prstGeom prst="rect">
+            <a:avLst/>
+          </a:prstGeom>
+          <a:noFill/>
+        </p:spPr>
+        <p:txBody>
+          <a:bodyPr wrap="none" rtlCol="0">
+            <a:spAutoFit/>
+          </a:bodyPr>
+          <a:lstStyle/>
+          <a:p>
+            <a:r>
+              <a:rPr kumimoji="1" lang="ja-JP" altLang="en-US" sz="2400" dirty="0">
+                <a:solidFill>
+                  <a:srgbClr val="011893"/>
+                </a:solidFill>
+              </a:rPr>
+              <a:t>エイリアス機能</a:t>
+            </a:r>
+          </a:p>
+        </p:txBody>
+      </p:sp>
+      <p:sp>
+        <p:nvSpPr>
+          <p:cNvPr id="5" name="テキスト ボックス 4">
+            <a:extLst>
+              <a:ext uri="{FF2B5EF4-FFF2-40B4-BE49-F238E27FC236}">
+                <a16:creationId xmlns:a16="http://schemas.microsoft.com/office/drawing/2014/main" id="{CE2E8590-EC12-47F0-B086-26940F05DE40}"/>
+              </a:ext>
+            </a:extLst>
+          </p:cNvPr>
+          <p:cNvSpPr txBox="1"/>
+          <p:nvPr/>
+        </p:nvSpPr>
+        <p:spPr>
+          <a:xfrm>
+            <a:off x="755576" y="2420888"/>
+            <a:ext cx="6724918" cy="400110"/>
+          </a:xfrm>
+          <a:prstGeom prst="rect">
+            <a:avLst/>
+          </a:prstGeom>
+          <a:noFill/>
+          <a:ln>
+            <a:solidFill>
+              <a:schemeClr val="tx1"/>
+            </a:solidFill>
+          </a:ln>
+        </p:spPr>
+        <p:txBody>
+          <a:bodyPr wrap="none" rtlCol="0">
+            <a:spAutoFit/>
+          </a:bodyPr>
+          <a:lstStyle/>
+          <a:p>
+            <a:r>
+              <a:rPr lang="ja-JP" altLang="en-US" sz="2000" dirty="0">
+                <a:latin typeface="Consolas" panose="020B0609020204030204" pitchFamily="49" charset="0"/>
+              </a:rPr>
+              <a:t>$ </a:t>
+            </a:r>
+            <a:r>
+              <a:rPr lang="en-US" altLang="ja-JP" sz="2000" dirty="0">
+                <a:latin typeface="Consolas" panose="020B0609020204030204" pitchFamily="49" charset="0"/>
+              </a:rPr>
+              <a:t>git config –global alias.</a:t>
+            </a:r>
+            <a:r>
+              <a:rPr lang="ja-JP" altLang="en-US" sz="2000" dirty="0">
+                <a:latin typeface="Consolas" panose="020B0609020204030204" pitchFamily="49" charset="0"/>
+              </a:rPr>
+              <a:t>別名 </a:t>
+            </a:r>
+            <a:r>
+              <a:rPr lang="en-US" altLang="ja-JP" sz="2000" dirty="0">
+                <a:latin typeface="Consolas" panose="020B0609020204030204" pitchFamily="49" charset="0"/>
+              </a:rPr>
+              <a:t>“</a:t>
+            </a:r>
+            <a:r>
+              <a:rPr lang="ja-JP" altLang="en-US" sz="2000" dirty="0">
+                <a:latin typeface="Consolas" panose="020B0609020204030204" pitchFamily="49" charset="0"/>
+              </a:rPr>
+              <a:t>実際のコマンド</a:t>
+            </a:r>
+            <a:r>
+              <a:rPr lang="en-US" altLang="ja-JP" sz="2000" dirty="0">
+                <a:latin typeface="Consolas" panose="020B0609020204030204" pitchFamily="49" charset="0"/>
+              </a:rPr>
+              <a:t>”</a:t>
+            </a:r>
+            <a:endParaRPr lang="ja-JP" altLang="en-US" sz="2000" dirty="0">
+              <a:latin typeface="Consolas" panose="020B0609020204030204" pitchFamily="49" charset="0"/>
+            </a:endParaRPr>
+          </a:p>
+        </p:txBody>
+      </p:sp>
+      <p:sp>
+        <p:nvSpPr>
+          <p:cNvPr id="7" name="テキスト ボックス 6">
+            <a:extLst>
+              <a:ext uri="{FF2B5EF4-FFF2-40B4-BE49-F238E27FC236}">
+                <a16:creationId xmlns:a16="http://schemas.microsoft.com/office/drawing/2014/main" id="{6E8B26FC-0DF3-4D1A-9153-2180C4C37320}"/>
+              </a:ext>
+            </a:extLst>
+          </p:cNvPr>
+          <p:cNvSpPr txBox="1"/>
+          <p:nvPr/>
+        </p:nvSpPr>
+        <p:spPr>
+          <a:xfrm>
+            <a:off x="1259632" y="2852936"/>
+            <a:ext cx="4185761" cy="461665"/>
+          </a:xfrm>
+          <a:prstGeom prst="rect">
+            <a:avLst/>
+          </a:prstGeom>
+          <a:noFill/>
+        </p:spPr>
+        <p:txBody>
+          <a:bodyPr wrap="none" rtlCol="0">
+            <a:spAutoFit/>
+          </a:bodyPr>
+          <a:lstStyle/>
+          <a:p>
+            <a:r>
+              <a:rPr kumimoji="1" lang="ja-JP" altLang="en-US" sz="2400" dirty="0"/>
+              <a:t>長いコマンドに別名を与える</a:t>
+            </a:r>
+          </a:p>
+        </p:txBody>
+      </p:sp>
+      <p:sp>
+        <p:nvSpPr>
+          <p:cNvPr id="8" name="テキスト ボックス 7">
+            <a:extLst>
+              <a:ext uri="{FF2B5EF4-FFF2-40B4-BE49-F238E27FC236}">
+                <a16:creationId xmlns:a16="http://schemas.microsoft.com/office/drawing/2014/main" id="{D3969C64-888C-465E-9142-D7E166ABA1B3}"/>
+              </a:ext>
+            </a:extLst>
+          </p:cNvPr>
+          <p:cNvSpPr txBox="1"/>
+          <p:nvPr/>
+        </p:nvSpPr>
+        <p:spPr>
+          <a:xfrm>
+            <a:off x="1043608" y="4221088"/>
+            <a:ext cx="5968301" cy="400110"/>
+          </a:xfrm>
+          <a:prstGeom prst="rect">
+            <a:avLst/>
+          </a:prstGeom>
+          <a:noFill/>
+          <a:ln>
+            <a:solidFill>
+              <a:schemeClr val="tx1"/>
+            </a:solidFill>
+          </a:ln>
+        </p:spPr>
+        <p:txBody>
+          <a:bodyPr wrap="none" rtlCol="0">
+            <a:spAutoFit/>
+          </a:bodyPr>
+          <a:lstStyle/>
+          <a:p>
+            <a:r>
+              <a:rPr lang="ja-JP" altLang="en-US" sz="2000" dirty="0">
+                <a:latin typeface="Consolas" panose="020B0609020204030204" pitchFamily="49" charset="0"/>
+              </a:rPr>
+              <a:t>$ </a:t>
+            </a:r>
+            <a:r>
+              <a:rPr lang="en-US" altLang="ja-JP" sz="2000" dirty="0">
+                <a:latin typeface="Consolas" panose="020B0609020204030204" pitchFamily="49" charset="0"/>
+              </a:rPr>
+              <a:t>git config –global alias.st “status –s”</a:t>
+            </a:r>
+            <a:endParaRPr lang="ja-JP" altLang="en-US" sz="2000" dirty="0">
+              <a:latin typeface="Consolas" panose="020B0609020204030204" pitchFamily="49" charset="0"/>
+            </a:endParaRPr>
+          </a:p>
+        </p:txBody>
+      </p:sp>
+      <p:sp>
+        <p:nvSpPr>
+          <p:cNvPr id="9" name="テキスト ボックス 8">
+            <a:extLst>
+              <a:ext uri="{FF2B5EF4-FFF2-40B4-BE49-F238E27FC236}">
+                <a16:creationId xmlns:a16="http://schemas.microsoft.com/office/drawing/2014/main" id="{0E887716-3F8D-4C26-9137-AD0274D8B25A}"/>
+              </a:ext>
+            </a:extLst>
+          </p:cNvPr>
+          <p:cNvSpPr txBox="1"/>
+          <p:nvPr/>
+        </p:nvSpPr>
+        <p:spPr>
+          <a:xfrm>
+            <a:off x="1043608" y="4859868"/>
+            <a:ext cx="2492990" cy="369332"/>
+          </a:xfrm>
+          <a:prstGeom prst="rect">
+            <a:avLst/>
+          </a:prstGeom>
+          <a:noFill/>
+        </p:spPr>
+        <p:txBody>
+          <a:bodyPr wrap="none" rtlCol="0">
+            <a:spAutoFit/>
+          </a:bodyPr>
+          <a:lstStyle/>
+          <a:p>
+            <a:r>
+              <a:rPr lang="ja-JP" altLang="en-US" dirty="0"/>
+              <a:t>と設定すると、以後、</a:t>
+            </a:r>
+            <a:endParaRPr kumimoji="1" lang="ja-JP" altLang="en-US" dirty="0"/>
+          </a:p>
+        </p:txBody>
+      </p:sp>
+      <p:sp>
+        <p:nvSpPr>
+          <p:cNvPr id="10" name="テキスト ボックス 9">
+            <a:extLst>
+              <a:ext uri="{FF2B5EF4-FFF2-40B4-BE49-F238E27FC236}">
+                <a16:creationId xmlns:a16="http://schemas.microsoft.com/office/drawing/2014/main" id="{BE005A62-59BE-4809-A2D0-294947F02F3D}"/>
+              </a:ext>
+            </a:extLst>
+          </p:cNvPr>
+          <p:cNvSpPr txBox="1"/>
+          <p:nvPr/>
+        </p:nvSpPr>
+        <p:spPr>
+          <a:xfrm>
+            <a:off x="1115616" y="5405154"/>
+            <a:ext cx="1313180" cy="400110"/>
+          </a:xfrm>
+          <a:prstGeom prst="rect">
+            <a:avLst/>
+          </a:prstGeom>
+          <a:noFill/>
+          <a:ln>
+            <a:solidFill>
+              <a:schemeClr val="tx1"/>
+            </a:solidFill>
+          </a:ln>
+        </p:spPr>
+        <p:txBody>
+          <a:bodyPr wrap="none" rtlCol="0">
+            <a:spAutoFit/>
+          </a:bodyPr>
+          <a:lstStyle/>
+          <a:p>
+            <a:r>
+              <a:rPr lang="ja-JP" altLang="en-US" sz="2000" dirty="0">
+                <a:latin typeface="Consolas" panose="020B0609020204030204" pitchFamily="49" charset="0"/>
+              </a:rPr>
+              <a:t>$ </a:t>
+            </a:r>
+            <a:r>
+              <a:rPr lang="en-US" altLang="ja-JP" sz="2000" dirty="0">
+                <a:latin typeface="Consolas" panose="020B0609020204030204" pitchFamily="49" charset="0"/>
+              </a:rPr>
+              <a:t>git </a:t>
+            </a:r>
+            <a:r>
+              <a:rPr lang="en-US" altLang="ja-JP" sz="2000" dirty="0" err="1">
+                <a:latin typeface="Consolas" panose="020B0609020204030204" pitchFamily="49" charset="0"/>
+              </a:rPr>
+              <a:t>st</a:t>
+            </a:r>
+            <a:endParaRPr lang="ja-JP" altLang="en-US" sz="2000" dirty="0">
+              <a:latin typeface="Consolas" panose="020B0609020204030204" pitchFamily="49" charset="0"/>
+            </a:endParaRPr>
+          </a:p>
+        </p:txBody>
+      </p:sp>
+      <p:sp>
+        <p:nvSpPr>
+          <p:cNvPr id="11" name="テキスト ボックス 10">
+            <a:extLst>
+              <a:ext uri="{FF2B5EF4-FFF2-40B4-BE49-F238E27FC236}">
+                <a16:creationId xmlns:a16="http://schemas.microsoft.com/office/drawing/2014/main" id="{4FEEBC81-F0D8-4990-9D51-E37F82C252D6}"/>
+              </a:ext>
+            </a:extLst>
+          </p:cNvPr>
+          <p:cNvSpPr txBox="1"/>
+          <p:nvPr/>
+        </p:nvSpPr>
+        <p:spPr>
+          <a:xfrm>
+            <a:off x="2555776" y="5405154"/>
+            <a:ext cx="415498" cy="369332"/>
+          </a:xfrm>
+          <a:prstGeom prst="rect">
+            <a:avLst/>
+          </a:prstGeom>
+          <a:noFill/>
+        </p:spPr>
+        <p:txBody>
+          <a:bodyPr wrap="none" rtlCol="0">
+            <a:spAutoFit/>
+          </a:bodyPr>
+          <a:lstStyle/>
+          <a:p>
+            <a:r>
+              <a:rPr kumimoji="1" lang="ja-JP" altLang="en-US" dirty="0"/>
+              <a:t>が</a:t>
+            </a:r>
+          </a:p>
+        </p:txBody>
+      </p:sp>
+      <p:sp>
+        <p:nvSpPr>
+          <p:cNvPr id="12" name="テキスト ボックス 11">
+            <a:extLst>
+              <a:ext uri="{FF2B5EF4-FFF2-40B4-BE49-F238E27FC236}">
+                <a16:creationId xmlns:a16="http://schemas.microsoft.com/office/drawing/2014/main" id="{A6522293-0A83-4C9B-9A26-2782502F2D77}"/>
+              </a:ext>
+            </a:extLst>
+          </p:cNvPr>
+          <p:cNvSpPr txBox="1"/>
+          <p:nvPr/>
+        </p:nvSpPr>
+        <p:spPr>
+          <a:xfrm>
+            <a:off x="179512" y="3573016"/>
+            <a:ext cx="2339102" cy="461665"/>
+          </a:xfrm>
+          <a:prstGeom prst="rect">
+            <a:avLst/>
+          </a:prstGeom>
+          <a:noFill/>
+        </p:spPr>
+        <p:txBody>
+          <a:bodyPr wrap="none" rtlCol="0">
+            <a:spAutoFit/>
+          </a:bodyPr>
+          <a:lstStyle/>
+          <a:p>
+            <a:r>
+              <a:rPr kumimoji="1" lang="ja-JP" altLang="en-US" sz="2400" dirty="0"/>
+              <a:t>エイリアスの例</a:t>
+            </a:r>
+          </a:p>
+        </p:txBody>
+      </p:sp>
+      <p:sp>
+        <p:nvSpPr>
+          <p:cNvPr id="13" name="テキスト ボックス 12">
+            <a:extLst>
+              <a:ext uri="{FF2B5EF4-FFF2-40B4-BE49-F238E27FC236}">
+                <a16:creationId xmlns:a16="http://schemas.microsoft.com/office/drawing/2014/main" id="{3ACFD346-CE29-47DD-BC63-F8BAD5046C13}"/>
+              </a:ext>
+            </a:extLst>
+          </p:cNvPr>
+          <p:cNvSpPr txBox="1"/>
+          <p:nvPr/>
+        </p:nvSpPr>
+        <p:spPr>
+          <a:xfrm>
+            <a:off x="3131840" y="5405154"/>
+            <a:ext cx="2300630" cy="400110"/>
+          </a:xfrm>
+          <a:prstGeom prst="rect">
+            <a:avLst/>
+          </a:prstGeom>
+          <a:noFill/>
+          <a:ln>
+            <a:solidFill>
+              <a:schemeClr val="tx1"/>
+            </a:solidFill>
+          </a:ln>
+        </p:spPr>
+        <p:txBody>
+          <a:bodyPr wrap="none" rtlCol="0">
+            <a:spAutoFit/>
+          </a:bodyPr>
+          <a:lstStyle/>
+          <a:p>
+            <a:r>
+              <a:rPr lang="ja-JP" altLang="en-US" sz="2000" dirty="0">
+                <a:latin typeface="Consolas" panose="020B0609020204030204" pitchFamily="49" charset="0"/>
+              </a:rPr>
+              <a:t>$ </a:t>
+            </a:r>
+            <a:r>
+              <a:rPr lang="en-US" altLang="ja-JP" sz="2000" dirty="0">
+                <a:latin typeface="Consolas" panose="020B0609020204030204" pitchFamily="49" charset="0"/>
+              </a:rPr>
+              <a:t>git status -s</a:t>
+            </a:r>
+            <a:endParaRPr lang="ja-JP" altLang="en-US" sz="2000" dirty="0">
+              <a:latin typeface="Consolas" panose="020B0609020204030204" pitchFamily="49" charset="0"/>
+            </a:endParaRPr>
+          </a:p>
+        </p:txBody>
+      </p:sp>
+      <p:sp>
+        <p:nvSpPr>
+          <p:cNvPr id="14" name="テキスト ボックス 13">
+            <a:extLst>
+              <a:ext uri="{FF2B5EF4-FFF2-40B4-BE49-F238E27FC236}">
+                <a16:creationId xmlns:a16="http://schemas.microsoft.com/office/drawing/2014/main" id="{7C65C63F-D6F8-40DA-934B-E43D10141A87}"/>
+              </a:ext>
+            </a:extLst>
+          </p:cNvPr>
+          <p:cNvSpPr txBox="1"/>
+          <p:nvPr/>
+        </p:nvSpPr>
+        <p:spPr>
+          <a:xfrm>
+            <a:off x="5508104" y="5405154"/>
+            <a:ext cx="1569660" cy="369332"/>
+          </a:xfrm>
+          <a:prstGeom prst="rect">
+            <a:avLst/>
+          </a:prstGeom>
+          <a:noFill/>
+        </p:spPr>
+        <p:txBody>
+          <a:bodyPr wrap="none" rtlCol="0">
+            <a:spAutoFit/>
+          </a:bodyPr>
+          <a:lstStyle/>
+          <a:p>
+            <a:r>
+              <a:rPr lang="ja-JP" altLang="en-US" dirty="0"/>
+              <a:t>と等価になる</a:t>
+            </a:r>
+            <a:endParaRPr kumimoji="1" lang="ja-JP" altLang="en-US" dirty="0"/>
+          </a:p>
+        </p:txBody>
+      </p:sp>
+    </p:spTree>
+    <p:extLst>
+      <p:ext uri="{BB962C8B-B14F-4D97-AF65-F5344CB8AC3E}">
+        <p14:creationId xmlns:p14="http://schemas.microsoft.com/office/powerpoint/2010/main" val="359109676"/>
+      </p:ext>
+    </p:extLst>
+  </p:cSld>
+  <p:clrMapOvr>
+    <a:masterClrMapping/>
+  </p:clrMapOvr>
+</p:sld>
+</file>
+
+<file path=ppt/slides/slide29.xml><?xml version="1.0" encoding="utf-8"?>
+<p:sld xmlns:a="http://schemas.openxmlformats.org/drawingml/2006/main" xmlns:r="http://schemas.openxmlformats.org/officeDocument/2006/relationships" xmlns:p="http://schemas.openxmlformats.org/presentationml/2006/main">
+  <p:cSld>
+    <p:spTree>
+      <p:nvGrpSpPr>
+        <p:cNvPr id="1" name=""/>
+        <p:cNvGrpSpPr/>
+        <p:nvPr/>
+      </p:nvGrpSpPr>
+      <p:grpSpPr>
+        <a:xfrm>
+          <a:off x="0" y="0"/>
+          <a:ext cx="0" cy="0"/>
+          <a:chOff x="0" y="0"/>
+          <a:chExt cx="0" cy="0"/>
+        </a:xfrm>
+      </p:grpSpPr>
+      <p:sp>
+        <p:nvSpPr>
+          <p:cNvPr id="2" name="テキスト プレースホルダー 1">
+            <a:extLst>
+              <a:ext uri="{FF2B5EF4-FFF2-40B4-BE49-F238E27FC236}">
+                <a16:creationId xmlns:a16="http://schemas.microsoft.com/office/drawing/2014/main" id="{42FC4564-712B-4F15-919B-8F666FD0A3D4}"/>
+              </a:ext>
+            </a:extLst>
+          </p:cNvPr>
+          <p:cNvSpPr>
+            <a:spLocks noGrp="1"/>
+          </p:cNvSpPr>
+          <p:nvPr>
+            <p:ph type="body" sz="quarter" idx="10"/>
+          </p:nvPr>
+        </p:nvSpPr>
+        <p:spPr/>
+        <p:txBody>
+          <a:bodyPr/>
+          <a:lstStyle/>
+          <a:p>
+            <a:r>
+              <a:rPr kumimoji="1" lang="en-US" altLang="ja-JP" dirty="0"/>
+              <a:t>.</a:t>
+            </a:r>
+            <a:r>
+              <a:rPr kumimoji="1" lang="en-US" altLang="ja-JP" dirty="0" err="1"/>
+              <a:t>gitignore</a:t>
+            </a:r>
+            <a:endParaRPr kumimoji="1" lang="ja-JP" altLang="en-US" dirty="0"/>
+          </a:p>
+        </p:txBody>
+      </p:sp>
+      <p:sp>
+        <p:nvSpPr>
+          <p:cNvPr id="3" name="テキスト ボックス 2">
+            <a:extLst>
+              <a:ext uri="{FF2B5EF4-FFF2-40B4-BE49-F238E27FC236}">
+                <a16:creationId xmlns:a16="http://schemas.microsoft.com/office/drawing/2014/main" id="{CEBD6485-A410-4E9C-A988-10E670C1391B}"/>
+              </a:ext>
+            </a:extLst>
+          </p:cNvPr>
+          <p:cNvSpPr txBox="1"/>
+          <p:nvPr/>
+        </p:nvSpPr>
+        <p:spPr>
+          <a:xfrm>
+            <a:off x="1403648" y="1196752"/>
+            <a:ext cx="5670142" cy="523220"/>
+          </a:xfrm>
+          <a:prstGeom prst="rect">
+            <a:avLst/>
+          </a:prstGeom>
+          <a:noFill/>
+        </p:spPr>
+        <p:txBody>
+          <a:bodyPr wrap="none" rtlCol="0">
+            <a:spAutoFit/>
+          </a:bodyPr>
+          <a:lstStyle/>
+          <a:p>
+            <a:r>
+              <a:rPr kumimoji="1" lang="en-US" altLang="ja-JP" sz="2800" dirty="0"/>
+              <a:t>Git</a:t>
+            </a:r>
+            <a:r>
+              <a:rPr lang="ja-JP" altLang="en-US" sz="2800" dirty="0"/>
+              <a:t>で無視するファイルを指定する</a:t>
+            </a:r>
+            <a:endParaRPr kumimoji="1" lang="ja-JP" altLang="en-US" sz="2800" dirty="0"/>
+          </a:p>
+        </p:txBody>
+      </p:sp>
+      <p:sp>
+        <p:nvSpPr>
+          <p:cNvPr id="4" name="テキスト ボックス 3">
+            <a:extLst>
+              <a:ext uri="{FF2B5EF4-FFF2-40B4-BE49-F238E27FC236}">
+                <a16:creationId xmlns:a16="http://schemas.microsoft.com/office/drawing/2014/main" id="{17269898-BB56-4790-A9C1-12E9A7E7A813}"/>
+              </a:ext>
+            </a:extLst>
+          </p:cNvPr>
+          <p:cNvSpPr txBox="1"/>
+          <p:nvPr/>
+        </p:nvSpPr>
+        <p:spPr>
+          <a:xfrm>
+            <a:off x="323528" y="1988840"/>
+            <a:ext cx="8048998" cy="461665"/>
+          </a:xfrm>
+          <a:prstGeom prst="rect">
+            <a:avLst/>
+          </a:prstGeom>
+          <a:noFill/>
+        </p:spPr>
+        <p:txBody>
+          <a:bodyPr wrap="none" rtlCol="0">
+            <a:spAutoFit/>
+          </a:bodyPr>
+          <a:lstStyle/>
+          <a:p>
+            <a:r>
+              <a:rPr kumimoji="1" lang="en-US" altLang="ja-JP" sz="2400" dirty="0"/>
+              <a:t>test.dat</a:t>
+            </a:r>
+            <a:r>
+              <a:rPr kumimoji="1" lang="ja-JP" altLang="en-US" sz="2400" dirty="0"/>
+              <a:t>という</a:t>
+            </a:r>
+            <a:r>
+              <a:rPr kumimoji="1" lang="en-US" altLang="ja-JP" sz="2400" dirty="0"/>
+              <a:t>Git</a:t>
+            </a:r>
+            <a:r>
+              <a:rPr kumimoji="1" lang="ja-JP" altLang="en-US" sz="2400" dirty="0"/>
+              <a:t>が管理していないファイルが存在する</a:t>
+            </a:r>
+            <a:r>
+              <a:rPr lang="ja-JP" altLang="en-US" sz="2400" dirty="0"/>
+              <a:t>時</a:t>
+            </a:r>
+            <a:endParaRPr kumimoji="1" lang="ja-JP" altLang="en-US" sz="2400" dirty="0"/>
+          </a:p>
+        </p:txBody>
+      </p:sp>
+      <p:sp>
+        <p:nvSpPr>
+          <p:cNvPr id="6" name="テキスト ボックス 5">
+            <a:extLst>
+              <a:ext uri="{FF2B5EF4-FFF2-40B4-BE49-F238E27FC236}">
+                <a16:creationId xmlns:a16="http://schemas.microsoft.com/office/drawing/2014/main" id="{6438945A-B6A4-4EB1-B4D9-7B6A8AABA514}"/>
+              </a:ext>
+            </a:extLst>
+          </p:cNvPr>
+          <p:cNvSpPr txBox="1"/>
+          <p:nvPr/>
+        </p:nvSpPr>
+        <p:spPr>
+          <a:xfrm>
+            <a:off x="755576" y="2708920"/>
+            <a:ext cx="3024336" cy="830997"/>
+          </a:xfrm>
+          <a:prstGeom prst="rect">
+            <a:avLst/>
+          </a:prstGeom>
+          <a:noFill/>
+          <a:ln>
+            <a:solidFill>
+              <a:schemeClr val="tx1"/>
+            </a:solidFill>
+          </a:ln>
+        </p:spPr>
+        <p:txBody>
+          <a:bodyPr wrap="square">
+            <a:spAutoFit/>
+          </a:bodyPr>
+          <a:lstStyle/>
+          <a:p>
+            <a:r>
+              <a:rPr lang="ja-JP" altLang="en-US" sz="2400" dirty="0">
+                <a:latin typeface="Consolas" panose="020B0609020204030204" pitchFamily="49" charset="0"/>
+              </a:rPr>
+              <a:t>$ git status -s</a:t>
+            </a:r>
+          </a:p>
+          <a:p>
+            <a:r>
+              <a:rPr lang="ja-JP" altLang="en-US" sz="2400" dirty="0">
+                <a:latin typeface="Consolas" panose="020B0609020204030204" pitchFamily="49" charset="0"/>
+              </a:rPr>
+              <a:t>?? test.dat</a:t>
+            </a:r>
+          </a:p>
+        </p:txBody>
+      </p:sp>
+      <p:sp>
+        <p:nvSpPr>
+          <p:cNvPr id="7" name="テキスト ボックス 6">
+            <a:extLst>
+              <a:ext uri="{FF2B5EF4-FFF2-40B4-BE49-F238E27FC236}">
+                <a16:creationId xmlns:a16="http://schemas.microsoft.com/office/drawing/2014/main" id="{F43886CC-CAAD-410D-91E9-FDF7D6B54AE7}"/>
+              </a:ext>
+            </a:extLst>
+          </p:cNvPr>
+          <p:cNvSpPr txBox="1"/>
+          <p:nvPr/>
+        </p:nvSpPr>
+        <p:spPr>
+          <a:xfrm>
+            <a:off x="395536" y="3861048"/>
+            <a:ext cx="7109639" cy="369332"/>
+          </a:xfrm>
+          <a:prstGeom prst="rect">
+            <a:avLst/>
+          </a:prstGeom>
+          <a:noFill/>
+        </p:spPr>
+        <p:txBody>
+          <a:bodyPr wrap="none" rtlCol="0">
+            <a:spAutoFit/>
+          </a:bodyPr>
+          <a:lstStyle/>
+          <a:p>
+            <a:r>
+              <a:rPr lang="ja-JP" altLang="en-US" dirty="0"/>
+              <a:t>と表示される。特に大量のデータファイルがあるときなどに不便</a:t>
+            </a:r>
+            <a:endParaRPr kumimoji="1" lang="ja-JP" altLang="en-US" dirty="0"/>
+          </a:p>
+        </p:txBody>
+      </p:sp>
+      <p:sp>
+        <p:nvSpPr>
+          <p:cNvPr id="8" name="矢印: 下 7">
+            <a:extLst>
+              <a:ext uri="{FF2B5EF4-FFF2-40B4-BE49-F238E27FC236}">
+                <a16:creationId xmlns:a16="http://schemas.microsoft.com/office/drawing/2014/main" id="{4BF36B32-D6BC-4BEE-AB2D-C398B4F232F1}"/>
+              </a:ext>
+            </a:extLst>
+          </p:cNvPr>
+          <p:cNvSpPr/>
+          <p:nvPr/>
+        </p:nvSpPr>
+        <p:spPr>
+          <a:xfrm>
+            <a:off x="1547664" y="4365104"/>
+            <a:ext cx="504056" cy="474352"/>
+          </a:xfrm>
+          <a:prstGeom prst="downArrow">
+            <a:avLst/>
+          </a:prstGeom>
+          <a:solidFill>
+            <a:srgbClr val="FF0000"/>
+          </a:solidFill>
+          <a:ln>
+            <a:solidFill>
+              <a:schemeClr val="tx1"/>
+            </a:solidFill>
+          </a:ln>
+        </p:spPr>
+        <p:style>
+          <a:lnRef idx="2">
+            <a:schemeClr val="accent1">
+              <a:shade val="50000"/>
+            </a:schemeClr>
+          </a:lnRef>
+          <a:fillRef idx="1">
+            <a:schemeClr val="accent1"/>
+          </a:fillRef>
+          <a:effectRef idx="0">
+            <a:schemeClr val="accent1"/>
+          </a:effectRef>
+          <a:fontRef idx="minor">
+            <a:schemeClr val="lt1"/>
+          </a:fontRef>
+        </p:style>
+        <p:txBody>
+          <a:bodyPr rtlCol="0" anchor="ctr"/>
+          <a:lstStyle/>
+          <a:p>
+            <a:pPr algn="ctr"/>
+            <a:endParaRPr kumimoji="1" lang="ja-JP" altLang="en-US"/>
+          </a:p>
+        </p:txBody>
+      </p:sp>
+      <p:sp>
+        <p:nvSpPr>
+          <p:cNvPr id="9" name="テキスト ボックス 8">
+            <a:extLst>
+              <a:ext uri="{FF2B5EF4-FFF2-40B4-BE49-F238E27FC236}">
+                <a16:creationId xmlns:a16="http://schemas.microsoft.com/office/drawing/2014/main" id="{6644300A-419A-4A03-A898-3D94C8F0E2E3}"/>
+              </a:ext>
+            </a:extLst>
+          </p:cNvPr>
+          <p:cNvSpPr txBox="1"/>
+          <p:nvPr/>
+        </p:nvSpPr>
+        <p:spPr>
+          <a:xfrm>
+            <a:off x="899592" y="5373216"/>
+            <a:ext cx="2232248" cy="461665"/>
+          </a:xfrm>
+          <a:prstGeom prst="rect">
+            <a:avLst/>
+          </a:prstGeom>
+          <a:noFill/>
+          <a:ln>
+            <a:solidFill>
+              <a:schemeClr val="tx1"/>
+            </a:solidFill>
+          </a:ln>
+        </p:spPr>
+        <p:txBody>
+          <a:bodyPr wrap="square">
+            <a:spAutoFit/>
+          </a:bodyPr>
+          <a:lstStyle/>
+          <a:p>
+            <a:r>
+              <a:rPr lang="en-US" altLang="ja-JP" sz="2400" dirty="0">
+                <a:latin typeface="Consolas" panose="020B0609020204030204" pitchFamily="49" charset="0"/>
+              </a:rPr>
+              <a:t>*.</a:t>
+            </a:r>
+            <a:r>
+              <a:rPr lang="en-US" altLang="ja-JP" sz="2400" dirty="0" err="1">
+                <a:latin typeface="Consolas" panose="020B0609020204030204" pitchFamily="49" charset="0"/>
+              </a:rPr>
+              <a:t>dat</a:t>
+            </a:r>
+            <a:endParaRPr lang="ja-JP" altLang="en-US" sz="2400" dirty="0">
+              <a:latin typeface="Consolas" panose="020B0609020204030204" pitchFamily="49" charset="0"/>
+            </a:endParaRPr>
+          </a:p>
+        </p:txBody>
+      </p:sp>
+      <p:sp>
+        <p:nvSpPr>
+          <p:cNvPr id="11" name="テキスト ボックス 10">
+            <a:extLst>
+              <a:ext uri="{FF2B5EF4-FFF2-40B4-BE49-F238E27FC236}">
+                <a16:creationId xmlns:a16="http://schemas.microsoft.com/office/drawing/2014/main" id="{F9C5E065-349A-4243-9321-A7C8CB5349F2}"/>
+              </a:ext>
+            </a:extLst>
+          </p:cNvPr>
+          <p:cNvSpPr txBox="1"/>
+          <p:nvPr/>
+        </p:nvSpPr>
+        <p:spPr>
+          <a:xfrm>
+            <a:off x="395536" y="4869160"/>
+            <a:ext cx="8379217" cy="369332"/>
+          </a:xfrm>
+          <a:prstGeom prst="rect">
+            <a:avLst/>
+          </a:prstGeom>
+          <a:noFill/>
+        </p:spPr>
+        <p:txBody>
+          <a:bodyPr wrap="none" rtlCol="0">
+            <a:spAutoFit/>
+          </a:bodyPr>
+          <a:lstStyle/>
+          <a:p>
+            <a:r>
+              <a:rPr kumimoji="1" lang="en-US" altLang="ja-JP" dirty="0"/>
+              <a:t>.</a:t>
+            </a:r>
+            <a:r>
+              <a:rPr kumimoji="1" lang="en-US" altLang="ja-JP" dirty="0" err="1"/>
+              <a:t>gitignore</a:t>
+            </a:r>
+            <a:r>
+              <a:rPr kumimoji="1" lang="ja-JP" altLang="en-US" dirty="0"/>
+              <a:t>ファイルに以下を記述すると、拡張子</a:t>
+            </a:r>
+            <a:r>
+              <a:rPr kumimoji="1" lang="en-US" altLang="ja-JP" dirty="0" err="1"/>
+              <a:t>dat</a:t>
+            </a:r>
+            <a:r>
+              <a:rPr kumimoji="1" lang="ja-JP" altLang="en-US" dirty="0"/>
+              <a:t>のファイルをすべて無視する</a:t>
+            </a:r>
+          </a:p>
+        </p:txBody>
+      </p:sp>
+      <p:sp>
+        <p:nvSpPr>
+          <p:cNvPr id="12" name="テキスト ボックス 11">
+            <a:extLst>
+              <a:ext uri="{FF2B5EF4-FFF2-40B4-BE49-F238E27FC236}">
+                <a16:creationId xmlns:a16="http://schemas.microsoft.com/office/drawing/2014/main" id="{227BF351-5C38-42FC-8327-B078F8884BC2}"/>
+              </a:ext>
+            </a:extLst>
+          </p:cNvPr>
+          <p:cNvSpPr txBox="1"/>
+          <p:nvPr/>
+        </p:nvSpPr>
+        <p:spPr>
+          <a:xfrm>
+            <a:off x="467544" y="6021288"/>
+            <a:ext cx="6442789" cy="369332"/>
+          </a:xfrm>
+          <a:prstGeom prst="rect">
+            <a:avLst/>
+          </a:prstGeom>
+          <a:noFill/>
+        </p:spPr>
+        <p:txBody>
+          <a:bodyPr wrap="none" rtlCol="0">
+            <a:spAutoFit/>
+          </a:bodyPr>
+          <a:lstStyle/>
+          <a:p>
+            <a:r>
+              <a:rPr kumimoji="1" lang="en-US" altLang="ja-JP" dirty="0"/>
+              <a:t>.</a:t>
+            </a:r>
+            <a:r>
+              <a:rPr kumimoji="1" lang="en-US" altLang="ja-JP" dirty="0" err="1"/>
+              <a:t>gitignore</a:t>
+            </a:r>
+            <a:r>
+              <a:rPr kumimoji="1" lang="ja-JP" altLang="en-US" dirty="0"/>
+              <a:t>ファイルをプロジェクトに追加するのを忘れない事</a:t>
+            </a:r>
+          </a:p>
+        </p:txBody>
+      </p:sp>
+    </p:spTree>
+    <p:extLst>
+      <p:ext uri="{BB962C8B-B14F-4D97-AF65-F5344CB8AC3E}">
+        <p14:creationId xmlns:p14="http://schemas.microsoft.com/office/powerpoint/2010/main" val="4289956821"/>
       </p:ext>
     </p:extLst>
   </p:cSld>
@@ -3800,6 +12464,325 @@
     <p:extLst>
       <p:ext uri="{BB962C8B-B14F-4D97-AF65-F5344CB8AC3E}">
         <p14:creationId xmlns:p14="http://schemas.microsoft.com/office/powerpoint/2010/main" val="3977226099"/>
+      </p:ext>
+    </p:extLst>
+  </p:cSld>
+  <p:clrMapOvr>
+    <a:masterClrMapping/>
+  </p:clrMapOvr>
+</p:sld>
+</file>
+
+<file path=ppt/slides/slide30.xml><?xml version="1.0" encoding="utf-8"?>
+<p:sld xmlns:a="http://schemas.openxmlformats.org/drawingml/2006/main" xmlns:r="http://schemas.openxmlformats.org/officeDocument/2006/relationships" xmlns:p="http://schemas.openxmlformats.org/presentationml/2006/main">
+  <p:cSld>
+    <p:spTree>
+      <p:nvGrpSpPr>
+        <p:cNvPr id="1" name=""/>
+        <p:cNvGrpSpPr/>
+        <p:nvPr/>
+      </p:nvGrpSpPr>
+      <p:grpSpPr>
+        <a:xfrm>
+          <a:off x="0" y="0"/>
+          <a:ext cx="0" cy="0"/>
+          <a:chOff x="0" y="0"/>
+          <a:chExt cx="0" cy="0"/>
+        </a:xfrm>
+      </p:grpSpPr>
+      <p:sp>
+        <p:nvSpPr>
+          <p:cNvPr id="2" name="テキスト プレースホルダー 1">
+            <a:extLst>
+              <a:ext uri="{FF2B5EF4-FFF2-40B4-BE49-F238E27FC236}">
+                <a16:creationId xmlns:a16="http://schemas.microsoft.com/office/drawing/2014/main" id="{72AD9176-D88E-40DA-A778-0ADFE665F466}"/>
+              </a:ext>
+            </a:extLst>
+          </p:cNvPr>
+          <p:cNvSpPr>
+            <a:spLocks noGrp="1"/>
+          </p:cNvSpPr>
+          <p:nvPr>
+            <p:ph type="body" sz="quarter" idx="10"/>
+          </p:nvPr>
+        </p:nvSpPr>
+        <p:spPr/>
+        <p:txBody>
+          <a:bodyPr/>
+          <a:lstStyle/>
+          <a:p>
+            <a:r>
+              <a:rPr lang="ja-JP" altLang="en-US" dirty="0"/>
+              <a:t>まとめ</a:t>
+            </a:r>
+            <a:endParaRPr kumimoji="1" lang="ja-JP" altLang="en-US" dirty="0"/>
+          </a:p>
+        </p:txBody>
+      </p:sp>
+      <p:sp>
+        <p:nvSpPr>
+          <p:cNvPr id="3" name="テキスト ボックス 2">
+            <a:extLst>
+              <a:ext uri="{FF2B5EF4-FFF2-40B4-BE49-F238E27FC236}">
+                <a16:creationId xmlns:a16="http://schemas.microsoft.com/office/drawing/2014/main" id="{CE58E4E4-2AA3-4308-A2E3-8F0EA2B62A7E}"/>
+              </a:ext>
+            </a:extLst>
+          </p:cNvPr>
+          <p:cNvSpPr txBox="1"/>
+          <p:nvPr/>
+        </p:nvSpPr>
+        <p:spPr>
+          <a:xfrm>
+            <a:off x="467544" y="1988840"/>
+            <a:ext cx="8136904" cy="2246769"/>
+          </a:xfrm>
+          <a:prstGeom prst="rect">
+            <a:avLst/>
+          </a:prstGeom>
+          <a:noFill/>
+        </p:spPr>
+        <p:txBody>
+          <a:bodyPr wrap="square">
+            <a:spAutoFit/>
+          </a:bodyPr>
+          <a:lstStyle/>
+          <a:p>
+            <a:pPr marL="285750" indent="-285750">
+              <a:buFont typeface="Arial" panose="020B0604020202020204" pitchFamily="34" charset="0"/>
+              <a:buChar char="•"/>
+            </a:pPr>
+            <a:r>
+              <a:rPr lang="ja-JP" altLang="en-US" sz="2000" dirty="0">
+                <a:solidFill>
+                  <a:srgbClr val="011893"/>
+                </a:solidFill>
+              </a:rPr>
+              <a:t>git init </a:t>
+            </a:r>
+            <a:r>
+              <a:rPr lang="ja-JP" altLang="en-US" sz="2000" dirty="0"/>
+              <a:t>リポジトリの初期化</a:t>
+            </a:r>
+          </a:p>
+          <a:p>
+            <a:pPr marL="285750" indent="-285750">
+              <a:buFont typeface="Arial" panose="020B0604020202020204" pitchFamily="34" charset="0"/>
+              <a:buChar char="•"/>
+            </a:pPr>
+            <a:r>
+              <a:rPr lang="ja-JP" altLang="en-US" sz="2000" dirty="0">
+                <a:solidFill>
+                  <a:srgbClr val="011893"/>
+                </a:solidFill>
+              </a:rPr>
+              <a:t>git add </a:t>
+            </a:r>
+            <a:r>
+              <a:rPr lang="ja-JP" altLang="en-US" sz="2000" dirty="0"/>
+              <a:t>インデックスへの登録</a:t>
+            </a:r>
+          </a:p>
+          <a:p>
+            <a:pPr marL="285750" indent="-285750">
+              <a:buFont typeface="Arial" panose="020B0604020202020204" pitchFamily="34" charset="0"/>
+              <a:buChar char="•"/>
+            </a:pPr>
+            <a:r>
+              <a:rPr lang="ja-JP" altLang="en-US" sz="2000" dirty="0">
+                <a:solidFill>
+                  <a:srgbClr val="011893"/>
+                </a:solidFill>
+              </a:rPr>
+              <a:t>git commit </a:t>
+            </a:r>
+            <a:r>
+              <a:rPr lang="ja-JP" altLang="en-US" sz="2000" dirty="0"/>
+              <a:t>インデックスにある状態をコミット</a:t>
+            </a:r>
+          </a:p>
+          <a:p>
+            <a:pPr marL="285750" indent="-285750">
+              <a:buFont typeface="Arial" panose="020B0604020202020204" pitchFamily="34" charset="0"/>
+              <a:buChar char="•"/>
+            </a:pPr>
+            <a:r>
+              <a:rPr lang="ja-JP" altLang="en-US" sz="2000" dirty="0">
+                <a:solidFill>
+                  <a:srgbClr val="011893"/>
+                </a:solidFill>
+              </a:rPr>
+              <a:t>git status </a:t>
+            </a:r>
+            <a:r>
+              <a:rPr lang="ja-JP" altLang="en-US" sz="2000" dirty="0"/>
+              <a:t>現在の状態を表示</a:t>
+            </a:r>
+          </a:p>
+          <a:p>
+            <a:pPr marL="285750" indent="-285750">
+              <a:buFont typeface="Arial" panose="020B0604020202020204" pitchFamily="34" charset="0"/>
+              <a:buChar char="•"/>
+            </a:pPr>
+            <a:r>
+              <a:rPr lang="ja-JP" altLang="en-US" sz="2000" dirty="0">
+                <a:solidFill>
+                  <a:srgbClr val="011893"/>
+                </a:solidFill>
+              </a:rPr>
+              <a:t>git diff </a:t>
+            </a:r>
+            <a:r>
+              <a:rPr lang="ja-JP" altLang="en-US" sz="2000" dirty="0"/>
+              <a:t>ワーキングツリー、インデックス、コミット間の差分を表示</a:t>
+            </a:r>
+          </a:p>
+          <a:p>
+            <a:pPr marL="285750" indent="-285750">
+              <a:buFont typeface="Arial" panose="020B0604020202020204" pitchFamily="34" charset="0"/>
+              <a:buChar char="•"/>
+            </a:pPr>
+            <a:r>
+              <a:rPr lang="ja-JP" altLang="en-US" sz="2000" dirty="0">
+                <a:solidFill>
+                  <a:srgbClr val="011893"/>
+                </a:solidFill>
+              </a:rPr>
+              <a:t>git log </a:t>
+            </a:r>
+            <a:r>
+              <a:rPr lang="ja-JP" altLang="en-US" sz="2000" dirty="0"/>
+              <a:t>歴史を表示</a:t>
+            </a:r>
+            <a:endParaRPr lang="en-US" altLang="ja-JP" sz="2000" dirty="0"/>
+          </a:p>
+          <a:p>
+            <a:pPr marL="285750" indent="-285750">
+              <a:buFont typeface="Arial" panose="020B0604020202020204" pitchFamily="34" charset="0"/>
+              <a:buChar char="•"/>
+            </a:pPr>
+            <a:r>
+              <a:rPr lang="en-US" altLang="ja-JP" sz="2000" dirty="0">
+                <a:solidFill>
+                  <a:srgbClr val="011893"/>
+                </a:solidFill>
+              </a:rPr>
+              <a:t>.</a:t>
+            </a:r>
+            <a:r>
+              <a:rPr lang="en-US" altLang="ja-JP" sz="2000" dirty="0" err="1">
+                <a:solidFill>
+                  <a:srgbClr val="011893"/>
+                </a:solidFill>
+              </a:rPr>
+              <a:t>gitignore</a:t>
+            </a:r>
+            <a:r>
+              <a:rPr lang="en-US" altLang="ja-JP" sz="2000" dirty="0">
+                <a:solidFill>
+                  <a:srgbClr val="011893"/>
+                </a:solidFill>
+              </a:rPr>
+              <a:t> </a:t>
+            </a:r>
+            <a:r>
+              <a:rPr lang="ja-JP" altLang="en-US" sz="2000" dirty="0"/>
+              <a:t>無視するファイルを指定する</a:t>
+            </a:r>
+          </a:p>
+        </p:txBody>
+      </p:sp>
+      <p:sp>
+        <p:nvSpPr>
+          <p:cNvPr id="4" name="テキスト ボックス 3">
+            <a:extLst>
+              <a:ext uri="{FF2B5EF4-FFF2-40B4-BE49-F238E27FC236}">
+                <a16:creationId xmlns:a16="http://schemas.microsoft.com/office/drawing/2014/main" id="{D120B0E7-BACD-4919-8B78-3DB0B799C74D}"/>
+              </a:ext>
+            </a:extLst>
+          </p:cNvPr>
+          <p:cNvSpPr txBox="1"/>
+          <p:nvPr/>
+        </p:nvSpPr>
+        <p:spPr>
+          <a:xfrm>
+            <a:off x="251520" y="1268760"/>
+            <a:ext cx="6647974" cy="523220"/>
+          </a:xfrm>
+          <a:prstGeom prst="rect">
+            <a:avLst/>
+          </a:prstGeom>
+          <a:noFill/>
+        </p:spPr>
+        <p:txBody>
+          <a:bodyPr wrap="none" rtlCol="0">
+            <a:spAutoFit/>
+          </a:bodyPr>
+          <a:lstStyle/>
+          <a:p>
+            <a:r>
+              <a:rPr kumimoji="1" lang="ja-JP" altLang="en-US" sz="2800" dirty="0"/>
+              <a:t>以下のコマンドや機能について説明した</a:t>
+            </a:r>
+          </a:p>
+        </p:txBody>
+      </p:sp>
+      <p:sp>
+        <p:nvSpPr>
+          <p:cNvPr id="6" name="テキスト ボックス 5">
+            <a:extLst>
+              <a:ext uri="{FF2B5EF4-FFF2-40B4-BE49-F238E27FC236}">
+                <a16:creationId xmlns:a16="http://schemas.microsoft.com/office/drawing/2014/main" id="{47785BB4-62A5-44BE-9CFC-50F454764428}"/>
+              </a:ext>
+            </a:extLst>
+          </p:cNvPr>
+          <p:cNvSpPr txBox="1"/>
+          <p:nvPr/>
+        </p:nvSpPr>
+        <p:spPr>
+          <a:xfrm>
+            <a:off x="323528" y="4653136"/>
+            <a:ext cx="8542723" cy="1384995"/>
+          </a:xfrm>
+          <a:prstGeom prst="rect">
+            <a:avLst/>
+          </a:prstGeom>
+          <a:noFill/>
+        </p:spPr>
+        <p:txBody>
+          <a:bodyPr wrap="none" rtlCol="0">
+            <a:spAutoFit/>
+          </a:bodyPr>
+          <a:lstStyle/>
+          <a:p>
+            <a:r>
+              <a:rPr kumimoji="1" lang="ja-JP" altLang="en-US" sz="2800" dirty="0"/>
+              <a:t>コマンドやオプションが非常に多いので、一度に</a:t>
+            </a:r>
+            <a:endParaRPr kumimoji="1" lang="en-US" altLang="ja-JP" sz="2800" dirty="0"/>
+          </a:p>
+          <a:p>
+            <a:r>
+              <a:rPr lang="ja-JP" altLang="en-US" sz="2800" dirty="0"/>
+              <a:t>覚える必要はない</a:t>
+            </a:r>
+            <a:endParaRPr kumimoji="1" lang="en-US" altLang="ja-JP" sz="2800" dirty="0"/>
+          </a:p>
+          <a:p>
+            <a:r>
+              <a:rPr kumimoji="1" lang="en-US" altLang="ja-JP" sz="2800" dirty="0"/>
+              <a:t>Git</a:t>
+            </a:r>
+            <a:r>
+              <a:rPr kumimoji="1" lang="ja-JP" altLang="en-US" sz="2800" dirty="0"/>
+              <a:t>はメッセージが非常に親切なので、ちゃんと読む</a:t>
+            </a:r>
+          </a:p>
+        </p:txBody>
+      </p:sp>
+    </p:spTree>
+    <p:extLst>
+      <p:ext uri="{BB962C8B-B14F-4D97-AF65-F5344CB8AC3E}">
+        <p14:creationId xmlns:p14="http://schemas.microsoft.com/office/powerpoint/2010/main" val="1570605996"/>
       </p:ext>
     </p:extLst>
   </p:cSld>

--- a/basics/fig/slide.pptx
+++ b/basics/fig/slide.pptx
@@ -236,7 +236,7 @@
           </a:lstStyle>
           <a:p>
             <a:fld id="{6B8D1B20-A248-FB47-8240-73C0C5F47C9D}" type="datetimeFigureOut">
-              <a:t>2021/9/29</a:t>
+              <a:t>2021/9/30</a:t>
             </a:fld>
             <a:endParaRPr kumimoji="1" lang="ja-JP" altLang="en-US"/>
           </a:p>
@@ -3709,7 +3709,7 @@
         <p:spPr>
           <a:xfrm>
             <a:off x="323528" y="1052736"/>
-            <a:ext cx="6320961" cy="461665"/>
+            <a:ext cx="7247497" cy="461665"/>
           </a:xfrm>
           <a:prstGeom prst="rect">
             <a:avLst/>
@@ -3728,7 +3728,7 @@
             </a:r>
             <a:r>
               <a:rPr kumimoji="1" lang="en-US" altLang="ja-JP" sz="2400" dirty="0"/>
-              <a:t>test.txt</a:t>
+              <a:t>README.md</a:t>
             </a:r>
             <a:r>
               <a:rPr lang="ja-JP" altLang="en-US" sz="2400" dirty="0"/>
@@ -7948,7 +7948,7 @@
             </a:r>
             <a:r>
               <a:rPr lang="en-US" altLang="ja-JP" sz="2400" dirty="0"/>
-              <a:t>git restore –staged </a:t>
+              <a:t>git restore --staged </a:t>
             </a:r>
             <a:r>
               <a:rPr lang="ja-JP" altLang="en-US" sz="2400" dirty="0"/>
@@ -11147,7 +11147,7 @@
         <p:spPr>
           <a:xfrm>
             <a:off x="755576" y="2420888"/>
-            <a:ext cx="6724918" cy="400110"/>
+            <a:ext cx="6865982" cy="400110"/>
           </a:xfrm>
           <a:prstGeom prst="rect">
             <a:avLst/>
@@ -11175,7 +11175,7 @@
               <a:rPr lang="en-US" altLang="ja-JP" sz="2000" dirty="0">
                 <a:latin typeface="Consolas" panose="020B0609020204030204" pitchFamily="49" charset="0"/>
               </a:rPr>
-              <a:t>git config –global alias.</a:t>
+              <a:t>git config --global alias.</a:t>
             </a:r>
             <a:r>
               <a:rPr lang="ja-JP" altLang="en-US" sz="2000" dirty="0">
@@ -11257,7 +11257,7 @@
         <p:spPr>
           <a:xfrm>
             <a:off x="1043608" y="4221088"/>
-            <a:ext cx="5968301" cy="400110"/>
+            <a:ext cx="6109365" cy="400110"/>
           </a:xfrm>
           <a:prstGeom prst="rect">
             <a:avLst/>
@@ -11285,7 +11285,7 @@
               <a:rPr lang="en-US" altLang="ja-JP" sz="2000" dirty="0">
                 <a:latin typeface="Consolas" panose="020B0609020204030204" pitchFamily="49" charset="0"/>
               </a:rPr>
-              <a:t>git config –global alias.st “status –s”</a:t>
+              <a:t>git config --global alias.st “status –s”</a:t>
             </a:r>
             <a:endParaRPr lang="ja-JP" altLang="en-US" sz="2000" dirty="0">
               <a:latin typeface="Consolas" panose="020B0609020204030204" pitchFamily="49" charset="0"/>

--- a/basics/fig/slide.pptx
+++ b/basics/fig/slide.pptx
@@ -236,7 +236,7 @@
           </a:lstStyle>
           <a:p>
             <a:fld id="{6B8D1B20-A248-FB47-8240-73C0C5F47C9D}" type="datetimeFigureOut">
-              <a:t>2021/9/30</a:t>
+              <a:t>2022/10/7</a:t>
             </a:fld>
             <a:endParaRPr kumimoji="1" lang="ja-JP" altLang="en-US"/>
           </a:p>
@@ -528,10 +528,54 @@
       </p:grpSpPr>
       <p:sp>
         <p:nvSpPr>
-          <p:cNvPr id="4" name="円/楕円 3">
-            <a:extLst>
-              <a:ext uri="{FF2B5EF4-FFF2-40B4-BE49-F238E27FC236}">
-                <a16:creationId xmlns:a16="http://schemas.microsoft.com/office/drawing/2014/main" id="{40BD511A-FE9E-B641-A323-1F2451D0C873}"/>
+          <p:cNvPr id="7" name="テキスト プレースホルダー 6">
+            <a:extLst>
+              <a:ext uri="{FF2B5EF4-FFF2-40B4-BE49-F238E27FC236}">
+                <a16:creationId xmlns:a16="http://schemas.microsoft.com/office/drawing/2014/main" id="{1977278B-6103-7448-8885-11FCA29D84A1}"/>
+              </a:ext>
+            </a:extLst>
+          </p:cNvPr>
+          <p:cNvSpPr>
+            <a:spLocks noGrp="1"/>
+          </p:cNvSpPr>
+          <p:nvPr>
+            <p:ph type="body" sz="quarter" idx="10"/>
+          </p:nvPr>
+        </p:nvSpPr>
+        <p:spPr>
+          <a:xfrm>
+            <a:off x="0" y="190133"/>
+            <a:ext cx="9144000" cy="754062"/>
+          </a:xfrm>
+          <a:prstGeom prst="rect">
+            <a:avLst/>
+          </a:prstGeom>
+        </p:spPr>
+        <p:txBody>
+          <a:bodyPr/>
+          <a:lstStyle>
+            <a:lvl1pPr marL="0" indent="0" algn="ctr">
+              <a:buNone/>
+              <a:defRPr sz="4000">
+                <a:ln>
+                  <a:solidFill>
+                    <a:srgbClr val="011893"/>
+                  </a:solidFill>
+                </a:ln>
+              </a:defRPr>
+            </a:lvl1pPr>
+          </a:lstStyle>
+          <a:p>
+            <a:endParaRPr kumimoji="1" lang="ja-JP" altLang="en-US"/>
+          </a:p>
+        </p:txBody>
+      </p:sp>
+      <p:sp>
+        <p:nvSpPr>
+          <p:cNvPr id="2" name="円/楕円 3">
+            <a:extLst>
+              <a:ext uri="{FF2B5EF4-FFF2-40B4-BE49-F238E27FC236}">
+                <a16:creationId xmlns:a16="http://schemas.microsoft.com/office/drawing/2014/main" id="{5E3DD271-F584-88CB-DDA2-DE3CD21F0748}"/>
               </a:ext>
             </a:extLst>
           </p:cNvPr>
@@ -540,8 +584,8 @@
         </p:nvSpPr>
         <p:spPr>
           <a:xfrm>
-            <a:off x="8651631" y="6350558"/>
-            <a:ext cx="411982" cy="411982"/>
+            <a:off x="8497721" y="6230795"/>
+            <a:ext cx="531173" cy="531173"/>
           </a:xfrm>
           <a:prstGeom prst="ellipse">
             <a:avLst/>
@@ -589,10 +633,10 @@
       </p:sp>
       <p:sp>
         <p:nvSpPr>
-          <p:cNvPr id="5" name="テキスト ボックス 4">
-            <a:extLst>
-              <a:ext uri="{FF2B5EF4-FFF2-40B4-BE49-F238E27FC236}">
-                <a16:creationId xmlns:a16="http://schemas.microsoft.com/office/drawing/2014/main" id="{80A01A1C-B0C5-904D-963A-785848775F4A}"/>
+          <p:cNvPr id="3" name="テキスト ボックス 2">
+            <a:extLst>
+              <a:ext uri="{FF2B5EF4-FFF2-40B4-BE49-F238E27FC236}">
+                <a16:creationId xmlns:a16="http://schemas.microsoft.com/office/drawing/2014/main" id="{9C489898-6B9B-9A92-2AF8-BADCFA834A62}"/>
               </a:ext>
             </a:extLst>
           </p:cNvPr>
@@ -601,7 +645,7 @@
         </p:nvSpPr>
         <p:spPr>
           <a:xfrm>
-            <a:off x="8661679" y="6400799"/>
+            <a:off x="8491428" y="6270575"/>
             <a:ext cx="401072" cy="307777"/>
           </a:xfrm>
           <a:prstGeom prst="rect">
@@ -621,51 +665,104 @@
               <a:pPr algn="ctr"/>
               <a:t>‹#›</a:t>
             </a:fld>
-            <a:endParaRPr kumimoji="1" lang="ja-JP" altLang="en-US" sz="1400"/>
-          </a:p>
-        </p:txBody>
-      </p:sp>
-      <p:sp>
-        <p:nvSpPr>
-          <p:cNvPr id="7" name="テキスト プレースホルダー 6">
-            <a:extLst>
-              <a:ext uri="{FF2B5EF4-FFF2-40B4-BE49-F238E27FC236}">
-                <a16:creationId xmlns:a16="http://schemas.microsoft.com/office/drawing/2014/main" id="{1977278B-6103-7448-8885-11FCA29D84A1}"/>
-              </a:ext>
-            </a:extLst>
-          </p:cNvPr>
-          <p:cNvSpPr>
-            <a:spLocks noGrp="1"/>
-          </p:cNvSpPr>
-          <p:nvPr>
-            <p:ph type="body" sz="quarter" idx="10"/>
-          </p:nvPr>
-        </p:nvSpPr>
-        <p:spPr>
-          <a:xfrm>
-            <a:off x="0" y="190133"/>
-            <a:ext cx="9144000" cy="754062"/>
-          </a:xfrm>
-          <a:prstGeom prst="rect">
-            <a:avLst/>
-          </a:prstGeom>
-        </p:spPr>
-        <p:txBody>
-          <a:bodyPr/>
-          <a:lstStyle>
-            <a:lvl1pPr marL="0" indent="0" algn="ctr">
-              <a:buNone/>
-              <a:defRPr sz="4000">
-                <a:ln>
-                  <a:solidFill>
-                    <a:srgbClr val="011893"/>
-                  </a:solidFill>
-                </a:ln>
-              </a:defRPr>
-            </a:lvl1pPr>
-          </a:lstStyle>
-          <a:p>
-            <a:endParaRPr kumimoji="1" lang="ja-JP" altLang="en-US"/>
+            <a:endParaRPr kumimoji="1" lang="ja-JP" altLang="en-US" sz="1400" dirty="0"/>
+          </a:p>
+        </p:txBody>
+      </p:sp>
+      <p:sp>
+        <p:nvSpPr>
+          <p:cNvPr id="6" name="弦 5">
+            <a:extLst>
+              <a:ext uri="{FF2B5EF4-FFF2-40B4-BE49-F238E27FC236}">
+                <a16:creationId xmlns:a16="http://schemas.microsoft.com/office/drawing/2014/main" id="{223BB59D-1EE1-26D0-BB8A-116BC67DE037}"/>
+              </a:ext>
+            </a:extLst>
+          </p:cNvPr>
+          <p:cNvSpPr/>
+          <p:nvPr userDrawn="1"/>
+        </p:nvSpPr>
+        <p:spPr>
+          <a:xfrm rot="16200000">
+            <a:off x="8491626" y="6224701"/>
+            <a:ext cx="588253" cy="576063"/>
+          </a:xfrm>
+          <a:prstGeom prst="chord">
+            <a:avLst>
+              <a:gd name="adj1" fmla="val 2700000"/>
+              <a:gd name="adj2" fmla="val 14142403"/>
+            </a:avLst>
+          </a:prstGeom>
+          <a:solidFill>
+            <a:schemeClr val="bg1">
+              <a:lumMod val="65000"/>
+            </a:schemeClr>
+          </a:solidFill>
+          <a:ln>
+            <a:noFill/>
+          </a:ln>
+          <a:effectLst>
+            <a:softEdge rad="31750"/>
+          </a:effectLst>
+        </p:spPr>
+        <p:style>
+          <a:lnRef idx="2">
+            <a:schemeClr val="accent1">
+              <a:shade val="50000"/>
+            </a:schemeClr>
+          </a:lnRef>
+          <a:fillRef idx="1">
+            <a:schemeClr val="accent1"/>
+          </a:fillRef>
+          <a:effectRef idx="0">
+            <a:schemeClr val="accent1"/>
+          </a:effectRef>
+          <a:fontRef idx="minor">
+            <a:schemeClr val="lt1"/>
+          </a:fontRef>
+        </p:style>
+        <p:txBody>
+          <a:bodyPr rtlCol="0" anchor="ctr"/>
+          <a:lstStyle/>
+          <a:p>
+            <a:pPr algn="ctr"/>
+            <a:endParaRPr kumimoji="1" lang="ja-JP" altLang="en-US" dirty="0"/>
+          </a:p>
+        </p:txBody>
+      </p:sp>
+      <p:sp>
+        <p:nvSpPr>
+          <p:cNvPr id="8" name="テキスト ボックス 7">
+            <a:extLst>
+              <a:ext uri="{FF2B5EF4-FFF2-40B4-BE49-F238E27FC236}">
+                <a16:creationId xmlns:a16="http://schemas.microsoft.com/office/drawing/2014/main" id="{43635BA0-EA34-4434-6D88-2417608B16B1}"/>
+              </a:ext>
+            </a:extLst>
+          </p:cNvPr>
+          <p:cNvSpPr txBox="1"/>
+          <p:nvPr userDrawn="1"/>
+        </p:nvSpPr>
+        <p:spPr>
+          <a:xfrm>
+            <a:off x="8596070" y="6442913"/>
+            <a:ext cx="496310" cy="307777"/>
+          </a:xfrm>
+          <a:prstGeom prst="rect">
+            <a:avLst/>
+          </a:prstGeom>
+          <a:noFill/>
+        </p:spPr>
+        <p:txBody>
+          <a:bodyPr wrap="square" rtlCol="0">
+            <a:spAutoFit/>
+          </a:bodyPr>
+          <a:lstStyle/>
+          <a:p>
+            <a:pPr algn="ctr"/>
+            <a:r>
+              <a:rPr kumimoji="1" lang="en-US" altLang="ja-JP" sz="1400"/>
+              <a:t>30</a:t>
+            </a:r>
+            <a:endParaRPr kumimoji="1" lang="en-US" altLang="ja-JP" sz="1400" dirty="0"/>
           </a:p>
         </p:txBody>
       </p:sp>
